--- a/content/docs/theory-analysis/kafka-idempotence-transaction/images/images.pptx
+++ b/content/docs/theory-analysis/kafka-idempotence-transaction/images/images.pptx
@@ -5,14 +5,16 @@
     <p:sldMasterId id="2147483648" r:id="rId1"/>
   </p:sldMasterIdLst>
   <p:notesMasterIdLst>
-    <p:notesMasterId r:id="rId7"/>
+    <p:notesMasterId r:id="rId9"/>
   </p:notesMasterIdLst>
   <p:sldIdLst>
-    <p:sldId id="416" r:id="rId2"/>
+    <p:sldId id="377" r:id="rId2"/>
     <p:sldId id="396" r:id="rId3"/>
-    <p:sldId id="419" r:id="rId4"/>
-    <p:sldId id="418" r:id="rId5"/>
-    <p:sldId id="417" r:id="rId6"/>
+    <p:sldId id="420" r:id="rId4"/>
+    <p:sldId id="416" r:id="rId5"/>
+    <p:sldId id="419" r:id="rId6"/>
+    <p:sldId id="418" r:id="rId7"/>
+    <p:sldId id="417" r:id="rId8"/>
   </p:sldIdLst>
   <p:sldSz cx="9144000" cy="5143500" type="screen16x9"/>
   <p:notesSz cx="6858000" cy="9144000"/>
@@ -217,7 +219,7 @@
           <a:p>
             <a:fld id="{6CD5550B-26C4-49A9-A5BA-636EF7BE6CE9}" type="datetimeFigureOut">
               <a:rPr lang="ko-KR" altLang="en-US" smtClean="0"/>
-              <a:t>2025. 11. 13.</a:t>
+              <a:t>2025. 11. 29.</a:t>
             </a:fld>
             <a:endParaRPr lang="ko-KR" altLang="en-US"/>
           </a:p>
@@ -492,6 +494,222 @@
         <p:cNvPr id="1" name="">
           <a:extLst>
             <a:ext uri="{FF2B5EF4-FFF2-40B4-BE49-F238E27FC236}">
+              <a16:creationId xmlns:a16="http://schemas.microsoft.com/office/drawing/2014/main" id="{D8913927-5D36-8841-D6AF-D4DB084EAE9B}"/>
+            </a:ext>
+          </a:extLst>
+        </p:cNvPr>
+        <p:cNvGrpSpPr/>
+        <p:nvPr/>
+      </p:nvGrpSpPr>
+      <p:grpSpPr>
+        <a:xfrm>
+          <a:off x="0" y="0"/>
+          <a:ext cx="0" cy="0"/>
+          <a:chOff x="0" y="0"/>
+          <a:chExt cx="0" cy="0"/>
+        </a:xfrm>
+      </p:grpSpPr>
+      <p:sp>
+        <p:nvSpPr>
+          <p:cNvPr id="2" name="슬라이드 이미지 개체 틀 1">
+            <a:extLst>
+              <a:ext uri="{FF2B5EF4-FFF2-40B4-BE49-F238E27FC236}">
+                <a16:creationId xmlns:a16="http://schemas.microsoft.com/office/drawing/2014/main" id="{1802F6FF-2143-5949-252A-D1DEEBE3E3F1}"/>
+              </a:ext>
+            </a:extLst>
+          </p:cNvPr>
+          <p:cNvSpPr>
+            <a:spLocks noGrp="1" noRot="1" noChangeAspect="1"/>
+          </p:cNvSpPr>
+          <p:nvPr>
+            <p:ph type="sldImg"/>
+          </p:nvPr>
+        </p:nvSpPr>
+        <p:spPr/>
+      </p:sp>
+      <p:sp>
+        <p:nvSpPr>
+          <p:cNvPr id="3" name="슬라이드 노트 개체 틀 2">
+            <a:extLst>
+              <a:ext uri="{FF2B5EF4-FFF2-40B4-BE49-F238E27FC236}">
+                <a16:creationId xmlns:a16="http://schemas.microsoft.com/office/drawing/2014/main" id="{7E2314DD-E9C4-253A-B701-41EE99B793AB}"/>
+              </a:ext>
+            </a:extLst>
+          </p:cNvPr>
+          <p:cNvSpPr>
+            <a:spLocks noGrp="1"/>
+          </p:cNvSpPr>
+          <p:nvPr>
+            <p:ph type="body" idx="1"/>
+          </p:nvPr>
+        </p:nvSpPr>
+        <p:spPr/>
+        <p:txBody>
+          <a:bodyPr/>
+          <a:lstStyle/>
+          <a:p>
+            <a:endParaRPr lang="ko-KR" altLang="en-US" dirty="0"/>
+          </a:p>
+        </p:txBody>
+      </p:sp>
+      <p:sp>
+        <p:nvSpPr>
+          <p:cNvPr id="4" name="슬라이드 번호 개체 틀 3">
+            <a:extLst>
+              <a:ext uri="{FF2B5EF4-FFF2-40B4-BE49-F238E27FC236}">
+                <a16:creationId xmlns:a16="http://schemas.microsoft.com/office/drawing/2014/main" id="{167D4AF7-8BB0-2C1B-7190-2A5AD12AEEFE}"/>
+              </a:ext>
+            </a:extLst>
+          </p:cNvPr>
+          <p:cNvSpPr>
+            <a:spLocks noGrp="1"/>
+          </p:cNvSpPr>
+          <p:nvPr>
+            <p:ph type="sldNum" sz="quarter" idx="10"/>
+          </p:nvPr>
+        </p:nvSpPr>
+        <p:spPr/>
+        <p:txBody>
+          <a:bodyPr/>
+          <a:lstStyle/>
+          <a:p>
+            <a:fld id="{BA5DFA43-8D57-47FB-BC46-057616015C3B}" type="slidenum">
+              <a:rPr lang="ko-KR" altLang="en-US" smtClean="0"/>
+              <a:t>1</a:t>
+            </a:fld>
+            <a:endParaRPr lang="ko-KR" altLang="en-US"/>
+          </a:p>
+        </p:txBody>
+      </p:sp>
+    </p:spTree>
+    <p:extLst>
+      <p:ext uri="{BB962C8B-B14F-4D97-AF65-F5344CB8AC3E}">
+        <p14:creationId xmlns:p14="http://schemas.microsoft.com/office/powerpoint/2010/main" val="705396749"/>
+      </p:ext>
+    </p:extLst>
+  </p:cSld>
+  <p:clrMapOvr>
+    <a:masterClrMapping/>
+  </p:clrMapOvr>
+</p:notes>
+</file>
+
+<file path=ppt/notesSlides/notesSlide2.xml><?xml version="1.0" encoding="utf-8"?>
+<p:notes xmlns:a="http://schemas.openxmlformats.org/drawingml/2006/main" xmlns:r="http://schemas.openxmlformats.org/officeDocument/2006/relationships" xmlns:p="http://schemas.openxmlformats.org/presentationml/2006/main">
+  <p:cSld>
+    <p:spTree>
+      <p:nvGrpSpPr>
+        <p:cNvPr id="1" name="">
+          <a:extLst>
+            <a:ext uri="{FF2B5EF4-FFF2-40B4-BE49-F238E27FC236}">
+              <a16:creationId xmlns:a16="http://schemas.microsoft.com/office/drawing/2014/main" id="{5BFDECD7-0E6F-4812-B3B5-62BFA1ACCF16}"/>
+            </a:ext>
+          </a:extLst>
+        </p:cNvPr>
+        <p:cNvGrpSpPr/>
+        <p:nvPr/>
+      </p:nvGrpSpPr>
+      <p:grpSpPr>
+        <a:xfrm>
+          <a:off x="0" y="0"/>
+          <a:ext cx="0" cy="0"/>
+          <a:chOff x="0" y="0"/>
+          <a:chExt cx="0" cy="0"/>
+        </a:xfrm>
+      </p:grpSpPr>
+      <p:sp>
+        <p:nvSpPr>
+          <p:cNvPr id="2" name="슬라이드 이미지 개체 틀 1">
+            <a:extLst>
+              <a:ext uri="{FF2B5EF4-FFF2-40B4-BE49-F238E27FC236}">
+                <a16:creationId xmlns:a16="http://schemas.microsoft.com/office/drawing/2014/main" id="{82E3BC30-51AA-3173-C245-C71297D7CDC3}"/>
+              </a:ext>
+            </a:extLst>
+          </p:cNvPr>
+          <p:cNvSpPr>
+            <a:spLocks noGrp="1" noRot="1" noChangeAspect="1"/>
+          </p:cNvSpPr>
+          <p:nvPr>
+            <p:ph type="sldImg"/>
+          </p:nvPr>
+        </p:nvSpPr>
+        <p:spPr/>
+      </p:sp>
+      <p:sp>
+        <p:nvSpPr>
+          <p:cNvPr id="3" name="슬라이드 노트 개체 틀 2">
+            <a:extLst>
+              <a:ext uri="{FF2B5EF4-FFF2-40B4-BE49-F238E27FC236}">
+                <a16:creationId xmlns:a16="http://schemas.microsoft.com/office/drawing/2014/main" id="{FE77A273-E4DA-9D33-6F99-40C0A80E0ABD}"/>
+              </a:ext>
+            </a:extLst>
+          </p:cNvPr>
+          <p:cNvSpPr>
+            <a:spLocks noGrp="1"/>
+          </p:cNvSpPr>
+          <p:nvPr>
+            <p:ph type="body" idx="1"/>
+          </p:nvPr>
+        </p:nvSpPr>
+        <p:spPr/>
+        <p:txBody>
+          <a:bodyPr/>
+          <a:lstStyle/>
+          <a:p>
+            <a:endParaRPr lang="ko-KR" altLang="en-US" dirty="0"/>
+          </a:p>
+        </p:txBody>
+      </p:sp>
+      <p:sp>
+        <p:nvSpPr>
+          <p:cNvPr id="4" name="슬라이드 번호 개체 틀 3">
+            <a:extLst>
+              <a:ext uri="{FF2B5EF4-FFF2-40B4-BE49-F238E27FC236}">
+                <a16:creationId xmlns:a16="http://schemas.microsoft.com/office/drawing/2014/main" id="{C7AE5089-3873-E7E6-CD7A-DB6C2643EEB4}"/>
+              </a:ext>
+            </a:extLst>
+          </p:cNvPr>
+          <p:cNvSpPr>
+            <a:spLocks noGrp="1"/>
+          </p:cNvSpPr>
+          <p:nvPr>
+            <p:ph type="sldNum" sz="quarter" idx="10"/>
+          </p:nvPr>
+        </p:nvSpPr>
+        <p:spPr/>
+        <p:txBody>
+          <a:bodyPr/>
+          <a:lstStyle/>
+          <a:p>
+            <a:fld id="{BA5DFA43-8D57-47FB-BC46-057616015C3B}" type="slidenum">
+              <a:rPr lang="ko-KR" altLang="en-US" smtClean="0"/>
+              <a:t>3</a:t>
+            </a:fld>
+            <a:endParaRPr lang="ko-KR" altLang="en-US"/>
+          </a:p>
+        </p:txBody>
+      </p:sp>
+    </p:spTree>
+    <p:extLst>
+      <p:ext uri="{BB962C8B-B14F-4D97-AF65-F5344CB8AC3E}">
+        <p14:creationId xmlns:p14="http://schemas.microsoft.com/office/powerpoint/2010/main" val="183275128"/>
+      </p:ext>
+    </p:extLst>
+  </p:cSld>
+  <p:clrMapOvr>
+    <a:masterClrMapping/>
+  </p:clrMapOvr>
+</p:notes>
+</file>
+
+<file path=ppt/notesSlides/notesSlide3.xml><?xml version="1.0" encoding="utf-8"?>
+<p:notes xmlns:a="http://schemas.openxmlformats.org/drawingml/2006/main" xmlns:r="http://schemas.openxmlformats.org/officeDocument/2006/relationships" xmlns:p="http://schemas.openxmlformats.org/presentationml/2006/main">
+  <p:cSld>
+    <p:spTree>
+      <p:nvGrpSpPr>
+        <p:cNvPr id="1" name="">
+          <a:extLst>
+            <a:ext uri="{FF2B5EF4-FFF2-40B4-BE49-F238E27FC236}">
               <a16:creationId xmlns:a16="http://schemas.microsoft.com/office/drawing/2014/main" id="{6BF2D585-D0CA-F14B-143E-8011EF5B7613}"/>
             </a:ext>
           </a:extLst>
@@ -573,7 +791,7 @@
           <a:p>
             <a:fld id="{BA5DFA43-8D57-47FB-BC46-057616015C3B}" type="slidenum">
               <a:rPr lang="ko-KR" altLang="en-US" smtClean="0"/>
-              <a:t>1</a:t>
+              <a:t>4</a:t>
             </a:fld>
             <a:endParaRPr lang="ko-KR" altLang="en-US"/>
           </a:p>
@@ -592,7 +810,7 @@
 </p:notes>
 </file>
 
-<file path=ppt/notesSlides/notesSlide2.xml><?xml version="1.0" encoding="utf-8"?>
+<file path=ppt/notesSlides/notesSlide4.xml><?xml version="1.0" encoding="utf-8"?>
 <p:notes xmlns:a="http://schemas.openxmlformats.org/drawingml/2006/main" xmlns:r="http://schemas.openxmlformats.org/officeDocument/2006/relationships" xmlns:p="http://schemas.openxmlformats.org/presentationml/2006/main">
   <p:cSld>
     <p:spTree>
@@ -681,7 +899,7 @@
           <a:p>
             <a:fld id="{BA5DFA43-8D57-47FB-BC46-057616015C3B}" type="slidenum">
               <a:rPr lang="ko-KR" altLang="en-US" smtClean="0"/>
-              <a:t>3</a:t>
+              <a:t>5</a:t>
             </a:fld>
             <a:endParaRPr lang="ko-KR" altLang="en-US"/>
           </a:p>
@@ -700,7 +918,7 @@
 </p:notes>
 </file>
 
-<file path=ppt/notesSlides/notesSlide3.xml><?xml version="1.0" encoding="utf-8"?>
+<file path=ppt/notesSlides/notesSlide5.xml><?xml version="1.0" encoding="utf-8"?>
 <p:notes xmlns:a="http://schemas.openxmlformats.org/drawingml/2006/main" xmlns:r="http://schemas.openxmlformats.org/officeDocument/2006/relationships" xmlns:p="http://schemas.openxmlformats.org/presentationml/2006/main">
   <p:cSld>
     <p:spTree>
@@ -789,7 +1007,7 @@
           <a:p>
             <a:fld id="{BA5DFA43-8D57-47FB-BC46-057616015C3B}" type="slidenum">
               <a:rPr lang="ko-KR" altLang="en-US" smtClean="0"/>
-              <a:t>4</a:t>
+              <a:t>6</a:t>
             </a:fld>
             <a:endParaRPr lang="ko-KR" altLang="en-US"/>
           </a:p>
@@ -808,7 +1026,7 @@
 </p:notes>
 </file>
 
-<file path=ppt/notesSlides/notesSlide4.xml><?xml version="1.0" encoding="utf-8"?>
+<file path=ppt/notesSlides/notesSlide6.xml><?xml version="1.0" encoding="utf-8"?>
 <p:notes xmlns:a="http://schemas.openxmlformats.org/drawingml/2006/main" xmlns:r="http://schemas.openxmlformats.org/officeDocument/2006/relationships" xmlns:p="http://schemas.openxmlformats.org/presentationml/2006/main">
   <p:cSld>
     <p:spTree>
@@ -897,7 +1115,7 @@
           <a:p>
             <a:fld id="{BA5DFA43-8D57-47FB-BC46-057616015C3B}" type="slidenum">
               <a:rPr lang="ko-KR" altLang="en-US" smtClean="0"/>
-              <a:t>5</a:t>
+              <a:t>7</a:t>
             </a:fld>
             <a:endParaRPr lang="ko-KR" altLang="en-US"/>
           </a:p>
@@ -1095,7 +1313,7 @@
           <a:p>
             <a:fld id="{FB30EDBD-1C2D-4C1E-B459-B60219FAB484}" type="datetimeFigureOut">
               <a:rPr lang="ko-KR" altLang="en-US" smtClean="0"/>
-              <a:t>2025. 11. 13.</a:t>
+              <a:t>2025. 11. 29.</a:t>
             </a:fld>
             <a:endParaRPr lang="ko-KR" altLang="en-US"/>
           </a:p>
@@ -1258,7 +1476,7 @@
           <a:p>
             <a:fld id="{FB30EDBD-1C2D-4C1E-B459-B60219FAB484}" type="datetimeFigureOut">
               <a:rPr lang="ko-KR" altLang="en-US" smtClean="0"/>
-              <a:t>2025. 11. 13.</a:t>
+              <a:t>2025. 11. 29.</a:t>
             </a:fld>
             <a:endParaRPr lang="ko-KR" altLang="en-US"/>
           </a:p>
@@ -1431,7 +1649,7 @@
           <a:p>
             <a:fld id="{FB30EDBD-1C2D-4C1E-B459-B60219FAB484}" type="datetimeFigureOut">
               <a:rPr lang="ko-KR" altLang="en-US" smtClean="0"/>
-              <a:t>2025. 11. 13.</a:t>
+              <a:t>2025. 11. 29.</a:t>
             </a:fld>
             <a:endParaRPr lang="ko-KR" altLang="en-US"/>
           </a:p>
@@ -1594,7 +1812,7 @@
           <a:p>
             <a:fld id="{FB30EDBD-1C2D-4C1E-B459-B60219FAB484}" type="datetimeFigureOut">
               <a:rPr lang="ko-KR" altLang="en-US" smtClean="0"/>
-              <a:t>2025. 11. 13.</a:t>
+              <a:t>2025. 11. 29.</a:t>
             </a:fld>
             <a:endParaRPr lang="ko-KR" altLang="en-US"/>
           </a:p>
@@ -1834,7 +2052,7 @@
           <a:p>
             <a:fld id="{FB30EDBD-1C2D-4C1E-B459-B60219FAB484}" type="datetimeFigureOut">
               <a:rPr lang="ko-KR" altLang="en-US" smtClean="0"/>
-              <a:t>2025. 11. 13.</a:t>
+              <a:t>2025. 11. 29.</a:t>
             </a:fld>
             <a:endParaRPr lang="ko-KR" altLang="en-US"/>
           </a:p>
@@ -2114,7 +2332,7 @@
           <a:p>
             <a:fld id="{FB30EDBD-1C2D-4C1E-B459-B60219FAB484}" type="datetimeFigureOut">
               <a:rPr lang="ko-KR" altLang="en-US" smtClean="0"/>
-              <a:t>2025. 11. 13.</a:t>
+              <a:t>2025. 11. 29.</a:t>
             </a:fld>
             <a:endParaRPr lang="ko-KR" altLang="en-US"/>
           </a:p>
@@ -2528,7 +2746,7 @@
           <a:p>
             <a:fld id="{FB30EDBD-1C2D-4C1E-B459-B60219FAB484}" type="datetimeFigureOut">
               <a:rPr lang="ko-KR" altLang="en-US" smtClean="0"/>
-              <a:t>2025. 11. 13.</a:t>
+              <a:t>2025. 11. 29.</a:t>
             </a:fld>
             <a:endParaRPr lang="ko-KR" altLang="en-US"/>
           </a:p>
@@ -2640,7 +2858,7 @@
           <a:p>
             <a:fld id="{FB30EDBD-1C2D-4C1E-B459-B60219FAB484}" type="datetimeFigureOut">
               <a:rPr lang="ko-KR" altLang="en-US" smtClean="0"/>
-              <a:t>2025. 11. 13.</a:t>
+              <a:t>2025. 11. 29.</a:t>
             </a:fld>
             <a:endParaRPr lang="ko-KR" altLang="en-US"/>
           </a:p>
@@ -2730,7 +2948,7 @@
           <a:p>
             <a:fld id="{FB30EDBD-1C2D-4C1E-B459-B60219FAB484}" type="datetimeFigureOut">
               <a:rPr lang="ko-KR" altLang="en-US" smtClean="0"/>
-              <a:t>2025. 11. 13.</a:t>
+              <a:t>2025. 11. 29.</a:t>
             </a:fld>
             <a:endParaRPr lang="ko-KR" altLang="en-US"/>
           </a:p>
@@ -3000,7 +3218,7 @@
           <a:p>
             <a:fld id="{FB30EDBD-1C2D-4C1E-B459-B60219FAB484}" type="datetimeFigureOut">
               <a:rPr lang="ko-KR" altLang="en-US" smtClean="0"/>
-              <a:t>2025. 11. 13.</a:t>
+              <a:t>2025. 11. 29.</a:t>
             </a:fld>
             <a:endParaRPr lang="ko-KR" altLang="en-US"/>
           </a:p>
@@ -3247,7 +3465,7 @@
           <a:p>
             <a:fld id="{FB30EDBD-1C2D-4C1E-B459-B60219FAB484}" type="datetimeFigureOut">
               <a:rPr lang="ko-KR" altLang="en-US" smtClean="0"/>
-              <a:t>2025. 11. 13.</a:t>
+              <a:t>2025. 11. 29.</a:t>
             </a:fld>
             <a:endParaRPr lang="ko-KR" altLang="en-US"/>
           </a:p>
@@ -3453,7 +3671,7 @@
           <a:p>
             <a:fld id="{FB30EDBD-1C2D-4C1E-B459-B60219FAB484}" type="datetimeFigureOut">
               <a:rPr lang="ko-KR" altLang="en-US" smtClean="0"/>
-              <a:t>2025. 11. 13.</a:t>
+              <a:t>2025. 11. 29.</a:t>
             </a:fld>
             <a:endParaRPr lang="ko-KR" altLang="en-US"/>
           </a:p>
@@ -3814,7 +4032,7 @@
         <p:cNvPr id="1" name="">
           <a:extLst>
             <a:ext uri="{FF2B5EF4-FFF2-40B4-BE49-F238E27FC236}">
-              <a16:creationId xmlns:a16="http://schemas.microsoft.com/office/drawing/2014/main" id="{AA3B7B0F-BF68-07D3-4C3B-21FE8505A4A2}"/>
+              <a16:creationId xmlns:a16="http://schemas.microsoft.com/office/drawing/2014/main" id="{24B398F3-F283-FBEA-5021-FBAF1024C2FE}"/>
             </a:ext>
           </a:extLst>
         </p:cNvPr>
@@ -3831,10 +4049,10 @@
       </p:grpSpPr>
       <p:sp>
         <p:nvSpPr>
-          <p:cNvPr id="28" name="모서리가 둥근 직사각형 18">
-            <a:extLst>
-              <a:ext uri="{FF2B5EF4-FFF2-40B4-BE49-F238E27FC236}">
-                <a16:creationId xmlns:a16="http://schemas.microsoft.com/office/drawing/2014/main" id="{F2ED092F-ACC2-2100-9293-543116AAA04A}"/>
+          <p:cNvPr id="122" name="사각형: 둥근 모서리 121">
+            <a:extLst>
+              <a:ext uri="{FF2B5EF4-FFF2-40B4-BE49-F238E27FC236}">
+                <a16:creationId xmlns:a16="http://schemas.microsoft.com/office/drawing/2014/main" id="{FB9EA990-ED26-FBD5-CD0D-8CC4B6EBE86A}"/>
               </a:ext>
             </a:extLst>
           </p:cNvPr>
@@ -3843,16 +4061,18 @@
         </p:nvSpPr>
         <p:spPr>
           <a:xfrm>
-            <a:off x="3427356" y="2268951"/>
-            <a:ext cx="1828712" cy="1512169"/>
+            <a:off x="235641" y="3494915"/>
+            <a:ext cx="1122025" cy="576124"/>
           </a:xfrm>
           <a:prstGeom prst="roundRect">
             <a:avLst>
-              <a:gd name="adj" fmla="val 6644"/>
+              <a:gd name="adj" fmla="val 14105"/>
             </a:avLst>
           </a:prstGeom>
-          <a:noFill/>
-          <a:ln w="12700"/>
+          <a:ln w="12700">
+            <a:headEnd type="none" w="med" len="med"/>
+            <a:tailEnd type="triangle" w="med" len="med"/>
+          </a:ln>
         </p:spPr>
         <p:style>
           <a:lnRef idx="2">
@@ -3869,70 +4089,24 @@
           </a:fontRef>
         </p:style>
         <p:txBody>
-          <a:bodyPr rtlCol="0" anchor="b"/>
-          <a:lstStyle/>
-          <a:p>
-            <a:pPr algn="r"/>
+          <a:bodyPr rtlCol="0" anchor="ctr"/>
+          <a:lstStyle/>
+          <a:p>
+            <a:pPr algn="ctr"/>
             <a:r>
               <a:rPr lang="en-US" altLang="ko-KR" sz="1000"/>
-              <a:t>Kafka</a:t>
-            </a:r>
-          </a:p>
-        </p:txBody>
-      </p:sp>
-      <p:pic>
-        <p:nvPicPr>
-          <p:cNvPr id="29" name="Picture 12" descr="kafka icon&quot; Icon - Download for free – Iconduck">
-            <a:extLst>
-              <a:ext uri="{FF2B5EF4-FFF2-40B4-BE49-F238E27FC236}">
-                <a16:creationId xmlns:a16="http://schemas.microsoft.com/office/drawing/2014/main" id="{A08BF677-9AFB-B6A5-F1E6-1BC6B7872743}"/>
-              </a:ext>
-            </a:extLst>
-          </p:cNvPr>
-          <p:cNvPicPr>
-            <a:picLocks noChangeAspect="1" noChangeArrowheads="1"/>
-          </p:cNvPicPr>
-          <p:nvPr/>
-        </p:nvPicPr>
-        <p:blipFill>
-          <a:blip r:embed="rId3">
-            <a:extLst>
-              <a:ext uri="{28A0092B-C50C-407E-A947-70E740481C1C}">
-                <a14:useLocalDpi xmlns:a14="http://schemas.microsoft.com/office/drawing/2010/main" val="0"/>
-              </a:ext>
-            </a:extLst>
-          </a:blip>
-          <a:srcRect/>
-          <a:stretch>
-            <a:fillRect/>
-          </a:stretch>
-        </p:blipFill>
-        <p:spPr bwMode="auto">
-          <a:xfrm>
-            <a:off x="4591135" y="3401460"/>
-            <a:ext cx="176967" cy="285118"/>
-          </a:xfrm>
-          <a:prstGeom prst="rect">
-            <a:avLst/>
-          </a:prstGeom>
-          <a:noFill/>
-          <a:extLst>
-            <a:ext uri="{909E8E84-426E-40DD-AFC4-6F175D3DCCD1}">
-              <a14:hiddenFill xmlns:a14="http://schemas.microsoft.com/office/drawing/2010/main">
-                <a:solidFill>
-                  <a:srgbClr val="FFFFFF"/>
-                </a:solidFill>
-              </a14:hiddenFill>
-            </a:ext>
-          </a:extLst>
-        </p:spPr>
-      </p:pic>
-      <p:sp>
-        <p:nvSpPr>
-          <p:cNvPr id="30" name="모서리가 둥근 직사각형 18">
-            <a:extLst>
-              <a:ext uri="{FF2B5EF4-FFF2-40B4-BE49-F238E27FC236}">
-                <a16:creationId xmlns:a16="http://schemas.microsoft.com/office/drawing/2014/main" id="{02D3FEE0-6F34-08B2-9CBC-DB5F0C08C865}"/>
+              <a:t>Producer B</a:t>
+            </a:r>
+            <a:endParaRPr lang="ko-KR" altLang="en-US" sz="1000" dirty="0"/>
+          </a:p>
+        </p:txBody>
+      </p:sp>
+      <p:sp>
+        <p:nvSpPr>
+          <p:cNvPr id="57" name="사각형: 둥근 모서리 56">
+            <a:extLst>
+              <a:ext uri="{FF2B5EF4-FFF2-40B4-BE49-F238E27FC236}">
+                <a16:creationId xmlns:a16="http://schemas.microsoft.com/office/drawing/2014/main" id="{A9F70542-48BE-22BC-76A0-D947A891D7A1}"/>
               </a:ext>
             </a:extLst>
           </p:cNvPr>
@@ -3941,16 +4115,18 @@
         </p:nvSpPr>
         <p:spPr>
           <a:xfrm>
-            <a:off x="3528604" y="2368701"/>
-            <a:ext cx="1626216" cy="418488"/>
+            <a:off x="235641" y="1242229"/>
+            <a:ext cx="1122025" cy="576124"/>
           </a:xfrm>
           <a:prstGeom prst="roundRect">
             <a:avLst>
-              <a:gd name="adj" fmla="val 20203"/>
+              <a:gd name="adj" fmla="val 14105"/>
             </a:avLst>
           </a:prstGeom>
-          <a:noFill/>
-          <a:ln w="12700"/>
+          <a:ln w="12700">
+            <a:headEnd type="none" w="med" len="med"/>
+            <a:tailEnd type="triangle" w="med" len="med"/>
+          </a:ln>
         </p:spPr>
         <p:style>
           <a:lnRef idx="2">
@@ -3972,25 +4148,19 @@
           <a:p>
             <a:pPr algn="ctr"/>
             <a:r>
-              <a:rPr lang="en-US" altLang="ko-KR" sz="900" b="1"/>
-              <a:t>_schemas</a:t>
-            </a:r>
-          </a:p>
-          <a:p>
-            <a:pPr algn="ctr"/>
-            <a:r>
-              <a:rPr lang="en-US" altLang="ko-KR" sz="900"/>
-              <a:t>Topic</a:t>
-            </a:r>
-          </a:p>
-        </p:txBody>
-      </p:sp>
-      <p:sp>
-        <p:nvSpPr>
-          <p:cNvPr id="52" name="모서리가 둥근 직사각형 18">
-            <a:extLst>
-              <a:ext uri="{FF2B5EF4-FFF2-40B4-BE49-F238E27FC236}">
-                <a16:creationId xmlns:a16="http://schemas.microsoft.com/office/drawing/2014/main" id="{AC17B257-0D98-5E5A-283F-E368FFA598C0}"/>
+              <a:rPr lang="en-US" altLang="ko-KR" sz="1000"/>
+              <a:t>Producer A</a:t>
+            </a:r>
+            <a:endParaRPr lang="ko-KR" altLang="en-US" sz="1000" dirty="0"/>
+          </a:p>
+        </p:txBody>
+      </p:sp>
+      <p:sp>
+        <p:nvSpPr>
+          <p:cNvPr id="25" name="사각형: 둥근 모서리 6">
+            <a:extLst>
+              <a:ext uri="{FF2B5EF4-FFF2-40B4-BE49-F238E27FC236}">
+                <a16:creationId xmlns:a16="http://schemas.microsoft.com/office/drawing/2014/main" id="{A801550C-B1D1-A03C-2A49-59F3373505D5}"/>
               </a:ext>
             </a:extLst>
           </p:cNvPr>
@@ -3999,16 +4169,18 @@
         </p:nvSpPr>
         <p:spPr>
           <a:xfrm>
-            <a:off x="3528604" y="2883223"/>
-            <a:ext cx="1626217" cy="418488"/>
+            <a:off x="6019614" y="102472"/>
+            <a:ext cx="2888746" cy="4845542"/>
           </a:xfrm>
           <a:prstGeom prst="roundRect">
             <a:avLst>
-              <a:gd name="adj" fmla="val 20203"/>
+              <a:gd name="adj" fmla="val 4353"/>
             </a:avLst>
           </a:prstGeom>
-          <a:noFill/>
-          <a:ln w="12700"/>
+          <a:ln w="12700">
+            <a:headEnd type="none" w="med" len="med"/>
+            <a:tailEnd type="triangle" w="med" len="med"/>
+          </a:ln>
         </p:spPr>
         <p:style>
           <a:lnRef idx="2">
@@ -4025,30 +4197,24 @@
           </a:fontRef>
         </p:style>
         <p:txBody>
-          <a:bodyPr rtlCol="0" anchor="ctr"/>
-          <a:lstStyle/>
-          <a:p>
-            <a:pPr algn="ctr"/>
-            <a:r>
-              <a:rPr lang="en-US" altLang="ko-KR" sz="900" b="1"/>
-              <a:t>message</a:t>
-            </a:r>
-          </a:p>
-          <a:p>
-            <a:pPr algn="ctr"/>
-            <a:r>
-              <a:rPr lang="en-US" altLang="ko-KR" sz="900"/>
-              <a:t>Topic</a:t>
-            </a:r>
-          </a:p>
-        </p:txBody>
-      </p:sp>
-      <p:sp>
-        <p:nvSpPr>
-          <p:cNvPr id="77" name="모서리가 둥근 직사각형 18">
-            <a:extLst>
-              <a:ext uri="{FF2B5EF4-FFF2-40B4-BE49-F238E27FC236}">
-                <a16:creationId xmlns:a16="http://schemas.microsoft.com/office/drawing/2014/main" id="{16ED8D8A-CF09-476A-81B3-CC34FA1B48DE}"/>
+          <a:bodyPr rtlCol="0" anchor="b"/>
+          <a:lstStyle/>
+          <a:p>
+            <a:pPr algn="ctr"/>
+            <a:r>
+              <a:rPr lang="en-US" altLang="ko-KR" sz="1000" dirty="0"/>
+              <a:t>Kafka Broker A</a:t>
+            </a:r>
+            <a:endParaRPr lang="ko-KR" altLang="en-US" sz="1000" dirty="0"/>
+          </a:p>
+        </p:txBody>
+      </p:sp>
+      <p:sp>
+        <p:nvSpPr>
+          <p:cNvPr id="26" name="사각형: 둥근 모서리 12">
+            <a:extLst>
+              <a:ext uri="{FF2B5EF4-FFF2-40B4-BE49-F238E27FC236}">
+                <a16:creationId xmlns:a16="http://schemas.microsoft.com/office/drawing/2014/main" id="{19D6CA6A-6C13-DAD3-9BAB-3A5DCBB5AFEB}"/>
               </a:ext>
             </a:extLst>
           </p:cNvPr>
@@ -4057,16 +4223,19 @@
         </p:nvSpPr>
         <p:spPr>
           <a:xfrm>
-            <a:off x="3635896" y="1059582"/>
-            <a:ext cx="1411634" cy="776019"/>
+            <a:off x="6743907" y="3101751"/>
+            <a:ext cx="1440160" cy="268948"/>
           </a:xfrm>
           <a:prstGeom prst="roundRect">
             <a:avLst>
-              <a:gd name="adj" fmla="val 15414"/>
+              <a:gd name="adj" fmla="val 14105"/>
             </a:avLst>
           </a:prstGeom>
           <a:noFill/>
-          <a:ln w="12700"/>
+          <a:ln w="12700">
+            <a:headEnd type="none" w="med" len="med"/>
+            <a:tailEnd type="triangle" w="med" len="med"/>
+          </a:ln>
         </p:spPr>
         <p:style>
           <a:lnRef idx="2">
@@ -4087,81 +4256,24 @@
           <a:lstStyle/>
           <a:p>
             <a:pPr algn="ctr"/>
-            <a:endParaRPr lang="en-US" altLang="ko-KR" sz="1000"/>
-          </a:p>
-          <a:p>
-            <a:pPr algn="ctr"/>
-            <a:endParaRPr lang="en-US" altLang="ko-KR" sz="1000"/>
-          </a:p>
-          <a:p>
-            <a:pPr algn="ctr"/>
-            <a:r>
-              <a:rPr lang="en-US" altLang="ko-KR" sz="1000"/>
-              <a:t>Kafka Schema</a:t>
-            </a:r>
-          </a:p>
-          <a:p>
-            <a:pPr algn="ctr"/>
-            <a:r>
-              <a:rPr lang="en-US" altLang="ko-KR" sz="1000"/>
-              <a:t>Registry</a:t>
-            </a:r>
-          </a:p>
-        </p:txBody>
-      </p:sp>
-      <p:pic>
-        <p:nvPicPr>
-          <p:cNvPr id="79" name="Picture 12" descr="kafka icon&quot; Icon - Download for free – Iconduck">
-            <a:extLst>
-              <a:ext uri="{FF2B5EF4-FFF2-40B4-BE49-F238E27FC236}">
-                <a16:creationId xmlns:a16="http://schemas.microsoft.com/office/drawing/2014/main" id="{4B39612B-28CA-E93B-49B2-92FF6003D3C9}"/>
-              </a:ext>
-            </a:extLst>
-          </p:cNvPr>
-          <p:cNvPicPr>
-            <a:picLocks noChangeAspect="1" noChangeArrowheads="1"/>
-          </p:cNvPicPr>
-          <p:nvPr/>
-        </p:nvPicPr>
-        <p:blipFill>
-          <a:blip r:embed="rId3">
-            <a:extLst>
-              <a:ext uri="{28A0092B-C50C-407E-A947-70E740481C1C}">
-                <a14:useLocalDpi xmlns:a14="http://schemas.microsoft.com/office/drawing/2010/main" val="0"/>
-              </a:ext>
-            </a:extLst>
-          </a:blip>
-          <a:srcRect/>
-          <a:stretch>
-            <a:fillRect/>
-          </a:stretch>
-        </p:blipFill>
-        <p:spPr bwMode="auto">
-          <a:xfrm>
-            <a:off x="4253229" y="1143416"/>
-            <a:ext cx="176967" cy="285118"/>
-          </a:xfrm>
-          <a:prstGeom prst="rect">
-            <a:avLst/>
-          </a:prstGeom>
-          <a:noFill/>
-          <a:extLst>
-            <a:ext uri="{909E8E84-426E-40DD-AFC4-6F175D3DCCD1}">
-              <a14:hiddenFill xmlns:a14="http://schemas.microsoft.com/office/drawing/2010/main">
-                <a:solidFill>
-                  <a:srgbClr val="FFFFFF"/>
-                </a:solidFill>
-              </a14:hiddenFill>
-            </a:ext>
-          </a:extLst>
-        </p:spPr>
-      </p:pic>
-      <p:sp>
-        <p:nvSpPr>
-          <p:cNvPr id="2" name="모서리가 둥근 직사각형 18">
-            <a:extLst>
-              <a:ext uri="{FF2B5EF4-FFF2-40B4-BE49-F238E27FC236}">
-                <a16:creationId xmlns:a16="http://schemas.microsoft.com/office/drawing/2014/main" id="{BD17C77D-CCE7-28BB-77D8-AF1097A0ECB2}"/>
+            <a:r>
+              <a:rPr lang="en-US" altLang="ko-KR" sz="900"/>
+              <a:t>Partition </a:t>
+            </a:r>
+            <a:r>
+              <a:rPr lang="en-US" altLang="ko-KR" sz="900" dirty="0"/>
+              <a:t>0</a:t>
+            </a:r>
+            <a:endParaRPr lang="ko-KR" altLang="en-US" sz="900" dirty="0"/>
+          </a:p>
+        </p:txBody>
+      </p:sp>
+      <p:sp>
+        <p:nvSpPr>
+          <p:cNvPr id="27" name="사각형: 둥근 모서리 12">
+            <a:extLst>
+              <a:ext uri="{FF2B5EF4-FFF2-40B4-BE49-F238E27FC236}">
+                <a16:creationId xmlns:a16="http://schemas.microsoft.com/office/drawing/2014/main" id="{9302DDBA-98E3-930B-1F4B-AC069C4DEC72}"/>
               </a:ext>
             </a:extLst>
           </p:cNvPr>
@@ -4170,16 +4282,19 @@
         </p:nvSpPr>
         <p:spPr>
           <a:xfrm>
-            <a:off x="1115616" y="2883223"/>
-            <a:ext cx="1411645" cy="418488"/>
+            <a:off x="6743907" y="3885810"/>
+            <a:ext cx="1440160" cy="268948"/>
           </a:xfrm>
           <a:prstGeom prst="roundRect">
             <a:avLst>
-              <a:gd name="adj" fmla="val 17911"/>
+              <a:gd name="adj" fmla="val 14105"/>
             </a:avLst>
           </a:prstGeom>
           <a:noFill/>
-          <a:ln w="12700"/>
+          <a:ln w="12700">
+            <a:headEnd type="none" w="med" len="med"/>
+            <a:tailEnd type="triangle" w="med" len="med"/>
+          </a:ln>
         </p:spPr>
         <p:style>
           <a:lnRef idx="2">
@@ -4201,18 +4316,23 @@
           <a:p>
             <a:pPr algn="ctr"/>
             <a:r>
-              <a:rPr lang="en-US" altLang="ko-KR" sz="1000"/>
-              <a:t>Producer</a:t>
-            </a:r>
-          </a:p>
-        </p:txBody>
-      </p:sp>
-      <p:sp>
-        <p:nvSpPr>
-          <p:cNvPr id="6" name="모서리가 둥근 직사각형 18">
-            <a:extLst>
-              <a:ext uri="{FF2B5EF4-FFF2-40B4-BE49-F238E27FC236}">
-                <a16:creationId xmlns:a16="http://schemas.microsoft.com/office/drawing/2014/main" id="{7D44A04E-B3FE-D369-6684-CC7CCB9BADDA}"/>
+              <a:rPr lang="en-US" altLang="ko-KR" sz="900"/>
+              <a:t>Partition </a:t>
+            </a:r>
+            <a:r>
+              <a:rPr lang="en-US" altLang="ko-KR" sz="900" dirty="0"/>
+              <a:t>0</a:t>
+            </a:r>
+            <a:endParaRPr lang="ko-KR" altLang="en-US" sz="900" dirty="0"/>
+          </a:p>
+        </p:txBody>
+      </p:sp>
+      <p:sp>
+        <p:nvSpPr>
+          <p:cNvPr id="28" name="사각형: 둥근 모서리 70">
+            <a:extLst>
+              <a:ext uri="{FF2B5EF4-FFF2-40B4-BE49-F238E27FC236}">
+                <a16:creationId xmlns:a16="http://schemas.microsoft.com/office/drawing/2014/main" id="{602FF916-CB31-6708-9E3A-E5544C488936}"/>
               </a:ext>
             </a:extLst>
           </p:cNvPr>
@@ -4221,16 +4341,20 @@
         </p:nvSpPr>
         <p:spPr>
           <a:xfrm>
-            <a:off x="6156163" y="2883223"/>
-            <a:ext cx="1411645" cy="418488"/>
+            <a:off x="6641063" y="2807190"/>
+            <a:ext cx="1645849" cy="631715"/>
           </a:xfrm>
           <a:prstGeom prst="roundRect">
             <a:avLst>
-              <a:gd name="adj" fmla="val 17911"/>
+              <a:gd name="adj" fmla="val 10885"/>
             </a:avLst>
           </a:prstGeom>
           <a:noFill/>
-          <a:ln w="12700"/>
+          <a:ln w="12700">
+            <a:prstDash val="dash"/>
+            <a:headEnd type="none" w="med" len="med"/>
+            <a:tailEnd type="triangle" w="med" len="med"/>
+          </a:ln>
         </p:spPr>
         <p:style>
           <a:lnRef idx="2">
@@ -4247,46 +4371,163 @@
           </a:fontRef>
         </p:style>
         <p:txBody>
+          <a:bodyPr rtlCol="0" anchor="t"/>
+          <a:lstStyle/>
+          <a:p>
+            <a:pPr algn="ctr"/>
+            <a:r>
+              <a:rPr lang="en-US" altLang="ko-KR" sz="1000" dirty="0"/>
+              <a:t>Topic A</a:t>
+            </a:r>
+            <a:endParaRPr lang="ko-KR" altLang="en-US" sz="1000" dirty="0"/>
+          </a:p>
+        </p:txBody>
+      </p:sp>
+      <p:sp>
+        <p:nvSpPr>
+          <p:cNvPr id="29" name="사각형: 둥근 모서리 70">
+            <a:extLst>
+              <a:ext uri="{FF2B5EF4-FFF2-40B4-BE49-F238E27FC236}">
+                <a16:creationId xmlns:a16="http://schemas.microsoft.com/office/drawing/2014/main" id="{3A632FAB-4D4B-F174-902B-73AE9564318B}"/>
+              </a:ext>
+            </a:extLst>
+          </p:cNvPr>
+          <p:cNvSpPr/>
+          <p:nvPr/>
+        </p:nvSpPr>
+        <p:spPr>
+          <a:xfrm>
+            <a:off x="6641063" y="3531791"/>
+            <a:ext cx="1645849" cy="1104768"/>
+          </a:xfrm>
+          <a:prstGeom prst="roundRect">
+            <a:avLst>
+              <a:gd name="adj" fmla="val 7875"/>
+            </a:avLst>
+          </a:prstGeom>
+          <a:noFill/>
+          <a:ln w="12700">
+            <a:prstDash val="dash"/>
+            <a:headEnd type="none" w="med" len="med"/>
+            <a:tailEnd type="triangle" w="med" len="med"/>
+          </a:ln>
+        </p:spPr>
+        <p:style>
+          <a:lnRef idx="2">
+            <a:schemeClr val="dk1"/>
+          </a:lnRef>
+          <a:fillRef idx="1">
+            <a:schemeClr val="lt1"/>
+          </a:fillRef>
+          <a:effectRef idx="0">
+            <a:schemeClr val="dk1"/>
+          </a:effectRef>
+          <a:fontRef idx="minor">
+            <a:schemeClr val="dk1"/>
+          </a:fontRef>
+        </p:style>
+        <p:txBody>
+          <a:bodyPr rtlCol="0" anchor="t"/>
+          <a:lstStyle/>
+          <a:p>
+            <a:pPr algn="ctr"/>
+            <a:r>
+              <a:rPr lang="en-US" altLang="ko-KR" sz="1000" dirty="0"/>
+              <a:t>Topic B</a:t>
+            </a:r>
+            <a:endParaRPr lang="ko-KR" altLang="en-US" sz="1000" dirty="0"/>
+          </a:p>
+        </p:txBody>
+      </p:sp>
+      <p:sp>
+        <p:nvSpPr>
+          <p:cNvPr id="30" name="사각형: 둥근 모서리 12">
+            <a:extLst>
+              <a:ext uri="{FF2B5EF4-FFF2-40B4-BE49-F238E27FC236}">
+                <a16:creationId xmlns:a16="http://schemas.microsoft.com/office/drawing/2014/main" id="{75DC2A8D-E1A2-BC60-118A-450F48ED6A21}"/>
+              </a:ext>
+            </a:extLst>
+          </p:cNvPr>
+          <p:cNvSpPr/>
+          <p:nvPr/>
+        </p:nvSpPr>
+        <p:spPr>
+          <a:xfrm>
+            <a:off x="6743907" y="4257106"/>
+            <a:ext cx="1440160" cy="268948"/>
+          </a:xfrm>
+          <a:prstGeom prst="roundRect">
+            <a:avLst>
+              <a:gd name="adj" fmla="val 14105"/>
+            </a:avLst>
+          </a:prstGeom>
+          <a:noFill/>
+          <a:ln w="12700">
+            <a:headEnd type="none" w="med" len="med"/>
+            <a:tailEnd type="triangle" w="med" len="med"/>
+          </a:ln>
+        </p:spPr>
+        <p:style>
+          <a:lnRef idx="2">
+            <a:schemeClr val="dk1"/>
+          </a:lnRef>
+          <a:fillRef idx="1">
+            <a:schemeClr val="lt1"/>
+          </a:fillRef>
+          <a:effectRef idx="0">
+            <a:schemeClr val="dk1"/>
+          </a:effectRef>
+          <a:fontRef idx="minor">
+            <a:schemeClr val="dk1"/>
+          </a:fontRef>
+        </p:style>
+        <p:txBody>
           <a:bodyPr rtlCol="0" anchor="ctr"/>
           <a:lstStyle/>
           <a:p>
             <a:pPr algn="ctr"/>
             <a:r>
-              <a:rPr lang="en-US" altLang="ko-KR" sz="1000"/>
-              <a:t>Consumer</a:t>
-            </a:r>
+              <a:rPr lang="en-US" altLang="ko-KR" sz="900"/>
+              <a:t>Partition </a:t>
+            </a:r>
+            <a:r>
+              <a:rPr lang="en-US" altLang="ko-KR" sz="900" dirty="0"/>
+              <a:t>3</a:t>
+            </a:r>
+            <a:endParaRPr lang="ko-KR" altLang="en-US" sz="900" dirty="0"/>
           </a:p>
         </p:txBody>
       </p:sp>
       <p:cxnSp>
         <p:nvCxnSpPr>
-          <p:cNvPr id="11" name="Elbow Connector 10">
-            <a:extLst>
-              <a:ext uri="{FF2B5EF4-FFF2-40B4-BE49-F238E27FC236}">
-                <a16:creationId xmlns:a16="http://schemas.microsoft.com/office/drawing/2014/main" id="{4DE0D9F5-09CC-8B3E-EED4-39325E27E5B3}"/>
+          <p:cNvPr id="31" name="직선 화살표 연결선 96">
+            <a:extLst>
+              <a:ext uri="{FF2B5EF4-FFF2-40B4-BE49-F238E27FC236}">
+                <a16:creationId xmlns:a16="http://schemas.microsoft.com/office/drawing/2014/main" id="{355FEA78-E2F5-7CD6-CD6A-0A1BD47C7737}"/>
               </a:ext>
             </a:extLst>
           </p:cNvPr>
           <p:cNvCxnSpPr>
             <a:cxnSpLocks/>
-            <a:stCxn id="2" idx="0"/>
-            <a:endCxn id="77" idx="1"/>
+            <a:stCxn id="57" idx="3"/>
           </p:cNvCxnSpPr>
           <p:nvPr/>
         </p:nvCxnSpPr>
         <p:spPr>
-          <a:xfrm rot="5400000" flipH="1" flipV="1">
-            <a:off x="2010852" y="1258180"/>
-            <a:ext cx="1435631" cy="1814457"/>
-          </a:xfrm>
-          <a:prstGeom prst="bentConnector2">
+          <a:xfrm>
+            <a:off x="1357666" y="1530291"/>
+            <a:ext cx="4661950" cy="0"/>
+          </a:xfrm>
+          <a:prstGeom prst="straightConnector1">
             <a:avLst/>
           </a:prstGeom>
           <a:ln w="12700">
             <a:solidFill>
-              <a:schemeClr val="tx1"/>
+              <a:schemeClr val="tx2"/>
             </a:solidFill>
-            <a:tailEnd type="triangle"/>
+            <a:prstDash val="solid"/>
+            <a:headEnd type="none" w="med" len="med"/>
+            <a:tailEnd type="triangle" w="med" len="med"/>
           </a:ln>
         </p:spPr>
         <p:style>
@@ -4306,33 +4547,34 @@
       </p:cxnSp>
       <p:cxnSp>
         <p:nvCxnSpPr>
-          <p:cNvPr id="16" name="Straight Arrow Connector 15">
-            <a:extLst>
-              <a:ext uri="{FF2B5EF4-FFF2-40B4-BE49-F238E27FC236}">
-                <a16:creationId xmlns:a16="http://schemas.microsoft.com/office/drawing/2014/main" id="{381C07A8-C38F-6D2B-0E6F-A966EB11A226}"/>
+          <p:cNvPr id="34" name="직선 화살표 연결선 96">
+            <a:extLst>
+              <a:ext uri="{FF2B5EF4-FFF2-40B4-BE49-F238E27FC236}">
+                <a16:creationId xmlns:a16="http://schemas.microsoft.com/office/drawing/2014/main" id="{5CB60AF6-25A0-CAF4-AE08-39CECBBF64A4}"/>
               </a:ext>
             </a:extLst>
           </p:cNvPr>
           <p:cNvCxnSpPr>
             <a:cxnSpLocks/>
-            <a:stCxn id="2" idx="3"/>
-            <a:endCxn id="52" idx="1"/>
+            <a:stCxn id="122" idx="3"/>
           </p:cNvCxnSpPr>
           <p:nvPr/>
         </p:nvCxnSpPr>
         <p:spPr>
           <a:xfrm>
-            <a:off x="2527261" y="3092467"/>
-            <a:ext cx="1001343" cy="0"/>
+            <a:off x="1357666" y="3782977"/>
+            <a:ext cx="4661950" cy="0"/>
           </a:xfrm>
           <a:prstGeom prst="straightConnector1">
             <a:avLst/>
           </a:prstGeom>
-          <a:ln>
+          <a:ln w="12700">
             <a:solidFill>
-              <a:schemeClr val="tx1"/>
+              <a:schemeClr val="tx2"/>
             </a:solidFill>
-            <a:tailEnd type="triangle"/>
+            <a:prstDash val="solid"/>
+            <a:headEnd type="none" w="med" len="med"/>
+            <a:tailEnd type="triangle" w="med" len="med"/>
           </a:ln>
         </p:spPr>
         <p:style>
@@ -4350,243 +4592,12 @@
           </a:fontRef>
         </p:style>
       </p:cxnSp>
-      <p:cxnSp>
-        <p:nvCxnSpPr>
-          <p:cNvPr id="18" name="Straight Arrow Connector 17">
-            <a:extLst>
-              <a:ext uri="{FF2B5EF4-FFF2-40B4-BE49-F238E27FC236}">
-                <a16:creationId xmlns:a16="http://schemas.microsoft.com/office/drawing/2014/main" id="{63E93053-6467-9510-1E84-8A0238B3D19F}"/>
-              </a:ext>
-            </a:extLst>
-          </p:cNvPr>
-          <p:cNvCxnSpPr>
-            <a:cxnSpLocks/>
-            <a:stCxn id="6" idx="1"/>
-            <a:endCxn id="52" idx="3"/>
-          </p:cNvCxnSpPr>
-          <p:nvPr/>
-        </p:nvCxnSpPr>
-        <p:spPr>
-          <a:xfrm flipH="1">
-            <a:off x="5154821" y="3092467"/>
-            <a:ext cx="1001342" cy="0"/>
-          </a:xfrm>
-          <a:prstGeom prst="straightConnector1">
-            <a:avLst/>
-          </a:prstGeom>
-          <a:ln>
-            <a:solidFill>
-              <a:schemeClr val="tx1"/>
-            </a:solidFill>
-            <a:tailEnd type="triangle"/>
-          </a:ln>
-        </p:spPr>
-        <p:style>
-          <a:lnRef idx="1">
-            <a:schemeClr val="accent1"/>
-          </a:lnRef>
-          <a:fillRef idx="0">
-            <a:schemeClr val="accent1"/>
-          </a:fillRef>
-          <a:effectRef idx="0">
-            <a:schemeClr val="accent1"/>
-          </a:effectRef>
-          <a:fontRef idx="minor">
-            <a:schemeClr val="tx1"/>
-          </a:fontRef>
-        </p:style>
-      </p:cxnSp>
-      <p:cxnSp>
-        <p:nvCxnSpPr>
-          <p:cNvPr id="21" name="Straight Arrow Connector 20">
-            <a:extLst>
-              <a:ext uri="{FF2B5EF4-FFF2-40B4-BE49-F238E27FC236}">
-                <a16:creationId xmlns:a16="http://schemas.microsoft.com/office/drawing/2014/main" id="{8CAB4796-A71C-4BA2-6E06-7D641AA95869}"/>
-              </a:ext>
-            </a:extLst>
-          </p:cNvPr>
-          <p:cNvCxnSpPr>
-            <a:cxnSpLocks/>
-            <a:stCxn id="77" idx="2"/>
-            <a:endCxn id="30" idx="0"/>
-          </p:cNvCxnSpPr>
-          <p:nvPr/>
-        </p:nvCxnSpPr>
-        <p:spPr>
-          <a:xfrm flipH="1">
-            <a:off x="4341712" y="1835601"/>
-            <a:ext cx="1" cy="533100"/>
-          </a:xfrm>
-          <a:prstGeom prst="straightConnector1">
-            <a:avLst/>
-          </a:prstGeom>
-          <a:ln>
-            <a:solidFill>
-              <a:schemeClr val="accent1"/>
-            </a:solidFill>
-            <a:prstDash val="solid"/>
-            <a:tailEnd type="triangle"/>
-          </a:ln>
-        </p:spPr>
-        <p:style>
-          <a:lnRef idx="1">
-            <a:schemeClr val="accent1"/>
-          </a:lnRef>
-          <a:fillRef idx="0">
-            <a:schemeClr val="accent1"/>
-          </a:fillRef>
-          <a:effectRef idx="0">
-            <a:schemeClr val="accent1"/>
-          </a:effectRef>
-          <a:fontRef idx="minor">
-            <a:schemeClr val="tx1"/>
-          </a:fontRef>
-        </p:style>
-      </p:cxnSp>
-      <p:cxnSp>
-        <p:nvCxnSpPr>
-          <p:cNvPr id="33" name="Elbow Connector 32">
-            <a:extLst>
-              <a:ext uri="{FF2B5EF4-FFF2-40B4-BE49-F238E27FC236}">
-                <a16:creationId xmlns:a16="http://schemas.microsoft.com/office/drawing/2014/main" id="{E1A2E96D-C8D9-AF5D-6133-920A6EAE2F89}"/>
-              </a:ext>
-            </a:extLst>
-          </p:cNvPr>
-          <p:cNvCxnSpPr>
-            <a:cxnSpLocks/>
-            <a:stCxn id="6" idx="0"/>
-            <a:endCxn id="77" idx="3"/>
-          </p:cNvCxnSpPr>
-          <p:nvPr/>
-        </p:nvCxnSpPr>
-        <p:spPr>
-          <a:xfrm rot="16200000" flipV="1">
-            <a:off x="5236943" y="1258180"/>
-            <a:ext cx="1435631" cy="1814456"/>
-          </a:xfrm>
-          <a:prstGeom prst="bentConnector2">
-            <a:avLst/>
-          </a:prstGeom>
-          <a:ln w="12700">
-            <a:solidFill>
-              <a:schemeClr val="tx1"/>
-            </a:solidFill>
-            <a:tailEnd type="triangle"/>
-          </a:ln>
-        </p:spPr>
-        <p:style>
-          <a:lnRef idx="1">
-            <a:schemeClr val="accent1"/>
-          </a:lnRef>
-          <a:fillRef idx="0">
-            <a:schemeClr val="accent1"/>
-          </a:fillRef>
-          <a:effectRef idx="0">
-            <a:schemeClr val="accent1"/>
-          </a:effectRef>
-          <a:fontRef idx="minor">
-            <a:schemeClr val="tx1"/>
-          </a:fontRef>
-        </p:style>
-      </p:cxnSp>
-      <p:cxnSp>
-        <p:nvCxnSpPr>
-          <p:cNvPr id="37" name="Straight Arrow Connector 36">
-            <a:extLst>
-              <a:ext uri="{FF2B5EF4-FFF2-40B4-BE49-F238E27FC236}">
-                <a16:creationId xmlns:a16="http://schemas.microsoft.com/office/drawing/2014/main" id="{5480BA95-5F81-9C39-B87B-F489E4CE3D53}"/>
-              </a:ext>
-            </a:extLst>
-          </p:cNvPr>
-          <p:cNvCxnSpPr>
-            <a:cxnSpLocks/>
-            <a:endCxn id="77" idx="0"/>
-          </p:cNvCxnSpPr>
-          <p:nvPr/>
-        </p:nvCxnSpPr>
-        <p:spPr>
-          <a:xfrm>
-            <a:off x="4341713" y="724928"/>
-            <a:ext cx="0" cy="334654"/>
-          </a:xfrm>
-          <a:prstGeom prst="straightConnector1">
-            <a:avLst/>
-          </a:prstGeom>
-          <a:ln>
-            <a:solidFill>
-              <a:schemeClr val="accent1"/>
-            </a:solidFill>
-            <a:prstDash val="solid"/>
-            <a:tailEnd type="triangle"/>
-          </a:ln>
-        </p:spPr>
-        <p:style>
-          <a:lnRef idx="1">
-            <a:schemeClr val="accent1"/>
-          </a:lnRef>
-          <a:fillRef idx="0">
-            <a:schemeClr val="accent1"/>
-          </a:fillRef>
-          <a:effectRef idx="0">
-            <a:schemeClr val="accent1"/>
-          </a:effectRef>
-          <a:fontRef idx="minor">
-            <a:schemeClr val="tx1"/>
-          </a:fontRef>
-        </p:style>
-      </p:cxnSp>
-      <p:cxnSp>
-        <p:nvCxnSpPr>
-          <p:cNvPr id="43" name="Straight Arrow Connector 42">
-            <a:extLst>
-              <a:ext uri="{FF2B5EF4-FFF2-40B4-BE49-F238E27FC236}">
-                <a16:creationId xmlns:a16="http://schemas.microsoft.com/office/drawing/2014/main" id="{201AEF36-A98E-A5F4-9A7F-4C1BCAC37FB7}"/>
-              </a:ext>
-            </a:extLst>
-          </p:cNvPr>
-          <p:cNvCxnSpPr>
-            <a:cxnSpLocks/>
-            <a:endCxn id="45" idx="1"/>
-          </p:cNvCxnSpPr>
-          <p:nvPr/>
-        </p:nvCxnSpPr>
-        <p:spPr>
-          <a:xfrm>
-            <a:off x="1115616" y="933837"/>
-            <a:ext cx="360039" cy="0"/>
-          </a:xfrm>
-          <a:prstGeom prst="straightConnector1">
-            <a:avLst/>
-          </a:prstGeom>
-          <a:ln>
-            <a:solidFill>
-              <a:schemeClr val="accent1"/>
-            </a:solidFill>
-            <a:prstDash val="solid"/>
-            <a:tailEnd type="triangle"/>
-          </a:ln>
-        </p:spPr>
-        <p:style>
-          <a:lnRef idx="1">
-            <a:schemeClr val="accent1"/>
-          </a:lnRef>
-          <a:fillRef idx="0">
-            <a:schemeClr val="accent1"/>
-          </a:fillRef>
-          <a:effectRef idx="0">
-            <a:schemeClr val="accent1"/>
-          </a:effectRef>
-          <a:fontRef idx="minor">
-            <a:schemeClr val="tx1"/>
-          </a:fontRef>
-        </p:style>
-      </p:cxnSp>
-      <p:sp>
-        <p:nvSpPr>
-          <p:cNvPr id="45" name="모서리가 둥근 직사각형 18">
-            <a:extLst>
-              <a:ext uri="{FF2B5EF4-FFF2-40B4-BE49-F238E27FC236}">
-                <a16:creationId xmlns:a16="http://schemas.microsoft.com/office/drawing/2014/main" id="{5AE314BA-8CFF-6464-4663-C646D6607C79}"/>
+      <p:sp>
+        <p:nvSpPr>
+          <p:cNvPr id="82" name="사각형: 둥근 모서리 6">
+            <a:extLst>
+              <a:ext uri="{FF2B5EF4-FFF2-40B4-BE49-F238E27FC236}">
+                <a16:creationId xmlns:a16="http://schemas.microsoft.com/office/drawing/2014/main" id="{180D3296-B380-998C-AD80-35FC7725CFE4}"/>
               </a:ext>
             </a:extLst>
           </p:cNvPr>
@@ -4595,17 +4606,17 @@
         </p:nvSpPr>
         <p:spPr>
           <a:xfrm>
-            <a:off x="1475655" y="786723"/>
-            <a:ext cx="1411645" cy="294228"/>
+            <a:off x="1683084" y="411510"/>
+            <a:ext cx="1843418" cy="2206638"/>
           </a:xfrm>
           <a:prstGeom prst="roundRect">
             <a:avLst>
-              <a:gd name="adj" fmla="val 17911"/>
+              <a:gd name="adj" fmla="val 6369"/>
             </a:avLst>
           </a:prstGeom>
-          <a:noFill/>
           <a:ln w="12700">
-            <a:noFill/>
+            <a:headEnd type="none" w="med" len="med"/>
+            <a:tailEnd type="triangle" w="med" len="med"/>
           </a:ln>
         </p:spPr>
         <p:style>
@@ -4623,68 +4634,28 @@
           </a:fontRef>
         </p:style>
         <p:txBody>
-          <a:bodyPr rtlCol="0" anchor="ctr"/>
-          <a:lstStyle/>
-          <a:p>
-            <a:r>
-              <a:rPr lang="en-US" altLang="ko-KR" sz="1000"/>
-              <a:t>Register Schema</a:t>
-            </a:r>
-          </a:p>
-        </p:txBody>
-      </p:sp>
-      <p:cxnSp>
-        <p:nvCxnSpPr>
-          <p:cNvPr id="53" name="Straight Arrow Connector 52">
-            <a:extLst>
-              <a:ext uri="{FF2B5EF4-FFF2-40B4-BE49-F238E27FC236}">
-                <a16:creationId xmlns:a16="http://schemas.microsoft.com/office/drawing/2014/main" id="{3C581939-DE4D-F59C-B652-FC198E10277C}"/>
-              </a:ext>
-            </a:extLst>
-          </p:cNvPr>
-          <p:cNvCxnSpPr>
-            <a:cxnSpLocks/>
-            <a:endCxn id="54" idx="1"/>
-          </p:cNvCxnSpPr>
-          <p:nvPr/>
-        </p:nvCxnSpPr>
-        <p:spPr>
-          <a:xfrm>
-            <a:off x="1114740" y="1185573"/>
-            <a:ext cx="360039" cy="0"/>
-          </a:xfrm>
-          <a:prstGeom prst="straightConnector1">
-            <a:avLst/>
-          </a:prstGeom>
-          <a:ln>
-            <a:solidFill>
-              <a:schemeClr val="tx1"/>
-            </a:solidFill>
-            <a:prstDash val="solid"/>
-            <a:tailEnd type="triangle"/>
-          </a:ln>
-        </p:spPr>
-        <p:style>
-          <a:lnRef idx="1">
-            <a:schemeClr val="accent1"/>
-          </a:lnRef>
-          <a:fillRef idx="0">
-            <a:schemeClr val="accent1"/>
-          </a:fillRef>
-          <a:effectRef idx="0">
-            <a:schemeClr val="accent1"/>
-          </a:effectRef>
-          <a:fontRef idx="minor">
-            <a:schemeClr val="tx1"/>
-          </a:fontRef>
-        </p:style>
-      </p:cxnSp>
-      <p:sp>
-        <p:nvSpPr>
-          <p:cNvPr id="54" name="모서리가 둥근 직사각형 18">
-            <a:extLst>
-              <a:ext uri="{FF2B5EF4-FFF2-40B4-BE49-F238E27FC236}">
-                <a16:creationId xmlns:a16="http://schemas.microsoft.com/office/drawing/2014/main" id="{90692C20-B2C0-66DC-A6EB-82AFC2737B56}"/>
+          <a:bodyPr rtlCol="0" anchor="t"/>
+          <a:lstStyle/>
+          <a:p>
+            <a:pPr algn="ctr"/>
+            <a:r>
+              <a:rPr lang="en-US" altLang="ko-KR" sz="1000" dirty="0"/>
+              <a:t>Request C </a:t>
+            </a:r>
+            <a:r>
+              <a:rPr lang="en-US" altLang="ko-KR" sz="1000" b="1" dirty="0"/>
+              <a:t>PID=1 Epoch=1</a:t>
+            </a:r>
+            <a:endParaRPr lang="ko-KR" altLang="en-US" sz="1000" b="1" dirty="0"/>
+          </a:p>
+        </p:txBody>
+      </p:sp>
+      <p:sp>
+        <p:nvSpPr>
+          <p:cNvPr id="83" name="사각형: 둥근 모서리 6">
+            <a:extLst>
+              <a:ext uri="{FF2B5EF4-FFF2-40B4-BE49-F238E27FC236}">
+                <a16:creationId xmlns:a16="http://schemas.microsoft.com/office/drawing/2014/main" id="{3E0D1FD6-11E7-3A9A-2BFB-0085A92D41D5}"/>
               </a:ext>
             </a:extLst>
           </p:cNvPr>
@@ -4693,17 +4664,17 @@
         </p:nvSpPr>
         <p:spPr>
           <a:xfrm>
-            <a:off x="1474779" y="1038459"/>
-            <a:ext cx="1411645" cy="294228"/>
+            <a:off x="1772185" y="768780"/>
+            <a:ext cx="1665213" cy="661756"/>
           </a:xfrm>
           <a:prstGeom prst="roundRect">
             <a:avLst>
-              <a:gd name="adj" fmla="val 17911"/>
+              <a:gd name="adj" fmla="val 9094"/>
             </a:avLst>
           </a:prstGeom>
-          <a:noFill/>
           <a:ln w="12700">
-            <a:noFill/>
+            <a:headEnd type="none" w="med" len="med"/>
+            <a:tailEnd type="triangle" w="med" len="med"/>
           </a:ln>
         </p:spPr>
         <p:style>
@@ -4721,22 +4692,27 @@
           </a:fontRef>
         </p:style>
         <p:txBody>
-          <a:bodyPr rtlCol="0" anchor="ctr"/>
-          <a:lstStyle/>
-          <a:p>
-            <a:r>
-              <a:rPr lang="en-US" altLang="ko-KR" sz="1000"/>
-              <a:t>Pub/Sub Messages</a:t>
-            </a:r>
-          </a:p>
-        </p:txBody>
-      </p:sp>
-      <p:sp>
-        <p:nvSpPr>
-          <p:cNvPr id="62" name="Oval 61">
-            <a:extLst>
-              <a:ext uri="{FF2B5EF4-FFF2-40B4-BE49-F238E27FC236}">
-                <a16:creationId xmlns:a16="http://schemas.microsoft.com/office/drawing/2014/main" id="{63741B50-8902-7461-5A09-2F2F81056B04}"/>
+          <a:bodyPr rtlCol="0" anchor="t"/>
+          <a:lstStyle/>
+          <a:p>
+            <a:pPr algn="ctr"/>
+            <a:r>
+              <a:rPr lang="en-US" altLang="ko-KR" sz="1000" dirty="0"/>
+              <a:t>Topic A</a:t>
+            </a:r>
+          </a:p>
+          <a:p>
+            <a:pPr algn="ctr"/>
+            <a:endParaRPr lang="en-US" altLang="ko-KR" sz="1050" dirty="0"/>
+          </a:p>
+        </p:txBody>
+      </p:sp>
+      <p:sp>
+        <p:nvSpPr>
+          <p:cNvPr id="84" name="사각형: 둥근 모서리 6">
+            <a:extLst>
+              <a:ext uri="{FF2B5EF4-FFF2-40B4-BE49-F238E27FC236}">
+                <a16:creationId xmlns:a16="http://schemas.microsoft.com/office/drawing/2014/main" id="{E62FF9C4-27C2-F76D-F095-65FCDCEA47AA}"/>
               </a:ext>
             </a:extLst>
           </p:cNvPr>
@@ -4745,35 +4721,36 @@
         </p:nvSpPr>
         <p:spPr>
           <a:xfrm>
-            <a:off x="4233700" y="724928"/>
-            <a:ext cx="216024" cy="216024"/>
-          </a:xfrm>
-          <a:prstGeom prst="ellipse">
-            <a:avLst/>
+            <a:off x="1871507" y="1034197"/>
+            <a:ext cx="1466564" cy="293003"/>
+          </a:xfrm>
+          <a:prstGeom prst="roundRect">
+            <a:avLst>
+              <a:gd name="adj" fmla="val 18811"/>
+            </a:avLst>
           </a:prstGeom>
           <a:solidFill>
-            <a:schemeClr val="bg1"/>
+            <a:schemeClr val="bg1">
+              <a:lumMod val="95000"/>
+            </a:schemeClr>
           </a:solidFill>
           <a:ln w="12700">
-            <a:solidFill>
-              <a:schemeClr val="accent1"/>
-            </a:solidFill>
+            <a:headEnd type="none" w="med" len="med"/>
+            <a:tailEnd type="triangle" w="med" len="med"/>
           </a:ln>
         </p:spPr>
         <p:style>
           <a:lnRef idx="2">
-            <a:schemeClr val="accent1">
-              <a:shade val="15000"/>
-            </a:schemeClr>
+            <a:schemeClr val="dk1"/>
           </a:lnRef>
           <a:fillRef idx="1">
-            <a:schemeClr val="accent1"/>
-          </a:fillRef>
-          <a:effectRef idx="0">
-            <a:schemeClr val="accent1"/>
-          </a:effectRef>
-          <a:fontRef idx="minor">
             <a:schemeClr val="lt1"/>
+          </a:fillRef>
+          <a:effectRef idx="0">
+            <a:schemeClr val="dk1"/>
+          </a:effectRef>
+          <a:fontRef idx="minor">
+            <a:schemeClr val="dk1"/>
           </a:fontRef>
         </p:style>
         <p:txBody>
@@ -4782,16 +4759,149 @@
           <a:p>
             <a:pPr algn="ctr"/>
             <a:r>
-              <a:rPr lang="en-US" altLang="ko-KR" sz="1000">
+              <a:rPr lang="en-US" altLang="ko-KR" sz="900" dirty="0"/>
+              <a:t>Partition 0 Records</a:t>
+            </a:r>
+          </a:p>
+          <a:p>
+            <a:pPr algn="ctr"/>
+            <a:r>
+              <a:rPr lang="en-US" altLang="ko-KR" sz="900" b="1" dirty="0">
                 <a:solidFill>
-                  <a:schemeClr val="accent1"/>
+                  <a:schemeClr val="tx2"/>
                 </a:solidFill>
               </a:rPr>
-              <a:t>1</a:t>
-            </a:r>
-            <a:endParaRPr lang="en-KR" sz="1000">
+              <a:t>SEQ=113~106</a:t>
+            </a:r>
+          </a:p>
+        </p:txBody>
+      </p:sp>
+      <p:sp>
+        <p:nvSpPr>
+          <p:cNvPr id="85" name="사각형: 둥근 모서리 6">
+            <a:extLst>
+              <a:ext uri="{FF2B5EF4-FFF2-40B4-BE49-F238E27FC236}">
+                <a16:creationId xmlns:a16="http://schemas.microsoft.com/office/drawing/2014/main" id="{66367512-633D-80F9-649C-13B22A4F44E3}"/>
+              </a:ext>
+            </a:extLst>
+          </p:cNvPr>
+          <p:cNvSpPr/>
+          <p:nvPr/>
+        </p:nvSpPr>
+        <p:spPr>
+          <a:xfrm>
+            <a:off x="1778911" y="1521327"/>
+            <a:ext cx="1665213" cy="1018553"/>
+          </a:xfrm>
+          <a:prstGeom prst="roundRect">
+            <a:avLst>
+              <a:gd name="adj" fmla="val 7267"/>
+            </a:avLst>
+          </a:prstGeom>
+          <a:ln w="12700">
+            <a:headEnd type="none" w="med" len="med"/>
+            <a:tailEnd type="triangle" w="med" len="med"/>
+          </a:ln>
+        </p:spPr>
+        <p:style>
+          <a:lnRef idx="2">
+            <a:schemeClr val="dk1"/>
+          </a:lnRef>
+          <a:fillRef idx="1">
+            <a:schemeClr val="lt1"/>
+          </a:fillRef>
+          <a:effectRef idx="0">
+            <a:schemeClr val="dk1"/>
+          </a:effectRef>
+          <a:fontRef idx="minor">
+            <a:schemeClr val="dk1"/>
+          </a:fontRef>
+        </p:style>
+        <p:txBody>
+          <a:bodyPr rtlCol="0" anchor="t"/>
+          <a:lstStyle/>
+          <a:p>
+            <a:pPr algn="ctr"/>
+            <a:r>
+              <a:rPr lang="en-US" altLang="ko-KR" sz="1000" dirty="0"/>
+              <a:t>Topic B</a:t>
+            </a:r>
+          </a:p>
+          <a:p>
+            <a:pPr algn="ctr"/>
+            <a:endParaRPr lang="en-US" altLang="ko-KR" sz="1050" dirty="0"/>
+          </a:p>
+        </p:txBody>
+      </p:sp>
+      <p:sp>
+        <p:nvSpPr>
+          <p:cNvPr id="86" name="사각형: 둥근 모서리 6">
+            <a:extLst>
+              <a:ext uri="{FF2B5EF4-FFF2-40B4-BE49-F238E27FC236}">
+                <a16:creationId xmlns:a16="http://schemas.microsoft.com/office/drawing/2014/main" id="{C18B78A1-2D1D-1800-6BC8-C1857D922DD0}"/>
+              </a:ext>
+            </a:extLst>
+          </p:cNvPr>
+          <p:cNvSpPr/>
+          <p:nvPr/>
+        </p:nvSpPr>
+        <p:spPr>
+          <a:xfrm>
+            <a:off x="1878233" y="1786746"/>
+            <a:ext cx="1466564" cy="293003"/>
+          </a:xfrm>
+          <a:prstGeom prst="roundRect">
+            <a:avLst>
+              <a:gd name="adj" fmla="val 18811"/>
+            </a:avLst>
+          </a:prstGeom>
+          <a:solidFill>
+            <a:schemeClr val="bg1">
+              <a:lumMod val="95000"/>
+            </a:schemeClr>
+          </a:solidFill>
+          <a:ln w="12700">
+            <a:headEnd type="none" w="med" len="med"/>
+            <a:tailEnd type="triangle" w="med" len="med"/>
+          </a:ln>
+        </p:spPr>
+        <p:style>
+          <a:lnRef idx="2">
+            <a:schemeClr val="dk1"/>
+          </a:lnRef>
+          <a:fillRef idx="1">
+            <a:schemeClr val="lt1"/>
+          </a:fillRef>
+          <a:effectRef idx="0">
+            <a:schemeClr val="dk1"/>
+          </a:effectRef>
+          <a:fontRef idx="minor">
+            <a:schemeClr val="dk1"/>
+          </a:fontRef>
+        </p:style>
+        <p:txBody>
+          <a:bodyPr rtlCol="0" anchor="ctr"/>
+          <a:lstStyle/>
+          <a:p>
+            <a:pPr algn="ctr"/>
+            <a:r>
+              <a:rPr lang="en-US" altLang="ko-KR" sz="900" dirty="0"/>
+              <a:t>Partition 0 Records</a:t>
+            </a:r>
+          </a:p>
+          <a:p>
+            <a:pPr algn="ctr"/>
+            <a:r>
+              <a:rPr lang="en-US" altLang="ko-KR" sz="900" b="1" dirty="0">
+                <a:solidFill>
+                  <a:schemeClr val="tx2"/>
+                </a:solidFill>
+              </a:rPr>
+              <a:t>SEQ=215~208</a:t>
+            </a:r>
+            <a:endParaRPr lang="ko-KR" altLang="en-US" sz="900" b="1" dirty="0">
               <a:solidFill>
-                <a:schemeClr val="accent1"/>
+                <a:schemeClr val="tx2"/>
               </a:solidFill>
             </a:endParaRPr>
           </a:p>
@@ -4799,10 +4909,10 @@
       </p:sp>
       <p:sp>
         <p:nvSpPr>
-          <p:cNvPr id="63" name="모서리가 둥근 직사각형 18">
-            <a:extLst>
-              <a:ext uri="{FF2B5EF4-FFF2-40B4-BE49-F238E27FC236}">
-                <a16:creationId xmlns:a16="http://schemas.microsoft.com/office/drawing/2014/main" id="{7816A207-43EF-F2F3-C9FE-0572C62A1987}"/>
+          <p:cNvPr id="87" name="사각형: 둥근 모서리 6">
+            <a:extLst>
+              <a:ext uri="{FF2B5EF4-FFF2-40B4-BE49-F238E27FC236}">
+                <a16:creationId xmlns:a16="http://schemas.microsoft.com/office/drawing/2014/main" id="{F83928CB-FAD4-4A39-17D5-5B362E02EB88}"/>
               </a:ext>
             </a:extLst>
           </p:cNvPr>
@@ -4811,17 +4921,22 @@
         </p:nvSpPr>
         <p:spPr>
           <a:xfrm>
-            <a:off x="4341712" y="685826"/>
-            <a:ext cx="1237040" cy="294228"/>
+            <a:off x="1878233" y="2158023"/>
+            <a:ext cx="1466564" cy="293003"/>
           </a:xfrm>
           <a:prstGeom prst="roundRect">
             <a:avLst>
-              <a:gd name="adj" fmla="val 17911"/>
+              <a:gd name="adj" fmla="val 18811"/>
             </a:avLst>
           </a:prstGeom>
-          <a:noFill/>
+          <a:solidFill>
+            <a:schemeClr val="bg1">
+              <a:lumMod val="95000"/>
+            </a:schemeClr>
+          </a:solidFill>
           <a:ln w="12700">
-            <a:noFill/>
+            <a:headEnd type="none" w="med" len="med"/>
+            <a:tailEnd type="triangle" w="med" len="med"/>
           </a:ln>
         </p:spPr>
         <p:style>
@@ -4844,22 +4959,34 @@
           <a:p>
             <a:pPr algn="ctr"/>
             <a:r>
-              <a:rPr lang="en-US" altLang="ko-KR" sz="1000" i="1">
+              <a:rPr lang="en-US" altLang="ko-KR" sz="900" dirty="0"/>
+              <a:t>Partition 3 Records</a:t>
+            </a:r>
+          </a:p>
+          <a:p>
+            <a:pPr algn="ctr"/>
+            <a:r>
+              <a:rPr lang="en-US" altLang="ko-KR" sz="900" b="1" dirty="0">
                 <a:solidFill>
-                  <a:schemeClr val="accent1"/>
+                  <a:schemeClr val="tx2"/>
                 </a:solidFill>
               </a:rPr>
-              <a:t>Register schema</a:t>
-            </a:r>
-          </a:p>
-        </p:txBody>
-      </p:sp>
-      <p:sp>
-        <p:nvSpPr>
-          <p:cNvPr id="64" name="Oval 63">
-            <a:extLst>
-              <a:ext uri="{FF2B5EF4-FFF2-40B4-BE49-F238E27FC236}">
-                <a16:creationId xmlns:a16="http://schemas.microsoft.com/office/drawing/2014/main" id="{12E9C49E-6607-A510-F4AA-12EFFDE3112A}"/>
+              <a:t>SEQ=195~186</a:t>
+            </a:r>
+            <a:endParaRPr lang="ko-KR" altLang="en-US" sz="900" b="1" dirty="0">
+              <a:solidFill>
+                <a:schemeClr val="tx2"/>
+              </a:solidFill>
+            </a:endParaRPr>
+          </a:p>
+        </p:txBody>
+      </p:sp>
+      <p:sp>
+        <p:nvSpPr>
+          <p:cNvPr id="106" name="사각형: 둥근 모서리 6">
+            <a:extLst>
+              <a:ext uri="{FF2B5EF4-FFF2-40B4-BE49-F238E27FC236}">
+                <a16:creationId xmlns:a16="http://schemas.microsoft.com/office/drawing/2014/main" id="{273944DB-0E05-E5FC-0A63-B883BC1F0270}"/>
               </a:ext>
             </a:extLst>
           </p:cNvPr>
@@ -4868,35 +4995,151 @@
         </p:nvSpPr>
         <p:spPr>
           <a:xfrm>
-            <a:off x="4233700" y="1943471"/>
-            <a:ext cx="216024" cy="216024"/>
-          </a:xfrm>
-          <a:prstGeom prst="ellipse">
-            <a:avLst/>
+            <a:off x="3851920" y="411510"/>
+            <a:ext cx="1843418" cy="2206638"/>
+          </a:xfrm>
+          <a:prstGeom prst="roundRect">
+            <a:avLst>
+              <a:gd name="adj" fmla="val 6369"/>
+            </a:avLst>
+          </a:prstGeom>
+          <a:ln w="12700">
+            <a:headEnd type="none" w="med" len="med"/>
+            <a:tailEnd type="triangle" w="med" len="med"/>
+          </a:ln>
+        </p:spPr>
+        <p:style>
+          <a:lnRef idx="2">
+            <a:schemeClr val="dk1"/>
+          </a:lnRef>
+          <a:fillRef idx="1">
+            <a:schemeClr val="lt1"/>
+          </a:fillRef>
+          <a:effectRef idx="0">
+            <a:schemeClr val="dk1"/>
+          </a:effectRef>
+          <a:fontRef idx="minor">
+            <a:schemeClr val="dk1"/>
+          </a:fontRef>
+        </p:style>
+        <p:txBody>
+          <a:bodyPr rtlCol="0" anchor="t"/>
+          <a:lstStyle/>
+          <a:p>
+            <a:pPr algn="ctr"/>
+            <a:r>
+              <a:rPr lang="en-US" altLang="ko-KR" sz="1000" dirty="0"/>
+              <a:t>Request A </a:t>
+            </a:r>
+            <a:r>
+              <a:rPr lang="en-US" altLang="ko-KR" sz="1000" b="1" dirty="0"/>
+              <a:t>PID=1 Epoch=1 </a:t>
+            </a:r>
+            <a:endParaRPr lang="ko-KR" altLang="en-US" sz="1000" b="1" dirty="0"/>
+          </a:p>
+        </p:txBody>
+      </p:sp>
+      <p:sp>
+        <p:nvSpPr>
+          <p:cNvPr id="107" name="사각형: 둥근 모서리 6">
+            <a:extLst>
+              <a:ext uri="{FF2B5EF4-FFF2-40B4-BE49-F238E27FC236}">
+                <a16:creationId xmlns:a16="http://schemas.microsoft.com/office/drawing/2014/main" id="{2A4AFDC7-61A6-6C23-1A64-F23AF42C8E45}"/>
+              </a:ext>
+            </a:extLst>
+          </p:cNvPr>
+          <p:cNvSpPr/>
+          <p:nvPr/>
+        </p:nvSpPr>
+        <p:spPr>
+          <a:xfrm>
+            <a:off x="3941021" y="768780"/>
+            <a:ext cx="1665213" cy="661756"/>
+          </a:xfrm>
+          <a:prstGeom prst="roundRect">
+            <a:avLst>
+              <a:gd name="adj" fmla="val 9094"/>
+            </a:avLst>
+          </a:prstGeom>
+          <a:ln w="12700">
+            <a:headEnd type="none" w="med" len="med"/>
+            <a:tailEnd type="triangle" w="med" len="med"/>
+          </a:ln>
+        </p:spPr>
+        <p:style>
+          <a:lnRef idx="2">
+            <a:schemeClr val="dk1"/>
+          </a:lnRef>
+          <a:fillRef idx="1">
+            <a:schemeClr val="lt1"/>
+          </a:fillRef>
+          <a:effectRef idx="0">
+            <a:schemeClr val="dk1"/>
+          </a:effectRef>
+          <a:fontRef idx="minor">
+            <a:schemeClr val="dk1"/>
+          </a:fontRef>
+        </p:style>
+        <p:txBody>
+          <a:bodyPr rtlCol="0" anchor="t"/>
+          <a:lstStyle/>
+          <a:p>
+            <a:pPr algn="ctr"/>
+            <a:r>
+              <a:rPr lang="en-US" altLang="ko-KR" sz="1000" dirty="0"/>
+              <a:t>Topic A</a:t>
+            </a:r>
+          </a:p>
+          <a:p>
+            <a:pPr algn="ctr"/>
+            <a:endParaRPr lang="en-US" altLang="ko-KR" sz="1050" dirty="0"/>
+          </a:p>
+        </p:txBody>
+      </p:sp>
+      <p:sp>
+        <p:nvSpPr>
+          <p:cNvPr id="108" name="사각형: 둥근 모서리 6">
+            <a:extLst>
+              <a:ext uri="{FF2B5EF4-FFF2-40B4-BE49-F238E27FC236}">
+                <a16:creationId xmlns:a16="http://schemas.microsoft.com/office/drawing/2014/main" id="{31C12D2A-612A-DF2E-CCE4-BB4CD7680606}"/>
+              </a:ext>
+            </a:extLst>
+          </p:cNvPr>
+          <p:cNvSpPr/>
+          <p:nvPr/>
+        </p:nvSpPr>
+        <p:spPr>
+          <a:xfrm>
+            <a:off x="4040343" y="1034197"/>
+            <a:ext cx="1466564" cy="293003"/>
+          </a:xfrm>
+          <a:prstGeom prst="roundRect">
+            <a:avLst>
+              <a:gd name="adj" fmla="val 18811"/>
+            </a:avLst>
           </a:prstGeom>
           <a:solidFill>
-            <a:schemeClr val="bg1"/>
+            <a:schemeClr val="bg1">
+              <a:lumMod val="95000"/>
+            </a:schemeClr>
           </a:solidFill>
           <a:ln w="12700">
-            <a:solidFill>
-              <a:schemeClr val="accent1"/>
-            </a:solidFill>
+            <a:headEnd type="none" w="med" len="med"/>
+            <a:tailEnd type="triangle" w="med" len="med"/>
           </a:ln>
         </p:spPr>
         <p:style>
           <a:lnRef idx="2">
-            <a:schemeClr val="accent1">
-              <a:shade val="15000"/>
-            </a:schemeClr>
+            <a:schemeClr val="dk1"/>
           </a:lnRef>
           <a:fillRef idx="1">
-            <a:schemeClr val="accent1"/>
-          </a:fillRef>
-          <a:effectRef idx="0">
-            <a:schemeClr val="accent1"/>
-          </a:effectRef>
-          <a:fontRef idx="minor">
             <a:schemeClr val="lt1"/>
+          </a:fillRef>
+          <a:effectRef idx="0">
+            <a:schemeClr val="dk1"/>
+          </a:effectRef>
+          <a:fontRef idx="minor">
+            <a:schemeClr val="dk1"/>
           </a:fontRef>
         </p:style>
         <p:txBody>
@@ -4905,16 +5148,149 @@
           <a:p>
             <a:pPr algn="ctr"/>
             <a:r>
-              <a:rPr lang="en-US" sz="1000">
+              <a:rPr lang="en-US" altLang="ko-KR" sz="900" dirty="0"/>
+              <a:t>Partition 0 Records</a:t>
+            </a:r>
+          </a:p>
+          <a:p>
+            <a:pPr algn="ctr"/>
+            <a:r>
+              <a:rPr lang="en-US" altLang="ko-KR" sz="900" b="1" dirty="0">
                 <a:solidFill>
-                  <a:schemeClr val="accent1"/>
+                  <a:srgbClr val="C00000"/>
                 </a:solidFill>
               </a:rPr>
-              <a:t>2</a:t>
-            </a:r>
-            <a:endParaRPr lang="en-KR" sz="1000">
+              <a:t>SEQ=105~100</a:t>
+            </a:r>
+          </a:p>
+        </p:txBody>
+      </p:sp>
+      <p:sp>
+        <p:nvSpPr>
+          <p:cNvPr id="109" name="사각형: 둥근 모서리 6">
+            <a:extLst>
+              <a:ext uri="{FF2B5EF4-FFF2-40B4-BE49-F238E27FC236}">
+                <a16:creationId xmlns:a16="http://schemas.microsoft.com/office/drawing/2014/main" id="{6F8F9C36-4943-AD01-9D7E-672BCF3AEEBA}"/>
+              </a:ext>
+            </a:extLst>
+          </p:cNvPr>
+          <p:cNvSpPr/>
+          <p:nvPr/>
+        </p:nvSpPr>
+        <p:spPr>
+          <a:xfrm>
+            <a:off x="3947746" y="1521327"/>
+            <a:ext cx="1665213" cy="1018553"/>
+          </a:xfrm>
+          <a:prstGeom prst="roundRect">
+            <a:avLst>
+              <a:gd name="adj" fmla="val 7267"/>
+            </a:avLst>
+          </a:prstGeom>
+          <a:ln w="12700">
+            <a:headEnd type="none" w="med" len="med"/>
+            <a:tailEnd type="triangle" w="med" len="med"/>
+          </a:ln>
+        </p:spPr>
+        <p:style>
+          <a:lnRef idx="2">
+            <a:schemeClr val="dk1"/>
+          </a:lnRef>
+          <a:fillRef idx="1">
+            <a:schemeClr val="lt1"/>
+          </a:fillRef>
+          <a:effectRef idx="0">
+            <a:schemeClr val="dk1"/>
+          </a:effectRef>
+          <a:fontRef idx="minor">
+            <a:schemeClr val="dk1"/>
+          </a:fontRef>
+        </p:style>
+        <p:txBody>
+          <a:bodyPr rtlCol="0" anchor="t"/>
+          <a:lstStyle/>
+          <a:p>
+            <a:pPr algn="ctr"/>
+            <a:r>
+              <a:rPr lang="en-US" altLang="ko-KR" sz="1000" dirty="0"/>
+              <a:t>Topic B</a:t>
+            </a:r>
+          </a:p>
+          <a:p>
+            <a:pPr algn="ctr"/>
+            <a:endParaRPr lang="en-US" altLang="ko-KR" sz="1050" dirty="0"/>
+          </a:p>
+        </p:txBody>
+      </p:sp>
+      <p:sp>
+        <p:nvSpPr>
+          <p:cNvPr id="110" name="사각형: 둥근 모서리 6">
+            <a:extLst>
+              <a:ext uri="{FF2B5EF4-FFF2-40B4-BE49-F238E27FC236}">
+                <a16:creationId xmlns:a16="http://schemas.microsoft.com/office/drawing/2014/main" id="{B1A18E1F-3125-270F-94BC-82B3EEFFD583}"/>
+              </a:ext>
+            </a:extLst>
+          </p:cNvPr>
+          <p:cNvSpPr/>
+          <p:nvPr/>
+        </p:nvSpPr>
+        <p:spPr>
+          <a:xfrm>
+            <a:off x="4047069" y="1786746"/>
+            <a:ext cx="1466564" cy="293003"/>
+          </a:xfrm>
+          <a:prstGeom prst="roundRect">
+            <a:avLst>
+              <a:gd name="adj" fmla="val 18811"/>
+            </a:avLst>
+          </a:prstGeom>
+          <a:solidFill>
+            <a:schemeClr val="bg1">
+              <a:lumMod val="95000"/>
+            </a:schemeClr>
+          </a:solidFill>
+          <a:ln w="12700">
+            <a:headEnd type="none" w="med" len="med"/>
+            <a:tailEnd type="triangle" w="med" len="med"/>
+          </a:ln>
+        </p:spPr>
+        <p:style>
+          <a:lnRef idx="2">
+            <a:schemeClr val="dk1"/>
+          </a:lnRef>
+          <a:fillRef idx="1">
+            <a:schemeClr val="lt1"/>
+          </a:fillRef>
+          <a:effectRef idx="0">
+            <a:schemeClr val="dk1"/>
+          </a:effectRef>
+          <a:fontRef idx="minor">
+            <a:schemeClr val="dk1"/>
+          </a:fontRef>
+        </p:style>
+        <p:txBody>
+          <a:bodyPr rtlCol="0" anchor="ctr"/>
+          <a:lstStyle/>
+          <a:p>
+            <a:pPr algn="ctr"/>
+            <a:r>
+              <a:rPr lang="en-US" altLang="ko-KR" sz="900" dirty="0"/>
+              <a:t>Partition 0 Records</a:t>
+            </a:r>
+          </a:p>
+          <a:p>
+            <a:pPr algn="ctr"/>
+            <a:r>
+              <a:rPr lang="en-US" altLang="ko-KR" sz="900" b="1" dirty="0">
+                <a:solidFill>
+                  <a:srgbClr val="C00000"/>
+                </a:solidFill>
+              </a:rPr>
+              <a:t>SEQ=207~200</a:t>
+            </a:r>
+            <a:endParaRPr lang="ko-KR" altLang="en-US" sz="900" b="1" dirty="0">
               <a:solidFill>
-                <a:schemeClr val="accent1"/>
+                <a:srgbClr val="C00000"/>
               </a:solidFill>
             </a:endParaRPr>
           </a:p>
@@ -4922,10 +5298,10 @@
       </p:sp>
       <p:sp>
         <p:nvSpPr>
-          <p:cNvPr id="65" name="모서리가 둥근 직사각형 18">
-            <a:extLst>
-              <a:ext uri="{FF2B5EF4-FFF2-40B4-BE49-F238E27FC236}">
-                <a16:creationId xmlns:a16="http://schemas.microsoft.com/office/drawing/2014/main" id="{DB6378C3-E800-12B1-C286-52876428B1D9}"/>
+          <p:cNvPr id="119" name="사각형: 둥근 모서리 6">
+            <a:extLst>
+              <a:ext uri="{FF2B5EF4-FFF2-40B4-BE49-F238E27FC236}">
+                <a16:creationId xmlns:a16="http://schemas.microsoft.com/office/drawing/2014/main" id="{8ED9F845-0081-3B20-7840-2CA5CEFD9BB9}"/>
               </a:ext>
             </a:extLst>
           </p:cNvPr>
@@ -4934,17 +5310,22 @@
         </p:nvSpPr>
         <p:spPr>
           <a:xfrm>
-            <a:off x="3923928" y="1904369"/>
-            <a:ext cx="1893101" cy="294228"/>
+            <a:off x="4047069" y="2158023"/>
+            <a:ext cx="1466564" cy="293003"/>
           </a:xfrm>
           <a:prstGeom prst="roundRect">
             <a:avLst>
-              <a:gd name="adj" fmla="val 17911"/>
+              <a:gd name="adj" fmla="val 18811"/>
             </a:avLst>
           </a:prstGeom>
-          <a:noFill/>
+          <a:solidFill>
+            <a:schemeClr val="bg1">
+              <a:lumMod val="95000"/>
+            </a:schemeClr>
+          </a:solidFill>
           <a:ln w="12700">
-            <a:noFill/>
+            <a:headEnd type="none" w="med" len="med"/>
+            <a:tailEnd type="triangle" w="med" len="med"/>
           </a:ln>
         </p:spPr>
         <p:style>
@@ -4967,22 +5348,34 @@
           <a:p>
             <a:pPr algn="ctr"/>
             <a:r>
-              <a:rPr lang="en-US" altLang="ko-KR" sz="1000" i="1">
+              <a:rPr lang="en-US" altLang="ko-KR" sz="900" dirty="0"/>
+              <a:t>Partition 3 Records</a:t>
+            </a:r>
+          </a:p>
+          <a:p>
+            <a:pPr algn="ctr"/>
+            <a:r>
+              <a:rPr lang="en-US" altLang="ko-KR" sz="900" b="1" dirty="0">
                 <a:solidFill>
-                  <a:schemeClr val="accent1"/>
+                  <a:srgbClr val="C00000"/>
                 </a:solidFill>
               </a:rPr>
-              <a:t>Store schema</a:t>
-            </a:r>
-          </a:p>
-        </p:txBody>
-      </p:sp>
-      <p:sp>
-        <p:nvSpPr>
-          <p:cNvPr id="66" name="Oval 65">
-            <a:extLst>
-              <a:ext uri="{FF2B5EF4-FFF2-40B4-BE49-F238E27FC236}">
-                <a16:creationId xmlns:a16="http://schemas.microsoft.com/office/drawing/2014/main" id="{BF6F6AEA-83D5-BC76-465A-A79B02CA0167}"/>
+              <a:t>SEQ=185~180</a:t>
+            </a:r>
+            <a:endParaRPr lang="ko-KR" altLang="en-US" sz="900" b="1" dirty="0">
+              <a:solidFill>
+                <a:srgbClr val="C00000"/>
+              </a:solidFill>
+            </a:endParaRPr>
+          </a:p>
+        </p:txBody>
+      </p:sp>
+      <p:sp>
+        <p:nvSpPr>
+          <p:cNvPr id="123" name="사각형: 둥근 모서리 6">
+            <a:extLst>
+              <a:ext uri="{FF2B5EF4-FFF2-40B4-BE49-F238E27FC236}">
+                <a16:creationId xmlns:a16="http://schemas.microsoft.com/office/drawing/2014/main" id="{9A200515-6F9E-A40E-6A25-7343AA4384A5}"/>
               </a:ext>
             </a:extLst>
           </p:cNvPr>
@@ -4991,35 +5384,286 @@
         </p:nvSpPr>
         <p:spPr>
           <a:xfrm>
-            <a:off x="1713425" y="2519864"/>
-            <a:ext cx="216024" cy="216024"/>
-          </a:xfrm>
-          <a:prstGeom prst="ellipse">
-            <a:avLst/>
+            <a:off x="2761538" y="2708939"/>
+            <a:ext cx="1843418" cy="2206638"/>
+          </a:xfrm>
+          <a:prstGeom prst="roundRect">
+            <a:avLst>
+              <a:gd name="adj" fmla="val 6369"/>
+            </a:avLst>
+          </a:prstGeom>
+          <a:ln w="12700">
+            <a:headEnd type="none" w="med" len="med"/>
+            <a:tailEnd type="triangle" w="med" len="med"/>
+          </a:ln>
+        </p:spPr>
+        <p:style>
+          <a:lnRef idx="2">
+            <a:schemeClr val="dk1"/>
+          </a:lnRef>
+          <a:fillRef idx="1">
+            <a:schemeClr val="lt1"/>
+          </a:fillRef>
+          <a:effectRef idx="0">
+            <a:schemeClr val="dk1"/>
+          </a:effectRef>
+          <a:fontRef idx="minor">
+            <a:schemeClr val="dk1"/>
+          </a:fontRef>
+        </p:style>
+        <p:txBody>
+          <a:bodyPr rtlCol="0" anchor="t"/>
+          <a:lstStyle/>
+          <a:p>
+            <a:pPr algn="ctr"/>
+            <a:r>
+              <a:rPr lang="en-US" altLang="ko-KR" sz="1000" dirty="0"/>
+              <a:t>Request B </a:t>
+            </a:r>
+            <a:r>
+              <a:rPr lang="en-US" altLang="ko-KR" sz="1000" b="1" dirty="0"/>
+              <a:t>PID=2 Epoch=3</a:t>
+            </a:r>
+            <a:endParaRPr lang="ko-KR" altLang="en-US" sz="1000" b="1" dirty="0"/>
+          </a:p>
+        </p:txBody>
+      </p:sp>
+      <p:sp>
+        <p:nvSpPr>
+          <p:cNvPr id="127" name="사각형: 둥근 모서리 6">
+            <a:extLst>
+              <a:ext uri="{FF2B5EF4-FFF2-40B4-BE49-F238E27FC236}">
+                <a16:creationId xmlns:a16="http://schemas.microsoft.com/office/drawing/2014/main" id="{DBC080C6-B0BB-57E1-B859-26113D3383F3}"/>
+              </a:ext>
+            </a:extLst>
+          </p:cNvPr>
+          <p:cNvSpPr/>
+          <p:nvPr/>
+        </p:nvSpPr>
+        <p:spPr>
+          <a:xfrm>
+            <a:off x="2850639" y="3066209"/>
+            <a:ext cx="1665213" cy="661756"/>
+          </a:xfrm>
+          <a:prstGeom prst="roundRect">
+            <a:avLst>
+              <a:gd name="adj" fmla="val 9094"/>
+            </a:avLst>
+          </a:prstGeom>
+          <a:ln w="12700">
+            <a:headEnd type="none" w="med" len="med"/>
+            <a:tailEnd type="triangle" w="med" len="med"/>
+          </a:ln>
+        </p:spPr>
+        <p:style>
+          <a:lnRef idx="2">
+            <a:schemeClr val="dk1"/>
+          </a:lnRef>
+          <a:fillRef idx="1">
+            <a:schemeClr val="lt1"/>
+          </a:fillRef>
+          <a:effectRef idx="0">
+            <a:schemeClr val="dk1"/>
+          </a:effectRef>
+          <a:fontRef idx="minor">
+            <a:schemeClr val="dk1"/>
+          </a:fontRef>
+        </p:style>
+        <p:txBody>
+          <a:bodyPr rtlCol="0" anchor="t"/>
+          <a:lstStyle/>
+          <a:p>
+            <a:pPr algn="ctr"/>
+            <a:r>
+              <a:rPr lang="en-US" altLang="ko-KR" sz="1000" dirty="0"/>
+              <a:t>Topic A</a:t>
+            </a:r>
+          </a:p>
+          <a:p>
+            <a:pPr algn="ctr"/>
+            <a:endParaRPr lang="en-US" altLang="ko-KR" sz="1000" dirty="0"/>
+          </a:p>
+        </p:txBody>
+      </p:sp>
+      <p:sp>
+        <p:nvSpPr>
+          <p:cNvPr id="128" name="사각형: 둥근 모서리 6">
+            <a:extLst>
+              <a:ext uri="{FF2B5EF4-FFF2-40B4-BE49-F238E27FC236}">
+                <a16:creationId xmlns:a16="http://schemas.microsoft.com/office/drawing/2014/main" id="{BF4B9C42-C8B2-17DC-A615-33DAD252EF6E}"/>
+              </a:ext>
+            </a:extLst>
+          </p:cNvPr>
+          <p:cNvSpPr/>
+          <p:nvPr/>
+        </p:nvSpPr>
+        <p:spPr>
+          <a:xfrm>
+            <a:off x="2949961" y="3331626"/>
+            <a:ext cx="1466564" cy="293003"/>
+          </a:xfrm>
+          <a:prstGeom prst="roundRect">
+            <a:avLst>
+              <a:gd name="adj" fmla="val 18811"/>
+            </a:avLst>
           </a:prstGeom>
           <a:solidFill>
-            <a:schemeClr val="bg1"/>
+            <a:schemeClr val="bg1">
+              <a:lumMod val="95000"/>
+            </a:schemeClr>
           </a:solidFill>
           <a:ln w="12700">
-            <a:solidFill>
-              <a:schemeClr val="tx1"/>
-            </a:solidFill>
+            <a:headEnd type="none" w="med" len="med"/>
+            <a:tailEnd type="triangle" w="med" len="med"/>
           </a:ln>
         </p:spPr>
         <p:style>
           <a:lnRef idx="2">
-            <a:schemeClr val="accent1">
-              <a:shade val="15000"/>
+            <a:schemeClr val="dk1"/>
+          </a:lnRef>
+          <a:fillRef idx="1">
+            <a:schemeClr val="lt1"/>
+          </a:fillRef>
+          <a:effectRef idx="0">
+            <a:schemeClr val="dk1"/>
+          </a:effectRef>
+          <a:fontRef idx="minor">
+            <a:schemeClr val="dk1"/>
+          </a:fontRef>
+        </p:style>
+        <p:txBody>
+          <a:bodyPr rtlCol="0" anchor="ctr"/>
+          <a:lstStyle/>
+          <a:p>
+            <a:pPr algn="ctr"/>
+            <a:r>
+              <a:rPr lang="en-US" altLang="ko-KR" sz="900" dirty="0"/>
+              <a:t>Partition 0 Records</a:t>
+            </a:r>
+          </a:p>
+          <a:p>
+            <a:pPr algn="ctr"/>
+            <a:r>
+              <a:rPr lang="en-US" altLang="ko-KR" sz="900" b="1" dirty="0">
+                <a:solidFill>
+                  <a:schemeClr val="accent3">
+                    <a:lumMod val="75000"/>
+                  </a:schemeClr>
+                </a:solidFill>
+              </a:rPr>
+              <a:t>SEQ=315~302</a:t>
+            </a:r>
+            <a:endParaRPr lang="ko-KR" altLang="en-US" sz="900" b="1" dirty="0">
+              <a:solidFill>
+                <a:schemeClr val="accent3">
+                  <a:lumMod val="75000"/>
+                </a:schemeClr>
+              </a:solidFill>
+            </a:endParaRPr>
+          </a:p>
+        </p:txBody>
+      </p:sp>
+      <p:sp>
+        <p:nvSpPr>
+          <p:cNvPr id="129" name="사각형: 둥근 모서리 6">
+            <a:extLst>
+              <a:ext uri="{FF2B5EF4-FFF2-40B4-BE49-F238E27FC236}">
+                <a16:creationId xmlns:a16="http://schemas.microsoft.com/office/drawing/2014/main" id="{906625B2-6C46-0548-0FBD-1EC58C709F58}"/>
+              </a:ext>
+            </a:extLst>
+          </p:cNvPr>
+          <p:cNvSpPr/>
+          <p:nvPr/>
+        </p:nvSpPr>
+        <p:spPr>
+          <a:xfrm>
+            <a:off x="2857364" y="3818756"/>
+            <a:ext cx="1665213" cy="1018553"/>
+          </a:xfrm>
+          <a:prstGeom prst="roundRect">
+            <a:avLst>
+              <a:gd name="adj" fmla="val 7267"/>
+            </a:avLst>
+          </a:prstGeom>
+          <a:ln w="12700">
+            <a:headEnd type="none" w="med" len="med"/>
+            <a:tailEnd type="triangle" w="med" len="med"/>
+          </a:ln>
+        </p:spPr>
+        <p:style>
+          <a:lnRef idx="2">
+            <a:schemeClr val="dk1"/>
+          </a:lnRef>
+          <a:fillRef idx="1">
+            <a:schemeClr val="lt1"/>
+          </a:fillRef>
+          <a:effectRef idx="0">
+            <a:schemeClr val="dk1"/>
+          </a:effectRef>
+          <a:fontRef idx="minor">
+            <a:schemeClr val="dk1"/>
+          </a:fontRef>
+        </p:style>
+        <p:txBody>
+          <a:bodyPr rtlCol="0" anchor="t"/>
+          <a:lstStyle/>
+          <a:p>
+            <a:pPr algn="ctr"/>
+            <a:r>
+              <a:rPr lang="en-US" altLang="ko-KR" sz="1000" dirty="0"/>
+              <a:t>Topic B</a:t>
+            </a:r>
+          </a:p>
+          <a:p>
+            <a:pPr algn="ctr"/>
+            <a:endParaRPr lang="en-US" altLang="ko-KR" sz="1000" dirty="0"/>
+          </a:p>
+        </p:txBody>
+      </p:sp>
+      <p:sp>
+        <p:nvSpPr>
+          <p:cNvPr id="133" name="사각형: 둥근 모서리 6">
+            <a:extLst>
+              <a:ext uri="{FF2B5EF4-FFF2-40B4-BE49-F238E27FC236}">
+                <a16:creationId xmlns:a16="http://schemas.microsoft.com/office/drawing/2014/main" id="{80DA1036-4068-1379-00DE-A0C32DE4AF6D}"/>
+              </a:ext>
+            </a:extLst>
+          </p:cNvPr>
+          <p:cNvSpPr/>
+          <p:nvPr/>
+        </p:nvSpPr>
+        <p:spPr>
+          <a:xfrm>
+            <a:off x="2956687" y="4084175"/>
+            <a:ext cx="1466564" cy="293003"/>
+          </a:xfrm>
+          <a:prstGeom prst="roundRect">
+            <a:avLst>
+              <a:gd name="adj" fmla="val 18811"/>
+            </a:avLst>
+          </a:prstGeom>
+          <a:solidFill>
+            <a:schemeClr val="bg1">
+              <a:lumMod val="95000"/>
             </a:schemeClr>
+          </a:solidFill>
+          <a:ln w="12700">
+            <a:headEnd type="none" w="med" len="med"/>
+            <a:tailEnd type="triangle" w="med" len="med"/>
+          </a:ln>
+        </p:spPr>
+        <p:style>
+          <a:lnRef idx="2">
+            <a:schemeClr val="dk1"/>
           </a:lnRef>
           <a:fillRef idx="1">
-            <a:schemeClr val="accent1"/>
-          </a:fillRef>
-          <a:effectRef idx="0">
-            <a:schemeClr val="accent1"/>
-          </a:effectRef>
-          <a:fontRef idx="minor">
             <a:schemeClr val="lt1"/>
+          </a:fillRef>
+          <a:effectRef idx="0">
+            <a:schemeClr val="dk1"/>
+          </a:effectRef>
+          <a:fontRef idx="minor">
+            <a:schemeClr val="dk1"/>
           </a:fontRef>
         </p:style>
         <p:txBody>
@@ -5028,14 +5672,279 @@
           <a:p>
             <a:pPr algn="ctr"/>
             <a:r>
-              <a:rPr lang="en-US" altLang="ko-KR" sz="1000">
+              <a:rPr lang="en-US" altLang="ko-KR" sz="900" dirty="0"/>
+              <a:t>Partition 0 Records</a:t>
+            </a:r>
+          </a:p>
+          <a:p>
+            <a:pPr algn="ctr"/>
+            <a:r>
+              <a:rPr lang="en-US" altLang="ko-KR" sz="900" b="1" dirty="0">
+                <a:solidFill>
+                  <a:schemeClr val="accent3">
+                    <a:lumMod val="75000"/>
+                  </a:schemeClr>
+                </a:solidFill>
+              </a:rPr>
+              <a:t>SEQ=524~520</a:t>
+            </a:r>
+            <a:endParaRPr lang="ko-KR" altLang="en-US" sz="900" b="1" dirty="0">
+              <a:solidFill>
+                <a:schemeClr val="accent3">
+                  <a:lumMod val="75000"/>
+                </a:schemeClr>
+              </a:solidFill>
+            </a:endParaRPr>
+          </a:p>
+        </p:txBody>
+      </p:sp>
+      <p:sp>
+        <p:nvSpPr>
+          <p:cNvPr id="134" name="사각형: 둥근 모서리 6">
+            <a:extLst>
+              <a:ext uri="{FF2B5EF4-FFF2-40B4-BE49-F238E27FC236}">
+                <a16:creationId xmlns:a16="http://schemas.microsoft.com/office/drawing/2014/main" id="{63FD77AD-F201-B57B-5749-71382B9199C0}"/>
+              </a:ext>
+            </a:extLst>
+          </p:cNvPr>
+          <p:cNvSpPr/>
+          <p:nvPr/>
+        </p:nvSpPr>
+        <p:spPr>
+          <a:xfrm>
+            <a:off x="2956687" y="4455452"/>
+            <a:ext cx="1466564" cy="293003"/>
+          </a:xfrm>
+          <a:prstGeom prst="roundRect">
+            <a:avLst>
+              <a:gd name="adj" fmla="val 18811"/>
+            </a:avLst>
+          </a:prstGeom>
+          <a:solidFill>
+            <a:schemeClr val="bg1">
+              <a:lumMod val="95000"/>
+            </a:schemeClr>
+          </a:solidFill>
+          <a:ln w="12700">
+            <a:headEnd type="none" w="med" len="med"/>
+            <a:tailEnd type="triangle" w="med" len="med"/>
+          </a:ln>
+        </p:spPr>
+        <p:style>
+          <a:lnRef idx="2">
+            <a:schemeClr val="dk1"/>
+          </a:lnRef>
+          <a:fillRef idx="1">
+            <a:schemeClr val="lt1"/>
+          </a:fillRef>
+          <a:effectRef idx="0">
+            <a:schemeClr val="dk1"/>
+          </a:effectRef>
+          <a:fontRef idx="minor">
+            <a:schemeClr val="dk1"/>
+          </a:fontRef>
+        </p:style>
+        <p:txBody>
+          <a:bodyPr rtlCol="0" anchor="ctr"/>
+          <a:lstStyle/>
+          <a:p>
+            <a:pPr algn="ctr"/>
+            <a:r>
+              <a:rPr lang="en-US" altLang="ko-KR" sz="900" dirty="0"/>
+              <a:t>Partition 3 Records</a:t>
+            </a:r>
+          </a:p>
+          <a:p>
+            <a:pPr algn="ctr"/>
+            <a:r>
+              <a:rPr lang="en-US" altLang="ko-KR" sz="900" b="1" dirty="0">
+                <a:solidFill>
+                  <a:schemeClr val="accent3">
+                    <a:lumMod val="75000"/>
+                  </a:schemeClr>
+                </a:solidFill>
+              </a:rPr>
+              <a:t>SEQ=480~474</a:t>
+            </a:r>
+            <a:endParaRPr lang="ko-KR" altLang="en-US" sz="900" b="1" dirty="0">
+              <a:solidFill>
+                <a:schemeClr val="accent3">
+                  <a:lumMod val="75000"/>
+                </a:schemeClr>
+              </a:solidFill>
+            </a:endParaRPr>
+          </a:p>
+        </p:txBody>
+      </p:sp>
+      <p:sp>
+        <p:nvSpPr>
+          <p:cNvPr id="5" name="사각형: 둥근 모서리 56">
+            <a:extLst>
+              <a:ext uri="{FF2B5EF4-FFF2-40B4-BE49-F238E27FC236}">
+                <a16:creationId xmlns:a16="http://schemas.microsoft.com/office/drawing/2014/main" id="{B4994807-546A-15FD-C21D-EDCC2F960C64}"/>
+              </a:ext>
+            </a:extLst>
+          </p:cNvPr>
+          <p:cNvSpPr/>
+          <p:nvPr/>
+        </p:nvSpPr>
+        <p:spPr>
+          <a:xfrm>
+            <a:off x="6103860" y="187696"/>
+            <a:ext cx="2720252" cy="1224523"/>
+          </a:xfrm>
+          <a:prstGeom prst="roundRect">
+            <a:avLst>
+              <a:gd name="adj" fmla="val 8779"/>
+            </a:avLst>
+          </a:prstGeom>
+          <a:ln w="12700">
+            <a:headEnd type="none" w="med" len="med"/>
+            <a:tailEnd type="triangle" w="med" len="med"/>
+          </a:ln>
+        </p:spPr>
+        <p:style>
+          <a:lnRef idx="2">
+            <a:schemeClr val="dk1"/>
+          </a:lnRef>
+          <a:fillRef idx="1">
+            <a:schemeClr val="lt1"/>
+          </a:fillRef>
+          <a:effectRef idx="0">
+            <a:schemeClr val="dk1"/>
+          </a:effectRef>
+          <a:fontRef idx="minor">
+            <a:schemeClr val="dk1"/>
+          </a:fontRef>
+        </p:style>
+        <p:txBody>
+          <a:bodyPr rtlCol="0" anchor="ctr"/>
+          <a:lstStyle/>
+          <a:p>
+            <a:pPr algn="ctr"/>
+            <a:r>
+              <a:rPr lang="en-US" altLang="ko-KR" sz="1000" b="1"/>
+              <a:t>PID=1 Epoch=1 SEQ</a:t>
+            </a:r>
+            <a:r>
+              <a:rPr lang="ko-KR" altLang="en-US" sz="1000" b="1"/>
+              <a:t> </a:t>
+            </a:r>
+            <a:r>
+              <a:rPr lang="en-US" altLang="ko-KR" sz="1000" b="1"/>
+              <a:t>State</a:t>
+            </a:r>
+          </a:p>
+          <a:p>
+            <a:pPr algn="ctr"/>
+            <a:endParaRPr lang="en-US" altLang="ko-KR" sz="1000" b="1" dirty="0"/>
+          </a:p>
+          <a:p>
+            <a:r>
+              <a:rPr lang="en-US" altLang="ko-KR" sz="900" dirty="0"/>
+              <a:t>Topic A, Partition 0 / </a:t>
+            </a:r>
+            <a:r>
+              <a:rPr lang="en-US" altLang="ko-KR" sz="900" b="1" dirty="0">
+                <a:solidFill>
+                  <a:schemeClr val="tx2"/>
+                </a:solidFill>
+              </a:rPr>
+              <a:t>113~106</a:t>
+            </a:r>
+            <a:r>
+              <a:rPr lang="en-US" altLang="ko-KR" sz="900" dirty="0"/>
+              <a:t>, </a:t>
+            </a:r>
+            <a:r>
+              <a:rPr lang="en-US" altLang="ko-KR" sz="900" b="1" dirty="0">
+                <a:solidFill>
+                  <a:srgbClr val="C00000"/>
+                </a:solidFill>
+              </a:rPr>
+              <a:t>105~100</a:t>
+            </a:r>
+            <a:r>
+              <a:rPr lang="en-US" altLang="ko-KR" sz="900" dirty="0"/>
+              <a:t>, 99~85, 84~78, 77~70</a:t>
+            </a:r>
+          </a:p>
+          <a:p>
+            <a:r>
+              <a:rPr lang="en-US" altLang="ko-KR" sz="900" dirty="0"/>
+              <a:t>Topic B, Partition 0 / </a:t>
+            </a:r>
+            <a:r>
+              <a:rPr lang="en-US" altLang="ko-KR" sz="900" b="1" dirty="0">
+                <a:solidFill>
+                  <a:schemeClr val="tx2"/>
+                </a:solidFill>
+              </a:rPr>
+              <a:t>215~208</a:t>
+            </a:r>
+            <a:r>
+              <a:rPr lang="en-US" altLang="ko-KR" sz="900" dirty="0"/>
+              <a:t>, </a:t>
+            </a:r>
+            <a:r>
+              <a:rPr lang="en-US" altLang="ko-KR" sz="900" b="1" dirty="0">
+                <a:solidFill>
+                  <a:srgbClr val="C00000"/>
+                </a:solidFill>
+              </a:rPr>
+              <a:t>207~200</a:t>
+            </a:r>
+            <a:r>
+              <a:rPr lang="en-US" altLang="ko-KR" sz="900" dirty="0"/>
+              <a:t>, 199~190, 189~179, 178~170</a:t>
+            </a:r>
+          </a:p>
+          <a:p>
+            <a:r>
+              <a:rPr lang="en-US" altLang="ko-KR" sz="900" dirty="0"/>
+              <a:t>Topic B, Partition 3 / </a:t>
+            </a:r>
+            <a:r>
+              <a:rPr lang="en-US" altLang="ko-KR" sz="900" b="1" dirty="0">
+                <a:solidFill>
+                  <a:schemeClr val="tx2"/>
+                </a:solidFill>
+              </a:rPr>
+              <a:t>195~186</a:t>
+            </a:r>
+            <a:r>
+              <a:rPr lang="en-US" altLang="ko-KR" sz="900" dirty="0">
                 <a:solidFill>
                   <a:schemeClr val="tx1"/>
                 </a:solidFill>
               </a:rPr>
-              <a:t>1</a:t>
-            </a:r>
-            <a:endParaRPr lang="en-KR" sz="1000">
+              <a:t>,</a:t>
+            </a:r>
+            <a:r>
+              <a:rPr lang="ko-KR" altLang="en-US" sz="900" dirty="0">
+                <a:solidFill>
+                  <a:schemeClr val="tx1"/>
+                </a:solidFill>
+              </a:rPr>
+              <a:t> </a:t>
+            </a:r>
+            <a:r>
+              <a:rPr lang="en-US" altLang="ko-KR" sz="900" b="1" dirty="0">
+                <a:solidFill>
+                  <a:srgbClr val="C00000"/>
+                </a:solidFill>
+              </a:rPr>
+              <a:t>185~180</a:t>
+            </a:r>
+            <a:r>
+              <a:rPr lang="en-US" altLang="ko-KR" sz="900" dirty="0">
+                <a:solidFill>
+                  <a:schemeClr val="tx1"/>
+                </a:solidFill>
+              </a:rPr>
+              <a:t>, 179~169, 168~161, 160~152</a:t>
+            </a:r>
+            <a:endParaRPr lang="en-US" altLang="ko-KR" sz="1000" dirty="0">
               <a:solidFill>
                 <a:schemeClr val="tx1"/>
               </a:solidFill>
@@ -5045,10 +5954,10 @@
       </p:sp>
       <p:sp>
         <p:nvSpPr>
-          <p:cNvPr id="67" name="모서리가 둥근 직사각형 18">
-            <a:extLst>
-              <a:ext uri="{FF2B5EF4-FFF2-40B4-BE49-F238E27FC236}">
-                <a16:creationId xmlns:a16="http://schemas.microsoft.com/office/drawing/2014/main" id="{58217613-4F56-6449-69AC-AC6AACF85D4C}"/>
+          <p:cNvPr id="6" name="사각형: 둥근 모서리 56">
+            <a:extLst>
+              <a:ext uri="{FF2B5EF4-FFF2-40B4-BE49-F238E27FC236}">
+                <a16:creationId xmlns:a16="http://schemas.microsoft.com/office/drawing/2014/main" id="{921BAF11-79FD-3C4C-8BF8-FD74F51AB54D}"/>
               </a:ext>
             </a:extLst>
           </p:cNvPr>
@@ -5057,17 +5966,17 @@
         </p:nvSpPr>
         <p:spPr>
           <a:xfrm>
-            <a:off x="1818056" y="2480762"/>
-            <a:ext cx="1411645" cy="294228"/>
+            <a:off x="6103860" y="1497443"/>
+            <a:ext cx="2720252" cy="1224523"/>
           </a:xfrm>
           <a:prstGeom prst="roundRect">
             <a:avLst>
-              <a:gd name="adj" fmla="val 17911"/>
+              <a:gd name="adj" fmla="val 8779"/>
             </a:avLst>
           </a:prstGeom>
-          <a:noFill/>
           <a:ln w="12700">
-            <a:noFill/>
+            <a:headEnd type="none" w="med" len="med"/>
+            <a:tailEnd type="triangle" w="med" len="med"/>
           </a:ln>
         </p:spPr>
         <p:style>
@@ -5090,725 +5999,117 @@
           <a:p>
             <a:pPr algn="ctr"/>
             <a:r>
-              <a:rPr lang="en-US" altLang="ko-KR" sz="1000" i="1">
+              <a:rPr lang="en-US" altLang="ko-KR" sz="1000" b="1"/>
+              <a:t>PID=2 Epoch=3 SEQ State</a:t>
+            </a:r>
+          </a:p>
+          <a:p>
+            <a:pPr algn="ctr"/>
+            <a:endParaRPr lang="en-US" altLang="ko-KR" sz="1000" b="1" dirty="0"/>
+          </a:p>
+          <a:p>
+            <a:r>
+              <a:rPr lang="en-US" altLang="ko-KR" sz="900" dirty="0"/>
+              <a:t>Topic A, Partition 0 / </a:t>
+            </a:r>
+            <a:r>
+              <a:rPr lang="en-US" altLang="ko-KR" sz="900" b="1" dirty="0">
+                <a:solidFill>
+                  <a:schemeClr val="accent3">
+                    <a:lumMod val="75000"/>
+                  </a:schemeClr>
+                </a:solidFill>
+              </a:rPr>
+              <a:t>315~302</a:t>
+            </a:r>
+            <a:r>
+              <a:rPr lang="en-US" altLang="ko-KR" sz="900" dirty="0"/>
+              <a:t>, </a:t>
+            </a:r>
+            <a:r>
+              <a:rPr lang="en-US" altLang="ko-KR" sz="900" dirty="0">
                 <a:solidFill>
                   <a:schemeClr val="tx1"/>
                 </a:solidFill>
               </a:rPr>
-              <a:t>Get schema</a:t>
-            </a:r>
-            <a:br>
-              <a:rPr lang="en-US" altLang="ko-KR" sz="1000" i="1">
+              <a:t>301~298, 297~290, 289~275, 274~270</a:t>
+            </a:r>
+          </a:p>
+          <a:p>
+            <a:r>
+              <a:rPr lang="en-US" altLang="ko-KR" sz="900" dirty="0"/>
+              <a:t>Topic B, Partition 0 / </a:t>
+            </a:r>
+            <a:r>
+              <a:rPr lang="en-US" altLang="ko-KR" sz="900" b="1" dirty="0">
+                <a:solidFill>
+                  <a:schemeClr val="accent3">
+                    <a:lumMod val="75000"/>
+                  </a:schemeClr>
+                </a:solidFill>
+              </a:rPr>
+              <a:t>524~502</a:t>
+            </a:r>
+            <a:r>
+              <a:rPr lang="en-US" altLang="ko-KR" sz="900" dirty="0"/>
+              <a:t>, </a:t>
+            </a:r>
+            <a:r>
+              <a:rPr lang="en-US" altLang="ko-KR" sz="900" dirty="0">
                 <a:solidFill>
                   <a:schemeClr val="tx1"/>
                 </a:solidFill>
               </a:rPr>
-            </a:br>
-            <a:r>
-              <a:rPr lang="en-US" altLang="ko-KR" sz="1000" i="1">
+              <a:t>501~493, 492~482, 481~472, 471~458</a:t>
+            </a:r>
+            <a:endParaRPr lang="en-US" altLang="ko-KR" sz="900" dirty="0"/>
+          </a:p>
+          <a:p>
+            <a:r>
+              <a:rPr lang="en-US" altLang="ko-KR" sz="900" dirty="0"/>
+              <a:t>Topic B, Partition 3 / </a:t>
+            </a:r>
+            <a:r>
+              <a:rPr lang="en-US" altLang="ko-KR" sz="900" b="1" dirty="0">
+                <a:solidFill>
+                  <a:schemeClr val="accent3">
+                    <a:lumMod val="75000"/>
+                  </a:schemeClr>
+                </a:solidFill>
+              </a:rPr>
+              <a:t>480~474</a:t>
+            </a:r>
+            <a:r>
+              <a:rPr lang="en-US" altLang="ko-KR" sz="900" dirty="0">
                 <a:solidFill>
                   <a:schemeClr val="tx1"/>
                 </a:solidFill>
               </a:rPr>
-              <a:t>&amp; schema ID</a:t>
-            </a:r>
-          </a:p>
-          <a:p>
-            <a:pPr algn="ctr"/>
-            <a:r>
-              <a:rPr lang="en-US" altLang="ko-KR" sz="1000" i="1">
+              <a:t>, 473~472,</a:t>
+            </a:r>
+            <a:r>
+              <a:rPr lang="ko-KR" altLang="en-US" sz="900" dirty="0">
                 <a:solidFill>
                   <a:schemeClr val="tx1"/>
                 </a:solidFill>
               </a:rPr>
-              <a:t>by name &amp; version</a:t>
-            </a:r>
-          </a:p>
-        </p:txBody>
-      </p:sp>
-      <p:sp>
-        <p:nvSpPr>
-          <p:cNvPr id="68" name="Oval 67">
-            <a:extLst>
-              <a:ext uri="{FF2B5EF4-FFF2-40B4-BE49-F238E27FC236}">
-                <a16:creationId xmlns:a16="http://schemas.microsoft.com/office/drawing/2014/main" id="{C5263329-1D09-6D02-AD2F-4F97BA784405}"/>
-              </a:ext>
-            </a:extLst>
-          </p:cNvPr>
-          <p:cNvSpPr/>
-          <p:nvPr/>
-        </p:nvSpPr>
-        <p:spPr>
-          <a:xfrm>
-            <a:off x="2509514" y="2979517"/>
-            <a:ext cx="216024" cy="216024"/>
-          </a:xfrm>
-          <a:prstGeom prst="ellipse">
-            <a:avLst/>
-          </a:prstGeom>
-          <a:solidFill>
-            <a:schemeClr val="bg1"/>
-          </a:solidFill>
-          <a:ln w="12700">
-            <a:solidFill>
-              <a:schemeClr val="tx1"/>
-            </a:solidFill>
-          </a:ln>
-        </p:spPr>
-        <p:style>
-          <a:lnRef idx="2">
-            <a:schemeClr val="accent1">
-              <a:shade val="15000"/>
-            </a:schemeClr>
-          </a:lnRef>
-          <a:fillRef idx="1">
-            <a:schemeClr val="accent1"/>
-          </a:fillRef>
-          <a:effectRef idx="0">
-            <a:schemeClr val="accent1"/>
-          </a:effectRef>
-          <a:fontRef idx="minor">
-            <a:schemeClr val="lt1"/>
-          </a:fontRef>
-        </p:style>
-        <p:txBody>
-          <a:bodyPr rtlCol="0" anchor="ctr"/>
-          <a:lstStyle/>
-          <a:p>
-            <a:pPr algn="ctr"/>
-            <a:r>
-              <a:rPr lang="en-US" sz="1000">
+              <a:t> </a:t>
+            </a:r>
+            <a:r>
+              <a:rPr lang="en-US" altLang="ko-KR" sz="900" dirty="0">
                 <a:solidFill>
                   <a:schemeClr val="tx1"/>
                 </a:solidFill>
               </a:rPr>
-              <a:t>2</a:t>
-            </a:r>
-            <a:endParaRPr lang="en-KR" sz="1000">
-              <a:solidFill>
-                <a:schemeClr val="tx1"/>
-              </a:solidFill>
-            </a:endParaRPr>
-          </a:p>
-        </p:txBody>
-      </p:sp>
-      <p:sp>
-        <p:nvSpPr>
-          <p:cNvPr id="69" name="모서리가 둥근 직사각형 18">
-            <a:extLst>
-              <a:ext uri="{FF2B5EF4-FFF2-40B4-BE49-F238E27FC236}">
-                <a16:creationId xmlns:a16="http://schemas.microsoft.com/office/drawing/2014/main" id="{C9998529-9BC3-CB2D-3DAA-0659528280E0}"/>
-              </a:ext>
-            </a:extLst>
-          </p:cNvPr>
-          <p:cNvSpPr/>
-          <p:nvPr/>
-        </p:nvSpPr>
-        <p:spPr>
-          <a:xfrm>
-            <a:off x="1681422" y="3273301"/>
-            <a:ext cx="1872208" cy="418481"/>
-          </a:xfrm>
-          <a:prstGeom prst="roundRect">
-            <a:avLst>
-              <a:gd name="adj" fmla="val 17911"/>
-            </a:avLst>
-          </a:prstGeom>
-          <a:noFill/>
-          <a:ln w="12700">
-            <a:noFill/>
-          </a:ln>
-        </p:spPr>
-        <p:style>
-          <a:lnRef idx="2">
-            <a:schemeClr val="dk1"/>
-          </a:lnRef>
-          <a:fillRef idx="1">
-            <a:schemeClr val="lt1"/>
-          </a:fillRef>
-          <a:effectRef idx="0">
-            <a:schemeClr val="dk1"/>
-          </a:effectRef>
-          <a:fontRef idx="minor">
-            <a:schemeClr val="dk1"/>
-          </a:fontRef>
-        </p:style>
-        <p:txBody>
-          <a:bodyPr rtlCol="0" anchor="ctr"/>
-          <a:lstStyle/>
-          <a:p>
-            <a:pPr algn="ctr"/>
-            <a:r>
-              <a:rPr lang="en-US" altLang="ko-KR" sz="1000" i="1">
-                <a:solidFill>
-                  <a:schemeClr val="tx1"/>
-                </a:solidFill>
-              </a:rPr>
-              <a:t>Serialized &amp; send message</a:t>
-            </a:r>
-          </a:p>
-          <a:p>
-            <a:pPr algn="ctr"/>
-            <a:r>
-              <a:rPr lang="en-US" altLang="ko-KR" sz="1000" i="1">
-                <a:solidFill>
-                  <a:schemeClr val="tx1"/>
-                </a:solidFill>
-              </a:rPr>
-              <a:t>with schema ID</a:t>
-            </a:r>
-          </a:p>
-        </p:txBody>
-      </p:sp>
-      <p:sp>
-        <p:nvSpPr>
-          <p:cNvPr id="71" name="Oval 70">
-            <a:extLst>
-              <a:ext uri="{FF2B5EF4-FFF2-40B4-BE49-F238E27FC236}">
-                <a16:creationId xmlns:a16="http://schemas.microsoft.com/office/drawing/2014/main" id="{9569D087-D70C-FB02-1104-26A6083779B8}"/>
-              </a:ext>
-            </a:extLst>
-          </p:cNvPr>
-          <p:cNvSpPr/>
-          <p:nvPr/>
-        </p:nvSpPr>
-        <p:spPr>
-          <a:xfrm>
-            <a:off x="6752032" y="2515543"/>
-            <a:ext cx="216024" cy="216024"/>
-          </a:xfrm>
-          <a:prstGeom prst="ellipse">
-            <a:avLst/>
-          </a:prstGeom>
-          <a:solidFill>
-            <a:schemeClr val="bg1"/>
-          </a:solidFill>
-          <a:ln w="12700">
-            <a:solidFill>
-              <a:schemeClr val="tx1"/>
-            </a:solidFill>
-          </a:ln>
-        </p:spPr>
-        <p:style>
-          <a:lnRef idx="2">
-            <a:schemeClr val="accent1">
-              <a:shade val="15000"/>
-            </a:schemeClr>
-          </a:lnRef>
-          <a:fillRef idx="1">
-            <a:schemeClr val="accent1"/>
-          </a:fillRef>
-          <a:effectRef idx="0">
-            <a:schemeClr val="accent1"/>
-          </a:effectRef>
-          <a:fontRef idx="minor">
-            <a:schemeClr val="lt1"/>
-          </a:fontRef>
-        </p:style>
-        <p:txBody>
-          <a:bodyPr rtlCol="0" anchor="ctr"/>
-          <a:lstStyle/>
-          <a:p>
-            <a:pPr algn="ctr"/>
-            <a:r>
-              <a:rPr lang="en-US" sz="1000">
-                <a:solidFill>
-                  <a:schemeClr val="tx1"/>
-                </a:solidFill>
-              </a:rPr>
-              <a:t>4</a:t>
-            </a:r>
-            <a:endParaRPr lang="en-KR" sz="1000">
-              <a:solidFill>
-                <a:schemeClr val="tx1"/>
-              </a:solidFill>
-            </a:endParaRPr>
-          </a:p>
-        </p:txBody>
-      </p:sp>
-      <p:sp>
-        <p:nvSpPr>
-          <p:cNvPr id="73" name="Oval 72">
-            <a:extLst>
-              <a:ext uri="{FF2B5EF4-FFF2-40B4-BE49-F238E27FC236}">
-                <a16:creationId xmlns:a16="http://schemas.microsoft.com/office/drawing/2014/main" id="{94D693A9-BA0C-9492-B985-AFA2B553201E}"/>
-              </a:ext>
-            </a:extLst>
-          </p:cNvPr>
-          <p:cNvSpPr/>
-          <p:nvPr/>
-        </p:nvSpPr>
-        <p:spPr>
-          <a:xfrm>
-            <a:off x="5961889" y="2979517"/>
-            <a:ext cx="216024" cy="216024"/>
-          </a:xfrm>
-          <a:prstGeom prst="ellipse">
-            <a:avLst/>
-          </a:prstGeom>
-          <a:solidFill>
-            <a:schemeClr val="bg1"/>
-          </a:solidFill>
-          <a:ln w="12700">
-            <a:solidFill>
-              <a:schemeClr val="tx1"/>
-            </a:solidFill>
-          </a:ln>
-        </p:spPr>
-        <p:style>
-          <a:lnRef idx="2">
-            <a:schemeClr val="accent1">
-              <a:shade val="15000"/>
-            </a:schemeClr>
-          </a:lnRef>
-          <a:fillRef idx="1">
-            <a:schemeClr val="accent1"/>
-          </a:fillRef>
-          <a:effectRef idx="0">
-            <a:schemeClr val="accent1"/>
-          </a:effectRef>
-          <a:fontRef idx="minor">
-            <a:schemeClr val="lt1"/>
-          </a:fontRef>
-        </p:style>
-        <p:txBody>
-          <a:bodyPr rtlCol="0" anchor="ctr"/>
-          <a:lstStyle/>
-          <a:p>
-            <a:pPr algn="ctr"/>
-            <a:r>
-              <a:rPr lang="en-US" sz="1000">
-                <a:solidFill>
-                  <a:schemeClr val="tx1"/>
-                </a:solidFill>
-              </a:rPr>
-              <a:t>3</a:t>
-            </a:r>
-            <a:endParaRPr lang="en-KR" sz="1000">
-              <a:solidFill>
-                <a:schemeClr val="tx1"/>
-              </a:solidFill>
-            </a:endParaRPr>
-          </a:p>
-        </p:txBody>
-      </p:sp>
-      <p:sp>
-        <p:nvSpPr>
-          <p:cNvPr id="75" name="모서리가 둥근 직사각형 18">
-            <a:extLst>
-              <a:ext uri="{FF2B5EF4-FFF2-40B4-BE49-F238E27FC236}">
-                <a16:creationId xmlns:a16="http://schemas.microsoft.com/office/drawing/2014/main" id="{1F9EF69C-41EF-7B71-2901-2C8BD78B4C15}"/>
-              </a:ext>
-            </a:extLst>
-          </p:cNvPr>
-          <p:cNvSpPr/>
-          <p:nvPr/>
-        </p:nvSpPr>
-        <p:spPr>
-          <a:xfrm>
-            <a:off x="5443721" y="2481379"/>
-            <a:ext cx="1411645" cy="294228"/>
-          </a:xfrm>
-          <a:prstGeom prst="roundRect">
-            <a:avLst>
-              <a:gd name="adj" fmla="val 17911"/>
-            </a:avLst>
-          </a:prstGeom>
-          <a:noFill/>
-          <a:ln w="12700">
-            <a:noFill/>
-          </a:ln>
-        </p:spPr>
-        <p:style>
-          <a:lnRef idx="2">
-            <a:schemeClr val="dk1"/>
-          </a:lnRef>
-          <a:fillRef idx="1">
-            <a:schemeClr val="lt1"/>
-          </a:fillRef>
-          <a:effectRef idx="0">
-            <a:schemeClr val="dk1"/>
-          </a:effectRef>
-          <a:fontRef idx="minor">
-            <a:schemeClr val="dk1"/>
-          </a:fontRef>
-        </p:style>
-        <p:txBody>
-          <a:bodyPr rtlCol="0" anchor="ctr"/>
-          <a:lstStyle/>
-          <a:p>
-            <a:pPr algn="ctr"/>
-            <a:r>
-              <a:rPr lang="en-US" altLang="ko-KR" sz="1000" i="1">
-                <a:solidFill>
-                  <a:schemeClr val="tx1"/>
-                </a:solidFill>
-              </a:rPr>
-              <a:t>Get schema by ID</a:t>
-            </a:r>
-          </a:p>
-        </p:txBody>
-      </p:sp>
-      <p:sp>
-        <p:nvSpPr>
-          <p:cNvPr id="76" name="모서리가 둥근 직사각형 18">
-            <a:extLst>
-              <a:ext uri="{FF2B5EF4-FFF2-40B4-BE49-F238E27FC236}">
-                <a16:creationId xmlns:a16="http://schemas.microsoft.com/office/drawing/2014/main" id="{08AACADD-70D5-D936-4477-49F8DBB80C34}"/>
-              </a:ext>
-            </a:extLst>
-          </p:cNvPr>
-          <p:cNvSpPr/>
-          <p:nvPr/>
-        </p:nvSpPr>
-        <p:spPr>
-          <a:xfrm>
-            <a:off x="5133797" y="3277647"/>
-            <a:ext cx="1872208" cy="418481"/>
-          </a:xfrm>
-          <a:prstGeom prst="roundRect">
-            <a:avLst>
-              <a:gd name="adj" fmla="val 17911"/>
-            </a:avLst>
-          </a:prstGeom>
-          <a:noFill/>
-          <a:ln w="12700">
-            <a:noFill/>
-          </a:ln>
-        </p:spPr>
-        <p:style>
-          <a:lnRef idx="2">
-            <a:schemeClr val="dk1"/>
-          </a:lnRef>
-          <a:fillRef idx="1">
-            <a:schemeClr val="lt1"/>
-          </a:fillRef>
-          <a:effectRef idx="0">
-            <a:schemeClr val="dk1"/>
-          </a:effectRef>
-          <a:fontRef idx="minor">
-            <a:schemeClr val="dk1"/>
-          </a:fontRef>
-        </p:style>
-        <p:txBody>
-          <a:bodyPr rtlCol="0" anchor="ctr"/>
-          <a:lstStyle/>
-          <a:p>
-            <a:pPr algn="ctr"/>
-            <a:r>
-              <a:rPr lang="en-US" altLang="ko-KR" sz="1000" i="1">
-                <a:solidFill>
-                  <a:schemeClr val="tx1"/>
-                </a:solidFill>
-              </a:rPr>
-              <a:t>Get serialized messages </a:t>
-            </a:r>
-            <a:br>
-              <a:rPr lang="en-US" altLang="ko-KR" sz="1000" i="1">
-                <a:solidFill>
-                  <a:schemeClr val="tx1"/>
-                </a:solidFill>
-              </a:rPr>
-            </a:br>
-            <a:r>
-              <a:rPr lang="en-US" altLang="ko-KR" sz="1000" i="1">
-                <a:solidFill>
-                  <a:schemeClr val="tx1"/>
-                </a:solidFill>
-              </a:rPr>
-              <a:t>&amp; schema ID</a:t>
-            </a:r>
-          </a:p>
-        </p:txBody>
-      </p:sp>
-      <p:sp>
-        <p:nvSpPr>
-          <p:cNvPr id="78" name="Oval 77">
-            <a:extLst>
-              <a:ext uri="{FF2B5EF4-FFF2-40B4-BE49-F238E27FC236}">
-                <a16:creationId xmlns:a16="http://schemas.microsoft.com/office/drawing/2014/main" id="{CCDA9F6E-A179-2120-1C55-7A4EAA0D7088}"/>
-              </a:ext>
-            </a:extLst>
-          </p:cNvPr>
-          <p:cNvSpPr/>
-          <p:nvPr/>
-        </p:nvSpPr>
-        <p:spPr>
-          <a:xfrm>
-            <a:off x="7407175" y="3165289"/>
-            <a:ext cx="216024" cy="216024"/>
-          </a:xfrm>
-          <a:prstGeom prst="ellipse">
-            <a:avLst/>
-          </a:prstGeom>
-          <a:solidFill>
-            <a:schemeClr val="bg1"/>
-          </a:solidFill>
-          <a:ln w="12700">
-            <a:solidFill>
-              <a:schemeClr val="tx1"/>
-            </a:solidFill>
-          </a:ln>
-        </p:spPr>
-        <p:style>
-          <a:lnRef idx="2">
-            <a:schemeClr val="accent1">
-              <a:shade val="15000"/>
-            </a:schemeClr>
-          </a:lnRef>
-          <a:fillRef idx="1">
-            <a:schemeClr val="accent1"/>
-          </a:fillRef>
-          <a:effectRef idx="0">
-            <a:schemeClr val="accent1"/>
-          </a:effectRef>
-          <a:fontRef idx="minor">
-            <a:schemeClr val="lt1"/>
-          </a:fontRef>
-        </p:style>
-        <p:txBody>
-          <a:bodyPr rtlCol="0" anchor="ctr"/>
-          <a:lstStyle/>
-          <a:p>
-            <a:pPr algn="ctr"/>
-            <a:r>
-              <a:rPr lang="en-US" sz="1000">
-                <a:solidFill>
-                  <a:schemeClr val="tx1"/>
-                </a:solidFill>
-              </a:rPr>
-              <a:t>5</a:t>
-            </a:r>
-            <a:endParaRPr lang="en-KR" sz="1000">
-              <a:solidFill>
-                <a:schemeClr val="tx1"/>
-              </a:solidFill>
-            </a:endParaRPr>
-          </a:p>
-        </p:txBody>
-      </p:sp>
-      <p:sp>
-        <p:nvSpPr>
-          <p:cNvPr id="80" name="모서리가 둥근 직사각형 18">
-            <a:extLst>
-              <a:ext uri="{FF2B5EF4-FFF2-40B4-BE49-F238E27FC236}">
-                <a16:creationId xmlns:a16="http://schemas.microsoft.com/office/drawing/2014/main" id="{B82C7360-C53D-7268-E337-33FB9C843B7A}"/>
-              </a:ext>
-            </a:extLst>
-          </p:cNvPr>
-          <p:cNvSpPr/>
-          <p:nvPr/>
-        </p:nvSpPr>
-        <p:spPr>
-          <a:xfrm>
-            <a:off x="6579083" y="3350762"/>
-            <a:ext cx="1872208" cy="418481"/>
-          </a:xfrm>
-          <a:prstGeom prst="roundRect">
-            <a:avLst>
-              <a:gd name="adj" fmla="val 17911"/>
-            </a:avLst>
-          </a:prstGeom>
-          <a:noFill/>
-          <a:ln w="12700">
-            <a:noFill/>
-          </a:ln>
-        </p:spPr>
-        <p:style>
-          <a:lnRef idx="2">
-            <a:schemeClr val="dk1"/>
-          </a:lnRef>
-          <a:fillRef idx="1">
-            <a:schemeClr val="lt1"/>
-          </a:fillRef>
-          <a:effectRef idx="0">
-            <a:schemeClr val="dk1"/>
-          </a:effectRef>
-          <a:fontRef idx="minor">
-            <a:schemeClr val="dk1"/>
-          </a:fontRef>
-        </p:style>
-        <p:txBody>
-          <a:bodyPr rtlCol="0" anchor="ctr"/>
-          <a:lstStyle/>
-          <a:p>
-            <a:pPr algn="ctr"/>
-            <a:r>
-              <a:rPr lang="en-US" altLang="ko-KR" sz="1000" i="1">
-                <a:solidFill>
-                  <a:schemeClr val="tx1"/>
-                </a:solidFill>
-              </a:rPr>
-              <a:t>Deserialized messages </a:t>
-            </a:r>
-          </a:p>
-          <a:p>
-            <a:pPr algn="ctr"/>
-            <a:r>
-              <a:rPr lang="en-US" altLang="ko-KR" sz="1000" i="1">
-                <a:solidFill>
-                  <a:schemeClr val="tx1"/>
-                </a:solidFill>
-              </a:rPr>
-              <a:t>with schema</a:t>
-            </a:r>
-          </a:p>
-        </p:txBody>
-      </p:sp>
-      <p:sp>
-        <p:nvSpPr>
-          <p:cNvPr id="83" name="Oval 82">
-            <a:extLst>
-              <a:ext uri="{FF2B5EF4-FFF2-40B4-BE49-F238E27FC236}">
-                <a16:creationId xmlns:a16="http://schemas.microsoft.com/office/drawing/2014/main" id="{FB81F128-2883-6B98-6936-3DFB8C693503}"/>
-              </a:ext>
-            </a:extLst>
-          </p:cNvPr>
-          <p:cNvSpPr/>
-          <p:nvPr/>
-        </p:nvSpPr>
-        <p:spPr>
-          <a:xfrm>
-            <a:off x="4917773" y="1669452"/>
-            <a:ext cx="216024" cy="216024"/>
-          </a:xfrm>
-          <a:prstGeom prst="ellipse">
-            <a:avLst/>
-          </a:prstGeom>
-          <a:solidFill>
-            <a:schemeClr val="bg1"/>
-          </a:solidFill>
-          <a:ln w="12700">
-            <a:solidFill>
-              <a:schemeClr val="accent1"/>
-            </a:solidFill>
-          </a:ln>
-        </p:spPr>
-        <p:style>
-          <a:lnRef idx="2">
-            <a:schemeClr val="accent1">
-              <a:shade val="15000"/>
-            </a:schemeClr>
-          </a:lnRef>
-          <a:fillRef idx="1">
-            <a:schemeClr val="accent1"/>
-          </a:fillRef>
-          <a:effectRef idx="0">
-            <a:schemeClr val="accent1"/>
-          </a:effectRef>
-          <a:fontRef idx="minor">
-            <a:schemeClr val="lt1"/>
-          </a:fontRef>
-        </p:style>
-        <p:txBody>
-          <a:bodyPr rtlCol="0" anchor="ctr"/>
-          <a:lstStyle/>
-          <a:p>
-            <a:pPr algn="ctr"/>
-            <a:r>
-              <a:rPr lang="en-KR" sz="1000">
-                <a:solidFill>
-                  <a:schemeClr val="accent1"/>
-                </a:solidFill>
-              </a:rPr>
-              <a:t>3</a:t>
-            </a:r>
-          </a:p>
-        </p:txBody>
-      </p:sp>
-      <p:sp>
-        <p:nvSpPr>
-          <p:cNvPr id="84" name="모서리가 둥근 직사각형 18">
-            <a:extLst>
-              <a:ext uri="{FF2B5EF4-FFF2-40B4-BE49-F238E27FC236}">
-                <a16:creationId xmlns:a16="http://schemas.microsoft.com/office/drawing/2014/main" id="{3EA10CA4-A879-9EFE-8096-25CB88090A8A}"/>
-              </a:ext>
-            </a:extLst>
-          </p:cNvPr>
-          <p:cNvSpPr/>
-          <p:nvPr/>
-        </p:nvSpPr>
-        <p:spPr>
-          <a:xfrm>
-            <a:off x="4917773" y="1634994"/>
-            <a:ext cx="1893101" cy="294228"/>
-          </a:xfrm>
-          <a:prstGeom prst="roundRect">
-            <a:avLst>
-              <a:gd name="adj" fmla="val 17911"/>
-            </a:avLst>
-          </a:prstGeom>
-          <a:noFill/>
-          <a:ln w="12700">
-            <a:noFill/>
-          </a:ln>
-        </p:spPr>
-        <p:style>
-          <a:lnRef idx="2">
-            <a:schemeClr val="dk1"/>
-          </a:lnRef>
-          <a:fillRef idx="1">
-            <a:schemeClr val="lt1"/>
-          </a:fillRef>
-          <a:effectRef idx="0">
-            <a:schemeClr val="dk1"/>
-          </a:effectRef>
-          <a:fontRef idx="minor">
-            <a:schemeClr val="dk1"/>
-          </a:fontRef>
-        </p:style>
-        <p:txBody>
-          <a:bodyPr rtlCol="0" anchor="ctr"/>
-          <a:lstStyle/>
-          <a:p>
-            <a:pPr algn="ctr"/>
-            <a:r>
-              <a:rPr lang="en-US" altLang="ko-KR" sz="1000" i="1">
-                <a:solidFill>
-                  <a:schemeClr val="accent1"/>
-                </a:solidFill>
-              </a:rPr>
-              <a:t>Caching stored schema</a:t>
-            </a:r>
-          </a:p>
-        </p:txBody>
-      </p:sp>
-      <p:sp>
-        <p:nvSpPr>
-          <p:cNvPr id="85" name="TextBox 84">
-            <a:extLst>
-              <a:ext uri="{FF2B5EF4-FFF2-40B4-BE49-F238E27FC236}">
-                <a16:creationId xmlns:a16="http://schemas.microsoft.com/office/drawing/2014/main" id="{96155F22-F3A1-7453-C14E-A56D393257A8}"/>
-              </a:ext>
-            </a:extLst>
-          </p:cNvPr>
-          <p:cNvSpPr txBox="1"/>
-          <p:nvPr/>
-        </p:nvSpPr>
-        <p:spPr>
-          <a:xfrm>
-            <a:off x="3610708" y="4349262"/>
-            <a:ext cx="184731" cy="369332"/>
-          </a:xfrm>
-          <a:prstGeom prst="rect">
-            <a:avLst/>
-          </a:prstGeom>
-          <a:noFill/>
-        </p:spPr>
-        <p:txBody>
-          <a:bodyPr wrap="none" rtlCol="0">
-            <a:spAutoFit/>
-          </a:bodyPr>
-          <a:lstStyle/>
-          <a:p>
-            <a:endParaRPr lang="en-KR"/>
+              <a:t>471~464, 463~454, 453~442</a:t>
+            </a:r>
           </a:p>
         </p:txBody>
       </p:sp>
     </p:spTree>
     <p:extLst>
       <p:ext uri="{BB962C8B-B14F-4D97-AF65-F5344CB8AC3E}">
-        <p14:creationId xmlns:p14="http://schemas.microsoft.com/office/powerpoint/2010/main" val="1246637159"/>
+        <p14:creationId xmlns:p14="http://schemas.microsoft.com/office/powerpoint/2010/main" val="2208785761"/>
       </p:ext>
     </p:extLst>
   </p:cSld>
@@ -5906,6 +6207,4155 @@
         <p:cNvPr id="1" name="">
           <a:extLst>
             <a:ext uri="{FF2B5EF4-FFF2-40B4-BE49-F238E27FC236}">
+              <a16:creationId xmlns:a16="http://schemas.microsoft.com/office/drawing/2014/main" id="{E51B234D-40D7-1F1B-5A1D-2D48EBA0DFF4}"/>
+            </a:ext>
+          </a:extLst>
+        </p:cNvPr>
+        <p:cNvGrpSpPr/>
+        <p:nvPr/>
+      </p:nvGrpSpPr>
+      <p:grpSpPr>
+        <a:xfrm>
+          <a:off x="0" y="0"/>
+          <a:ext cx="0" cy="0"/>
+          <a:chOff x="0" y="0"/>
+          <a:chExt cx="0" cy="0"/>
+        </a:xfrm>
+      </p:grpSpPr>
+      <p:sp>
+        <p:nvSpPr>
+          <p:cNvPr id="122" name="사각형: 둥근 모서리 121">
+            <a:extLst>
+              <a:ext uri="{FF2B5EF4-FFF2-40B4-BE49-F238E27FC236}">
+                <a16:creationId xmlns:a16="http://schemas.microsoft.com/office/drawing/2014/main" id="{B32F192D-2629-18AA-A6F5-0609FC7D8FE9}"/>
+              </a:ext>
+            </a:extLst>
+          </p:cNvPr>
+          <p:cNvSpPr/>
+          <p:nvPr/>
+        </p:nvSpPr>
+        <p:spPr>
+          <a:xfrm>
+            <a:off x="235641" y="3422907"/>
+            <a:ext cx="1122025" cy="576124"/>
+          </a:xfrm>
+          <a:prstGeom prst="roundRect">
+            <a:avLst>
+              <a:gd name="adj" fmla="val 14105"/>
+            </a:avLst>
+          </a:prstGeom>
+          <a:ln w="12700">
+            <a:headEnd type="none" w="med" len="med"/>
+            <a:tailEnd type="triangle" w="med" len="med"/>
+          </a:ln>
+        </p:spPr>
+        <p:style>
+          <a:lnRef idx="2">
+            <a:schemeClr val="dk1"/>
+          </a:lnRef>
+          <a:fillRef idx="1">
+            <a:schemeClr val="lt1"/>
+          </a:fillRef>
+          <a:effectRef idx="0">
+            <a:schemeClr val="dk1"/>
+          </a:effectRef>
+          <a:fontRef idx="minor">
+            <a:schemeClr val="dk1"/>
+          </a:fontRef>
+        </p:style>
+        <p:txBody>
+          <a:bodyPr rtlCol="0" anchor="ctr"/>
+          <a:lstStyle/>
+          <a:p>
+            <a:pPr algn="ctr"/>
+            <a:r>
+              <a:rPr lang="en-US" altLang="ko-KR" sz="1050"/>
+              <a:t>Producer B</a:t>
+            </a:r>
+            <a:endParaRPr lang="ko-KR" altLang="en-US" sz="1050" dirty="0"/>
+          </a:p>
+        </p:txBody>
+      </p:sp>
+      <p:sp>
+        <p:nvSpPr>
+          <p:cNvPr id="57" name="사각형: 둥근 모서리 56">
+            <a:extLst>
+              <a:ext uri="{FF2B5EF4-FFF2-40B4-BE49-F238E27FC236}">
+                <a16:creationId xmlns:a16="http://schemas.microsoft.com/office/drawing/2014/main" id="{7CEA34A4-E1A9-F74C-17BA-A392D147CC0B}"/>
+              </a:ext>
+            </a:extLst>
+          </p:cNvPr>
+          <p:cNvSpPr/>
+          <p:nvPr/>
+        </p:nvSpPr>
+        <p:spPr>
+          <a:xfrm>
+            <a:off x="235641" y="1170221"/>
+            <a:ext cx="1122025" cy="576124"/>
+          </a:xfrm>
+          <a:prstGeom prst="roundRect">
+            <a:avLst>
+              <a:gd name="adj" fmla="val 14105"/>
+            </a:avLst>
+          </a:prstGeom>
+          <a:ln w="12700">
+            <a:headEnd type="none" w="med" len="med"/>
+            <a:tailEnd type="triangle" w="med" len="med"/>
+          </a:ln>
+        </p:spPr>
+        <p:style>
+          <a:lnRef idx="2">
+            <a:schemeClr val="dk1"/>
+          </a:lnRef>
+          <a:fillRef idx="1">
+            <a:schemeClr val="lt1"/>
+          </a:fillRef>
+          <a:effectRef idx="0">
+            <a:schemeClr val="dk1"/>
+          </a:effectRef>
+          <a:fontRef idx="minor">
+            <a:schemeClr val="dk1"/>
+          </a:fontRef>
+        </p:style>
+        <p:txBody>
+          <a:bodyPr rtlCol="0" anchor="ctr"/>
+          <a:lstStyle/>
+          <a:p>
+            <a:pPr algn="ctr"/>
+            <a:r>
+              <a:rPr lang="en-US" altLang="ko-KR" sz="1050"/>
+              <a:t>Producer A</a:t>
+            </a:r>
+            <a:endParaRPr lang="ko-KR" altLang="en-US" sz="1050" dirty="0"/>
+          </a:p>
+        </p:txBody>
+      </p:sp>
+      <p:sp>
+        <p:nvSpPr>
+          <p:cNvPr id="25" name="사각형: 둥근 모서리 6">
+            <a:extLst>
+              <a:ext uri="{FF2B5EF4-FFF2-40B4-BE49-F238E27FC236}">
+                <a16:creationId xmlns:a16="http://schemas.microsoft.com/office/drawing/2014/main" id="{9D82B714-7D65-208A-6CC5-BDDB4DFA9940}"/>
+              </a:ext>
+            </a:extLst>
+          </p:cNvPr>
+          <p:cNvSpPr/>
+          <p:nvPr/>
+        </p:nvSpPr>
+        <p:spPr>
+          <a:xfrm>
+            <a:off x="6019616" y="1307673"/>
+            <a:ext cx="1872208" cy="2534610"/>
+          </a:xfrm>
+          <a:prstGeom prst="roundRect">
+            <a:avLst>
+              <a:gd name="adj" fmla="val 4353"/>
+            </a:avLst>
+          </a:prstGeom>
+          <a:ln w="12700">
+            <a:headEnd type="none" w="med" len="med"/>
+            <a:tailEnd type="triangle" w="med" len="med"/>
+          </a:ln>
+        </p:spPr>
+        <p:style>
+          <a:lnRef idx="2">
+            <a:schemeClr val="dk1"/>
+          </a:lnRef>
+          <a:fillRef idx="1">
+            <a:schemeClr val="lt1"/>
+          </a:fillRef>
+          <a:effectRef idx="0">
+            <a:schemeClr val="dk1"/>
+          </a:effectRef>
+          <a:fontRef idx="minor">
+            <a:schemeClr val="dk1"/>
+          </a:fontRef>
+        </p:style>
+        <p:txBody>
+          <a:bodyPr rtlCol="0" anchor="b"/>
+          <a:lstStyle/>
+          <a:p>
+            <a:pPr algn="ctr"/>
+            <a:r>
+              <a:rPr lang="en-US" altLang="ko-KR" sz="1000" dirty="0"/>
+              <a:t>Kafka Broker A</a:t>
+            </a:r>
+            <a:endParaRPr lang="ko-KR" altLang="en-US" sz="1000" dirty="0"/>
+          </a:p>
+        </p:txBody>
+      </p:sp>
+      <p:sp>
+        <p:nvSpPr>
+          <p:cNvPr id="26" name="사각형: 둥근 모서리 12">
+            <a:extLst>
+              <a:ext uri="{FF2B5EF4-FFF2-40B4-BE49-F238E27FC236}">
+                <a16:creationId xmlns:a16="http://schemas.microsoft.com/office/drawing/2014/main" id="{4E7A7EF0-1CF5-19CC-875E-CC7940DCC44E}"/>
+              </a:ext>
+            </a:extLst>
+          </p:cNvPr>
+          <p:cNvSpPr/>
+          <p:nvPr/>
+        </p:nvSpPr>
+        <p:spPr>
+          <a:xfrm>
+            <a:off x="6235639" y="2059325"/>
+            <a:ext cx="1440160" cy="268948"/>
+          </a:xfrm>
+          <a:prstGeom prst="roundRect">
+            <a:avLst>
+              <a:gd name="adj" fmla="val 14105"/>
+            </a:avLst>
+          </a:prstGeom>
+          <a:noFill/>
+          <a:ln w="12700">
+            <a:headEnd type="none" w="med" len="med"/>
+            <a:tailEnd type="triangle" w="med" len="med"/>
+          </a:ln>
+        </p:spPr>
+        <p:style>
+          <a:lnRef idx="2">
+            <a:schemeClr val="dk1"/>
+          </a:lnRef>
+          <a:fillRef idx="1">
+            <a:schemeClr val="lt1"/>
+          </a:fillRef>
+          <a:effectRef idx="0">
+            <a:schemeClr val="dk1"/>
+          </a:effectRef>
+          <a:fontRef idx="minor">
+            <a:schemeClr val="dk1"/>
+          </a:fontRef>
+        </p:style>
+        <p:txBody>
+          <a:bodyPr rtlCol="0" anchor="ctr"/>
+          <a:lstStyle/>
+          <a:p>
+            <a:pPr algn="ctr"/>
+            <a:r>
+              <a:rPr lang="en-US" altLang="ko-KR" sz="1000"/>
+              <a:t>Partition </a:t>
+            </a:r>
+            <a:r>
+              <a:rPr lang="en-US" altLang="ko-KR" sz="1000" dirty="0"/>
+              <a:t>0</a:t>
+            </a:r>
+            <a:endParaRPr lang="ko-KR" altLang="en-US" sz="1000" dirty="0"/>
+          </a:p>
+        </p:txBody>
+      </p:sp>
+      <p:sp>
+        <p:nvSpPr>
+          <p:cNvPr id="27" name="사각형: 둥근 모서리 12">
+            <a:extLst>
+              <a:ext uri="{FF2B5EF4-FFF2-40B4-BE49-F238E27FC236}">
+                <a16:creationId xmlns:a16="http://schemas.microsoft.com/office/drawing/2014/main" id="{1F64F997-6190-9E79-5DFC-2FF91A9BA8A6}"/>
+              </a:ext>
+            </a:extLst>
+          </p:cNvPr>
+          <p:cNvSpPr/>
+          <p:nvPr/>
+        </p:nvSpPr>
+        <p:spPr>
+          <a:xfrm>
+            <a:off x="6235639" y="2819260"/>
+            <a:ext cx="1440160" cy="268948"/>
+          </a:xfrm>
+          <a:prstGeom prst="roundRect">
+            <a:avLst>
+              <a:gd name="adj" fmla="val 14105"/>
+            </a:avLst>
+          </a:prstGeom>
+          <a:noFill/>
+          <a:ln w="12700">
+            <a:headEnd type="none" w="med" len="med"/>
+            <a:tailEnd type="triangle" w="med" len="med"/>
+          </a:ln>
+        </p:spPr>
+        <p:style>
+          <a:lnRef idx="2">
+            <a:schemeClr val="dk1"/>
+          </a:lnRef>
+          <a:fillRef idx="1">
+            <a:schemeClr val="lt1"/>
+          </a:fillRef>
+          <a:effectRef idx="0">
+            <a:schemeClr val="dk1"/>
+          </a:effectRef>
+          <a:fontRef idx="minor">
+            <a:schemeClr val="dk1"/>
+          </a:fontRef>
+        </p:style>
+        <p:txBody>
+          <a:bodyPr rtlCol="0" anchor="ctr"/>
+          <a:lstStyle/>
+          <a:p>
+            <a:pPr algn="ctr"/>
+            <a:r>
+              <a:rPr lang="en-US" altLang="ko-KR" sz="1000"/>
+              <a:t>Partition </a:t>
+            </a:r>
+            <a:r>
+              <a:rPr lang="en-US" altLang="ko-KR" sz="1000" dirty="0"/>
+              <a:t>0</a:t>
+            </a:r>
+            <a:endParaRPr lang="ko-KR" altLang="en-US" sz="1000" dirty="0"/>
+          </a:p>
+        </p:txBody>
+      </p:sp>
+      <p:sp>
+        <p:nvSpPr>
+          <p:cNvPr id="28" name="사각형: 둥근 모서리 70">
+            <a:extLst>
+              <a:ext uri="{FF2B5EF4-FFF2-40B4-BE49-F238E27FC236}">
+                <a16:creationId xmlns:a16="http://schemas.microsoft.com/office/drawing/2014/main" id="{AA7C2AD7-8E94-466C-202A-E23DCE457CE5}"/>
+              </a:ext>
+            </a:extLst>
+          </p:cNvPr>
+          <p:cNvSpPr/>
+          <p:nvPr/>
+        </p:nvSpPr>
+        <p:spPr>
+          <a:xfrm>
+            <a:off x="6132795" y="1764764"/>
+            <a:ext cx="1645849" cy="631715"/>
+          </a:xfrm>
+          <a:prstGeom prst="roundRect">
+            <a:avLst>
+              <a:gd name="adj" fmla="val 10885"/>
+            </a:avLst>
+          </a:prstGeom>
+          <a:noFill/>
+          <a:ln w="12700">
+            <a:prstDash val="dash"/>
+            <a:headEnd type="none" w="med" len="med"/>
+            <a:tailEnd type="triangle" w="med" len="med"/>
+          </a:ln>
+        </p:spPr>
+        <p:style>
+          <a:lnRef idx="2">
+            <a:schemeClr val="dk1"/>
+          </a:lnRef>
+          <a:fillRef idx="1">
+            <a:schemeClr val="lt1"/>
+          </a:fillRef>
+          <a:effectRef idx="0">
+            <a:schemeClr val="dk1"/>
+          </a:effectRef>
+          <a:fontRef idx="minor">
+            <a:schemeClr val="dk1"/>
+          </a:fontRef>
+        </p:style>
+        <p:txBody>
+          <a:bodyPr rtlCol="0" anchor="t"/>
+          <a:lstStyle/>
+          <a:p>
+            <a:pPr algn="ctr"/>
+            <a:r>
+              <a:rPr lang="en-US" altLang="ko-KR" sz="1050" dirty="0"/>
+              <a:t>Topic A</a:t>
+            </a:r>
+            <a:endParaRPr lang="ko-KR" altLang="en-US" sz="1050" dirty="0"/>
+          </a:p>
+        </p:txBody>
+      </p:sp>
+      <p:sp>
+        <p:nvSpPr>
+          <p:cNvPr id="29" name="사각형: 둥근 모서리 70">
+            <a:extLst>
+              <a:ext uri="{FF2B5EF4-FFF2-40B4-BE49-F238E27FC236}">
+                <a16:creationId xmlns:a16="http://schemas.microsoft.com/office/drawing/2014/main" id="{A2B0BED5-4A7B-53F6-48D9-717F9E20EBFA}"/>
+              </a:ext>
+            </a:extLst>
+          </p:cNvPr>
+          <p:cNvSpPr/>
+          <p:nvPr/>
+        </p:nvSpPr>
+        <p:spPr>
+          <a:xfrm>
+            <a:off x="6132795" y="2465241"/>
+            <a:ext cx="1645849" cy="1104768"/>
+          </a:xfrm>
+          <a:prstGeom prst="roundRect">
+            <a:avLst>
+              <a:gd name="adj" fmla="val 7875"/>
+            </a:avLst>
+          </a:prstGeom>
+          <a:noFill/>
+          <a:ln w="12700">
+            <a:prstDash val="dash"/>
+            <a:headEnd type="none" w="med" len="med"/>
+            <a:tailEnd type="triangle" w="med" len="med"/>
+          </a:ln>
+        </p:spPr>
+        <p:style>
+          <a:lnRef idx="2">
+            <a:schemeClr val="dk1"/>
+          </a:lnRef>
+          <a:fillRef idx="1">
+            <a:schemeClr val="lt1"/>
+          </a:fillRef>
+          <a:effectRef idx="0">
+            <a:schemeClr val="dk1"/>
+          </a:effectRef>
+          <a:fontRef idx="minor">
+            <a:schemeClr val="dk1"/>
+          </a:fontRef>
+        </p:style>
+        <p:txBody>
+          <a:bodyPr rtlCol="0" anchor="t"/>
+          <a:lstStyle/>
+          <a:p>
+            <a:pPr algn="ctr"/>
+            <a:r>
+              <a:rPr lang="en-US" altLang="ko-KR" sz="1050" dirty="0"/>
+              <a:t>Topic B</a:t>
+            </a:r>
+            <a:endParaRPr lang="ko-KR" altLang="en-US" sz="1050" dirty="0"/>
+          </a:p>
+        </p:txBody>
+      </p:sp>
+      <p:sp>
+        <p:nvSpPr>
+          <p:cNvPr id="30" name="사각형: 둥근 모서리 12">
+            <a:extLst>
+              <a:ext uri="{FF2B5EF4-FFF2-40B4-BE49-F238E27FC236}">
+                <a16:creationId xmlns:a16="http://schemas.microsoft.com/office/drawing/2014/main" id="{D79B1CDF-72FB-DAAD-AA0D-347C8F2EBFA1}"/>
+              </a:ext>
+            </a:extLst>
+          </p:cNvPr>
+          <p:cNvSpPr/>
+          <p:nvPr/>
+        </p:nvSpPr>
+        <p:spPr>
+          <a:xfrm>
+            <a:off x="6235639" y="3190556"/>
+            <a:ext cx="1440160" cy="268948"/>
+          </a:xfrm>
+          <a:prstGeom prst="roundRect">
+            <a:avLst>
+              <a:gd name="adj" fmla="val 14105"/>
+            </a:avLst>
+          </a:prstGeom>
+          <a:noFill/>
+          <a:ln w="12700">
+            <a:headEnd type="none" w="med" len="med"/>
+            <a:tailEnd type="triangle" w="med" len="med"/>
+          </a:ln>
+        </p:spPr>
+        <p:style>
+          <a:lnRef idx="2">
+            <a:schemeClr val="dk1"/>
+          </a:lnRef>
+          <a:fillRef idx="1">
+            <a:schemeClr val="lt1"/>
+          </a:fillRef>
+          <a:effectRef idx="0">
+            <a:schemeClr val="dk1"/>
+          </a:effectRef>
+          <a:fontRef idx="minor">
+            <a:schemeClr val="dk1"/>
+          </a:fontRef>
+        </p:style>
+        <p:txBody>
+          <a:bodyPr rtlCol="0" anchor="ctr"/>
+          <a:lstStyle/>
+          <a:p>
+            <a:pPr algn="ctr"/>
+            <a:r>
+              <a:rPr lang="en-US" altLang="ko-KR" sz="1000"/>
+              <a:t>Partition </a:t>
+            </a:r>
+            <a:r>
+              <a:rPr lang="en-US" altLang="ko-KR" sz="1000" dirty="0"/>
+              <a:t>3</a:t>
+            </a:r>
+            <a:endParaRPr lang="ko-KR" altLang="en-US" sz="1000" dirty="0"/>
+          </a:p>
+        </p:txBody>
+      </p:sp>
+      <p:cxnSp>
+        <p:nvCxnSpPr>
+          <p:cNvPr id="31" name="직선 화살표 연결선 96">
+            <a:extLst>
+              <a:ext uri="{FF2B5EF4-FFF2-40B4-BE49-F238E27FC236}">
+                <a16:creationId xmlns:a16="http://schemas.microsoft.com/office/drawing/2014/main" id="{4377B713-AF8B-95CD-394B-01E649374F33}"/>
+              </a:ext>
+            </a:extLst>
+          </p:cNvPr>
+          <p:cNvCxnSpPr>
+            <a:cxnSpLocks/>
+            <a:stCxn id="57" idx="3"/>
+          </p:cNvCxnSpPr>
+          <p:nvPr/>
+        </p:nvCxnSpPr>
+        <p:spPr>
+          <a:xfrm>
+            <a:off x="1357666" y="1458283"/>
+            <a:ext cx="4661950" cy="0"/>
+          </a:xfrm>
+          <a:prstGeom prst="straightConnector1">
+            <a:avLst/>
+          </a:prstGeom>
+          <a:ln w="12700">
+            <a:solidFill>
+              <a:schemeClr val="tx2"/>
+            </a:solidFill>
+            <a:prstDash val="solid"/>
+            <a:headEnd type="none" w="med" len="med"/>
+            <a:tailEnd type="triangle" w="med" len="med"/>
+          </a:ln>
+        </p:spPr>
+        <p:style>
+          <a:lnRef idx="1">
+            <a:schemeClr val="accent1"/>
+          </a:lnRef>
+          <a:fillRef idx="0">
+            <a:schemeClr val="accent1"/>
+          </a:fillRef>
+          <a:effectRef idx="0">
+            <a:schemeClr val="accent1"/>
+          </a:effectRef>
+          <a:fontRef idx="minor">
+            <a:schemeClr val="tx1"/>
+          </a:fontRef>
+        </p:style>
+      </p:cxnSp>
+      <p:cxnSp>
+        <p:nvCxnSpPr>
+          <p:cNvPr id="34" name="직선 화살표 연결선 96">
+            <a:extLst>
+              <a:ext uri="{FF2B5EF4-FFF2-40B4-BE49-F238E27FC236}">
+                <a16:creationId xmlns:a16="http://schemas.microsoft.com/office/drawing/2014/main" id="{7D381C1A-4635-05A0-8CE7-27C7DBB3CDF0}"/>
+              </a:ext>
+            </a:extLst>
+          </p:cNvPr>
+          <p:cNvCxnSpPr>
+            <a:cxnSpLocks/>
+            <a:stCxn id="122" idx="3"/>
+          </p:cNvCxnSpPr>
+          <p:nvPr/>
+        </p:nvCxnSpPr>
+        <p:spPr>
+          <a:xfrm>
+            <a:off x="1357666" y="3710969"/>
+            <a:ext cx="4661950" cy="0"/>
+          </a:xfrm>
+          <a:prstGeom prst="straightConnector1">
+            <a:avLst/>
+          </a:prstGeom>
+          <a:ln w="12700">
+            <a:solidFill>
+              <a:schemeClr val="tx2"/>
+            </a:solidFill>
+            <a:prstDash val="solid"/>
+            <a:headEnd type="none" w="med" len="med"/>
+            <a:tailEnd type="triangle" w="med" len="med"/>
+          </a:ln>
+        </p:spPr>
+        <p:style>
+          <a:lnRef idx="1">
+            <a:schemeClr val="accent1"/>
+          </a:lnRef>
+          <a:fillRef idx="0">
+            <a:schemeClr val="accent1"/>
+          </a:fillRef>
+          <a:effectRef idx="0">
+            <a:schemeClr val="accent1"/>
+          </a:effectRef>
+          <a:fontRef idx="minor">
+            <a:schemeClr val="tx1"/>
+          </a:fontRef>
+        </p:style>
+      </p:cxnSp>
+      <p:sp>
+        <p:nvSpPr>
+          <p:cNvPr id="82" name="사각형: 둥근 모서리 6">
+            <a:extLst>
+              <a:ext uri="{FF2B5EF4-FFF2-40B4-BE49-F238E27FC236}">
+                <a16:creationId xmlns:a16="http://schemas.microsoft.com/office/drawing/2014/main" id="{33468461-9C66-4EB8-2E22-845F21EDFFFB}"/>
+              </a:ext>
+            </a:extLst>
+          </p:cNvPr>
+          <p:cNvSpPr/>
+          <p:nvPr/>
+        </p:nvSpPr>
+        <p:spPr>
+          <a:xfrm>
+            <a:off x="1683084" y="339502"/>
+            <a:ext cx="1843418" cy="2206638"/>
+          </a:xfrm>
+          <a:prstGeom prst="roundRect">
+            <a:avLst>
+              <a:gd name="adj" fmla="val 6369"/>
+            </a:avLst>
+          </a:prstGeom>
+          <a:ln w="12700">
+            <a:headEnd type="none" w="med" len="med"/>
+            <a:tailEnd type="triangle" w="med" len="med"/>
+          </a:ln>
+        </p:spPr>
+        <p:style>
+          <a:lnRef idx="2">
+            <a:schemeClr val="dk1"/>
+          </a:lnRef>
+          <a:fillRef idx="1">
+            <a:schemeClr val="lt1"/>
+          </a:fillRef>
+          <a:effectRef idx="0">
+            <a:schemeClr val="dk1"/>
+          </a:effectRef>
+          <a:fontRef idx="minor">
+            <a:schemeClr val="dk1"/>
+          </a:fontRef>
+        </p:style>
+        <p:txBody>
+          <a:bodyPr rtlCol="0" anchor="t"/>
+          <a:lstStyle/>
+          <a:p>
+            <a:pPr algn="ctr"/>
+            <a:r>
+              <a:rPr lang="en-US" altLang="ko-KR" sz="1000" dirty="0"/>
+              <a:t>Request C </a:t>
+            </a:r>
+            <a:r>
+              <a:rPr lang="en-US" altLang="ko-KR" sz="1000" b="1" dirty="0"/>
+              <a:t>PID=1 Epoch=1</a:t>
+            </a:r>
+            <a:endParaRPr lang="ko-KR" altLang="en-US" sz="1000" b="1" dirty="0"/>
+          </a:p>
+        </p:txBody>
+      </p:sp>
+      <p:sp>
+        <p:nvSpPr>
+          <p:cNvPr id="83" name="사각형: 둥근 모서리 6">
+            <a:extLst>
+              <a:ext uri="{FF2B5EF4-FFF2-40B4-BE49-F238E27FC236}">
+                <a16:creationId xmlns:a16="http://schemas.microsoft.com/office/drawing/2014/main" id="{BB6DF3F2-AD2C-42C3-CC39-AFAAC0A78415}"/>
+              </a:ext>
+            </a:extLst>
+          </p:cNvPr>
+          <p:cNvSpPr/>
+          <p:nvPr/>
+        </p:nvSpPr>
+        <p:spPr>
+          <a:xfrm>
+            <a:off x="1772185" y="696772"/>
+            <a:ext cx="1665213" cy="661756"/>
+          </a:xfrm>
+          <a:prstGeom prst="roundRect">
+            <a:avLst>
+              <a:gd name="adj" fmla="val 9094"/>
+            </a:avLst>
+          </a:prstGeom>
+          <a:ln w="12700">
+            <a:headEnd type="none" w="med" len="med"/>
+            <a:tailEnd type="triangle" w="med" len="med"/>
+          </a:ln>
+        </p:spPr>
+        <p:style>
+          <a:lnRef idx="2">
+            <a:schemeClr val="dk1"/>
+          </a:lnRef>
+          <a:fillRef idx="1">
+            <a:schemeClr val="lt1"/>
+          </a:fillRef>
+          <a:effectRef idx="0">
+            <a:schemeClr val="dk1"/>
+          </a:effectRef>
+          <a:fontRef idx="minor">
+            <a:schemeClr val="dk1"/>
+          </a:fontRef>
+        </p:style>
+        <p:txBody>
+          <a:bodyPr rtlCol="0" anchor="t"/>
+          <a:lstStyle/>
+          <a:p>
+            <a:pPr algn="ctr"/>
+            <a:r>
+              <a:rPr lang="en-US" altLang="ko-KR" sz="900" dirty="0"/>
+              <a:t>Topic A</a:t>
+            </a:r>
+          </a:p>
+          <a:p>
+            <a:pPr algn="ctr"/>
+            <a:endParaRPr lang="en-US" altLang="ko-KR" sz="1000" dirty="0"/>
+          </a:p>
+        </p:txBody>
+      </p:sp>
+      <p:sp>
+        <p:nvSpPr>
+          <p:cNvPr id="84" name="사각형: 둥근 모서리 6">
+            <a:extLst>
+              <a:ext uri="{FF2B5EF4-FFF2-40B4-BE49-F238E27FC236}">
+                <a16:creationId xmlns:a16="http://schemas.microsoft.com/office/drawing/2014/main" id="{4332C36B-2903-4A3C-2A4B-D5FE208E12D5}"/>
+              </a:ext>
+            </a:extLst>
+          </p:cNvPr>
+          <p:cNvSpPr/>
+          <p:nvPr/>
+        </p:nvSpPr>
+        <p:spPr>
+          <a:xfrm>
+            <a:off x="1871507" y="962189"/>
+            <a:ext cx="1466564" cy="293003"/>
+          </a:xfrm>
+          <a:prstGeom prst="roundRect">
+            <a:avLst>
+              <a:gd name="adj" fmla="val 18811"/>
+            </a:avLst>
+          </a:prstGeom>
+          <a:solidFill>
+            <a:schemeClr val="bg1">
+              <a:lumMod val="95000"/>
+            </a:schemeClr>
+          </a:solidFill>
+          <a:ln w="12700">
+            <a:headEnd type="none" w="med" len="med"/>
+            <a:tailEnd type="triangle" w="med" len="med"/>
+          </a:ln>
+        </p:spPr>
+        <p:style>
+          <a:lnRef idx="2">
+            <a:schemeClr val="dk1"/>
+          </a:lnRef>
+          <a:fillRef idx="1">
+            <a:schemeClr val="lt1"/>
+          </a:fillRef>
+          <a:effectRef idx="0">
+            <a:schemeClr val="dk1"/>
+          </a:effectRef>
+          <a:fontRef idx="minor">
+            <a:schemeClr val="dk1"/>
+          </a:fontRef>
+        </p:style>
+        <p:txBody>
+          <a:bodyPr rtlCol="0" anchor="ctr"/>
+          <a:lstStyle/>
+          <a:p>
+            <a:pPr algn="ctr"/>
+            <a:r>
+              <a:rPr lang="en-US" altLang="ko-KR" sz="900" dirty="0"/>
+              <a:t>Partition 0 Records</a:t>
+            </a:r>
+          </a:p>
+          <a:p>
+            <a:pPr algn="ctr"/>
+            <a:r>
+              <a:rPr lang="en-US" altLang="ko-KR" sz="900" b="1" dirty="0">
+                <a:solidFill>
+                  <a:schemeClr val="tx2"/>
+                </a:solidFill>
+              </a:rPr>
+              <a:t>SEQ=113~106</a:t>
+            </a:r>
+          </a:p>
+        </p:txBody>
+      </p:sp>
+      <p:sp>
+        <p:nvSpPr>
+          <p:cNvPr id="85" name="사각형: 둥근 모서리 6">
+            <a:extLst>
+              <a:ext uri="{FF2B5EF4-FFF2-40B4-BE49-F238E27FC236}">
+                <a16:creationId xmlns:a16="http://schemas.microsoft.com/office/drawing/2014/main" id="{778DB065-99C4-C860-8069-F3F79CA7370D}"/>
+              </a:ext>
+            </a:extLst>
+          </p:cNvPr>
+          <p:cNvSpPr/>
+          <p:nvPr/>
+        </p:nvSpPr>
+        <p:spPr>
+          <a:xfrm>
+            <a:off x="1778911" y="1449319"/>
+            <a:ext cx="1665213" cy="1018553"/>
+          </a:xfrm>
+          <a:prstGeom prst="roundRect">
+            <a:avLst>
+              <a:gd name="adj" fmla="val 7267"/>
+            </a:avLst>
+          </a:prstGeom>
+          <a:ln w="12700">
+            <a:headEnd type="none" w="med" len="med"/>
+            <a:tailEnd type="triangle" w="med" len="med"/>
+          </a:ln>
+        </p:spPr>
+        <p:style>
+          <a:lnRef idx="2">
+            <a:schemeClr val="dk1"/>
+          </a:lnRef>
+          <a:fillRef idx="1">
+            <a:schemeClr val="lt1"/>
+          </a:fillRef>
+          <a:effectRef idx="0">
+            <a:schemeClr val="dk1"/>
+          </a:effectRef>
+          <a:fontRef idx="minor">
+            <a:schemeClr val="dk1"/>
+          </a:fontRef>
+        </p:style>
+        <p:txBody>
+          <a:bodyPr rtlCol="0" anchor="t"/>
+          <a:lstStyle/>
+          <a:p>
+            <a:pPr algn="ctr"/>
+            <a:r>
+              <a:rPr lang="en-US" altLang="ko-KR" sz="900" dirty="0"/>
+              <a:t>Topic B</a:t>
+            </a:r>
+          </a:p>
+          <a:p>
+            <a:pPr algn="ctr"/>
+            <a:endParaRPr lang="en-US" altLang="ko-KR" sz="1000" dirty="0"/>
+          </a:p>
+        </p:txBody>
+      </p:sp>
+      <p:sp>
+        <p:nvSpPr>
+          <p:cNvPr id="86" name="사각형: 둥근 모서리 6">
+            <a:extLst>
+              <a:ext uri="{FF2B5EF4-FFF2-40B4-BE49-F238E27FC236}">
+                <a16:creationId xmlns:a16="http://schemas.microsoft.com/office/drawing/2014/main" id="{861D0269-7666-433F-00AB-B04CE2044E6E}"/>
+              </a:ext>
+            </a:extLst>
+          </p:cNvPr>
+          <p:cNvSpPr/>
+          <p:nvPr/>
+        </p:nvSpPr>
+        <p:spPr>
+          <a:xfrm>
+            <a:off x="1878233" y="1714738"/>
+            <a:ext cx="1466564" cy="293003"/>
+          </a:xfrm>
+          <a:prstGeom prst="roundRect">
+            <a:avLst>
+              <a:gd name="adj" fmla="val 18811"/>
+            </a:avLst>
+          </a:prstGeom>
+          <a:solidFill>
+            <a:schemeClr val="bg1">
+              <a:lumMod val="95000"/>
+            </a:schemeClr>
+          </a:solidFill>
+          <a:ln w="12700">
+            <a:headEnd type="none" w="med" len="med"/>
+            <a:tailEnd type="triangle" w="med" len="med"/>
+          </a:ln>
+        </p:spPr>
+        <p:style>
+          <a:lnRef idx="2">
+            <a:schemeClr val="dk1"/>
+          </a:lnRef>
+          <a:fillRef idx="1">
+            <a:schemeClr val="lt1"/>
+          </a:fillRef>
+          <a:effectRef idx="0">
+            <a:schemeClr val="dk1"/>
+          </a:effectRef>
+          <a:fontRef idx="minor">
+            <a:schemeClr val="dk1"/>
+          </a:fontRef>
+        </p:style>
+        <p:txBody>
+          <a:bodyPr rtlCol="0" anchor="ctr"/>
+          <a:lstStyle/>
+          <a:p>
+            <a:pPr algn="ctr"/>
+            <a:r>
+              <a:rPr lang="en-US" altLang="ko-KR" sz="900" dirty="0"/>
+              <a:t>Partition 0 Records</a:t>
+            </a:r>
+          </a:p>
+          <a:p>
+            <a:pPr algn="ctr"/>
+            <a:r>
+              <a:rPr lang="en-US" altLang="ko-KR" sz="900" b="1" dirty="0">
+                <a:solidFill>
+                  <a:schemeClr val="tx2"/>
+                </a:solidFill>
+              </a:rPr>
+              <a:t>SEQ=215~208</a:t>
+            </a:r>
+            <a:endParaRPr lang="ko-KR" altLang="en-US" sz="900" b="1" dirty="0">
+              <a:solidFill>
+                <a:schemeClr val="tx2"/>
+              </a:solidFill>
+            </a:endParaRPr>
+          </a:p>
+        </p:txBody>
+      </p:sp>
+      <p:sp>
+        <p:nvSpPr>
+          <p:cNvPr id="87" name="사각형: 둥근 모서리 6">
+            <a:extLst>
+              <a:ext uri="{FF2B5EF4-FFF2-40B4-BE49-F238E27FC236}">
+                <a16:creationId xmlns:a16="http://schemas.microsoft.com/office/drawing/2014/main" id="{8499D262-347C-961D-C5C5-5B6347ABB08D}"/>
+              </a:ext>
+            </a:extLst>
+          </p:cNvPr>
+          <p:cNvSpPr/>
+          <p:nvPr/>
+        </p:nvSpPr>
+        <p:spPr>
+          <a:xfrm>
+            <a:off x="1878233" y="2086015"/>
+            <a:ext cx="1466564" cy="293003"/>
+          </a:xfrm>
+          <a:prstGeom prst="roundRect">
+            <a:avLst>
+              <a:gd name="adj" fmla="val 18811"/>
+            </a:avLst>
+          </a:prstGeom>
+          <a:solidFill>
+            <a:schemeClr val="bg1">
+              <a:lumMod val="95000"/>
+            </a:schemeClr>
+          </a:solidFill>
+          <a:ln w="12700">
+            <a:headEnd type="none" w="med" len="med"/>
+            <a:tailEnd type="triangle" w="med" len="med"/>
+          </a:ln>
+        </p:spPr>
+        <p:style>
+          <a:lnRef idx="2">
+            <a:schemeClr val="dk1"/>
+          </a:lnRef>
+          <a:fillRef idx="1">
+            <a:schemeClr val="lt1"/>
+          </a:fillRef>
+          <a:effectRef idx="0">
+            <a:schemeClr val="dk1"/>
+          </a:effectRef>
+          <a:fontRef idx="minor">
+            <a:schemeClr val="dk1"/>
+          </a:fontRef>
+        </p:style>
+        <p:txBody>
+          <a:bodyPr rtlCol="0" anchor="ctr"/>
+          <a:lstStyle/>
+          <a:p>
+            <a:pPr algn="ctr"/>
+            <a:r>
+              <a:rPr lang="en-US" altLang="ko-KR" sz="900" dirty="0"/>
+              <a:t>Partition 3 Records</a:t>
+            </a:r>
+          </a:p>
+          <a:p>
+            <a:pPr algn="ctr"/>
+            <a:r>
+              <a:rPr lang="en-US" altLang="ko-KR" sz="900" b="1" dirty="0">
+                <a:solidFill>
+                  <a:schemeClr val="tx2"/>
+                </a:solidFill>
+              </a:rPr>
+              <a:t>SEQ=195~186</a:t>
+            </a:r>
+            <a:endParaRPr lang="ko-KR" altLang="en-US" sz="900" b="1" dirty="0">
+              <a:solidFill>
+                <a:schemeClr val="tx2"/>
+              </a:solidFill>
+            </a:endParaRPr>
+          </a:p>
+        </p:txBody>
+      </p:sp>
+      <p:sp>
+        <p:nvSpPr>
+          <p:cNvPr id="106" name="사각형: 둥근 모서리 6">
+            <a:extLst>
+              <a:ext uri="{FF2B5EF4-FFF2-40B4-BE49-F238E27FC236}">
+                <a16:creationId xmlns:a16="http://schemas.microsoft.com/office/drawing/2014/main" id="{068D4B35-CB18-D724-7AA8-5ED81DBB9398}"/>
+              </a:ext>
+            </a:extLst>
+          </p:cNvPr>
+          <p:cNvSpPr/>
+          <p:nvPr/>
+        </p:nvSpPr>
+        <p:spPr>
+          <a:xfrm>
+            <a:off x="3851920" y="339502"/>
+            <a:ext cx="1843418" cy="2206638"/>
+          </a:xfrm>
+          <a:prstGeom prst="roundRect">
+            <a:avLst>
+              <a:gd name="adj" fmla="val 6369"/>
+            </a:avLst>
+          </a:prstGeom>
+          <a:ln w="12700">
+            <a:headEnd type="none" w="med" len="med"/>
+            <a:tailEnd type="triangle" w="med" len="med"/>
+          </a:ln>
+        </p:spPr>
+        <p:style>
+          <a:lnRef idx="2">
+            <a:schemeClr val="dk1"/>
+          </a:lnRef>
+          <a:fillRef idx="1">
+            <a:schemeClr val="lt1"/>
+          </a:fillRef>
+          <a:effectRef idx="0">
+            <a:schemeClr val="dk1"/>
+          </a:effectRef>
+          <a:fontRef idx="minor">
+            <a:schemeClr val="dk1"/>
+          </a:fontRef>
+        </p:style>
+        <p:txBody>
+          <a:bodyPr rtlCol="0" anchor="t"/>
+          <a:lstStyle/>
+          <a:p>
+            <a:pPr algn="ctr"/>
+            <a:r>
+              <a:rPr lang="en-US" altLang="ko-KR" sz="1000" dirty="0"/>
+              <a:t>Request A </a:t>
+            </a:r>
+            <a:r>
+              <a:rPr lang="en-US" altLang="ko-KR" sz="1000" b="1" dirty="0"/>
+              <a:t>PID=1 Epoch=1 </a:t>
+            </a:r>
+            <a:endParaRPr lang="ko-KR" altLang="en-US" sz="1000" b="1" dirty="0"/>
+          </a:p>
+        </p:txBody>
+      </p:sp>
+      <p:sp>
+        <p:nvSpPr>
+          <p:cNvPr id="107" name="사각형: 둥근 모서리 6">
+            <a:extLst>
+              <a:ext uri="{FF2B5EF4-FFF2-40B4-BE49-F238E27FC236}">
+                <a16:creationId xmlns:a16="http://schemas.microsoft.com/office/drawing/2014/main" id="{B3F16972-0A85-170B-0049-6FB65F194208}"/>
+              </a:ext>
+            </a:extLst>
+          </p:cNvPr>
+          <p:cNvSpPr/>
+          <p:nvPr/>
+        </p:nvSpPr>
+        <p:spPr>
+          <a:xfrm>
+            <a:off x="3941021" y="696772"/>
+            <a:ext cx="1665213" cy="661756"/>
+          </a:xfrm>
+          <a:prstGeom prst="roundRect">
+            <a:avLst>
+              <a:gd name="adj" fmla="val 9094"/>
+            </a:avLst>
+          </a:prstGeom>
+          <a:ln w="12700">
+            <a:headEnd type="none" w="med" len="med"/>
+            <a:tailEnd type="triangle" w="med" len="med"/>
+          </a:ln>
+        </p:spPr>
+        <p:style>
+          <a:lnRef idx="2">
+            <a:schemeClr val="dk1"/>
+          </a:lnRef>
+          <a:fillRef idx="1">
+            <a:schemeClr val="lt1"/>
+          </a:fillRef>
+          <a:effectRef idx="0">
+            <a:schemeClr val="dk1"/>
+          </a:effectRef>
+          <a:fontRef idx="minor">
+            <a:schemeClr val="dk1"/>
+          </a:fontRef>
+        </p:style>
+        <p:txBody>
+          <a:bodyPr rtlCol="0" anchor="t"/>
+          <a:lstStyle/>
+          <a:p>
+            <a:pPr algn="ctr"/>
+            <a:r>
+              <a:rPr lang="en-US" altLang="ko-KR" sz="900" dirty="0"/>
+              <a:t>Topic A</a:t>
+            </a:r>
+          </a:p>
+          <a:p>
+            <a:pPr algn="ctr"/>
+            <a:endParaRPr lang="en-US" altLang="ko-KR" sz="1000" dirty="0"/>
+          </a:p>
+        </p:txBody>
+      </p:sp>
+      <p:sp>
+        <p:nvSpPr>
+          <p:cNvPr id="108" name="사각형: 둥근 모서리 6">
+            <a:extLst>
+              <a:ext uri="{FF2B5EF4-FFF2-40B4-BE49-F238E27FC236}">
+                <a16:creationId xmlns:a16="http://schemas.microsoft.com/office/drawing/2014/main" id="{2947CFDB-A8C7-42A3-4AE0-CAC557A048E1}"/>
+              </a:ext>
+            </a:extLst>
+          </p:cNvPr>
+          <p:cNvSpPr/>
+          <p:nvPr/>
+        </p:nvSpPr>
+        <p:spPr>
+          <a:xfrm>
+            <a:off x="4040343" y="962189"/>
+            <a:ext cx="1466564" cy="293003"/>
+          </a:xfrm>
+          <a:prstGeom prst="roundRect">
+            <a:avLst>
+              <a:gd name="adj" fmla="val 18811"/>
+            </a:avLst>
+          </a:prstGeom>
+          <a:solidFill>
+            <a:schemeClr val="bg1">
+              <a:lumMod val="95000"/>
+            </a:schemeClr>
+          </a:solidFill>
+          <a:ln w="12700">
+            <a:headEnd type="none" w="med" len="med"/>
+            <a:tailEnd type="triangle" w="med" len="med"/>
+          </a:ln>
+        </p:spPr>
+        <p:style>
+          <a:lnRef idx="2">
+            <a:schemeClr val="dk1"/>
+          </a:lnRef>
+          <a:fillRef idx="1">
+            <a:schemeClr val="lt1"/>
+          </a:fillRef>
+          <a:effectRef idx="0">
+            <a:schemeClr val="dk1"/>
+          </a:effectRef>
+          <a:fontRef idx="minor">
+            <a:schemeClr val="dk1"/>
+          </a:fontRef>
+        </p:style>
+        <p:txBody>
+          <a:bodyPr rtlCol="0" anchor="ctr"/>
+          <a:lstStyle/>
+          <a:p>
+            <a:pPr algn="ctr"/>
+            <a:r>
+              <a:rPr lang="en-US" altLang="ko-KR" sz="900" dirty="0"/>
+              <a:t>Partition 0 Records</a:t>
+            </a:r>
+          </a:p>
+          <a:p>
+            <a:pPr algn="ctr"/>
+            <a:r>
+              <a:rPr lang="en-US" altLang="ko-KR" sz="900" b="1" dirty="0">
+                <a:solidFill>
+                  <a:srgbClr val="C00000"/>
+                </a:solidFill>
+              </a:rPr>
+              <a:t>SEQ=106~100</a:t>
+            </a:r>
+          </a:p>
+        </p:txBody>
+      </p:sp>
+      <p:sp>
+        <p:nvSpPr>
+          <p:cNvPr id="109" name="사각형: 둥근 모서리 6">
+            <a:extLst>
+              <a:ext uri="{FF2B5EF4-FFF2-40B4-BE49-F238E27FC236}">
+                <a16:creationId xmlns:a16="http://schemas.microsoft.com/office/drawing/2014/main" id="{6E8B0E36-A796-B00E-EFB6-E1292D63DD3C}"/>
+              </a:ext>
+            </a:extLst>
+          </p:cNvPr>
+          <p:cNvSpPr/>
+          <p:nvPr/>
+        </p:nvSpPr>
+        <p:spPr>
+          <a:xfrm>
+            <a:off x="3947746" y="1449319"/>
+            <a:ext cx="1665213" cy="1018553"/>
+          </a:xfrm>
+          <a:prstGeom prst="roundRect">
+            <a:avLst>
+              <a:gd name="adj" fmla="val 7267"/>
+            </a:avLst>
+          </a:prstGeom>
+          <a:ln w="12700">
+            <a:headEnd type="none" w="med" len="med"/>
+            <a:tailEnd type="triangle" w="med" len="med"/>
+          </a:ln>
+        </p:spPr>
+        <p:style>
+          <a:lnRef idx="2">
+            <a:schemeClr val="dk1"/>
+          </a:lnRef>
+          <a:fillRef idx="1">
+            <a:schemeClr val="lt1"/>
+          </a:fillRef>
+          <a:effectRef idx="0">
+            <a:schemeClr val="dk1"/>
+          </a:effectRef>
+          <a:fontRef idx="minor">
+            <a:schemeClr val="dk1"/>
+          </a:fontRef>
+        </p:style>
+        <p:txBody>
+          <a:bodyPr rtlCol="0" anchor="t"/>
+          <a:lstStyle/>
+          <a:p>
+            <a:pPr algn="ctr"/>
+            <a:r>
+              <a:rPr lang="en-US" altLang="ko-KR" sz="900" dirty="0"/>
+              <a:t>Topic B</a:t>
+            </a:r>
+          </a:p>
+          <a:p>
+            <a:pPr algn="ctr"/>
+            <a:endParaRPr lang="en-US" altLang="ko-KR" sz="1000" dirty="0"/>
+          </a:p>
+        </p:txBody>
+      </p:sp>
+      <p:sp>
+        <p:nvSpPr>
+          <p:cNvPr id="110" name="사각형: 둥근 모서리 6">
+            <a:extLst>
+              <a:ext uri="{FF2B5EF4-FFF2-40B4-BE49-F238E27FC236}">
+                <a16:creationId xmlns:a16="http://schemas.microsoft.com/office/drawing/2014/main" id="{D6552DF4-EC1B-3556-16FD-7255B1104B1A}"/>
+              </a:ext>
+            </a:extLst>
+          </p:cNvPr>
+          <p:cNvSpPr/>
+          <p:nvPr/>
+        </p:nvSpPr>
+        <p:spPr>
+          <a:xfrm>
+            <a:off x="4047069" y="1714738"/>
+            <a:ext cx="1466564" cy="293003"/>
+          </a:xfrm>
+          <a:prstGeom prst="roundRect">
+            <a:avLst>
+              <a:gd name="adj" fmla="val 18811"/>
+            </a:avLst>
+          </a:prstGeom>
+          <a:solidFill>
+            <a:schemeClr val="bg1">
+              <a:lumMod val="95000"/>
+            </a:schemeClr>
+          </a:solidFill>
+          <a:ln w="12700">
+            <a:headEnd type="none" w="med" len="med"/>
+            <a:tailEnd type="triangle" w="med" len="med"/>
+          </a:ln>
+        </p:spPr>
+        <p:style>
+          <a:lnRef idx="2">
+            <a:schemeClr val="dk1"/>
+          </a:lnRef>
+          <a:fillRef idx="1">
+            <a:schemeClr val="lt1"/>
+          </a:fillRef>
+          <a:effectRef idx="0">
+            <a:schemeClr val="dk1"/>
+          </a:effectRef>
+          <a:fontRef idx="minor">
+            <a:schemeClr val="dk1"/>
+          </a:fontRef>
+        </p:style>
+        <p:txBody>
+          <a:bodyPr rtlCol="0" anchor="ctr"/>
+          <a:lstStyle/>
+          <a:p>
+            <a:pPr algn="ctr"/>
+            <a:r>
+              <a:rPr lang="en-US" altLang="ko-KR" sz="900" dirty="0"/>
+              <a:t>Partition 0 Records</a:t>
+            </a:r>
+          </a:p>
+          <a:p>
+            <a:pPr algn="ctr"/>
+            <a:r>
+              <a:rPr lang="en-US" altLang="ko-KR" sz="900" b="1" dirty="0">
+                <a:solidFill>
+                  <a:srgbClr val="C00000"/>
+                </a:solidFill>
+              </a:rPr>
+              <a:t>SEQ=207~200</a:t>
+            </a:r>
+            <a:endParaRPr lang="ko-KR" altLang="en-US" sz="900" b="1" dirty="0">
+              <a:solidFill>
+                <a:srgbClr val="C00000"/>
+              </a:solidFill>
+            </a:endParaRPr>
+          </a:p>
+        </p:txBody>
+      </p:sp>
+      <p:sp>
+        <p:nvSpPr>
+          <p:cNvPr id="119" name="사각형: 둥근 모서리 6">
+            <a:extLst>
+              <a:ext uri="{FF2B5EF4-FFF2-40B4-BE49-F238E27FC236}">
+                <a16:creationId xmlns:a16="http://schemas.microsoft.com/office/drawing/2014/main" id="{F71361DF-B0BA-0179-9001-A74800A07AA6}"/>
+              </a:ext>
+            </a:extLst>
+          </p:cNvPr>
+          <p:cNvSpPr/>
+          <p:nvPr/>
+        </p:nvSpPr>
+        <p:spPr>
+          <a:xfrm>
+            <a:off x="4047069" y="2086015"/>
+            <a:ext cx="1466564" cy="293003"/>
+          </a:xfrm>
+          <a:prstGeom prst="roundRect">
+            <a:avLst>
+              <a:gd name="adj" fmla="val 18811"/>
+            </a:avLst>
+          </a:prstGeom>
+          <a:solidFill>
+            <a:schemeClr val="bg1">
+              <a:lumMod val="95000"/>
+            </a:schemeClr>
+          </a:solidFill>
+          <a:ln w="12700">
+            <a:headEnd type="none" w="med" len="med"/>
+            <a:tailEnd type="triangle" w="med" len="med"/>
+          </a:ln>
+        </p:spPr>
+        <p:style>
+          <a:lnRef idx="2">
+            <a:schemeClr val="dk1"/>
+          </a:lnRef>
+          <a:fillRef idx="1">
+            <a:schemeClr val="lt1"/>
+          </a:fillRef>
+          <a:effectRef idx="0">
+            <a:schemeClr val="dk1"/>
+          </a:effectRef>
+          <a:fontRef idx="minor">
+            <a:schemeClr val="dk1"/>
+          </a:fontRef>
+        </p:style>
+        <p:txBody>
+          <a:bodyPr rtlCol="0" anchor="ctr"/>
+          <a:lstStyle/>
+          <a:p>
+            <a:pPr algn="ctr"/>
+            <a:r>
+              <a:rPr lang="en-US" altLang="ko-KR" sz="900" dirty="0"/>
+              <a:t>Partition 3 Records</a:t>
+            </a:r>
+          </a:p>
+          <a:p>
+            <a:pPr algn="ctr"/>
+            <a:r>
+              <a:rPr lang="en-US" altLang="ko-KR" sz="900" b="1" dirty="0">
+                <a:solidFill>
+                  <a:srgbClr val="C00000"/>
+                </a:solidFill>
+              </a:rPr>
+              <a:t>SEQ=185~180</a:t>
+            </a:r>
+            <a:endParaRPr lang="ko-KR" altLang="en-US" sz="900" b="1" dirty="0">
+              <a:solidFill>
+                <a:srgbClr val="C00000"/>
+              </a:solidFill>
+            </a:endParaRPr>
+          </a:p>
+        </p:txBody>
+      </p:sp>
+      <p:sp>
+        <p:nvSpPr>
+          <p:cNvPr id="123" name="사각형: 둥근 모서리 6">
+            <a:extLst>
+              <a:ext uri="{FF2B5EF4-FFF2-40B4-BE49-F238E27FC236}">
+                <a16:creationId xmlns:a16="http://schemas.microsoft.com/office/drawing/2014/main" id="{32C5F7D8-3C44-CADF-5D04-195E56D12D5E}"/>
+              </a:ext>
+            </a:extLst>
+          </p:cNvPr>
+          <p:cNvSpPr/>
+          <p:nvPr/>
+        </p:nvSpPr>
+        <p:spPr>
+          <a:xfrm>
+            <a:off x="2761538" y="2636931"/>
+            <a:ext cx="1843418" cy="2206638"/>
+          </a:xfrm>
+          <a:prstGeom prst="roundRect">
+            <a:avLst>
+              <a:gd name="adj" fmla="val 6369"/>
+            </a:avLst>
+          </a:prstGeom>
+          <a:ln w="12700">
+            <a:headEnd type="none" w="med" len="med"/>
+            <a:tailEnd type="triangle" w="med" len="med"/>
+          </a:ln>
+        </p:spPr>
+        <p:style>
+          <a:lnRef idx="2">
+            <a:schemeClr val="dk1"/>
+          </a:lnRef>
+          <a:fillRef idx="1">
+            <a:schemeClr val="lt1"/>
+          </a:fillRef>
+          <a:effectRef idx="0">
+            <a:schemeClr val="dk1"/>
+          </a:effectRef>
+          <a:fontRef idx="minor">
+            <a:schemeClr val="dk1"/>
+          </a:fontRef>
+        </p:style>
+        <p:txBody>
+          <a:bodyPr rtlCol="0" anchor="t"/>
+          <a:lstStyle/>
+          <a:p>
+            <a:pPr algn="ctr"/>
+            <a:r>
+              <a:rPr lang="en-US" altLang="ko-KR" sz="1000" dirty="0"/>
+              <a:t>Request B </a:t>
+            </a:r>
+            <a:r>
+              <a:rPr lang="en-US" altLang="ko-KR" sz="1000" b="1" dirty="0"/>
+              <a:t>PID=2 Epoch=3</a:t>
+            </a:r>
+            <a:endParaRPr lang="ko-KR" altLang="en-US" sz="1000" b="1" dirty="0"/>
+          </a:p>
+        </p:txBody>
+      </p:sp>
+      <p:sp>
+        <p:nvSpPr>
+          <p:cNvPr id="127" name="사각형: 둥근 모서리 6">
+            <a:extLst>
+              <a:ext uri="{FF2B5EF4-FFF2-40B4-BE49-F238E27FC236}">
+                <a16:creationId xmlns:a16="http://schemas.microsoft.com/office/drawing/2014/main" id="{5E5A5266-D0BF-99A5-C92B-6081C5510B66}"/>
+              </a:ext>
+            </a:extLst>
+          </p:cNvPr>
+          <p:cNvSpPr/>
+          <p:nvPr/>
+        </p:nvSpPr>
+        <p:spPr>
+          <a:xfrm>
+            <a:off x="2850639" y="2994201"/>
+            <a:ext cx="1665213" cy="661756"/>
+          </a:xfrm>
+          <a:prstGeom prst="roundRect">
+            <a:avLst>
+              <a:gd name="adj" fmla="val 9094"/>
+            </a:avLst>
+          </a:prstGeom>
+          <a:ln w="12700">
+            <a:headEnd type="none" w="med" len="med"/>
+            <a:tailEnd type="triangle" w="med" len="med"/>
+          </a:ln>
+        </p:spPr>
+        <p:style>
+          <a:lnRef idx="2">
+            <a:schemeClr val="dk1"/>
+          </a:lnRef>
+          <a:fillRef idx="1">
+            <a:schemeClr val="lt1"/>
+          </a:fillRef>
+          <a:effectRef idx="0">
+            <a:schemeClr val="dk1"/>
+          </a:effectRef>
+          <a:fontRef idx="minor">
+            <a:schemeClr val="dk1"/>
+          </a:fontRef>
+        </p:style>
+        <p:txBody>
+          <a:bodyPr rtlCol="0" anchor="t"/>
+          <a:lstStyle/>
+          <a:p>
+            <a:pPr algn="ctr"/>
+            <a:r>
+              <a:rPr lang="en-US" altLang="ko-KR" sz="900" dirty="0"/>
+              <a:t>Topic A</a:t>
+            </a:r>
+          </a:p>
+          <a:p>
+            <a:pPr algn="ctr"/>
+            <a:endParaRPr lang="en-US" altLang="ko-KR" sz="1000" dirty="0"/>
+          </a:p>
+        </p:txBody>
+      </p:sp>
+      <p:sp>
+        <p:nvSpPr>
+          <p:cNvPr id="128" name="사각형: 둥근 모서리 6">
+            <a:extLst>
+              <a:ext uri="{FF2B5EF4-FFF2-40B4-BE49-F238E27FC236}">
+                <a16:creationId xmlns:a16="http://schemas.microsoft.com/office/drawing/2014/main" id="{FCF8E11E-A197-0413-4819-E9A735D68475}"/>
+              </a:ext>
+            </a:extLst>
+          </p:cNvPr>
+          <p:cNvSpPr/>
+          <p:nvPr/>
+        </p:nvSpPr>
+        <p:spPr>
+          <a:xfrm>
+            <a:off x="2949961" y="3259618"/>
+            <a:ext cx="1466564" cy="293003"/>
+          </a:xfrm>
+          <a:prstGeom prst="roundRect">
+            <a:avLst>
+              <a:gd name="adj" fmla="val 18811"/>
+            </a:avLst>
+          </a:prstGeom>
+          <a:solidFill>
+            <a:schemeClr val="bg1">
+              <a:lumMod val="95000"/>
+            </a:schemeClr>
+          </a:solidFill>
+          <a:ln w="12700">
+            <a:headEnd type="none" w="med" len="med"/>
+            <a:tailEnd type="triangle" w="med" len="med"/>
+          </a:ln>
+        </p:spPr>
+        <p:style>
+          <a:lnRef idx="2">
+            <a:schemeClr val="dk1"/>
+          </a:lnRef>
+          <a:fillRef idx="1">
+            <a:schemeClr val="lt1"/>
+          </a:fillRef>
+          <a:effectRef idx="0">
+            <a:schemeClr val="dk1"/>
+          </a:effectRef>
+          <a:fontRef idx="minor">
+            <a:schemeClr val="dk1"/>
+          </a:fontRef>
+        </p:style>
+        <p:txBody>
+          <a:bodyPr rtlCol="0" anchor="ctr"/>
+          <a:lstStyle/>
+          <a:p>
+            <a:pPr algn="ctr"/>
+            <a:r>
+              <a:rPr lang="en-US" altLang="ko-KR" sz="900" dirty="0"/>
+              <a:t>Partition 0 Records</a:t>
+            </a:r>
+          </a:p>
+          <a:p>
+            <a:pPr algn="ctr"/>
+            <a:r>
+              <a:rPr lang="en-US" altLang="ko-KR" sz="900" b="1" dirty="0">
+                <a:solidFill>
+                  <a:schemeClr val="accent3">
+                    <a:lumMod val="75000"/>
+                  </a:schemeClr>
+                </a:solidFill>
+              </a:rPr>
+              <a:t>SEQ=315~302</a:t>
+            </a:r>
+            <a:endParaRPr lang="ko-KR" altLang="en-US" sz="900" b="1" dirty="0">
+              <a:solidFill>
+                <a:schemeClr val="accent3">
+                  <a:lumMod val="75000"/>
+                </a:schemeClr>
+              </a:solidFill>
+            </a:endParaRPr>
+          </a:p>
+        </p:txBody>
+      </p:sp>
+      <p:sp>
+        <p:nvSpPr>
+          <p:cNvPr id="129" name="사각형: 둥근 모서리 6">
+            <a:extLst>
+              <a:ext uri="{FF2B5EF4-FFF2-40B4-BE49-F238E27FC236}">
+                <a16:creationId xmlns:a16="http://schemas.microsoft.com/office/drawing/2014/main" id="{D6077058-AA90-61BF-C4C6-A50E9480C48F}"/>
+              </a:ext>
+            </a:extLst>
+          </p:cNvPr>
+          <p:cNvSpPr/>
+          <p:nvPr/>
+        </p:nvSpPr>
+        <p:spPr>
+          <a:xfrm>
+            <a:off x="2857364" y="3746748"/>
+            <a:ext cx="1665213" cy="1018553"/>
+          </a:xfrm>
+          <a:prstGeom prst="roundRect">
+            <a:avLst>
+              <a:gd name="adj" fmla="val 7267"/>
+            </a:avLst>
+          </a:prstGeom>
+          <a:ln w="12700">
+            <a:headEnd type="none" w="med" len="med"/>
+            <a:tailEnd type="triangle" w="med" len="med"/>
+          </a:ln>
+        </p:spPr>
+        <p:style>
+          <a:lnRef idx="2">
+            <a:schemeClr val="dk1"/>
+          </a:lnRef>
+          <a:fillRef idx="1">
+            <a:schemeClr val="lt1"/>
+          </a:fillRef>
+          <a:effectRef idx="0">
+            <a:schemeClr val="dk1"/>
+          </a:effectRef>
+          <a:fontRef idx="minor">
+            <a:schemeClr val="dk1"/>
+          </a:fontRef>
+        </p:style>
+        <p:txBody>
+          <a:bodyPr rtlCol="0" anchor="t"/>
+          <a:lstStyle/>
+          <a:p>
+            <a:pPr algn="ctr"/>
+            <a:r>
+              <a:rPr lang="en-US" altLang="ko-KR" sz="900" dirty="0"/>
+              <a:t>Topic B</a:t>
+            </a:r>
+          </a:p>
+          <a:p>
+            <a:pPr algn="ctr"/>
+            <a:endParaRPr lang="en-US" altLang="ko-KR" sz="1000" dirty="0"/>
+          </a:p>
+        </p:txBody>
+      </p:sp>
+      <p:sp>
+        <p:nvSpPr>
+          <p:cNvPr id="133" name="사각형: 둥근 모서리 6">
+            <a:extLst>
+              <a:ext uri="{FF2B5EF4-FFF2-40B4-BE49-F238E27FC236}">
+                <a16:creationId xmlns:a16="http://schemas.microsoft.com/office/drawing/2014/main" id="{C46556D9-FF49-7835-778C-61845A047FDE}"/>
+              </a:ext>
+            </a:extLst>
+          </p:cNvPr>
+          <p:cNvSpPr/>
+          <p:nvPr/>
+        </p:nvSpPr>
+        <p:spPr>
+          <a:xfrm>
+            <a:off x="2956687" y="4012167"/>
+            <a:ext cx="1466564" cy="293003"/>
+          </a:xfrm>
+          <a:prstGeom prst="roundRect">
+            <a:avLst>
+              <a:gd name="adj" fmla="val 18811"/>
+            </a:avLst>
+          </a:prstGeom>
+          <a:solidFill>
+            <a:schemeClr val="bg1">
+              <a:lumMod val="95000"/>
+            </a:schemeClr>
+          </a:solidFill>
+          <a:ln w="12700">
+            <a:headEnd type="none" w="med" len="med"/>
+            <a:tailEnd type="triangle" w="med" len="med"/>
+          </a:ln>
+        </p:spPr>
+        <p:style>
+          <a:lnRef idx="2">
+            <a:schemeClr val="dk1"/>
+          </a:lnRef>
+          <a:fillRef idx="1">
+            <a:schemeClr val="lt1"/>
+          </a:fillRef>
+          <a:effectRef idx="0">
+            <a:schemeClr val="dk1"/>
+          </a:effectRef>
+          <a:fontRef idx="minor">
+            <a:schemeClr val="dk1"/>
+          </a:fontRef>
+        </p:style>
+        <p:txBody>
+          <a:bodyPr rtlCol="0" anchor="ctr"/>
+          <a:lstStyle/>
+          <a:p>
+            <a:pPr algn="ctr"/>
+            <a:r>
+              <a:rPr lang="en-US" altLang="ko-KR" sz="900" dirty="0"/>
+              <a:t>Partition 0 Records</a:t>
+            </a:r>
+          </a:p>
+          <a:p>
+            <a:pPr algn="ctr"/>
+            <a:r>
+              <a:rPr lang="en-US" altLang="ko-KR" sz="900" b="1" dirty="0">
+                <a:solidFill>
+                  <a:schemeClr val="accent3">
+                    <a:lumMod val="75000"/>
+                  </a:schemeClr>
+                </a:solidFill>
+              </a:rPr>
+              <a:t>SEQ=524~520</a:t>
+            </a:r>
+            <a:endParaRPr lang="ko-KR" altLang="en-US" sz="900" b="1" dirty="0">
+              <a:solidFill>
+                <a:schemeClr val="accent3">
+                  <a:lumMod val="75000"/>
+                </a:schemeClr>
+              </a:solidFill>
+            </a:endParaRPr>
+          </a:p>
+        </p:txBody>
+      </p:sp>
+      <p:sp>
+        <p:nvSpPr>
+          <p:cNvPr id="134" name="사각형: 둥근 모서리 6">
+            <a:extLst>
+              <a:ext uri="{FF2B5EF4-FFF2-40B4-BE49-F238E27FC236}">
+                <a16:creationId xmlns:a16="http://schemas.microsoft.com/office/drawing/2014/main" id="{89753E4D-B38F-E75C-CF22-7FDF10125747}"/>
+              </a:ext>
+            </a:extLst>
+          </p:cNvPr>
+          <p:cNvSpPr/>
+          <p:nvPr/>
+        </p:nvSpPr>
+        <p:spPr>
+          <a:xfrm>
+            <a:off x="2956687" y="4383444"/>
+            <a:ext cx="1466564" cy="293003"/>
+          </a:xfrm>
+          <a:prstGeom prst="roundRect">
+            <a:avLst>
+              <a:gd name="adj" fmla="val 18811"/>
+            </a:avLst>
+          </a:prstGeom>
+          <a:solidFill>
+            <a:schemeClr val="bg1">
+              <a:lumMod val="95000"/>
+            </a:schemeClr>
+          </a:solidFill>
+          <a:ln w="12700">
+            <a:headEnd type="none" w="med" len="med"/>
+            <a:tailEnd type="triangle" w="med" len="med"/>
+          </a:ln>
+        </p:spPr>
+        <p:style>
+          <a:lnRef idx="2">
+            <a:schemeClr val="dk1"/>
+          </a:lnRef>
+          <a:fillRef idx="1">
+            <a:schemeClr val="lt1"/>
+          </a:fillRef>
+          <a:effectRef idx="0">
+            <a:schemeClr val="dk1"/>
+          </a:effectRef>
+          <a:fontRef idx="minor">
+            <a:schemeClr val="dk1"/>
+          </a:fontRef>
+        </p:style>
+        <p:txBody>
+          <a:bodyPr rtlCol="0" anchor="ctr"/>
+          <a:lstStyle/>
+          <a:p>
+            <a:pPr algn="ctr"/>
+            <a:r>
+              <a:rPr lang="en-US" altLang="ko-KR" sz="900" dirty="0"/>
+              <a:t>Partition 3 Records</a:t>
+            </a:r>
+          </a:p>
+          <a:p>
+            <a:pPr algn="ctr"/>
+            <a:r>
+              <a:rPr lang="en-US" altLang="ko-KR" sz="900" b="1" dirty="0">
+                <a:solidFill>
+                  <a:schemeClr val="accent3">
+                    <a:lumMod val="75000"/>
+                  </a:schemeClr>
+                </a:solidFill>
+              </a:rPr>
+              <a:t>SEQ=480~474</a:t>
+            </a:r>
+            <a:endParaRPr lang="ko-KR" altLang="en-US" sz="900" b="1" dirty="0">
+              <a:solidFill>
+                <a:schemeClr val="accent3">
+                  <a:lumMod val="75000"/>
+                </a:schemeClr>
+              </a:solidFill>
+            </a:endParaRPr>
+          </a:p>
+        </p:txBody>
+      </p:sp>
+      <p:sp>
+        <p:nvSpPr>
+          <p:cNvPr id="5" name="사각형: 둥근 모서리 56">
+            <a:extLst>
+              <a:ext uri="{FF2B5EF4-FFF2-40B4-BE49-F238E27FC236}">
+                <a16:creationId xmlns:a16="http://schemas.microsoft.com/office/drawing/2014/main" id="{4D660A13-48E7-7F09-FEEF-918C39E7AFF8}"/>
+              </a:ext>
+            </a:extLst>
+          </p:cNvPr>
+          <p:cNvSpPr/>
+          <p:nvPr/>
+        </p:nvSpPr>
+        <p:spPr>
+          <a:xfrm>
+            <a:off x="6017406" y="98565"/>
+            <a:ext cx="2720252" cy="1107796"/>
+          </a:xfrm>
+          <a:prstGeom prst="roundRect">
+            <a:avLst>
+              <a:gd name="adj" fmla="val 10825"/>
+            </a:avLst>
+          </a:prstGeom>
+          <a:ln w="12700">
+            <a:headEnd type="none" w="med" len="med"/>
+            <a:tailEnd type="triangle" w="med" len="med"/>
+          </a:ln>
+        </p:spPr>
+        <p:style>
+          <a:lnRef idx="2">
+            <a:schemeClr val="dk1"/>
+          </a:lnRef>
+          <a:fillRef idx="1">
+            <a:schemeClr val="lt1"/>
+          </a:fillRef>
+          <a:effectRef idx="0">
+            <a:schemeClr val="dk1"/>
+          </a:effectRef>
+          <a:fontRef idx="minor">
+            <a:schemeClr val="dk1"/>
+          </a:fontRef>
+        </p:style>
+        <p:txBody>
+          <a:bodyPr rtlCol="0" anchor="ctr"/>
+          <a:lstStyle/>
+          <a:p>
+            <a:pPr algn="ctr"/>
+            <a:r>
+              <a:rPr lang="en-US" altLang="ko-KR" sz="1000" b="1"/>
+              <a:t>PID=1 Epoch=1 SEQ</a:t>
+            </a:r>
+            <a:r>
+              <a:rPr lang="ko-KR" altLang="en-US" sz="1000" b="1"/>
+              <a:t> </a:t>
+            </a:r>
+            <a:r>
+              <a:rPr lang="en-US" altLang="ko-KR" sz="1000" b="1"/>
+              <a:t>State</a:t>
+            </a:r>
+            <a:endParaRPr lang="en-US" altLang="ko-KR" sz="1000" b="1" dirty="0"/>
+          </a:p>
+          <a:p>
+            <a:r>
+              <a:rPr lang="en-US" altLang="ko-KR" sz="1050" dirty="0"/>
+              <a:t>Topic A, Partition 0 / </a:t>
+            </a:r>
+            <a:r>
+              <a:rPr lang="en-US" altLang="ko-KR" sz="1050" b="1" dirty="0">
+                <a:solidFill>
+                  <a:schemeClr val="tx2"/>
+                </a:solidFill>
+              </a:rPr>
+              <a:t>113~106</a:t>
+            </a:r>
+            <a:r>
+              <a:rPr lang="en-US" altLang="ko-KR" sz="1050" dirty="0"/>
+              <a:t>, </a:t>
+            </a:r>
+            <a:r>
+              <a:rPr lang="en-US" altLang="ko-KR" sz="1050" b="1" dirty="0">
+                <a:solidFill>
+                  <a:srgbClr val="C00000"/>
+                </a:solidFill>
+              </a:rPr>
+              <a:t>105~100</a:t>
+            </a:r>
+            <a:r>
+              <a:rPr lang="en-US" altLang="ko-KR" sz="1050" dirty="0"/>
+              <a:t>, 99~85, 84~78, 77~70</a:t>
+            </a:r>
+          </a:p>
+          <a:p>
+            <a:r>
+              <a:rPr lang="en-US" altLang="ko-KR" sz="1050" dirty="0"/>
+              <a:t>Topic B, Partition 0 / </a:t>
+            </a:r>
+            <a:r>
+              <a:rPr lang="en-US" altLang="ko-KR" sz="1050" b="1" dirty="0">
+                <a:solidFill>
+                  <a:schemeClr val="tx2"/>
+                </a:solidFill>
+              </a:rPr>
+              <a:t>215~208</a:t>
+            </a:r>
+            <a:r>
+              <a:rPr lang="en-US" altLang="ko-KR" sz="1050" dirty="0"/>
+              <a:t>, </a:t>
+            </a:r>
+            <a:r>
+              <a:rPr lang="en-US" altLang="ko-KR" sz="1050" b="1" dirty="0">
+                <a:solidFill>
+                  <a:srgbClr val="C00000"/>
+                </a:solidFill>
+              </a:rPr>
+              <a:t>207~200</a:t>
+            </a:r>
+            <a:r>
+              <a:rPr lang="en-US" altLang="ko-KR" sz="1050" dirty="0"/>
+              <a:t>, 199~190, 189~179, 178~170</a:t>
+            </a:r>
+          </a:p>
+          <a:p>
+            <a:r>
+              <a:rPr lang="en-US" altLang="ko-KR" sz="1050" dirty="0"/>
+              <a:t>Topic B, Partition 3 / </a:t>
+            </a:r>
+            <a:r>
+              <a:rPr lang="en-US" altLang="ko-KR" sz="1050" b="1" dirty="0">
+                <a:solidFill>
+                  <a:schemeClr val="tx2"/>
+                </a:solidFill>
+              </a:rPr>
+              <a:t>195~186</a:t>
+            </a:r>
+            <a:r>
+              <a:rPr lang="en-US" altLang="ko-KR" sz="1050" dirty="0">
+                <a:solidFill>
+                  <a:schemeClr val="tx1"/>
+                </a:solidFill>
+              </a:rPr>
+              <a:t>,</a:t>
+            </a:r>
+          </a:p>
+          <a:p>
+            <a:r>
+              <a:rPr lang="en-US" altLang="ko-KR" sz="1050" b="1" dirty="0">
+                <a:solidFill>
+                  <a:srgbClr val="C00000"/>
+                </a:solidFill>
+              </a:rPr>
+              <a:t>185~180</a:t>
+            </a:r>
+            <a:r>
+              <a:rPr lang="en-US" altLang="ko-KR" sz="1050" dirty="0">
+                <a:solidFill>
+                  <a:schemeClr val="tx1"/>
+                </a:solidFill>
+              </a:rPr>
+              <a:t>, 179~169, 168~161, 160~152</a:t>
+            </a:r>
+          </a:p>
+        </p:txBody>
+      </p:sp>
+      <p:sp>
+        <p:nvSpPr>
+          <p:cNvPr id="6" name="사각형: 둥근 모서리 56">
+            <a:extLst>
+              <a:ext uri="{FF2B5EF4-FFF2-40B4-BE49-F238E27FC236}">
+                <a16:creationId xmlns:a16="http://schemas.microsoft.com/office/drawing/2014/main" id="{A6777AFA-53BF-9595-434E-75418CBC6717}"/>
+              </a:ext>
+            </a:extLst>
+          </p:cNvPr>
+          <p:cNvSpPr/>
+          <p:nvPr/>
+        </p:nvSpPr>
+        <p:spPr>
+          <a:xfrm>
+            <a:off x="6017406" y="3944061"/>
+            <a:ext cx="2720252" cy="1107796"/>
+          </a:xfrm>
+          <a:prstGeom prst="roundRect">
+            <a:avLst>
+              <a:gd name="adj" fmla="val 10825"/>
+            </a:avLst>
+          </a:prstGeom>
+          <a:ln w="12700">
+            <a:headEnd type="none" w="med" len="med"/>
+            <a:tailEnd type="triangle" w="med" len="med"/>
+          </a:ln>
+        </p:spPr>
+        <p:style>
+          <a:lnRef idx="2">
+            <a:schemeClr val="dk1"/>
+          </a:lnRef>
+          <a:fillRef idx="1">
+            <a:schemeClr val="lt1"/>
+          </a:fillRef>
+          <a:effectRef idx="0">
+            <a:schemeClr val="dk1"/>
+          </a:effectRef>
+          <a:fontRef idx="minor">
+            <a:schemeClr val="dk1"/>
+          </a:fontRef>
+        </p:style>
+        <p:txBody>
+          <a:bodyPr rtlCol="0" anchor="ctr"/>
+          <a:lstStyle/>
+          <a:p>
+            <a:pPr algn="ctr"/>
+            <a:r>
+              <a:rPr lang="en-US" altLang="ko-KR" sz="1000" b="1"/>
+              <a:t>PID=1 Epoch=1 SEQ State</a:t>
+            </a:r>
+            <a:endParaRPr lang="en-US" altLang="ko-KR" sz="1000" b="1" dirty="0"/>
+          </a:p>
+          <a:p>
+            <a:r>
+              <a:rPr lang="en-US" altLang="ko-KR" sz="1050" dirty="0"/>
+              <a:t>Topic A, Partition 0 / </a:t>
+            </a:r>
+            <a:r>
+              <a:rPr lang="en-US" altLang="ko-KR" sz="1050" b="1" dirty="0">
+                <a:solidFill>
+                  <a:schemeClr val="accent3">
+                    <a:lumMod val="75000"/>
+                  </a:schemeClr>
+                </a:solidFill>
+              </a:rPr>
+              <a:t>315~302</a:t>
+            </a:r>
+            <a:r>
+              <a:rPr lang="en-US" altLang="ko-KR" sz="1050" dirty="0"/>
+              <a:t>, </a:t>
+            </a:r>
+            <a:r>
+              <a:rPr lang="en-US" altLang="ko-KR" sz="1050" dirty="0">
+                <a:solidFill>
+                  <a:schemeClr val="tx1"/>
+                </a:solidFill>
+              </a:rPr>
+              <a:t>301~298, 297~290, 289~275, 274~270</a:t>
+            </a:r>
+          </a:p>
+          <a:p>
+            <a:r>
+              <a:rPr lang="en-US" altLang="ko-KR" sz="1050" dirty="0"/>
+              <a:t>Topic B, Partition 0 / </a:t>
+            </a:r>
+            <a:r>
+              <a:rPr lang="en-US" altLang="ko-KR" sz="1050" b="1" dirty="0">
+                <a:solidFill>
+                  <a:schemeClr val="accent3">
+                    <a:lumMod val="75000"/>
+                  </a:schemeClr>
+                </a:solidFill>
+              </a:rPr>
+              <a:t>524~502</a:t>
+            </a:r>
+            <a:r>
+              <a:rPr lang="en-US" altLang="ko-KR" sz="1050" dirty="0"/>
+              <a:t>, </a:t>
+            </a:r>
+            <a:r>
+              <a:rPr lang="en-US" altLang="ko-KR" sz="1050" dirty="0">
+                <a:solidFill>
+                  <a:schemeClr val="tx1"/>
+                </a:solidFill>
+              </a:rPr>
+              <a:t>501~493, 492~482, 481~472, 471~458</a:t>
+            </a:r>
+            <a:endParaRPr lang="en-US" altLang="ko-KR" sz="1050" dirty="0"/>
+          </a:p>
+          <a:p>
+            <a:r>
+              <a:rPr lang="en-US" altLang="ko-KR" sz="1050" dirty="0"/>
+              <a:t>Topic B, Partition 3 / </a:t>
+            </a:r>
+            <a:r>
+              <a:rPr lang="en-US" altLang="ko-KR" sz="1050" b="1" dirty="0">
+                <a:solidFill>
+                  <a:schemeClr val="accent3">
+                    <a:lumMod val="75000"/>
+                  </a:schemeClr>
+                </a:solidFill>
+              </a:rPr>
+              <a:t>480~474</a:t>
+            </a:r>
+            <a:r>
+              <a:rPr lang="en-US" altLang="ko-KR" sz="1050" dirty="0">
+                <a:solidFill>
+                  <a:schemeClr val="tx1"/>
+                </a:solidFill>
+              </a:rPr>
+              <a:t>, 473~472,</a:t>
+            </a:r>
+            <a:r>
+              <a:rPr lang="ko-KR" altLang="en-US" sz="1050" dirty="0">
+                <a:solidFill>
+                  <a:schemeClr val="tx1"/>
+                </a:solidFill>
+              </a:rPr>
+              <a:t> </a:t>
+            </a:r>
+            <a:r>
+              <a:rPr lang="en-US" altLang="ko-KR" sz="1050" dirty="0">
+                <a:solidFill>
+                  <a:schemeClr val="tx1"/>
+                </a:solidFill>
+              </a:rPr>
+              <a:t>471~464, 463~454, 453~442</a:t>
+            </a:r>
+          </a:p>
+        </p:txBody>
+      </p:sp>
+      <p:sp>
+        <p:nvSpPr>
+          <p:cNvPr id="13" name="사각형: 둥근 모서리 12">
+            <a:extLst>
+              <a:ext uri="{FF2B5EF4-FFF2-40B4-BE49-F238E27FC236}">
+                <a16:creationId xmlns:a16="http://schemas.microsoft.com/office/drawing/2014/main" id="{78BEA487-DF97-8BB9-0209-F73AE9FA4BAC}"/>
+              </a:ext>
+            </a:extLst>
+          </p:cNvPr>
+          <p:cNvSpPr/>
+          <p:nvPr/>
+        </p:nvSpPr>
+        <p:spPr>
+          <a:xfrm>
+            <a:off x="6132795" y="1379271"/>
+            <a:ext cx="1440160" cy="268948"/>
+          </a:xfrm>
+          <a:prstGeom prst="roundRect">
+            <a:avLst>
+              <a:gd name="adj" fmla="val 14105"/>
+            </a:avLst>
+          </a:prstGeom>
+          <a:noFill/>
+          <a:ln w="12700">
+            <a:headEnd type="none" w="med" len="med"/>
+            <a:tailEnd type="triangle" w="med" len="med"/>
+          </a:ln>
+        </p:spPr>
+        <p:style>
+          <a:lnRef idx="2">
+            <a:schemeClr val="dk1"/>
+          </a:lnRef>
+          <a:fillRef idx="1">
+            <a:schemeClr val="lt1"/>
+          </a:fillRef>
+          <a:effectRef idx="0">
+            <a:schemeClr val="dk1"/>
+          </a:effectRef>
+          <a:fontRef idx="minor">
+            <a:schemeClr val="dk1"/>
+          </a:fontRef>
+        </p:style>
+        <p:txBody>
+          <a:bodyPr rtlCol="0" anchor="ctr"/>
+          <a:lstStyle/>
+          <a:p>
+            <a:pPr algn="ctr"/>
+            <a:r>
+              <a:rPr lang="en-US" altLang="ko-KR" sz="1000"/>
+              <a:t>Partition </a:t>
+            </a:r>
+            <a:r>
+              <a:rPr lang="en-US" altLang="ko-KR" sz="1000" dirty="0"/>
+              <a:t>0</a:t>
+            </a:r>
+            <a:endParaRPr lang="ko-KR" altLang="en-US" sz="1000" dirty="0"/>
+          </a:p>
+        </p:txBody>
+      </p:sp>
+    </p:spTree>
+    <p:extLst>
+      <p:ext uri="{BB962C8B-B14F-4D97-AF65-F5344CB8AC3E}">
+        <p14:creationId xmlns:p14="http://schemas.microsoft.com/office/powerpoint/2010/main" val="3744406129"/>
+      </p:ext>
+    </p:extLst>
+  </p:cSld>
+  <p:clrMapOvr>
+    <a:masterClrMapping/>
+  </p:clrMapOvr>
+</p:sld>
+</file>
+
+<file path=ppt/slides/slide4.xml><?xml version="1.0" encoding="utf-8"?>
+<p:sld xmlns:a="http://schemas.openxmlformats.org/drawingml/2006/main" xmlns:r="http://schemas.openxmlformats.org/officeDocument/2006/relationships" xmlns:p="http://schemas.openxmlformats.org/presentationml/2006/main">
+  <p:cSld>
+    <p:spTree>
+      <p:nvGrpSpPr>
+        <p:cNvPr id="1" name="">
+          <a:extLst>
+            <a:ext uri="{FF2B5EF4-FFF2-40B4-BE49-F238E27FC236}">
+              <a16:creationId xmlns:a16="http://schemas.microsoft.com/office/drawing/2014/main" id="{AA3B7B0F-BF68-07D3-4C3B-21FE8505A4A2}"/>
+            </a:ext>
+          </a:extLst>
+        </p:cNvPr>
+        <p:cNvGrpSpPr/>
+        <p:nvPr/>
+      </p:nvGrpSpPr>
+      <p:grpSpPr>
+        <a:xfrm>
+          <a:off x="0" y="0"/>
+          <a:ext cx="0" cy="0"/>
+          <a:chOff x="0" y="0"/>
+          <a:chExt cx="0" cy="0"/>
+        </a:xfrm>
+      </p:grpSpPr>
+      <p:sp>
+        <p:nvSpPr>
+          <p:cNvPr id="28" name="모서리가 둥근 직사각형 18">
+            <a:extLst>
+              <a:ext uri="{FF2B5EF4-FFF2-40B4-BE49-F238E27FC236}">
+                <a16:creationId xmlns:a16="http://schemas.microsoft.com/office/drawing/2014/main" id="{F2ED092F-ACC2-2100-9293-543116AAA04A}"/>
+              </a:ext>
+            </a:extLst>
+          </p:cNvPr>
+          <p:cNvSpPr/>
+          <p:nvPr/>
+        </p:nvSpPr>
+        <p:spPr>
+          <a:xfrm>
+            <a:off x="3427356" y="2268951"/>
+            <a:ext cx="1828712" cy="1512169"/>
+          </a:xfrm>
+          <a:prstGeom prst="roundRect">
+            <a:avLst>
+              <a:gd name="adj" fmla="val 6644"/>
+            </a:avLst>
+          </a:prstGeom>
+          <a:noFill/>
+          <a:ln w="12700"/>
+        </p:spPr>
+        <p:style>
+          <a:lnRef idx="2">
+            <a:schemeClr val="dk1"/>
+          </a:lnRef>
+          <a:fillRef idx="1">
+            <a:schemeClr val="lt1"/>
+          </a:fillRef>
+          <a:effectRef idx="0">
+            <a:schemeClr val="dk1"/>
+          </a:effectRef>
+          <a:fontRef idx="minor">
+            <a:schemeClr val="dk1"/>
+          </a:fontRef>
+        </p:style>
+        <p:txBody>
+          <a:bodyPr rtlCol="0" anchor="b"/>
+          <a:lstStyle/>
+          <a:p>
+            <a:pPr algn="r"/>
+            <a:r>
+              <a:rPr lang="en-US" altLang="ko-KR" sz="1000"/>
+              <a:t>Kafka</a:t>
+            </a:r>
+          </a:p>
+        </p:txBody>
+      </p:sp>
+      <p:pic>
+        <p:nvPicPr>
+          <p:cNvPr id="29" name="Picture 12" descr="kafka icon&quot; Icon - Download for free – Iconduck">
+            <a:extLst>
+              <a:ext uri="{FF2B5EF4-FFF2-40B4-BE49-F238E27FC236}">
+                <a16:creationId xmlns:a16="http://schemas.microsoft.com/office/drawing/2014/main" id="{A08BF677-9AFB-B6A5-F1E6-1BC6B7872743}"/>
+              </a:ext>
+            </a:extLst>
+          </p:cNvPr>
+          <p:cNvPicPr>
+            <a:picLocks noChangeAspect="1" noChangeArrowheads="1"/>
+          </p:cNvPicPr>
+          <p:nvPr/>
+        </p:nvPicPr>
+        <p:blipFill>
+          <a:blip r:embed="rId3">
+            <a:extLst>
+              <a:ext uri="{28A0092B-C50C-407E-A947-70E740481C1C}">
+                <a14:useLocalDpi xmlns:a14="http://schemas.microsoft.com/office/drawing/2010/main" val="0"/>
+              </a:ext>
+            </a:extLst>
+          </a:blip>
+          <a:srcRect/>
+          <a:stretch>
+            <a:fillRect/>
+          </a:stretch>
+        </p:blipFill>
+        <p:spPr bwMode="auto">
+          <a:xfrm>
+            <a:off x="4591135" y="3401460"/>
+            <a:ext cx="176967" cy="285118"/>
+          </a:xfrm>
+          <a:prstGeom prst="rect">
+            <a:avLst/>
+          </a:prstGeom>
+          <a:noFill/>
+          <a:extLst>
+            <a:ext uri="{909E8E84-426E-40DD-AFC4-6F175D3DCCD1}">
+              <a14:hiddenFill xmlns:a14="http://schemas.microsoft.com/office/drawing/2010/main">
+                <a:solidFill>
+                  <a:srgbClr val="FFFFFF"/>
+                </a:solidFill>
+              </a14:hiddenFill>
+            </a:ext>
+          </a:extLst>
+        </p:spPr>
+      </p:pic>
+      <p:sp>
+        <p:nvSpPr>
+          <p:cNvPr id="30" name="모서리가 둥근 직사각형 18">
+            <a:extLst>
+              <a:ext uri="{FF2B5EF4-FFF2-40B4-BE49-F238E27FC236}">
+                <a16:creationId xmlns:a16="http://schemas.microsoft.com/office/drawing/2014/main" id="{02D3FEE0-6F34-08B2-9CBC-DB5F0C08C865}"/>
+              </a:ext>
+            </a:extLst>
+          </p:cNvPr>
+          <p:cNvSpPr/>
+          <p:nvPr/>
+        </p:nvSpPr>
+        <p:spPr>
+          <a:xfrm>
+            <a:off x="3528604" y="2368701"/>
+            <a:ext cx="1626216" cy="418488"/>
+          </a:xfrm>
+          <a:prstGeom prst="roundRect">
+            <a:avLst>
+              <a:gd name="adj" fmla="val 20203"/>
+            </a:avLst>
+          </a:prstGeom>
+          <a:noFill/>
+          <a:ln w="12700"/>
+        </p:spPr>
+        <p:style>
+          <a:lnRef idx="2">
+            <a:schemeClr val="dk1"/>
+          </a:lnRef>
+          <a:fillRef idx="1">
+            <a:schemeClr val="lt1"/>
+          </a:fillRef>
+          <a:effectRef idx="0">
+            <a:schemeClr val="dk1"/>
+          </a:effectRef>
+          <a:fontRef idx="minor">
+            <a:schemeClr val="dk1"/>
+          </a:fontRef>
+        </p:style>
+        <p:txBody>
+          <a:bodyPr rtlCol="0" anchor="ctr"/>
+          <a:lstStyle/>
+          <a:p>
+            <a:pPr algn="ctr"/>
+            <a:r>
+              <a:rPr lang="en-US" altLang="ko-KR" sz="900" b="1"/>
+              <a:t>_schemas</a:t>
+            </a:r>
+          </a:p>
+          <a:p>
+            <a:pPr algn="ctr"/>
+            <a:r>
+              <a:rPr lang="en-US" altLang="ko-KR" sz="900"/>
+              <a:t>Topic</a:t>
+            </a:r>
+          </a:p>
+        </p:txBody>
+      </p:sp>
+      <p:sp>
+        <p:nvSpPr>
+          <p:cNvPr id="52" name="모서리가 둥근 직사각형 18">
+            <a:extLst>
+              <a:ext uri="{FF2B5EF4-FFF2-40B4-BE49-F238E27FC236}">
+                <a16:creationId xmlns:a16="http://schemas.microsoft.com/office/drawing/2014/main" id="{AC17B257-0D98-5E5A-283F-E368FFA598C0}"/>
+              </a:ext>
+            </a:extLst>
+          </p:cNvPr>
+          <p:cNvSpPr/>
+          <p:nvPr/>
+        </p:nvSpPr>
+        <p:spPr>
+          <a:xfrm>
+            <a:off x="3528604" y="2883223"/>
+            <a:ext cx="1626217" cy="418488"/>
+          </a:xfrm>
+          <a:prstGeom prst="roundRect">
+            <a:avLst>
+              <a:gd name="adj" fmla="val 20203"/>
+            </a:avLst>
+          </a:prstGeom>
+          <a:noFill/>
+          <a:ln w="12700"/>
+        </p:spPr>
+        <p:style>
+          <a:lnRef idx="2">
+            <a:schemeClr val="dk1"/>
+          </a:lnRef>
+          <a:fillRef idx="1">
+            <a:schemeClr val="lt1"/>
+          </a:fillRef>
+          <a:effectRef idx="0">
+            <a:schemeClr val="dk1"/>
+          </a:effectRef>
+          <a:fontRef idx="minor">
+            <a:schemeClr val="dk1"/>
+          </a:fontRef>
+        </p:style>
+        <p:txBody>
+          <a:bodyPr rtlCol="0" anchor="ctr"/>
+          <a:lstStyle/>
+          <a:p>
+            <a:pPr algn="ctr"/>
+            <a:r>
+              <a:rPr lang="en-US" altLang="ko-KR" sz="900" b="1"/>
+              <a:t>message</a:t>
+            </a:r>
+          </a:p>
+          <a:p>
+            <a:pPr algn="ctr"/>
+            <a:r>
+              <a:rPr lang="en-US" altLang="ko-KR" sz="900"/>
+              <a:t>Topic</a:t>
+            </a:r>
+          </a:p>
+        </p:txBody>
+      </p:sp>
+      <p:sp>
+        <p:nvSpPr>
+          <p:cNvPr id="77" name="모서리가 둥근 직사각형 18">
+            <a:extLst>
+              <a:ext uri="{FF2B5EF4-FFF2-40B4-BE49-F238E27FC236}">
+                <a16:creationId xmlns:a16="http://schemas.microsoft.com/office/drawing/2014/main" id="{16ED8D8A-CF09-476A-81B3-CC34FA1B48DE}"/>
+              </a:ext>
+            </a:extLst>
+          </p:cNvPr>
+          <p:cNvSpPr/>
+          <p:nvPr/>
+        </p:nvSpPr>
+        <p:spPr>
+          <a:xfrm>
+            <a:off x="3635896" y="1059582"/>
+            <a:ext cx="1411634" cy="776019"/>
+          </a:xfrm>
+          <a:prstGeom prst="roundRect">
+            <a:avLst>
+              <a:gd name="adj" fmla="val 15414"/>
+            </a:avLst>
+          </a:prstGeom>
+          <a:noFill/>
+          <a:ln w="12700"/>
+        </p:spPr>
+        <p:style>
+          <a:lnRef idx="2">
+            <a:schemeClr val="dk1"/>
+          </a:lnRef>
+          <a:fillRef idx="1">
+            <a:schemeClr val="lt1"/>
+          </a:fillRef>
+          <a:effectRef idx="0">
+            <a:schemeClr val="dk1"/>
+          </a:effectRef>
+          <a:fontRef idx="minor">
+            <a:schemeClr val="dk1"/>
+          </a:fontRef>
+        </p:style>
+        <p:txBody>
+          <a:bodyPr rtlCol="0" anchor="ctr"/>
+          <a:lstStyle/>
+          <a:p>
+            <a:pPr algn="ctr"/>
+            <a:endParaRPr lang="en-US" altLang="ko-KR" sz="1000"/>
+          </a:p>
+          <a:p>
+            <a:pPr algn="ctr"/>
+            <a:endParaRPr lang="en-US" altLang="ko-KR" sz="1000"/>
+          </a:p>
+          <a:p>
+            <a:pPr algn="ctr"/>
+            <a:r>
+              <a:rPr lang="en-US" altLang="ko-KR" sz="1000"/>
+              <a:t>Kafka Schema</a:t>
+            </a:r>
+          </a:p>
+          <a:p>
+            <a:pPr algn="ctr"/>
+            <a:r>
+              <a:rPr lang="en-US" altLang="ko-KR" sz="1000"/>
+              <a:t>Registry</a:t>
+            </a:r>
+          </a:p>
+        </p:txBody>
+      </p:sp>
+      <p:pic>
+        <p:nvPicPr>
+          <p:cNvPr id="79" name="Picture 12" descr="kafka icon&quot; Icon - Download for free – Iconduck">
+            <a:extLst>
+              <a:ext uri="{FF2B5EF4-FFF2-40B4-BE49-F238E27FC236}">
+                <a16:creationId xmlns:a16="http://schemas.microsoft.com/office/drawing/2014/main" id="{4B39612B-28CA-E93B-49B2-92FF6003D3C9}"/>
+              </a:ext>
+            </a:extLst>
+          </p:cNvPr>
+          <p:cNvPicPr>
+            <a:picLocks noChangeAspect="1" noChangeArrowheads="1"/>
+          </p:cNvPicPr>
+          <p:nvPr/>
+        </p:nvPicPr>
+        <p:blipFill>
+          <a:blip r:embed="rId3">
+            <a:extLst>
+              <a:ext uri="{28A0092B-C50C-407E-A947-70E740481C1C}">
+                <a14:useLocalDpi xmlns:a14="http://schemas.microsoft.com/office/drawing/2010/main" val="0"/>
+              </a:ext>
+            </a:extLst>
+          </a:blip>
+          <a:srcRect/>
+          <a:stretch>
+            <a:fillRect/>
+          </a:stretch>
+        </p:blipFill>
+        <p:spPr bwMode="auto">
+          <a:xfrm>
+            <a:off x="4253229" y="1143416"/>
+            <a:ext cx="176967" cy="285118"/>
+          </a:xfrm>
+          <a:prstGeom prst="rect">
+            <a:avLst/>
+          </a:prstGeom>
+          <a:noFill/>
+          <a:extLst>
+            <a:ext uri="{909E8E84-426E-40DD-AFC4-6F175D3DCCD1}">
+              <a14:hiddenFill xmlns:a14="http://schemas.microsoft.com/office/drawing/2010/main">
+                <a:solidFill>
+                  <a:srgbClr val="FFFFFF"/>
+                </a:solidFill>
+              </a14:hiddenFill>
+            </a:ext>
+          </a:extLst>
+        </p:spPr>
+      </p:pic>
+      <p:sp>
+        <p:nvSpPr>
+          <p:cNvPr id="2" name="모서리가 둥근 직사각형 18">
+            <a:extLst>
+              <a:ext uri="{FF2B5EF4-FFF2-40B4-BE49-F238E27FC236}">
+                <a16:creationId xmlns:a16="http://schemas.microsoft.com/office/drawing/2014/main" id="{BD17C77D-CCE7-28BB-77D8-AF1097A0ECB2}"/>
+              </a:ext>
+            </a:extLst>
+          </p:cNvPr>
+          <p:cNvSpPr/>
+          <p:nvPr/>
+        </p:nvSpPr>
+        <p:spPr>
+          <a:xfrm>
+            <a:off x="1115616" y="2883223"/>
+            <a:ext cx="1411645" cy="418488"/>
+          </a:xfrm>
+          <a:prstGeom prst="roundRect">
+            <a:avLst>
+              <a:gd name="adj" fmla="val 17911"/>
+            </a:avLst>
+          </a:prstGeom>
+          <a:noFill/>
+          <a:ln w="12700"/>
+        </p:spPr>
+        <p:style>
+          <a:lnRef idx="2">
+            <a:schemeClr val="dk1"/>
+          </a:lnRef>
+          <a:fillRef idx="1">
+            <a:schemeClr val="lt1"/>
+          </a:fillRef>
+          <a:effectRef idx="0">
+            <a:schemeClr val="dk1"/>
+          </a:effectRef>
+          <a:fontRef idx="minor">
+            <a:schemeClr val="dk1"/>
+          </a:fontRef>
+        </p:style>
+        <p:txBody>
+          <a:bodyPr rtlCol="0" anchor="ctr"/>
+          <a:lstStyle/>
+          <a:p>
+            <a:pPr algn="ctr"/>
+            <a:r>
+              <a:rPr lang="en-US" altLang="ko-KR" sz="1000"/>
+              <a:t>Producer</a:t>
+            </a:r>
+          </a:p>
+        </p:txBody>
+      </p:sp>
+      <p:sp>
+        <p:nvSpPr>
+          <p:cNvPr id="6" name="모서리가 둥근 직사각형 18">
+            <a:extLst>
+              <a:ext uri="{FF2B5EF4-FFF2-40B4-BE49-F238E27FC236}">
+                <a16:creationId xmlns:a16="http://schemas.microsoft.com/office/drawing/2014/main" id="{7D44A04E-B3FE-D369-6684-CC7CCB9BADDA}"/>
+              </a:ext>
+            </a:extLst>
+          </p:cNvPr>
+          <p:cNvSpPr/>
+          <p:nvPr/>
+        </p:nvSpPr>
+        <p:spPr>
+          <a:xfrm>
+            <a:off x="6156163" y="2883223"/>
+            <a:ext cx="1411645" cy="418488"/>
+          </a:xfrm>
+          <a:prstGeom prst="roundRect">
+            <a:avLst>
+              <a:gd name="adj" fmla="val 17911"/>
+            </a:avLst>
+          </a:prstGeom>
+          <a:noFill/>
+          <a:ln w="12700"/>
+        </p:spPr>
+        <p:style>
+          <a:lnRef idx="2">
+            <a:schemeClr val="dk1"/>
+          </a:lnRef>
+          <a:fillRef idx="1">
+            <a:schemeClr val="lt1"/>
+          </a:fillRef>
+          <a:effectRef idx="0">
+            <a:schemeClr val="dk1"/>
+          </a:effectRef>
+          <a:fontRef idx="minor">
+            <a:schemeClr val="dk1"/>
+          </a:fontRef>
+        </p:style>
+        <p:txBody>
+          <a:bodyPr rtlCol="0" anchor="ctr"/>
+          <a:lstStyle/>
+          <a:p>
+            <a:pPr algn="ctr"/>
+            <a:r>
+              <a:rPr lang="en-US" altLang="ko-KR" sz="1000"/>
+              <a:t>Consumer</a:t>
+            </a:r>
+          </a:p>
+        </p:txBody>
+      </p:sp>
+      <p:cxnSp>
+        <p:nvCxnSpPr>
+          <p:cNvPr id="11" name="Elbow Connector 10">
+            <a:extLst>
+              <a:ext uri="{FF2B5EF4-FFF2-40B4-BE49-F238E27FC236}">
+                <a16:creationId xmlns:a16="http://schemas.microsoft.com/office/drawing/2014/main" id="{4DE0D9F5-09CC-8B3E-EED4-39325E27E5B3}"/>
+              </a:ext>
+            </a:extLst>
+          </p:cNvPr>
+          <p:cNvCxnSpPr>
+            <a:cxnSpLocks/>
+            <a:stCxn id="2" idx="0"/>
+            <a:endCxn id="77" idx="1"/>
+          </p:cNvCxnSpPr>
+          <p:nvPr/>
+        </p:nvCxnSpPr>
+        <p:spPr>
+          <a:xfrm rot="5400000" flipH="1" flipV="1">
+            <a:off x="2010852" y="1258180"/>
+            <a:ext cx="1435631" cy="1814457"/>
+          </a:xfrm>
+          <a:prstGeom prst="bentConnector2">
+            <a:avLst/>
+          </a:prstGeom>
+          <a:ln w="12700">
+            <a:solidFill>
+              <a:schemeClr val="tx1"/>
+            </a:solidFill>
+            <a:tailEnd type="triangle"/>
+          </a:ln>
+        </p:spPr>
+        <p:style>
+          <a:lnRef idx="1">
+            <a:schemeClr val="accent1"/>
+          </a:lnRef>
+          <a:fillRef idx="0">
+            <a:schemeClr val="accent1"/>
+          </a:fillRef>
+          <a:effectRef idx="0">
+            <a:schemeClr val="accent1"/>
+          </a:effectRef>
+          <a:fontRef idx="minor">
+            <a:schemeClr val="tx1"/>
+          </a:fontRef>
+        </p:style>
+      </p:cxnSp>
+      <p:cxnSp>
+        <p:nvCxnSpPr>
+          <p:cNvPr id="16" name="Straight Arrow Connector 15">
+            <a:extLst>
+              <a:ext uri="{FF2B5EF4-FFF2-40B4-BE49-F238E27FC236}">
+                <a16:creationId xmlns:a16="http://schemas.microsoft.com/office/drawing/2014/main" id="{381C07A8-C38F-6D2B-0E6F-A966EB11A226}"/>
+              </a:ext>
+            </a:extLst>
+          </p:cNvPr>
+          <p:cNvCxnSpPr>
+            <a:cxnSpLocks/>
+            <a:stCxn id="2" idx="3"/>
+            <a:endCxn id="52" idx="1"/>
+          </p:cNvCxnSpPr>
+          <p:nvPr/>
+        </p:nvCxnSpPr>
+        <p:spPr>
+          <a:xfrm>
+            <a:off x="2527261" y="3092467"/>
+            <a:ext cx="1001343" cy="0"/>
+          </a:xfrm>
+          <a:prstGeom prst="straightConnector1">
+            <a:avLst/>
+          </a:prstGeom>
+          <a:ln>
+            <a:solidFill>
+              <a:schemeClr val="tx1"/>
+            </a:solidFill>
+            <a:tailEnd type="triangle"/>
+          </a:ln>
+        </p:spPr>
+        <p:style>
+          <a:lnRef idx="1">
+            <a:schemeClr val="accent1"/>
+          </a:lnRef>
+          <a:fillRef idx="0">
+            <a:schemeClr val="accent1"/>
+          </a:fillRef>
+          <a:effectRef idx="0">
+            <a:schemeClr val="accent1"/>
+          </a:effectRef>
+          <a:fontRef idx="minor">
+            <a:schemeClr val="tx1"/>
+          </a:fontRef>
+        </p:style>
+      </p:cxnSp>
+      <p:cxnSp>
+        <p:nvCxnSpPr>
+          <p:cNvPr id="18" name="Straight Arrow Connector 17">
+            <a:extLst>
+              <a:ext uri="{FF2B5EF4-FFF2-40B4-BE49-F238E27FC236}">
+                <a16:creationId xmlns:a16="http://schemas.microsoft.com/office/drawing/2014/main" id="{63E93053-6467-9510-1E84-8A0238B3D19F}"/>
+              </a:ext>
+            </a:extLst>
+          </p:cNvPr>
+          <p:cNvCxnSpPr>
+            <a:cxnSpLocks/>
+            <a:stCxn id="6" idx="1"/>
+            <a:endCxn id="52" idx="3"/>
+          </p:cNvCxnSpPr>
+          <p:nvPr/>
+        </p:nvCxnSpPr>
+        <p:spPr>
+          <a:xfrm flipH="1">
+            <a:off x="5154821" y="3092467"/>
+            <a:ext cx="1001342" cy="0"/>
+          </a:xfrm>
+          <a:prstGeom prst="straightConnector1">
+            <a:avLst/>
+          </a:prstGeom>
+          <a:ln>
+            <a:solidFill>
+              <a:schemeClr val="tx1"/>
+            </a:solidFill>
+            <a:tailEnd type="triangle"/>
+          </a:ln>
+        </p:spPr>
+        <p:style>
+          <a:lnRef idx="1">
+            <a:schemeClr val="accent1"/>
+          </a:lnRef>
+          <a:fillRef idx="0">
+            <a:schemeClr val="accent1"/>
+          </a:fillRef>
+          <a:effectRef idx="0">
+            <a:schemeClr val="accent1"/>
+          </a:effectRef>
+          <a:fontRef idx="minor">
+            <a:schemeClr val="tx1"/>
+          </a:fontRef>
+        </p:style>
+      </p:cxnSp>
+      <p:cxnSp>
+        <p:nvCxnSpPr>
+          <p:cNvPr id="21" name="Straight Arrow Connector 20">
+            <a:extLst>
+              <a:ext uri="{FF2B5EF4-FFF2-40B4-BE49-F238E27FC236}">
+                <a16:creationId xmlns:a16="http://schemas.microsoft.com/office/drawing/2014/main" id="{8CAB4796-A71C-4BA2-6E06-7D641AA95869}"/>
+              </a:ext>
+            </a:extLst>
+          </p:cNvPr>
+          <p:cNvCxnSpPr>
+            <a:cxnSpLocks/>
+            <a:stCxn id="77" idx="2"/>
+            <a:endCxn id="30" idx="0"/>
+          </p:cNvCxnSpPr>
+          <p:nvPr/>
+        </p:nvCxnSpPr>
+        <p:spPr>
+          <a:xfrm flipH="1">
+            <a:off x="4341712" y="1835601"/>
+            <a:ext cx="1" cy="533100"/>
+          </a:xfrm>
+          <a:prstGeom prst="straightConnector1">
+            <a:avLst/>
+          </a:prstGeom>
+          <a:ln>
+            <a:solidFill>
+              <a:schemeClr val="accent1"/>
+            </a:solidFill>
+            <a:prstDash val="solid"/>
+            <a:tailEnd type="triangle"/>
+          </a:ln>
+        </p:spPr>
+        <p:style>
+          <a:lnRef idx="1">
+            <a:schemeClr val="accent1"/>
+          </a:lnRef>
+          <a:fillRef idx="0">
+            <a:schemeClr val="accent1"/>
+          </a:fillRef>
+          <a:effectRef idx="0">
+            <a:schemeClr val="accent1"/>
+          </a:effectRef>
+          <a:fontRef idx="minor">
+            <a:schemeClr val="tx1"/>
+          </a:fontRef>
+        </p:style>
+      </p:cxnSp>
+      <p:cxnSp>
+        <p:nvCxnSpPr>
+          <p:cNvPr id="33" name="Elbow Connector 32">
+            <a:extLst>
+              <a:ext uri="{FF2B5EF4-FFF2-40B4-BE49-F238E27FC236}">
+                <a16:creationId xmlns:a16="http://schemas.microsoft.com/office/drawing/2014/main" id="{E1A2E96D-C8D9-AF5D-6133-920A6EAE2F89}"/>
+              </a:ext>
+            </a:extLst>
+          </p:cNvPr>
+          <p:cNvCxnSpPr>
+            <a:cxnSpLocks/>
+            <a:stCxn id="6" idx="0"/>
+            <a:endCxn id="77" idx="3"/>
+          </p:cNvCxnSpPr>
+          <p:nvPr/>
+        </p:nvCxnSpPr>
+        <p:spPr>
+          <a:xfrm rot="16200000" flipV="1">
+            <a:off x="5236943" y="1258180"/>
+            <a:ext cx="1435631" cy="1814456"/>
+          </a:xfrm>
+          <a:prstGeom prst="bentConnector2">
+            <a:avLst/>
+          </a:prstGeom>
+          <a:ln w="12700">
+            <a:solidFill>
+              <a:schemeClr val="tx1"/>
+            </a:solidFill>
+            <a:tailEnd type="triangle"/>
+          </a:ln>
+        </p:spPr>
+        <p:style>
+          <a:lnRef idx="1">
+            <a:schemeClr val="accent1"/>
+          </a:lnRef>
+          <a:fillRef idx="0">
+            <a:schemeClr val="accent1"/>
+          </a:fillRef>
+          <a:effectRef idx="0">
+            <a:schemeClr val="accent1"/>
+          </a:effectRef>
+          <a:fontRef idx="minor">
+            <a:schemeClr val="tx1"/>
+          </a:fontRef>
+        </p:style>
+      </p:cxnSp>
+      <p:cxnSp>
+        <p:nvCxnSpPr>
+          <p:cNvPr id="37" name="Straight Arrow Connector 36">
+            <a:extLst>
+              <a:ext uri="{FF2B5EF4-FFF2-40B4-BE49-F238E27FC236}">
+                <a16:creationId xmlns:a16="http://schemas.microsoft.com/office/drawing/2014/main" id="{5480BA95-5F81-9C39-B87B-F489E4CE3D53}"/>
+              </a:ext>
+            </a:extLst>
+          </p:cNvPr>
+          <p:cNvCxnSpPr>
+            <a:cxnSpLocks/>
+            <a:endCxn id="77" idx="0"/>
+          </p:cNvCxnSpPr>
+          <p:nvPr/>
+        </p:nvCxnSpPr>
+        <p:spPr>
+          <a:xfrm>
+            <a:off x="4341713" y="724928"/>
+            <a:ext cx="0" cy="334654"/>
+          </a:xfrm>
+          <a:prstGeom prst="straightConnector1">
+            <a:avLst/>
+          </a:prstGeom>
+          <a:ln>
+            <a:solidFill>
+              <a:schemeClr val="accent1"/>
+            </a:solidFill>
+            <a:prstDash val="solid"/>
+            <a:tailEnd type="triangle"/>
+          </a:ln>
+        </p:spPr>
+        <p:style>
+          <a:lnRef idx="1">
+            <a:schemeClr val="accent1"/>
+          </a:lnRef>
+          <a:fillRef idx="0">
+            <a:schemeClr val="accent1"/>
+          </a:fillRef>
+          <a:effectRef idx="0">
+            <a:schemeClr val="accent1"/>
+          </a:effectRef>
+          <a:fontRef idx="minor">
+            <a:schemeClr val="tx1"/>
+          </a:fontRef>
+        </p:style>
+      </p:cxnSp>
+      <p:cxnSp>
+        <p:nvCxnSpPr>
+          <p:cNvPr id="43" name="Straight Arrow Connector 42">
+            <a:extLst>
+              <a:ext uri="{FF2B5EF4-FFF2-40B4-BE49-F238E27FC236}">
+                <a16:creationId xmlns:a16="http://schemas.microsoft.com/office/drawing/2014/main" id="{201AEF36-A98E-A5F4-9A7F-4C1BCAC37FB7}"/>
+              </a:ext>
+            </a:extLst>
+          </p:cNvPr>
+          <p:cNvCxnSpPr>
+            <a:cxnSpLocks/>
+            <a:endCxn id="45" idx="1"/>
+          </p:cNvCxnSpPr>
+          <p:nvPr/>
+        </p:nvCxnSpPr>
+        <p:spPr>
+          <a:xfrm>
+            <a:off x="1115616" y="933837"/>
+            <a:ext cx="360039" cy="0"/>
+          </a:xfrm>
+          <a:prstGeom prst="straightConnector1">
+            <a:avLst/>
+          </a:prstGeom>
+          <a:ln>
+            <a:solidFill>
+              <a:schemeClr val="accent1"/>
+            </a:solidFill>
+            <a:prstDash val="solid"/>
+            <a:tailEnd type="triangle"/>
+          </a:ln>
+        </p:spPr>
+        <p:style>
+          <a:lnRef idx="1">
+            <a:schemeClr val="accent1"/>
+          </a:lnRef>
+          <a:fillRef idx="0">
+            <a:schemeClr val="accent1"/>
+          </a:fillRef>
+          <a:effectRef idx="0">
+            <a:schemeClr val="accent1"/>
+          </a:effectRef>
+          <a:fontRef idx="minor">
+            <a:schemeClr val="tx1"/>
+          </a:fontRef>
+        </p:style>
+      </p:cxnSp>
+      <p:sp>
+        <p:nvSpPr>
+          <p:cNvPr id="45" name="모서리가 둥근 직사각형 18">
+            <a:extLst>
+              <a:ext uri="{FF2B5EF4-FFF2-40B4-BE49-F238E27FC236}">
+                <a16:creationId xmlns:a16="http://schemas.microsoft.com/office/drawing/2014/main" id="{5AE314BA-8CFF-6464-4663-C646D6607C79}"/>
+              </a:ext>
+            </a:extLst>
+          </p:cNvPr>
+          <p:cNvSpPr/>
+          <p:nvPr/>
+        </p:nvSpPr>
+        <p:spPr>
+          <a:xfrm>
+            <a:off x="1475655" y="786723"/>
+            <a:ext cx="1411645" cy="294228"/>
+          </a:xfrm>
+          <a:prstGeom prst="roundRect">
+            <a:avLst>
+              <a:gd name="adj" fmla="val 17911"/>
+            </a:avLst>
+          </a:prstGeom>
+          <a:noFill/>
+          <a:ln w="12700">
+            <a:noFill/>
+          </a:ln>
+        </p:spPr>
+        <p:style>
+          <a:lnRef idx="2">
+            <a:schemeClr val="dk1"/>
+          </a:lnRef>
+          <a:fillRef idx="1">
+            <a:schemeClr val="lt1"/>
+          </a:fillRef>
+          <a:effectRef idx="0">
+            <a:schemeClr val="dk1"/>
+          </a:effectRef>
+          <a:fontRef idx="minor">
+            <a:schemeClr val="dk1"/>
+          </a:fontRef>
+        </p:style>
+        <p:txBody>
+          <a:bodyPr rtlCol="0" anchor="ctr"/>
+          <a:lstStyle/>
+          <a:p>
+            <a:r>
+              <a:rPr lang="en-US" altLang="ko-KR" sz="1000"/>
+              <a:t>Register Schema</a:t>
+            </a:r>
+          </a:p>
+        </p:txBody>
+      </p:sp>
+      <p:cxnSp>
+        <p:nvCxnSpPr>
+          <p:cNvPr id="53" name="Straight Arrow Connector 52">
+            <a:extLst>
+              <a:ext uri="{FF2B5EF4-FFF2-40B4-BE49-F238E27FC236}">
+                <a16:creationId xmlns:a16="http://schemas.microsoft.com/office/drawing/2014/main" id="{3C581939-DE4D-F59C-B652-FC198E10277C}"/>
+              </a:ext>
+            </a:extLst>
+          </p:cNvPr>
+          <p:cNvCxnSpPr>
+            <a:cxnSpLocks/>
+            <a:endCxn id="54" idx="1"/>
+          </p:cNvCxnSpPr>
+          <p:nvPr/>
+        </p:nvCxnSpPr>
+        <p:spPr>
+          <a:xfrm>
+            <a:off x="1114740" y="1185573"/>
+            <a:ext cx="360039" cy="0"/>
+          </a:xfrm>
+          <a:prstGeom prst="straightConnector1">
+            <a:avLst/>
+          </a:prstGeom>
+          <a:ln>
+            <a:solidFill>
+              <a:schemeClr val="tx1"/>
+            </a:solidFill>
+            <a:prstDash val="solid"/>
+            <a:tailEnd type="triangle"/>
+          </a:ln>
+        </p:spPr>
+        <p:style>
+          <a:lnRef idx="1">
+            <a:schemeClr val="accent1"/>
+          </a:lnRef>
+          <a:fillRef idx="0">
+            <a:schemeClr val="accent1"/>
+          </a:fillRef>
+          <a:effectRef idx="0">
+            <a:schemeClr val="accent1"/>
+          </a:effectRef>
+          <a:fontRef idx="minor">
+            <a:schemeClr val="tx1"/>
+          </a:fontRef>
+        </p:style>
+      </p:cxnSp>
+      <p:sp>
+        <p:nvSpPr>
+          <p:cNvPr id="54" name="모서리가 둥근 직사각형 18">
+            <a:extLst>
+              <a:ext uri="{FF2B5EF4-FFF2-40B4-BE49-F238E27FC236}">
+                <a16:creationId xmlns:a16="http://schemas.microsoft.com/office/drawing/2014/main" id="{90692C20-B2C0-66DC-A6EB-82AFC2737B56}"/>
+              </a:ext>
+            </a:extLst>
+          </p:cNvPr>
+          <p:cNvSpPr/>
+          <p:nvPr/>
+        </p:nvSpPr>
+        <p:spPr>
+          <a:xfrm>
+            <a:off x="1474779" y="1038459"/>
+            <a:ext cx="1411645" cy="294228"/>
+          </a:xfrm>
+          <a:prstGeom prst="roundRect">
+            <a:avLst>
+              <a:gd name="adj" fmla="val 17911"/>
+            </a:avLst>
+          </a:prstGeom>
+          <a:noFill/>
+          <a:ln w="12700">
+            <a:noFill/>
+          </a:ln>
+        </p:spPr>
+        <p:style>
+          <a:lnRef idx="2">
+            <a:schemeClr val="dk1"/>
+          </a:lnRef>
+          <a:fillRef idx="1">
+            <a:schemeClr val="lt1"/>
+          </a:fillRef>
+          <a:effectRef idx="0">
+            <a:schemeClr val="dk1"/>
+          </a:effectRef>
+          <a:fontRef idx="minor">
+            <a:schemeClr val="dk1"/>
+          </a:fontRef>
+        </p:style>
+        <p:txBody>
+          <a:bodyPr rtlCol="0" anchor="ctr"/>
+          <a:lstStyle/>
+          <a:p>
+            <a:r>
+              <a:rPr lang="en-US" altLang="ko-KR" sz="1000"/>
+              <a:t>Pub/Sub Messages</a:t>
+            </a:r>
+          </a:p>
+        </p:txBody>
+      </p:sp>
+      <p:sp>
+        <p:nvSpPr>
+          <p:cNvPr id="62" name="Oval 61">
+            <a:extLst>
+              <a:ext uri="{FF2B5EF4-FFF2-40B4-BE49-F238E27FC236}">
+                <a16:creationId xmlns:a16="http://schemas.microsoft.com/office/drawing/2014/main" id="{63741B50-8902-7461-5A09-2F2F81056B04}"/>
+              </a:ext>
+            </a:extLst>
+          </p:cNvPr>
+          <p:cNvSpPr/>
+          <p:nvPr/>
+        </p:nvSpPr>
+        <p:spPr>
+          <a:xfrm>
+            <a:off x="4233700" y="724928"/>
+            <a:ext cx="216024" cy="216024"/>
+          </a:xfrm>
+          <a:prstGeom prst="ellipse">
+            <a:avLst/>
+          </a:prstGeom>
+          <a:solidFill>
+            <a:schemeClr val="bg1"/>
+          </a:solidFill>
+          <a:ln w="12700">
+            <a:solidFill>
+              <a:schemeClr val="accent1"/>
+            </a:solidFill>
+          </a:ln>
+        </p:spPr>
+        <p:style>
+          <a:lnRef idx="2">
+            <a:schemeClr val="accent1">
+              <a:shade val="15000"/>
+            </a:schemeClr>
+          </a:lnRef>
+          <a:fillRef idx="1">
+            <a:schemeClr val="accent1"/>
+          </a:fillRef>
+          <a:effectRef idx="0">
+            <a:schemeClr val="accent1"/>
+          </a:effectRef>
+          <a:fontRef idx="minor">
+            <a:schemeClr val="lt1"/>
+          </a:fontRef>
+        </p:style>
+        <p:txBody>
+          <a:bodyPr rtlCol="0" anchor="ctr"/>
+          <a:lstStyle/>
+          <a:p>
+            <a:pPr algn="ctr"/>
+            <a:r>
+              <a:rPr lang="en-US" altLang="ko-KR" sz="1000">
+                <a:solidFill>
+                  <a:schemeClr val="accent1"/>
+                </a:solidFill>
+              </a:rPr>
+              <a:t>1</a:t>
+            </a:r>
+            <a:endParaRPr lang="en-KR" sz="1000">
+              <a:solidFill>
+                <a:schemeClr val="accent1"/>
+              </a:solidFill>
+            </a:endParaRPr>
+          </a:p>
+        </p:txBody>
+      </p:sp>
+      <p:sp>
+        <p:nvSpPr>
+          <p:cNvPr id="63" name="모서리가 둥근 직사각형 18">
+            <a:extLst>
+              <a:ext uri="{FF2B5EF4-FFF2-40B4-BE49-F238E27FC236}">
+                <a16:creationId xmlns:a16="http://schemas.microsoft.com/office/drawing/2014/main" id="{7816A207-43EF-F2F3-C9FE-0572C62A1987}"/>
+              </a:ext>
+            </a:extLst>
+          </p:cNvPr>
+          <p:cNvSpPr/>
+          <p:nvPr/>
+        </p:nvSpPr>
+        <p:spPr>
+          <a:xfrm>
+            <a:off x="4341712" y="685826"/>
+            <a:ext cx="1237040" cy="294228"/>
+          </a:xfrm>
+          <a:prstGeom prst="roundRect">
+            <a:avLst>
+              <a:gd name="adj" fmla="val 17911"/>
+            </a:avLst>
+          </a:prstGeom>
+          <a:noFill/>
+          <a:ln w="12700">
+            <a:noFill/>
+          </a:ln>
+        </p:spPr>
+        <p:style>
+          <a:lnRef idx="2">
+            <a:schemeClr val="dk1"/>
+          </a:lnRef>
+          <a:fillRef idx="1">
+            <a:schemeClr val="lt1"/>
+          </a:fillRef>
+          <a:effectRef idx="0">
+            <a:schemeClr val="dk1"/>
+          </a:effectRef>
+          <a:fontRef idx="minor">
+            <a:schemeClr val="dk1"/>
+          </a:fontRef>
+        </p:style>
+        <p:txBody>
+          <a:bodyPr rtlCol="0" anchor="ctr"/>
+          <a:lstStyle/>
+          <a:p>
+            <a:pPr algn="ctr"/>
+            <a:r>
+              <a:rPr lang="en-US" altLang="ko-KR" sz="1000" i="1">
+                <a:solidFill>
+                  <a:schemeClr val="accent1"/>
+                </a:solidFill>
+              </a:rPr>
+              <a:t>Register schema</a:t>
+            </a:r>
+          </a:p>
+        </p:txBody>
+      </p:sp>
+      <p:sp>
+        <p:nvSpPr>
+          <p:cNvPr id="64" name="Oval 63">
+            <a:extLst>
+              <a:ext uri="{FF2B5EF4-FFF2-40B4-BE49-F238E27FC236}">
+                <a16:creationId xmlns:a16="http://schemas.microsoft.com/office/drawing/2014/main" id="{12E9C49E-6607-A510-F4AA-12EFFDE3112A}"/>
+              </a:ext>
+            </a:extLst>
+          </p:cNvPr>
+          <p:cNvSpPr/>
+          <p:nvPr/>
+        </p:nvSpPr>
+        <p:spPr>
+          <a:xfrm>
+            <a:off x="4233700" y="1943471"/>
+            <a:ext cx="216024" cy="216024"/>
+          </a:xfrm>
+          <a:prstGeom prst="ellipse">
+            <a:avLst/>
+          </a:prstGeom>
+          <a:solidFill>
+            <a:schemeClr val="bg1"/>
+          </a:solidFill>
+          <a:ln w="12700">
+            <a:solidFill>
+              <a:schemeClr val="accent1"/>
+            </a:solidFill>
+          </a:ln>
+        </p:spPr>
+        <p:style>
+          <a:lnRef idx="2">
+            <a:schemeClr val="accent1">
+              <a:shade val="15000"/>
+            </a:schemeClr>
+          </a:lnRef>
+          <a:fillRef idx="1">
+            <a:schemeClr val="accent1"/>
+          </a:fillRef>
+          <a:effectRef idx="0">
+            <a:schemeClr val="accent1"/>
+          </a:effectRef>
+          <a:fontRef idx="minor">
+            <a:schemeClr val="lt1"/>
+          </a:fontRef>
+        </p:style>
+        <p:txBody>
+          <a:bodyPr rtlCol="0" anchor="ctr"/>
+          <a:lstStyle/>
+          <a:p>
+            <a:pPr algn="ctr"/>
+            <a:r>
+              <a:rPr lang="en-US" sz="1000">
+                <a:solidFill>
+                  <a:schemeClr val="accent1"/>
+                </a:solidFill>
+              </a:rPr>
+              <a:t>2</a:t>
+            </a:r>
+            <a:endParaRPr lang="en-KR" sz="1000">
+              <a:solidFill>
+                <a:schemeClr val="accent1"/>
+              </a:solidFill>
+            </a:endParaRPr>
+          </a:p>
+        </p:txBody>
+      </p:sp>
+      <p:sp>
+        <p:nvSpPr>
+          <p:cNvPr id="65" name="모서리가 둥근 직사각형 18">
+            <a:extLst>
+              <a:ext uri="{FF2B5EF4-FFF2-40B4-BE49-F238E27FC236}">
+                <a16:creationId xmlns:a16="http://schemas.microsoft.com/office/drawing/2014/main" id="{DB6378C3-E800-12B1-C286-52876428B1D9}"/>
+              </a:ext>
+            </a:extLst>
+          </p:cNvPr>
+          <p:cNvSpPr/>
+          <p:nvPr/>
+        </p:nvSpPr>
+        <p:spPr>
+          <a:xfrm>
+            <a:off x="3923928" y="1904369"/>
+            <a:ext cx="1893101" cy="294228"/>
+          </a:xfrm>
+          <a:prstGeom prst="roundRect">
+            <a:avLst>
+              <a:gd name="adj" fmla="val 17911"/>
+            </a:avLst>
+          </a:prstGeom>
+          <a:noFill/>
+          <a:ln w="12700">
+            <a:noFill/>
+          </a:ln>
+        </p:spPr>
+        <p:style>
+          <a:lnRef idx="2">
+            <a:schemeClr val="dk1"/>
+          </a:lnRef>
+          <a:fillRef idx="1">
+            <a:schemeClr val="lt1"/>
+          </a:fillRef>
+          <a:effectRef idx="0">
+            <a:schemeClr val="dk1"/>
+          </a:effectRef>
+          <a:fontRef idx="minor">
+            <a:schemeClr val="dk1"/>
+          </a:fontRef>
+        </p:style>
+        <p:txBody>
+          <a:bodyPr rtlCol="0" anchor="ctr"/>
+          <a:lstStyle/>
+          <a:p>
+            <a:pPr algn="ctr"/>
+            <a:r>
+              <a:rPr lang="en-US" altLang="ko-KR" sz="1000" i="1">
+                <a:solidFill>
+                  <a:schemeClr val="accent1"/>
+                </a:solidFill>
+              </a:rPr>
+              <a:t>Store schema</a:t>
+            </a:r>
+          </a:p>
+        </p:txBody>
+      </p:sp>
+      <p:sp>
+        <p:nvSpPr>
+          <p:cNvPr id="66" name="Oval 65">
+            <a:extLst>
+              <a:ext uri="{FF2B5EF4-FFF2-40B4-BE49-F238E27FC236}">
+                <a16:creationId xmlns:a16="http://schemas.microsoft.com/office/drawing/2014/main" id="{BF6F6AEA-83D5-BC76-465A-A79B02CA0167}"/>
+              </a:ext>
+            </a:extLst>
+          </p:cNvPr>
+          <p:cNvSpPr/>
+          <p:nvPr/>
+        </p:nvSpPr>
+        <p:spPr>
+          <a:xfrm>
+            <a:off x="1713425" y="2519864"/>
+            <a:ext cx="216024" cy="216024"/>
+          </a:xfrm>
+          <a:prstGeom prst="ellipse">
+            <a:avLst/>
+          </a:prstGeom>
+          <a:solidFill>
+            <a:schemeClr val="bg1"/>
+          </a:solidFill>
+          <a:ln w="12700">
+            <a:solidFill>
+              <a:schemeClr val="tx1"/>
+            </a:solidFill>
+          </a:ln>
+        </p:spPr>
+        <p:style>
+          <a:lnRef idx="2">
+            <a:schemeClr val="accent1">
+              <a:shade val="15000"/>
+            </a:schemeClr>
+          </a:lnRef>
+          <a:fillRef idx="1">
+            <a:schemeClr val="accent1"/>
+          </a:fillRef>
+          <a:effectRef idx="0">
+            <a:schemeClr val="accent1"/>
+          </a:effectRef>
+          <a:fontRef idx="minor">
+            <a:schemeClr val="lt1"/>
+          </a:fontRef>
+        </p:style>
+        <p:txBody>
+          <a:bodyPr rtlCol="0" anchor="ctr"/>
+          <a:lstStyle/>
+          <a:p>
+            <a:pPr algn="ctr"/>
+            <a:r>
+              <a:rPr lang="en-US" altLang="ko-KR" sz="1000">
+                <a:solidFill>
+                  <a:schemeClr val="tx1"/>
+                </a:solidFill>
+              </a:rPr>
+              <a:t>1</a:t>
+            </a:r>
+            <a:endParaRPr lang="en-KR" sz="1000">
+              <a:solidFill>
+                <a:schemeClr val="tx1"/>
+              </a:solidFill>
+            </a:endParaRPr>
+          </a:p>
+        </p:txBody>
+      </p:sp>
+      <p:sp>
+        <p:nvSpPr>
+          <p:cNvPr id="67" name="모서리가 둥근 직사각형 18">
+            <a:extLst>
+              <a:ext uri="{FF2B5EF4-FFF2-40B4-BE49-F238E27FC236}">
+                <a16:creationId xmlns:a16="http://schemas.microsoft.com/office/drawing/2014/main" id="{58217613-4F56-6449-69AC-AC6AACF85D4C}"/>
+              </a:ext>
+            </a:extLst>
+          </p:cNvPr>
+          <p:cNvSpPr/>
+          <p:nvPr/>
+        </p:nvSpPr>
+        <p:spPr>
+          <a:xfrm>
+            <a:off x="1818056" y="2480762"/>
+            <a:ext cx="1411645" cy="294228"/>
+          </a:xfrm>
+          <a:prstGeom prst="roundRect">
+            <a:avLst>
+              <a:gd name="adj" fmla="val 17911"/>
+            </a:avLst>
+          </a:prstGeom>
+          <a:noFill/>
+          <a:ln w="12700">
+            <a:noFill/>
+          </a:ln>
+        </p:spPr>
+        <p:style>
+          <a:lnRef idx="2">
+            <a:schemeClr val="dk1"/>
+          </a:lnRef>
+          <a:fillRef idx="1">
+            <a:schemeClr val="lt1"/>
+          </a:fillRef>
+          <a:effectRef idx="0">
+            <a:schemeClr val="dk1"/>
+          </a:effectRef>
+          <a:fontRef idx="minor">
+            <a:schemeClr val="dk1"/>
+          </a:fontRef>
+        </p:style>
+        <p:txBody>
+          <a:bodyPr rtlCol="0" anchor="ctr"/>
+          <a:lstStyle/>
+          <a:p>
+            <a:pPr algn="ctr"/>
+            <a:r>
+              <a:rPr lang="en-US" altLang="ko-KR" sz="1000" i="1">
+                <a:solidFill>
+                  <a:schemeClr val="tx1"/>
+                </a:solidFill>
+              </a:rPr>
+              <a:t>Get schema</a:t>
+            </a:r>
+            <a:br>
+              <a:rPr lang="en-US" altLang="ko-KR" sz="1000" i="1">
+                <a:solidFill>
+                  <a:schemeClr val="tx1"/>
+                </a:solidFill>
+              </a:rPr>
+            </a:br>
+            <a:r>
+              <a:rPr lang="en-US" altLang="ko-KR" sz="1000" i="1">
+                <a:solidFill>
+                  <a:schemeClr val="tx1"/>
+                </a:solidFill>
+              </a:rPr>
+              <a:t>&amp; schema ID</a:t>
+            </a:r>
+          </a:p>
+          <a:p>
+            <a:pPr algn="ctr"/>
+            <a:r>
+              <a:rPr lang="en-US" altLang="ko-KR" sz="1000" i="1">
+                <a:solidFill>
+                  <a:schemeClr val="tx1"/>
+                </a:solidFill>
+              </a:rPr>
+              <a:t>by name &amp; version</a:t>
+            </a:r>
+          </a:p>
+        </p:txBody>
+      </p:sp>
+      <p:sp>
+        <p:nvSpPr>
+          <p:cNvPr id="68" name="Oval 67">
+            <a:extLst>
+              <a:ext uri="{FF2B5EF4-FFF2-40B4-BE49-F238E27FC236}">
+                <a16:creationId xmlns:a16="http://schemas.microsoft.com/office/drawing/2014/main" id="{C5263329-1D09-6D02-AD2F-4F97BA784405}"/>
+              </a:ext>
+            </a:extLst>
+          </p:cNvPr>
+          <p:cNvSpPr/>
+          <p:nvPr/>
+        </p:nvSpPr>
+        <p:spPr>
+          <a:xfrm>
+            <a:off x="2509514" y="2979517"/>
+            <a:ext cx="216024" cy="216024"/>
+          </a:xfrm>
+          <a:prstGeom prst="ellipse">
+            <a:avLst/>
+          </a:prstGeom>
+          <a:solidFill>
+            <a:schemeClr val="bg1"/>
+          </a:solidFill>
+          <a:ln w="12700">
+            <a:solidFill>
+              <a:schemeClr val="tx1"/>
+            </a:solidFill>
+          </a:ln>
+        </p:spPr>
+        <p:style>
+          <a:lnRef idx="2">
+            <a:schemeClr val="accent1">
+              <a:shade val="15000"/>
+            </a:schemeClr>
+          </a:lnRef>
+          <a:fillRef idx="1">
+            <a:schemeClr val="accent1"/>
+          </a:fillRef>
+          <a:effectRef idx="0">
+            <a:schemeClr val="accent1"/>
+          </a:effectRef>
+          <a:fontRef idx="minor">
+            <a:schemeClr val="lt1"/>
+          </a:fontRef>
+        </p:style>
+        <p:txBody>
+          <a:bodyPr rtlCol="0" anchor="ctr"/>
+          <a:lstStyle/>
+          <a:p>
+            <a:pPr algn="ctr"/>
+            <a:r>
+              <a:rPr lang="en-US" sz="1000">
+                <a:solidFill>
+                  <a:schemeClr val="tx1"/>
+                </a:solidFill>
+              </a:rPr>
+              <a:t>2</a:t>
+            </a:r>
+            <a:endParaRPr lang="en-KR" sz="1000">
+              <a:solidFill>
+                <a:schemeClr val="tx1"/>
+              </a:solidFill>
+            </a:endParaRPr>
+          </a:p>
+        </p:txBody>
+      </p:sp>
+      <p:sp>
+        <p:nvSpPr>
+          <p:cNvPr id="69" name="모서리가 둥근 직사각형 18">
+            <a:extLst>
+              <a:ext uri="{FF2B5EF4-FFF2-40B4-BE49-F238E27FC236}">
+                <a16:creationId xmlns:a16="http://schemas.microsoft.com/office/drawing/2014/main" id="{C9998529-9BC3-CB2D-3DAA-0659528280E0}"/>
+              </a:ext>
+            </a:extLst>
+          </p:cNvPr>
+          <p:cNvSpPr/>
+          <p:nvPr/>
+        </p:nvSpPr>
+        <p:spPr>
+          <a:xfrm>
+            <a:off x="1681422" y="3273301"/>
+            <a:ext cx="1872208" cy="418481"/>
+          </a:xfrm>
+          <a:prstGeom prst="roundRect">
+            <a:avLst>
+              <a:gd name="adj" fmla="val 17911"/>
+            </a:avLst>
+          </a:prstGeom>
+          <a:noFill/>
+          <a:ln w="12700">
+            <a:noFill/>
+          </a:ln>
+        </p:spPr>
+        <p:style>
+          <a:lnRef idx="2">
+            <a:schemeClr val="dk1"/>
+          </a:lnRef>
+          <a:fillRef idx="1">
+            <a:schemeClr val="lt1"/>
+          </a:fillRef>
+          <a:effectRef idx="0">
+            <a:schemeClr val="dk1"/>
+          </a:effectRef>
+          <a:fontRef idx="minor">
+            <a:schemeClr val="dk1"/>
+          </a:fontRef>
+        </p:style>
+        <p:txBody>
+          <a:bodyPr rtlCol="0" anchor="ctr"/>
+          <a:lstStyle/>
+          <a:p>
+            <a:pPr algn="ctr"/>
+            <a:r>
+              <a:rPr lang="en-US" altLang="ko-KR" sz="1000" i="1">
+                <a:solidFill>
+                  <a:schemeClr val="tx1"/>
+                </a:solidFill>
+              </a:rPr>
+              <a:t>Serialized &amp; send message</a:t>
+            </a:r>
+          </a:p>
+          <a:p>
+            <a:pPr algn="ctr"/>
+            <a:r>
+              <a:rPr lang="en-US" altLang="ko-KR" sz="1000" i="1">
+                <a:solidFill>
+                  <a:schemeClr val="tx1"/>
+                </a:solidFill>
+              </a:rPr>
+              <a:t>with schema ID</a:t>
+            </a:r>
+          </a:p>
+        </p:txBody>
+      </p:sp>
+      <p:sp>
+        <p:nvSpPr>
+          <p:cNvPr id="71" name="Oval 70">
+            <a:extLst>
+              <a:ext uri="{FF2B5EF4-FFF2-40B4-BE49-F238E27FC236}">
+                <a16:creationId xmlns:a16="http://schemas.microsoft.com/office/drawing/2014/main" id="{9569D087-D70C-FB02-1104-26A6083779B8}"/>
+              </a:ext>
+            </a:extLst>
+          </p:cNvPr>
+          <p:cNvSpPr/>
+          <p:nvPr/>
+        </p:nvSpPr>
+        <p:spPr>
+          <a:xfrm>
+            <a:off x="6752032" y="2515543"/>
+            <a:ext cx="216024" cy="216024"/>
+          </a:xfrm>
+          <a:prstGeom prst="ellipse">
+            <a:avLst/>
+          </a:prstGeom>
+          <a:solidFill>
+            <a:schemeClr val="bg1"/>
+          </a:solidFill>
+          <a:ln w="12700">
+            <a:solidFill>
+              <a:schemeClr val="tx1"/>
+            </a:solidFill>
+          </a:ln>
+        </p:spPr>
+        <p:style>
+          <a:lnRef idx="2">
+            <a:schemeClr val="accent1">
+              <a:shade val="15000"/>
+            </a:schemeClr>
+          </a:lnRef>
+          <a:fillRef idx="1">
+            <a:schemeClr val="accent1"/>
+          </a:fillRef>
+          <a:effectRef idx="0">
+            <a:schemeClr val="accent1"/>
+          </a:effectRef>
+          <a:fontRef idx="minor">
+            <a:schemeClr val="lt1"/>
+          </a:fontRef>
+        </p:style>
+        <p:txBody>
+          <a:bodyPr rtlCol="0" anchor="ctr"/>
+          <a:lstStyle/>
+          <a:p>
+            <a:pPr algn="ctr"/>
+            <a:r>
+              <a:rPr lang="en-US" sz="1000">
+                <a:solidFill>
+                  <a:schemeClr val="tx1"/>
+                </a:solidFill>
+              </a:rPr>
+              <a:t>4</a:t>
+            </a:r>
+            <a:endParaRPr lang="en-KR" sz="1000">
+              <a:solidFill>
+                <a:schemeClr val="tx1"/>
+              </a:solidFill>
+            </a:endParaRPr>
+          </a:p>
+        </p:txBody>
+      </p:sp>
+      <p:sp>
+        <p:nvSpPr>
+          <p:cNvPr id="73" name="Oval 72">
+            <a:extLst>
+              <a:ext uri="{FF2B5EF4-FFF2-40B4-BE49-F238E27FC236}">
+                <a16:creationId xmlns:a16="http://schemas.microsoft.com/office/drawing/2014/main" id="{94D693A9-BA0C-9492-B985-AFA2B553201E}"/>
+              </a:ext>
+            </a:extLst>
+          </p:cNvPr>
+          <p:cNvSpPr/>
+          <p:nvPr/>
+        </p:nvSpPr>
+        <p:spPr>
+          <a:xfrm>
+            <a:off x="5961889" y="2979517"/>
+            <a:ext cx="216024" cy="216024"/>
+          </a:xfrm>
+          <a:prstGeom prst="ellipse">
+            <a:avLst/>
+          </a:prstGeom>
+          <a:solidFill>
+            <a:schemeClr val="bg1"/>
+          </a:solidFill>
+          <a:ln w="12700">
+            <a:solidFill>
+              <a:schemeClr val="tx1"/>
+            </a:solidFill>
+          </a:ln>
+        </p:spPr>
+        <p:style>
+          <a:lnRef idx="2">
+            <a:schemeClr val="accent1">
+              <a:shade val="15000"/>
+            </a:schemeClr>
+          </a:lnRef>
+          <a:fillRef idx="1">
+            <a:schemeClr val="accent1"/>
+          </a:fillRef>
+          <a:effectRef idx="0">
+            <a:schemeClr val="accent1"/>
+          </a:effectRef>
+          <a:fontRef idx="minor">
+            <a:schemeClr val="lt1"/>
+          </a:fontRef>
+        </p:style>
+        <p:txBody>
+          <a:bodyPr rtlCol="0" anchor="ctr"/>
+          <a:lstStyle/>
+          <a:p>
+            <a:pPr algn="ctr"/>
+            <a:r>
+              <a:rPr lang="en-US" sz="1000">
+                <a:solidFill>
+                  <a:schemeClr val="tx1"/>
+                </a:solidFill>
+              </a:rPr>
+              <a:t>3</a:t>
+            </a:r>
+            <a:endParaRPr lang="en-KR" sz="1000">
+              <a:solidFill>
+                <a:schemeClr val="tx1"/>
+              </a:solidFill>
+            </a:endParaRPr>
+          </a:p>
+        </p:txBody>
+      </p:sp>
+      <p:sp>
+        <p:nvSpPr>
+          <p:cNvPr id="75" name="모서리가 둥근 직사각형 18">
+            <a:extLst>
+              <a:ext uri="{FF2B5EF4-FFF2-40B4-BE49-F238E27FC236}">
+                <a16:creationId xmlns:a16="http://schemas.microsoft.com/office/drawing/2014/main" id="{1F9EF69C-41EF-7B71-2901-2C8BD78B4C15}"/>
+              </a:ext>
+            </a:extLst>
+          </p:cNvPr>
+          <p:cNvSpPr/>
+          <p:nvPr/>
+        </p:nvSpPr>
+        <p:spPr>
+          <a:xfrm>
+            <a:off x="5443721" y="2481379"/>
+            <a:ext cx="1411645" cy="294228"/>
+          </a:xfrm>
+          <a:prstGeom prst="roundRect">
+            <a:avLst>
+              <a:gd name="adj" fmla="val 17911"/>
+            </a:avLst>
+          </a:prstGeom>
+          <a:noFill/>
+          <a:ln w="12700">
+            <a:noFill/>
+          </a:ln>
+        </p:spPr>
+        <p:style>
+          <a:lnRef idx="2">
+            <a:schemeClr val="dk1"/>
+          </a:lnRef>
+          <a:fillRef idx="1">
+            <a:schemeClr val="lt1"/>
+          </a:fillRef>
+          <a:effectRef idx="0">
+            <a:schemeClr val="dk1"/>
+          </a:effectRef>
+          <a:fontRef idx="minor">
+            <a:schemeClr val="dk1"/>
+          </a:fontRef>
+        </p:style>
+        <p:txBody>
+          <a:bodyPr rtlCol="0" anchor="ctr"/>
+          <a:lstStyle/>
+          <a:p>
+            <a:pPr algn="ctr"/>
+            <a:r>
+              <a:rPr lang="en-US" altLang="ko-KR" sz="1000" i="1">
+                <a:solidFill>
+                  <a:schemeClr val="tx1"/>
+                </a:solidFill>
+              </a:rPr>
+              <a:t>Get schema by ID</a:t>
+            </a:r>
+          </a:p>
+        </p:txBody>
+      </p:sp>
+      <p:sp>
+        <p:nvSpPr>
+          <p:cNvPr id="76" name="모서리가 둥근 직사각형 18">
+            <a:extLst>
+              <a:ext uri="{FF2B5EF4-FFF2-40B4-BE49-F238E27FC236}">
+                <a16:creationId xmlns:a16="http://schemas.microsoft.com/office/drawing/2014/main" id="{08AACADD-70D5-D936-4477-49F8DBB80C34}"/>
+              </a:ext>
+            </a:extLst>
+          </p:cNvPr>
+          <p:cNvSpPr/>
+          <p:nvPr/>
+        </p:nvSpPr>
+        <p:spPr>
+          <a:xfrm>
+            <a:off x="5133797" y="3277647"/>
+            <a:ext cx="1872208" cy="418481"/>
+          </a:xfrm>
+          <a:prstGeom prst="roundRect">
+            <a:avLst>
+              <a:gd name="adj" fmla="val 17911"/>
+            </a:avLst>
+          </a:prstGeom>
+          <a:noFill/>
+          <a:ln w="12700">
+            <a:noFill/>
+          </a:ln>
+        </p:spPr>
+        <p:style>
+          <a:lnRef idx="2">
+            <a:schemeClr val="dk1"/>
+          </a:lnRef>
+          <a:fillRef idx="1">
+            <a:schemeClr val="lt1"/>
+          </a:fillRef>
+          <a:effectRef idx="0">
+            <a:schemeClr val="dk1"/>
+          </a:effectRef>
+          <a:fontRef idx="minor">
+            <a:schemeClr val="dk1"/>
+          </a:fontRef>
+        </p:style>
+        <p:txBody>
+          <a:bodyPr rtlCol="0" anchor="ctr"/>
+          <a:lstStyle/>
+          <a:p>
+            <a:pPr algn="ctr"/>
+            <a:r>
+              <a:rPr lang="en-US" altLang="ko-KR" sz="1000" i="1">
+                <a:solidFill>
+                  <a:schemeClr val="tx1"/>
+                </a:solidFill>
+              </a:rPr>
+              <a:t>Get serialized messages </a:t>
+            </a:r>
+            <a:br>
+              <a:rPr lang="en-US" altLang="ko-KR" sz="1000" i="1">
+                <a:solidFill>
+                  <a:schemeClr val="tx1"/>
+                </a:solidFill>
+              </a:rPr>
+            </a:br>
+            <a:r>
+              <a:rPr lang="en-US" altLang="ko-KR" sz="1000" i="1">
+                <a:solidFill>
+                  <a:schemeClr val="tx1"/>
+                </a:solidFill>
+              </a:rPr>
+              <a:t>&amp; schema ID</a:t>
+            </a:r>
+          </a:p>
+        </p:txBody>
+      </p:sp>
+      <p:sp>
+        <p:nvSpPr>
+          <p:cNvPr id="78" name="Oval 77">
+            <a:extLst>
+              <a:ext uri="{FF2B5EF4-FFF2-40B4-BE49-F238E27FC236}">
+                <a16:creationId xmlns:a16="http://schemas.microsoft.com/office/drawing/2014/main" id="{CCDA9F6E-A179-2120-1C55-7A4EAA0D7088}"/>
+              </a:ext>
+            </a:extLst>
+          </p:cNvPr>
+          <p:cNvSpPr/>
+          <p:nvPr/>
+        </p:nvSpPr>
+        <p:spPr>
+          <a:xfrm>
+            <a:off x="7407175" y="3165289"/>
+            <a:ext cx="216024" cy="216024"/>
+          </a:xfrm>
+          <a:prstGeom prst="ellipse">
+            <a:avLst/>
+          </a:prstGeom>
+          <a:solidFill>
+            <a:schemeClr val="bg1"/>
+          </a:solidFill>
+          <a:ln w="12700">
+            <a:solidFill>
+              <a:schemeClr val="tx1"/>
+            </a:solidFill>
+          </a:ln>
+        </p:spPr>
+        <p:style>
+          <a:lnRef idx="2">
+            <a:schemeClr val="accent1">
+              <a:shade val="15000"/>
+            </a:schemeClr>
+          </a:lnRef>
+          <a:fillRef idx="1">
+            <a:schemeClr val="accent1"/>
+          </a:fillRef>
+          <a:effectRef idx="0">
+            <a:schemeClr val="accent1"/>
+          </a:effectRef>
+          <a:fontRef idx="minor">
+            <a:schemeClr val="lt1"/>
+          </a:fontRef>
+        </p:style>
+        <p:txBody>
+          <a:bodyPr rtlCol="0" anchor="ctr"/>
+          <a:lstStyle/>
+          <a:p>
+            <a:pPr algn="ctr"/>
+            <a:r>
+              <a:rPr lang="en-US" sz="1000">
+                <a:solidFill>
+                  <a:schemeClr val="tx1"/>
+                </a:solidFill>
+              </a:rPr>
+              <a:t>5</a:t>
+            </a:r>
+            <a:endParaRPr lang="en-KR" sz="1000">
+              <a:solidFill>
+                <a:schemeClr val="tx1"/>
+              </a:solidFill>
+            </a:endParaRPr>
+          </a:p>
+        </p:txBody>
+      </p:sp>
+      <p:sp>
+        <p:nvSpPr>
+          <p:cNvPr id="80" name="모서리가 둥근 직사각형 18">
+            <a:extLst>
+              <a:ext uri="{FF2B5EF4-FFF2-40B4-BE49-F238E27FC236}">
+                <a16:creationId xmlns:a16="http://schemas.microsoft.com/office/drawing/2014/main" id="{B82C7360-C53D-7268-E337-33FB9C843B7A}"/>
+              </a:ext>
+            </a:extLst>
+          </p:cNvPr>
+          <p:cNvSpPr/>
+          <p:nvPr/>
+        </p:nvSpPr>
+        <p:spPr>
+          <a:xfrm>
+            <a:off x="6579083" y="3350762"/>
+            <a:ext cx="1872208" cy="418481"/>
+          </a:xfrm>
+          <a:prstGeom prst="roundRect">
+            <a:avLst>
+              <a:gd name="adj" fmla="val 17911"/>
+            </a:avLst>
+          </a:prstGeom>
+          <a:noFill/>
+          <a:ln w="12700">
+            <a:noFill/>
+          </a:ln>
+        </p:spPr>
+        <p:style>
+          <a:lnRef idx="2">
+            <a:schemeClr val="dk1"/>
+          </a:lnRef>
+          <a:fillRef idx="1">
+            <a:schemeClr val="lt1"/>
+          </a:fillRef>
+          <a:effectRef idx="0">
+            <a:schemeClr val="dk1"/>
+          </a:effectRef>
+          <a:fontRef idx="minor">
+            <a:schemeClr val="dk1"/>
+          </a:fontRef>
+        </p:style>
+        <p:txBody>
+          <a:bodyPr rtlCol="0" anchor="ctr"/>
+          <a:lstStyle/>
+          <a:p>
+            <a:pPr algn="ctr"/>
+            <a:r>
+              <a:rPr lang="en-US" altLang="ko-KR" sz="1000" i="1">
+                <a:solidFill>
+                  <a:schemeClr val="tx1"/>
+                </a:solidFill>
+              </a:rPr>
+              <a:t>Deserialized messages </a:t>
+            </a:r>
+          </a:p>
+          <a:p>
+            <a:pPr algn="ctr"/>
+            <a:r>
+              <a:rPr lang="en-US" altLang="ko-KR" sz="1000" i="1">
+                <a:solidFill>
+                  <a:schemeClr val="tx1"/>
+                </a:solidFill>
+              </a:rPr>
+              <a:t>with schema</a:t>
+            </a:r>
+          </a:p>
+        </p:txBody>
+      </p:sp>
+      <p:sp>
+        <p:nvSpPr>
+          <p:cNvPr id="83" name="Oval 82">
+            <a:extLst>
+              <a:ext uri="{FF2B5EF4-FFF2-40B4-BE49-F238E27FC236}">
+                <a16:creationId xmlns:a16="http://schemas.microsoft.com/office/drawing/2014/main" id="{FB81F128-2883-6B98-6936-3DFB8C693503}"/>
+              </a:ext>
+            </a:extLst>
+          </p:cNvPr>
+          <p:cNvSpPr/>
+          <p:nvPr/>
+        </p:nvSpPr>
+        <p:spPr>
+          <a:xfrm>
+            <a:off x="4917773" y="1669452"/>
+            <a:ext cx="216024" cy="216024"/>
+          </a:xfrm>
+          <a:prstGeom prst="ellipse">
+            <a:avLst/>
+          </a:prstGeom>
+          <a:solidFill>
+            <a:schemeClr val="bg1"/>
+          </a:solidFill>
+          <a:ln w="12700">
+            <a:solidFill>
+              <a:schemeClr val="accent1"/>
+            </a:solidFill>
+          </a:ln>
+        </p:spPr>
+        <p:style>
+          <a:lnRef idx="2">
+            <a:schemeClr val="accent1">
+              <a:shade val="15000"/>
+            </a:schemeClr>
+          </a:lnRef>
+          <a:fillRef idx="1">
+            <a:schemeClr val="accent1"/>
+          </a:fillRef>
+          <a:effectRef idx="0">
+            <a:schemeClr val="accent1"/>
+          </a:effectRef>
+          <a:fontRef idx="minor">
+            <a:schemeClr val="lt1"/>
+          </a:fontRef>
+        </p:style>
+        <p:txBody>
+          <a:bodyPr rtlCol="0" anchor="ctr"/>
+          <a:lstStyle/>
+          <a:p>
+            <a:pPr algn="ctr"/>
+            <a:r>
+              <a:rPr lang="en-KR" sz="1000">
+                <a:solidFill>
+                  <a:schemeClr val="accent1"/>
+                </a:solidFill>
+              </a:rPr>
+              <a:t>3</a:t>
+            </a:r>
+          </a:p>
+        </p:txBody>
+      </p:sp>
+      <p:sp>
+        <p:nvSpPr>
+          <p:cNvPr id="84" name="모서리가 둥근 직사각형 18">
+            <a:extLst>
+              <a:ext uri="{FF2B5EF4-FFF2-40B4-BE49-F238E27FC236}">
+                <a16:creationId xmlns:a16="http://schemas.microsoft.com/office/drawing/2014/main" id="{3EA10CA4-A879-9EFE-8096-25CB88090A8A}"/>
+              </a:ext>
+            </a:extLst>
+          </p:cNvPr>
+          <p:cNvSpPr/>
+          <p:nvPr/>
+        </p:nvSpPr>
+        <p:spPr>
+          <a:xfrm>
+            <a:off x="4917773" y="1634994"/>
+            <a:ext cx="1893101" cy="294228"/>
+          </a:xfrm>
+          <a:prstGeom prst="roundRect">
+            <a:avLst>
+              <a:gd name="adj" fmla="val 17911"/>
+            </a:avLst>
+          </a:prstGeom>
+          <a:noFill/>
+          <a:ln w="12700">
+            <a:noFill/>
+          </a:ln>
+        </p:spPr>
+        <p:style>
+          <a:lnRef idx="2">
+            <a:schemeClr val="dk1"/>
+          </a:lnRef>
+          <a:fillRef idx="1">
+            <a:schemeClr val="lt1"/>
+          </a:fillRef>
+          <a:effectRef idx="0">
+            <a:schemeClr val="dk1"/>
+          </a:effectRef>
+          <a:fontRef idx="minor">
+            <a:schemeClr val="dk1"/>
+          </a:fontRef>
+        </p:style>
+        <p:txBody>
+          <a:bodyPr rtlCol="0" anchor="ctr"/>
+          <a:lstStyle/>
+          <a:p>
+            <a:pPr algn="ctr"/>
+            <a:r>
+              <a:rPr lang="en-US" altLang="ko-KR" sz="1000" i="1">
+                <a:solidFill>
+                  <a:schemeClr val="accent1"/>
+                </a:solidFill>
+              </a:rPr>
+              <a:t>Caching stored schema</a:t>
+            </a:r>
+          </a:p>
+        </p:txBody>
+      </p:sp>
+      <p:sp>
+        <p:nvSpPr>
+          <p:cNvPr id="85" name="TextBox 84">
+            <a:extLst>
+              <a:ext uri="{FF2B5EF4-FFF2-40B4-BE49-F238E27FC236}">
+                <a16:creationId xmlns:a16="http://schemas.microsoft.com/office/drawing/2014/main" id="{96155F22-F3A1-7453-C14E-A56D393257A8}"/>
+              </a:ext>
+            </a:extLst>
+          </p:cNvPr>
+          <p:cNvSpPr txBox="1"/>
+          <p:nvPr/>
+        </p:nvSpPr>
+        <p:spPr>
+          <a:xfrm>
+            <a:off x="3610708" y="4349262"/>
+            <a:ext cx="184731" cy="369332"/>
+          </a:xfrm>
+          <a:prstGeom prst="rect">
+            <a:avLst/>
+          </a:prstGeom>
+          <a:noFill/>
+        </p:spPr>
+        <p:txBody>
+          <a:bodyPr wrap="none" rtlCol="0">
+            <a:spAutoFit/>
+          </a:bodyPr>
+          <a:lstStyle/>
+          <a:p>
+            <a:endParaRPr lang="en-KR"/>
+          </a:p>
+        </p:txBody>
+      </p:sp>
+    </p:spTree>
+    <p:extLst>
+      <p:ext uri="{BB962C8B-B14F-4D97-AF65-F5344CB8AC3E}">
+        <p14:creationId xmlns:p14="http://schemas.microsoft.com/office/powerpoint/2010/main" val="1246637159"/>
+      </p:ext>
+    </p:extLst>
+  </p:cSld>
+  <p:clrMapOvr>
+    <a:masterClrMapping/>
+  </p:clrMapOvr>
+</p:sld>
+</file>
+
+<file path=ppt/slides/slide5.xml><?xml version="1.0" encoding="utf-8"?>
+<p:sld xmlns:a="http://schemas.openxmlformats.org/drawingml/2006/main" xmlns:r="http://schemas.openxmlformats.org/officeDocument/2006/relationships" xmlns:p="http://schemas.openxmlformats.org/presentationml/2006/main">
+  <p:cSld>
+    <p:spTree>
+      <p:nvGrpSpPr>
+        <p:cNvPr id="1" name="">
+          <a:extLst>
+            <a:ext uri="{FF2B5EF4-FFF2-40B4-BE49-F238E27FC236}">
               <a16:creationId xmlns:a16="http://schemas.microsoft.com/office/drawing/2014/main" id="{92494487-4050-42AB-2DE1-A9F442CF64AC}"/>
             </a:ext>
           </a:extLst>
@@ -7746,7 +12196,7 @@
 </p:sld>
 </file>
 
-<file path=ppt/slides/slide4.xml><?xml version="1.0" encoding="utf-8"?>
+<file path=ppt/slides/slide6.xml><?xml version="1.0" encoding="utf-8"?>
 <p:sld xmlns:a="http://schemas.openxmlformats.org/drawingml/2006/main" xmlns:r="http://schemas.openxmlformats.org/officeDocument/2006/relationships" xmlns:p="http://schemas.openxmlformats.org/presentationml/2006/main">
   <p:cSld>
     <p:spTree>
@@ -9265,7 +13715,7 @@
 </p:sld>
 </file>
 
-<file path=ppt/slides/slide5.xml><?xml version="1.0" encoding="utf-8"?>
+<file path=ppt/slides/slide7.xml><?xml version="1.0" encoding="utf-8"?>
 <p:sld xmlns:a="http://schemas.openxmlformats.org/drawingml/2006/main" xmlns:r="http://schemas.openxmlformats.org/officeDocument/2006/relationships" xmlns:p="http://schemas.openxmlformats.org/presentationml/2006/main">
   <p:cSld>
     <p:spTree>

--- a/content/docs/theory-analysis/kafka-idempotence-transaction/images/images.pptx
+++ b/content/docs/theory-analysis/kafka-idempotence-transaction/images/images.pptx
@@ -5,16 +5,18 @@
     <p:sldMasterId id="2147483648" r:id="rId1"/>
   </p:sldMasterIdLst>
   <p:notesMasterIdLst>
-    <p:notesMasterId r:id="rId9"/>
+    <p:notesMasterId r:id="rId11"/>
   </p:notesMasterIdLst>
   <p:sldIdLst>
     <p:sldId id="377" r:id="rId2"/>
-    <p:sldId id="396" r:id="rId3"/>
-    <p:sldId id="420" r:id="rId4"/>
-    <p:sldId id="416" r:id="rId5"/>
-    <p:sldId id="419" r:id="rId6"/>
-    <p:sldId id="418" r:id="rId7"/>
-    <p:sldId id="417" r:id="rId8"/>
+    <p:sldId id="421" r:id="rId3"/>
+    <p:sldId id="396" r:id="rId4"/>
+    <p:sldId id="422" r:id="rId5"/>
+    <p:sldId id="420" r:id="rId6"/>
+    <p:sldId id="416" r:id="rId7"/>
+    <p:sldId id="419" r:id="rId8"/>
+    <p:sldId id="418" r:id="rId9"/>
+    <p:sldId id="417" r:id="rId10"/>
   </p:sldIdLst>
   <p:sldSz cx="9144000" cy="5143500" type="screen16x9"/>
   <p:notesSz cx="6858000" cy="9144000"/>
@@ -219,7 +221,7 @@
           <a:p>
             <a:fld id="{6CD5550B-26C4-49A9-A5BA-636EF7BE6CE9}" type="datetimeFigureOut">
               <a:rPr lang="ko-KR" altLang="en-US" smtClean="0"/>
-              <a:t>2025. 11. 29.</a:t>
+              <a:t>2025. 11. 30.</a:t>
             </a:fld>
             <a:endParaRPr lang="ko-KR" altLang="en-US"/>
           </a:p>
@@ -602,6 +604,222 @@
         <p:cNvPr id="1" name="">
           <a:extLst>
             <a:ext uri="{FF2B5EF4-FFF2-40B4-BE49-F238E27FC236}">
+              <a16:creationId xmlns:a16="http://schemas.microsoft.com/office/drawing/2014/main" id="{E8996009-5CED-8464-CB16-BA0AF8DF4EF6}"/>
+            </a:ext>
+          </a:extLst>
+        </p:cNvPr>
+        <p:cNvGrpSpPr/>
+        <p:nvPr/>
+      </p:nvGrpSpPr>
+      <p:grpSpPr>
+        <a:xfrm>
+          <a:off x="0" y="0"/>
+          <a:ext cx="0" cy="0"/>
+          <a:chOff x="0" y="0"/>
+          <a:chExt cx="0" cy="0"/>
+        </a:xfrm>
+      </p:grpSpPr>
+      <p:sp>
+        <p:nvSpPr>
+          <p:cNvPr id="2" name="슬라이드 이미지 개체 틀 1">
+            <a:extLst>
+              <a:ext uri="{FF2B5EF4-FFF2-40B4-BE49-F238E27FC236}">
+                <a16:creationId xmlns:a16="http://schemas.microsoft.com/office/drawing/2014/main" id="{7F5B2348-4ED5-A823-C1EF-36D9944F56E4}"/>
+              </a:ext>
+            </a:extLst>
+          </p:cNvPr>
+          <p:cNvSpPr>
+            <a:spLocks noGrp="1" noRot="1" noChangeAspect="1"/>
+          </p:cNvSpPr>
+          <p:nvPr>
+            <p:ph type="sldImg"/>
+          </p:nvPr>
+        </p:nvSpPr>
+        <p:spPr/>
+      </p:sp>
+      <p:sp>
+        <p:nvSpPr>
+          <p:cNvPr id="3" name="슬라이드 노트 개체 틀 2">
+            <a:extLst>
+              <a:ext uri="{FF2B5EF4-FFF2-40B4-BE49-F238E27FC236}">
+                <a16:creationId xmlns:a16="http://schemas.microsoft.com/office/drawing/2014/main" id="{3D7AC882-758C-ABEA-DA31-9E94AF6B1B5D}"/>
+              </a:ext>
+            </a:extLst>
+          </p:cNvPr>
+          <p:cNvSpPr>
+            <a:spLocks noGrp="1"/>
+          </p:cNvSpPr>
+          <p:nvPr>
+            <p:ph type="body" idx="1"/>
+          </p:nvPr>
+        </p:nvSpPr>
+        <p:spPr/>
+        <p:txBody>
+          <a:bodyPr/>
+          <a:lstStyle/>
+          <a:p>
+            <a:endParaRPr lang="ko-KR" altLang="en-US" dirty="0"/>
+          </a:p>
+        </p:txBody>
+      </p:sp>
+      <p:sp>
+        <p:nvSpPr>
+          <p:cNvPr id="4" name="슬라이드 번호 개체 틀 3">
+            <a:extLst>
+              <a:ext uri="{FF2B5EF4-FFF2-40B4-BE49-F238E27FC236}">
+                <a16:creationId xmlns:a16="http://schemas.microsoft.com/office/drawing/2014/main" id="{6B2E06B9-291D-E4B0-A699-1B64A1617F40}"/>
+              </a:ext>
+            </a:extLst>
+          </p:cNvPr>
+          <p:cNvSpPr>
+            <a:spLocks noGrp="1"/>
+          </p:cNvSpPr>
+          <p:nvPr>
+            <p:ph type="sldNum" sz="quarter" idx="10"/>
+          </p:nvPr>
+        </p:nvSpPr>
+        <p:spPr/>
+        <p:txBody>
+          <a:bodyPr/>
+          <a:lstStyle/>
+          <a:p>
+            <a:fld id="{BA5DFA43-8D57-47FB-BC46-057616015C3B}" type="slidenum">
+              <a:rPr lang="ko-KR" altLang="en-US" smtClean="0"/>
+              <a:t>2</a:t>
+            </a:fld>
+            <a:endParaRPr lang="ko-KR" altLang="en-US"/>
+          </a:p>
+        </p:txBody>
+      </p:sp>
+    </p:spTree>
+    <p:extLst>
+      <p:ext uri="{BB962C8B-B14F-4D97-AF65-F5344CB8AC3E}">
+        <p14:creationId xmlns:p14="http://schemas.microsoft.com/office/powerpoint/2010/main" val="777348304"/>
+      </p:ext>
+    </p:extLst>
+  </p:cSld>
+  <p:clrMapOvr>
+    <a:masterClrMapping/>
+  </p:clrMapOvr>
+</p:notes>
+</file>
+
+<file path=ppt/notesSlides/notesSlide3.xml><?xml version="1.0" encoding="utf-8"?>
+<p:notes xmlns:a="http://schemas.openxmlformats.org/drawingml/2006/main" xmlns:r="http://schemas.openxmlformats.org/officeDocument/2006/relationships" xmlns:p="http://schemas.openxmlformats.org/presentationml/2006/main">
+  <p:cSld>
+    <p:spTree>
+      <p:nvGrpSpPr>
+        <p:cNvPr id="1" name="">
+          <a:extLst>
+            <a:ext uri="{FF2B5EF4-FFF2-40B4-BE49-F238E27FC236}">
+              <a16:creationId xmlns:a16="http://schemas.microsoft.com/office/drawing/2014/main" id="{C3E666CA-7569-6373-2FC9-70C1A093AAB4}"/>
+            </a:ext>
+          </a:extLst>
+        </p:cNvPr>
+        <p:cNvGrpSpPr/>
+        <p:nvPr/>
+      </p:nvGrpSpPr>
+      <p:grpSpPr>
+        <a:xfrm>
+          <a:off x="0" y="0"/>
+          <a:ext cx="0" cy="0"/>
+          <a:chOff x="0" y="0"/>
+          <a:chExt cx="0" cy="0"/>
+        </a:xfrm>
+      </p:grpSpPr>
+      <p:sp>
+        <p:nvSpPr>
+          <p:cNvPr id="2" name="슬라이드 이미지 개체 틀 1">
+            <a:extLst>
+              <a:ext uri="{FF2B5EF4-FFF2-40B4-BE49-F238E27FC236}">
+                <a16:creationId xmlns:a16="http://schemas.microsoft.com/office/drawing/2014/main" id="{ECD0EEDA-D4EB-0015-0783-2CD723DFA194}"/>
+              </a:ext>
+            </a:extLst>
+          </p:cNvPr>
+          <p:cNvSpPr>
+            <a:spLocks noGrp="1" noRot="1" noChangeAspect="1"/>
+          </p:cNvSpPr>
+          <p:nvPr>
+            <p:ph type="sldImg"/>
+          </p:nvPr>
+        </p:nvSpPr>
+        <p:spPr/>
+      </p:sp>
+      <p:sp>
+        <p:nvSpPr>
+          <p:cNvPr id="3" name="슬라이드 노트 개체 틀 2">
+            <a:extLst>
+              <a:ext uri="{FF2B5EF4-FFF2-40B4-BE49-F238E27FC236}">
+                <a16:creationId xmlns:a16="http://schemas.microsoft.com/office/drawing/2014/main" id="{FF961A2B-208A-2433-26BB-5000992BBBDA}"/>
+              </a:ext>
+            </a:extLst>
+          </p:cNvPr>
+          <p:cNvSpPr>
+            <a:spLocks noGrp="1"/>
+          </p:cNvSpPr>
+          <p:nvPr>
+            <p:ph type="body" idx="1"/>
+          </p:nvPr>
+        </p:nvSpPr>
+        <p:spPr/>
+        <p:txBody>
+          <a:bodyPr/>
+          <a:lstStyle/>
+          <a:p>
+            <a:endParaRPr lang="ko-KR" altLang="en-US" dirty="0"/>
+          </a:p>
+        </p:txBody>
+      </p:sp>
+      <p:sp>
+        <p:nvSpPr>
+          <p:cNvPr id="4" name="슬라이드 번호 개체 틀 3">
+            <a:extLst>
+              <a:ext uri="{FF2B5EF4-FFF2-40B4-BE49-F238E27FC236}">
+                <a16:creationId xmlns:a16="http://schemas.microsoft.com/office/drawing/2014/main" id="{A4E8EA79-F7C3-7905-64AE-313D1856D4BE}"/>
+              </a:ext>
+            </a:extLst>
+          </p:cNvPr>
+          <p:cNvSpPr>
+            <a:spLocks noGrp="1"/>
+          </p:cNvSpPr>
+          <p:nvPr>
+            <p:ph type="sldNum" sz="quarter" idx="10"/>
+          </p:nvPr>
+        </p:nvSpPr>
+        <p:spPr/>
+        <p:txBody>
+          <a:bodyPr/>
+          <a:lstStyle/>
+          <a:p>
+            <a:fld id="{BA5DFA43-8D57-47FB-BC46-057616015C3B}" type="slidenum">
+              <a:rPr lang="ko-KR" altLang="en-US" smtClean="0"/>
+              <a:t>4</a:t>
+            </a:fld>
+            <a:endParaRPr lang="ko-KR" altLang="en-US"/>
+          </a:p>
+        </p:txBody>
+      </p:sp>
+    </p:spTree>
+    <p:extLst>
+      <p:ext uri="{BB962C8B-B14F-4D97-AF65-F5344CB8AC3E}">
+        <p14:creationId xmlns:p14="http://schemas.microsoft.com/office/powerpoint/2010/main" val="2359973652"/>
+      </p:ext>
+    </p:extLst>
+  </p:cSld>
+  <p:clrMapOvr>
+    <a:masterClrMapping/>
+  </p:clrMapOvr>
+</p:notes>
+</file>
+
+<file path=ppt/notesSlides/notesSlide4.xml><?xml version="1.0" encoding="utf-8"?>
+<p:notes xmlns:a="http://schemas.openxmlformats.org/drawingml/2006/main" xmlns:r="http://schemas.openxmlformats.org/officeDocument/2006/relationships" xmlns:p="http://schemas.openxmlformats.org/presentationml/2006/main">
+  <p:cSld>
+    <p:spTree>
+      <p:nvGrpSpPr>
+        <p:cNvPr id="1" name="">
+          <a:extLst>
+            <a:ext uri="{FF2B5EF4-FFF2-40B4-BE49-F238E27FC236}">
               <a16:creationId xmlns:a16="http://schemas.microsoft.com/office/drawing/2014/main" id="{5BFDECD7-0E6F-4812-B3B5-62BFA1ACCF16}"/>
             </a:ext>
           </a:extLst>
@@ -683,7 +901,7 @@
           <a:p>
             <a:fld id="{BA5DFA43-8D57-47FB-BC46-057616015C3B}" type="slidenum">
               <a:rPr lang="ko-KR" altLang="en-US" smtClean="0"/>
-              <a:t>3</a:t>
+              <a:t>5</a:t>
             </a:fld>
             <a:endParaRPr lang="ko-KR" altLang="en-US"/>
           </a:p>
@@ -702,7 +920,7 @@
 </p:notes>
 </file>
 
-<file path=ppt/notesSlides/notesSlide3.xml><?xml version="1.0" encoding="utf-8"?>
+<file path=ppt/notesSlides/notesSlide5.xml><?xml version="1.0" encoding="utf-8"?>
 <p:notes xmlns:a="http://schemas.openxmlformats.org/drawingml/2006/main" xmlns:r="http://schemas.openxmlformats.org/officeDocument/2006/relationships" xmlns:p="http://schemas.openxmlformats.org/presentationml/2006/main">
   <p:cSld>
     <p:spTree>
@@ -791,7 +1009,7 @@
           <a:p>
             <a:fld id="{BA5DFA43-8D57-47FB-BC46-057616015C3B}" type="slidenum">
               <a:rPr lang="ko-KR" altLang="en-US" smtClean="0"/>
-              <a:t>4</a:t>
+              <a:t>6</a:t>
             </a:fld>
             <a:endParaRPr lang="ko-KR" altLang="en-US"/>
           </a:p>
@@ -810,7 +1028,7 @@
 </p:notes>
 </file>
 
-<file path=ppt/notesSlides/notesSlide4.xml><?xml version="1.0" encoding="utf-8"?>
+<file path=ppt/notesSlides/notesSlide6.xml><?xml version="1.0" encoding="utf-8"?>
 <p:notes xmlns:a="http://schemas.openxmlformats.org/drawingml/2006/main" xmlns:r="http://schemas.openxmlformats.org/officeDocument/2006/relationships" xmlns:p="http://schemas.openxmlformats.org/presentationml/2006/main">
   <p:cSld>
     <p:spTree>
@@ -899,7 +1117,7 @@
           <a:p>
             <a:fld id="{BA5DFA43-8D57-47FB-BC46-057616015C3B}" type="slidenum">
               <a:rPr lang="ko-KR" altLang="en-US" smtClean="0"/>
-              <a:t>5</a:t>
+              <a:t>7</a:t>
             </a:fld>
             <a:endParaRPr lang="ko-KR" altLang="en-US"/>
           </a:p>
@@ -918,7 +1136,7 @@
 </p:notes>
 </file>
 
-<file path=ppt/notesSlides/notesSlide5.xml><?xml version="1.0" encoding="utf-8"?>
+<file path=ppt/notesSlides/notesSlide7.xml><?xml version="1.0" encoding="utf-8"?>
 <p:notes xmlns:a="http://schemas.openxmlformats.org/drawingml/2006/main" xmlns:r="http://schemas.openxmlformats.org/officeDocument/2006/relationships" xmlns:p="http://schemas.openxmlformats.org/presentationml/2006/main">
   <p:cSld>
     <p:spTree>
@@ -1007,7 +1225,7 @@
           <a:p>
             <a:fld id="{BA5DFA43-8D57-47FB-BC46-057616015C3B}" type="slidenum">
               <a:rPr lang="ko-KR" altLang="en-US" smtClean="0"/>
-              <a:t>6</a:t>
+              <a:t>8</a:t>
             </a:fld>
             <a:endParaRPr lang="ko-KR" altLang="en-US"/>
           </a:p>
@@ -1026,7 +1244,7 @@
 </p:notes>
 </file>
 
-<file path=ppt/notesSlides/notesSlide6.xml><?xml version="1.0" encoding="utf-8"?>
+<file path=ppt/notesSlides/notesSlide8.xml><?xml version="1.0" encoding="utf-8"?>
 <p:notes xmlns:a="http://schemas.openxmlformats.org/drawingml/2006/main" xmlns:r="http://schemas.openxmlformats.org/officeDocument/2006/relationships" xmlns:p="http://schemas.openxmlformats.org/presentationml/2006/main">
   <p:cSld>
     <p:spTree>
@@ -1115,7 +1333,7 @@
           <a:p>
             <a:fld id="{BA5DFA43-8D57-47FB-BC46-057616015C3B}" type="slidenum">
               <a:rPr lang="ko-KR" altLang="en-US" smtClean="0"/>
-              <a:t>7</a:t>
+              <a:t>9</a:t>
             </a:fld>
             <a:endParaRPr lang="ko-KR" altLang="en-US"/>
           </a:p>
@@ -1313,7 +1531,7 @@
           <a:p>
             <a:fld id="{FB30EDBD-1C2D-4C1E-B459-B60219FAB484}" type="datetimeFigureOut">
               <a:rPr lang="ko-KR" altLang="en-US" smtClean="0"/>
-              <a:t>2025. 11. 29.</a:t>
+              <a:t>2025. 11. 30.</a:t>
             </a:fld>
             <a:endParaRPr lang="ko-KR" altLang="en-US"/>
           </a:p>
@@ -1476,7 +1694,7 @@
           <a:p>
             <a:fld id="{FB30EDBD-1C2D-4C1E-B459-B60219FAB484}" type="datetimeFigureOut">
               <a:rPr lang="ko-KR" altLang="en-US" smtClean="0"/>
-              <a:t>2025. 11. 29.</a:t>
+              <a:t>2025. 11. 30.</a:t>
             </a:fld>
             <a:endParaRPr lang="ko-KR" altLang="en-US"/>
           </a:p>
@@ -1649,7 +1867,7 @@
           <a:p>
             <a:fld id="{FB30EDBD-1C2D-4C1E-B459-B60219FAB484}" type="datetimeFigureOut">
               <a:rPr lang="ko-KR" altLang="en-US" smtClean="0"/>
-              <a:t>2025. 11. 29.</a:t>
+              <a:t>2025. 11. 30.</a:t>
             </a:fld>
             <a:endParaRPr lang="ko-KR" altLang="en-US"/>
           </a:p>
@@ -1812,7 +2030,7 @@
           <a:p>
             <a:fld id="{FB30EDBD-1C2D-4C1E-B459-B60219FAB484}" type="datetimeFigureOut">
               <a:rPr lang="ko-KR" altLang="en-US" smtClean="0"/>
-              <a:t>2025. 11. 29.</a:t>
+              <a:t>2025. 11. 30.</a:t>
             </a:fld>
             <a:endParaRPr lang="ko-KR" altLang="en-US"/>
           </a:p>
@@ -2052,7 +2270,7 @@
           <a:p>
             <a:fld id="{FB30EDBD-1C2D-4C1E-B459-B60219FAB484}" type="datetimeFigureOut">
               <a:rPr lang="ko-KR" altLang="en-US" smtClean="0"/>
-              <a:t>2025. 11. 29.</a:t>
+              <a:t>2025. 11. 30.</a:t>
             </a:fld>
             <a:endParaRPr lang="ko-KR" altLang="en-US"/>
           </a:p>
@@ -2332,7 +2550,7 @@
           <a:p>
             <a:fld id="{FB30EDBD-1C2D-4C1E-B459-B60219FAB484}" type="datetimeFigureOut">
               <a:rPr lang="ko-KR" altLang="en-US" smtClean="0"/>
-              <a:t>2025. 11. 29.</a:t>
+              <a:t>2025. 11. 30.</a:t>
             </a:fld>
             <a:endParaRPr lang="ko-KR" altLang="en-US"/>
           </a:p>
@@ -2746,7 +2964,7 @@
           <a:p>
             <a:fld id="{FB30EDBD-1C2D-4C1E-B459-B60219FAB484}" type="datetimeFigureOut">
               <a:rPr lang="ko-KR" altLang="en-US" smtClean="0"/>
-              <a:t>2025. 11. 29.</a:t>
+              <a:t>2025. 11. 30.</a:t>
             </a:fld>
             <a:endParaRPr lang="ko-KR" altLang="en-US"/>
           </a:p>
@@ -2858,7 +3076,7 @@
           <a:p>
             <a:fld id="{FB30EDBD-1C2D-4C1E-B459-B60219FAB484}" type="datetimeFigureOut">
               <a:rPr lang="ko-KR" altLang="en-US" smtClean="0"/>
-              <a:t>2025. 11. 29.</a:t>
+              <a:t>2025. 11. 30.</a:t>
             </a:fld>
             <a:endParaRPr lang="ko-KR" altLang="en-US"/>
           </a:p>
@@ -2948,7 +3166,7 @@
           <a:p>
             <a:fld id="{FB30EDBD-1C2D-4C1E-B459-B60219FAB484}" type="datetimeFigureOut">
               <a:rPr lang="ko-KR" altLang="en-US" smtClean="0"/>
-              <a:t>2025. 11. 29.</a:t>
+              <a:t>2025. 11. 30.</a:t>
             </a:fld>
             <a:endParaRPr lang="ko-KR" altLang="en-US"/>
           </a:p>
@@ -3218,7 +3436,7 @@
           <a:p>
             <a:fld id="{FB30EDBD-1C2D-4C1E-B459-B60219FAB484}" type="datetimeFigureOut">
               <a:rPr lang="ko-KR" altLang="en-US" smtClean="0"/>
-              <a:t>2025. 11. 29.</a:t>
+              <a:t>2025. 11. 30.</a:t>
             </a:fld>
             <a:endParaRPr lang="ko-KR" altLang="en-US"/>
           </a:p>
@@ -3465,7 +3683,7 @@
           <a:p>
             <a:fld id="{FB30EDBD-1C2D-4C1E-B459-B60219FAB484}" type="datetimeFigureOut">
               <a:rPr lang="ko-KR" altLang="en-US" smtClean="0"/>
-              <a:t>2025. 11. 29.</a:t>
+              <a:t>2025. 11. 30.</a:t>
             </a:fld>
             <a:endParaRPr lang="ko-KR" altLang="en-US"/>
           </a:p>
@@ -3671,7 +3889,7 @@
           <a:p>
             <a:fld id="{FB30EDBD-1C2D-4C1E-B459-B60219FAB484}" type="datetimeFigureOut">
               <a:rPr lang="ko-KR" altLang="en-US" smtClean="0"/>
-              <a:t>2025. 11. 29.</a:t>
+              <a:t>2025. 11. 30.</a:t>
             </a:fld>
             <a:endParaRPr lang="ko-KR" altLang="en-US"/>
           </a:p>
@@ -4049,10 +4267,10 @@
       </p:grpSpPr>
       <p:sp>
         <p:nvSpPr>
-          <p:cNvPr id="122" name="사각형: 둥근 모서리 121">
-            <a:extLst>
-              <a:ext uri="{FF2B5EF4-FFF2-40B4-BE49-F238E27FC236}">
-                <a16:creationId xmlns:a16="http://schemas.microsoft.com/office/drawing/2014/main" id="{FB9EA990-ED26-FBD5-CD0D-8CC4B6EBE86A}"/>
+          <p:cNvPr id="57" name="사각형: 둥근 모서리 56">
+            <a:extLst>
+              <a:ext uri="{FF2B5EF4-FFF2-40B4-BE49-F238E27FC236}">
+                <a16:creationId xmlns:a16="http://schemas.microsoft.com/office/drawing/2014/main" id="{A9F70542-48BE-22BC-76A0-D947A891D7A1}"/>
               </a:ext>
             </a:extLst>
           </p:cNvPr>
@@ -4061,12 +4279,12 @@
         </p:nvSpPr>
         <p:spPr>
           <a:xfrm>
-            <a:off x="235641" y="3494915"/>
-            <a:ext cx="1122025" cy="576124"/>
+            <a:off x="35497" y="407069"/>
+            <a:ext cx="2075354" cy="1938499"/>
           </a:xfrm>
           <a:prstGeom prst="roundRect">
             <a:avLst>
-              <a:gd name="adj" fmla="val 14105"/>
+              <a:gd name="adj" fmla="val 3942"/>
             </a:avLst>
           </a:prstGeom>
           <a:ln w="12700">
@@ -4089,13 +4307,13 @@
           </a:fontRef>
         </p:style>
         <p:txBody>
-          <a:bodyPr rtlCol="0" anchor="ctr"/>
+          <a:bodyPr rtlCol="0" anchor="t"/>
           <a:lstStyle/>
           <a:p>
             <a:pPr algn="ctr"/>
             <a:r>
               <a:rPr lang="en-US" altLang="ko-KR" sz="1000"/>
-              <a:t>Producer B</a:t>
+              <a:t>Producer A</a:t>
             </a:r>
             <a:endParaRPr lang="ko-KR" altLang="en-US" sz="1000" dirty="0"/>
           </a:p>
@@ -4103,10 +4321,10 @@
       </p:sp>
       <p:sp>
         <p:nvSpPr>
-          <p:cNvPr id="57" name="사각형: 둥근 모서리 56">
-            <a:extLst>
-              <a:ext uri="{FF2B5EF4-FFF2-40B4-BE49-F238E27FC236}">
-                <a16:creationId xmlns:a16="http://schemas.microsoft.com/office/drawing/2014/main" id="{A9F70542-48BE-22BC-76A0-D947A891D7A1}"/>
+          <p:cNvPr id="25" name="사각형: 둥근 모서리 6">
+            <a:extLst>
+              <a:ext uri="{FF2B5EF4-FFF2-40B4-BE49-F238E27FC236}">
+                <a16:creationId xmlns:a16="http://schemas.microsoft.com/office/drawing/2014/main" id="{A801550C-B1D1-A03C-2A49-59F3373505D5}"/>
               </a:ext>
             </a:extLst>
           </p:cNvPr>
@@ -4115,12 +4333,12 @@
         </p:nvSpPr>
         <p:spPr>
           <a:xfrm>
-            <a:off x="235641" y="1242229"/>
-            <a:ext cx="1122025" cy="576124"/>
+            <a:off x="6156176" y="102472"/>
+            <a:ext cx="2888746" cy="4845542"/>
           </a:xfrm>
           <a:prstGeom prst="roundRect">
             <a:avLst>
-              <a:gd name="adj" fmla="val 14105"/>
+              <a:gd name="adj" fmla="val 4353"/>
             </a:avLst>
           </a:prstGeom>
           <a:ln w="12700">
@@ -4143,60 +4361,6 @@
           </a:fontRef>
         </p:style>
         <p:txBody>
-          <a:bodyPr rtlCol="0" anchor="ctr"/>
-          <a:lstStyle/>
-          <a:p>
-            <a:pPr algn="ctr"/>
-            <a:r>
-              <a:rPr lang="en-US" altLang="ko-KR" sz="1000"/>
-              <a:t>Producer A</a:t>
-            </a:r>
-            <a:endParaRPr lang="ko-KR" altLang="en-US" sz="1000" dirty="0"/>
-          </a:p>
-        </p:txBody>
-      </p:sp>
-      <p:sp>
-        <p:nvSpPr>
-          <p:cNvPr id="25" name="사각형: 둥근 모서리 6">
-            <a:extLst>
-              <a:ext uri="{FF2B5EF4-FFF2-40B4-BE49-F238E27FC236}">
-                <a16:creationId xmlns:a16="http://schemas.microsoft.com/office/drawing/2014/main" id="{A801550C-B1D1-A03C-2A49-59F3373505D5}"/>
-              </a:ext>
-            </a:extLst>
-          </p:cNvPr>
-          <p:cNvSpPr/>
-          <p:nvPr/>
-        </p:nvSpPr>
-        <p:spPr>
-          <a:xfrm>
-            <a:off x="6019614" y="102472"/>
-            <a:ext cx="2888746" cy="4845542"/>
-          </a:xfrm>
-          <a:prstGeom prst="roundRect">
-            <a:avLst>
-              <a:gd name="adj" fmla="val 4353"/>
-            </a:avLst>
-          </a:prstGeom>
-          <a:ln w="12700">
-            <a:headEnd type="none" w="med" len="med"/>
-            <a:tailEnd type="triangle" w="med" len="med"/>
-          </a:ln>
-        </p:spPr>
-        <p:style>
-          <a:lnRef idx="2">
-            <a:schemeClr val="dk1"/>
-          </a:lnRef>
-          <a:fillRef idx="1">
-            <a:schemeClr val="lt1"/>
-          </a:fillRef>
-          <a:effectRef idx="0">
-            <a:schemeClr val="dk1"/>
-          </a:effectRef>
-          <a:fontRef idx="minor">
-            <a:schemeClr val="dk1"/>
-          </a:fontRef>
-        </p:style>
-        <p:txBody>
           <a:bodyPr rtlCol="0" anchor="b"/>
           <a:lstStyle/>
           <a:p>
@@ -4223,7 +4387,7 @@
         </p:nvSpPr>
         <p:spPr>
           <a:xfrm>
-            <a:off x="6743907" y="3101751"/>
+            <a:off x="6880469" y="3101751"/>
             <a:ext cx="1440160" cy="268948"/>
           </a:xfrm>
           <a:prstGeom prst="roundRect">
@@ -4282,7 +4446,7 @@
         </p:nvSpPr>
         <p:spPr>
           <a:xfrm>
-            <a:off x="6743907" y="3885810"/>
+            <a:off x="6880469" y="3885810"/>
             <a:ext cx="1440160" cy="268948"/>
           </a:xfrm>
           <a:prstGeom prst="roundRect">
@@ -4341,7 +4505,7 @@
         </p:nvSpPr>
         <p:spPr>
           <a:xfrm>
-            <a:off x="6641063" y="2807190"/>
+            <a:off x="6777625" y="2807190"/>
             <a:ext cx="1645849" cy="631715"/>
           </a:xfrm>
           <a:prstGeom prst="roundRect">
@@ -4397,7 +4561,7 @@
         </p:nvSpPr>
         <p:spPr>
           <a:xfrm>
-            <a:off x="6641063" y="3531791"/>
+            <a:off x="6777625" y="3531791"/>
             <a:ext cx="1645849" cy="1104768"/>
           </a:xfrm>
           <a:prstGeom prst="roundRect">
@@ -4453,7 +4617,7 @@
         </p:nvSpPr>
         <p:spPr>
           <a:xfrm>
-            <a:off x="6743907" y="4257106"/>
+            <a:off x="6880469" y="4257106"/>
             <a:ext cx="1440160" cy="268948"/>
           </a:xfrm>
           <a:prstGeom prst="roundRect">
@@ -4515,15 +4679,15 @@
         </p:nvCxnSpPr>
         <p:spPr>
           <a:xfrm>
-            <a:off x="1357666" y="1530291"/>
-            <a:ext cx="4661950" cy="0"/>
+            <a:off x="2110851" y="1376319"/>
+            <a:ext cx="4045325" cy="0"/>
           </a:xfrm>
           <a:prstGeom prst="straightConnector1">
             <a:avLst/>
           </a:prstGeom>
           <a:ln w="12700">
             <a:solidFill>
-              <a:schemeClr val="tx2"/>
+              <a:schemeClr val="tx1"/>
             </a:solidFill>
             <a:prstDash val="solid"/>
             <a:headEnd type="none" w="med" len="med"/>
@@ -4556,21 +4720,21 @@
           </p:cNvPr>
           <p:cNvCxnSpPr>
             <a:cxnSpLocks/>
-            <a:stCxn id="122" idx="3"/>
+            <a:stCxn id="47" idx="3"/>
           </p:cNvCxnSpPr>
           <p:nvPr/>
         </p:nvCxnSpPr>
         <p:spPr>
           <a:xfrm>
-            <a:off x="1357666" y="3782977"/>
-            <a:ext cx="4661950" cy="0"/>
+            <a:off x="2110851" y="3806239"/>
+            <a:ext cx="4045325" cy="0"/>
           </a:xfrm>
           <a:prstGeom prst="straightConnector1">
             <a:avLst/>
           </a:prstGeom>
           <a:ln w="12700">
             <a:solidFill>
-              <a:schemeClr val="tx2"/>
+              <a:schemeClr val="tx1"/>
             </a:solidFill>
             <a:prstDash val="solid"/>
             <a:headEnd type="none" w="med" len="med"/>
@@ -4606,7 +4770,7 @@
         </p:nvSpPr>
         <p:spPr>
           <a:xfrm>
-            <a:off x="1683084" y="411510"/>
+            <a:off x="2215446" y="297006"/>
             <a:ext cx="1843418" cy="2206638"/>
           </a:xfrm>
           <a:prstGeom prst="roundRect">
@@ -4664,7 +4828,7 @@
         </p:nvSpPr>
         <p:spPr>
           <a:xfrm>
-            <a:off x="1772185" y="768780"/>
+            <a:off x="2304547" y="654276"/>
             <a:ext cx="1665213" cy="661756"/>
           </a:xfrm>
           <a:prstGeom prst="roundRect">
@@ -4721,7 +4885,7 @@
         </p:nvSpPr>
         <p:spPr>
           <a:xfrm>
-            <a:off x="1871507" y="1034197"/>
+            <a:off x="2403869" y="919693"/>
             <a:ext cx="1466564" cy="293003"/>
           </a:xfrm>
           <a:prstGeom prst="roundRect">
@@ -4790,7 +4954,7 @@
         </p:nvSpPr>
         <p:spPr>
           <a:xfrm>
-            <a:off x="1778911" y="1521327"/>
+            <a:off x="2311273" y="1406823"/>
             <a:ext cx="1665213" cy="1018553"/>
           </a:xfrm>
           <a:prstGeom prst="roundRect">
@@ -4847,7 +5011,7 @@
         </p:nvSpPr>
         <p:spPr>
           <a:xfrm>
-            <a:off x="1878233" y="1786746"/>
+            <a:off x="2410595" y="1672242"/>
             <a:ext cx="1466564" cy="293003"/>
           </a:xfrm>
           <a:prstGeom prst="roundRect">
@@ -4921,7 +5085,7 @@
         </p:nvSpPr>
         <p:spPr>
           <a:xfrm>
-            <a:off x="1878233" y="2158023"/>
+            <a:off x="2410595" y="2043519"/>
             <a:ext cx="1466564" cy="293003"/>
           </a:xfrm>
           <a:prstGeom prst="roundRect">
@@ -4995,7 +5159,7 @@
         </p:nvSpPr>
         <p:spPr>
           <a:xfrm>
-            <a:off x="3851920" y="411510"/>
+            <a:off x="4187347" y="288356"/>
             <a:ext cx="1843418" cy="2206638"/>
           </a:xfrm>
           <a:prstGeom prst="roundRect">
@@ -5053,7 +5217,7 @@
         </p:nvSpPr>
         <p:spPr>
           <a:xfrm>
-            <a:off x="3941021" y="768780"/>
+            <a:off x="4276448" y="645626"/>
             <a:ext cx="1665213" cy="661756"/>
           </a:xfrm>
           <a:prstGeom prst="roundRect">
@@ -5110,7 +5274,7 @@
         </p:nvSpPr>
         <p:spPr>
           <a:xfrm>
-            <a:off x="4040343" y="1034197"/>
+            <a:off x="4375770" y="911043"/>
             <a:ext cx="1466564" cy="293003"/>
           </a:xfrm>
           <a:prstGeom prst="roundRect">
@@ -5179,7 +5343,7 @@
         </p:nvSpPr>
         <p:spPr>
           <a:xfrm>
-            <a:off x="3947746" y="1521327"/>
+            <a:off x="4283173" y="1398173"/>
             <a:ext cx="1665213" cy="1018553"/>
           </a:xfrm>
           <a:prstGeom prst="roundRect">
@@ -5236,7 +5400,7 @@
         </p:nvSpPr>
         <p:spPr>
           <a:xfrm>
-            <a:off x="4047069" y="1786746"/>
+            <a:off x="4382496" y="1663592"/>
             <a:ext cx="1466564" cy="293003"/>
           </a:xfrm>
           <a:prstGeom prst="roundRect">
@@ -5310,7 +5474,7 @@
         </p:nvSpPr>
         <p:spPr>
           <a:xfrm>
-            <a:off x="4047069" y="2158023"/>
+            <a:off x="4382496" y="2034869"/>
             <a:ext cx="1466564" cy="293003"/>
           </a:xfrm>
           <a:prstGeom prst="roundRect">
@@ -5384,7 +5548,7 @@
         </p:nvSpPr>
         <p:spPr>
           <a:xfrm>
-            <a:off x="2761538" y="2708939"/>
+            <a:off x="3203848" y="2708939"/>
             <a:ext cx="1843418" cy="2206638"/>
           </a:xfrm>
           <a:prstGeom prst="roundRect">
@@ -5442,7 +5606,7 @@
         </p:nvSpPr>
         <p:spPr>
           <a:xfrm>
-            <a:off x="2850639" y="3066209"/>
+            <a:off x="3292949" y="3066209"/>
             <a:ext cx="1665213" cy="661756"/>
           </a:xfrm>
           <a:prstGeom prst="roundRect">
@@ -5499,7 +5663,7 @@
         </p:nvSpPr>
         <p:spPr>
           <a:xfrm>
-            <a:off x="2949961" y="3331626"/>
+            <a:off x="3392271" y="3331626"/>
             <a:ext cx="1466564" cy="293003"/>
           </a:xfrm>
           <a:prstGeom prst="roundRect">
@@ -5577,7 +5741,7 @@
         </p:nvSpPr>
         <p:spPr>
           <a:xfrm>
-            <a:off x="2857364" y="3818756"/>
+            <a:off x="3299674" y="3818756"/>
             <a:ext cx="1665213" cy="1018553"/>
           </a:xfrm>
           <a:prstGeom prst="roundRect">
@@ -5634,7 +5798,7 @@
         </p:nvSpPr>
         <p:spPr>
           <a:xfrm>
-            <a:off x="2956687" y="4084175"/>
+            <a:off x="3398997" y="4084175"/>
             <a:ext cx="1466564" cy="293003"/>
           </a:xfrm>
           <a:prstGeom prst="roundRect">
@@ -5712,7 +5876,7 @@
         </p:nvSpPr>
         <p:spPr>
           <a:xfrm>
-            <a:off x="2956687" y="4455452"/>
+            <a:off x="3398997" y="4455452"/>
             <a:ext cx="1466564" cy="293003"/>
           </a:xfrm>
           <a:prstGeom prst="roundRect">
@@ -5790,7 +5954,7 @@
         </p:nvSpPr>
         <p:spPr>
           <a:xfrm>
-            <a:off x="6103860" y="187696"/>
+            <a:off x="6240422" y="187696"/>
             <a:ext cx="2720252" cy="1224523"/>
           </a:xfrm>
           <a:prstGeom prst="roundRect">
@@ -5824,7 +5988,7 @@
             <a:pPr algn="ctr"/>
             <a:r>
               <a:rPr lang="en-US" altLang="ko-KR" sz="1000" b="1"/>
-              <a:t>PID=1 Epoch=1 SEQ</a:t>
+              <a:t>Cached SEQ</a:t>
             </a:r>
             <a:r>
               <a:rPr lang="ko-KR" altLang="en-US" sz="1000" b="1"/>
@@ -5832,7 +5996,7 @@
             </a:r>
             <a:r>
               <a:rPr lang="en-US" altLang="ko-KR" sz="1000" b="1"/>
-              <a:t>State</a:t>
+              <a:t>PID=1 Epoch=1</a:t>
             </a:r>
           </a:p>
           <a:p>
@@ -5842,7 +6006,7 @@
           <a:p>
             <a:r>
               <a:rPr lang="en-US" altLang="ko-KR" sz="900" dirty="0"/>
-              <a:t>Topic A, Partition 0 / </a:t>
+              <a:t>Topic A, Partition 0 : [</a:t>
             </a:r>
             <a:r>
               <a:rPr lang="en-US" altLang="ko-KR" sz="900" b="1" dirty="0">
@@ -5866,13 +6030,13 @@
             </a:r>
             <a:r>
               <a:rPr lang="en-US" altLang="ko-KR" sz="900" dirty="0"/>
-              <a:t>, 99~85, 84~78, 77~70</a:t>
+              <a:t>, 99~85, 84~78, 77~70]</a:t>
             </a:r>
           </a:p>
           <a:p>
             <a:r>
               <a:rPr lang="en-US" altLang="ko-KR" sz="900" dirty="0"/>
-              <a:t>Topic B, Partition 0 / </a:t>
+              <a:t>Topic B, Partition 0 : [</a:t>
             </a:r>
             <a:r>
               <a:rPr lang="en-US" altLang="ko-KR" sz="900" b="1" dirty="0">
@@ -5896,13 +6060,13 @@
             </a:r>
             <a:r>
               <a:rPr lang="en-US" altLang="ko-KR" sz="900" dirty="0"/>
-              <a:t>, 199~190, 189~179, 178~170</a:t>
+              <a:t>, 199~190, 189~179, 178~170]</a:t>
             </a:r>
           </a:p>
           <a:p>
             <a:r>
               <a:rPr lang="en-US" altLang="ko-KR" sz="900" dirty="0"/>
-              <a:t>Topic B, Partition 3 / </a:t>
+              <a:t>Topic B, Partition 3 : [</a:t>
             </a:r>
             <a:r>
               <a:rPr lang="en-US" altLang="ko-KR" sz="900" b="1" dirty="0">
@@ -5942,7 +6106,7 @@
                   <a:schemeClr val="tx1"/>
                 </a:solidFill>
               </a:rPr>
-              <a:t>, 179~169, 168~161, 160~152</a:t>
+              <a:t>, 179~169, 168~161, 160~152]</a:t>
             </a:r>
             <a:endParaRPr lang="en-US" altLang="ko-KR" sz="1000" dirty="0">
               <a:solidFill>
@@ -5966,7 +6130,7 @@
         </p:nvSpPr>
         <p:spPr>
           <a:xfrm>
-            <a:off x="6103860" y="1497443"/>
+            <a:off x="6240422" y="1497443"/>
             <a:ext cx="2720252" cy="1224523"/>
           </a:xfrm>
           <a:prstGeom prst="roundRect">
@@ -6000,7 +6164,7 @@
             <a:pPr algn="ctr"/>
             <a:r>
               <a:rPr lang="en-US" altLang="ko-KR" sz="1000" b="1"/>
-              <a:t>PID=2 Epoch=3 SEQ State</a:t>
+              <a:t>Cached SEQ PID=2 Epoch=3 </a:t>
             </a:r>
           </a:p>
           <a:p>
@@ -6010,7 +6174,7 @@
           <a:p>
             <a:r>
               <a:rPr lang="en-US" altLang="ko-KR" sz="900" dirty="0"/>
-              <a:t>Topic A, Partition 0 / </a:t>
+              <a:t>Topic A, Partition 0 : [</a:t>
             </a:r>
             <a:r>
               <a:rPr lang="en-US" altLang="ko-KR" sz="900" b="1" dirty="0">
@@ -6032,13 +6196,13 @@
                   <a:schemeClr val="tx1"/>
                 </a:solidFill>
               </a:rPr>
-              <a:t>301~298, 297~290, 289~275, 274~270</a:t>
+              <a:t>301~298, 297~290, 289~275, 274~270]</a:t>
             </a:r>
           </a:p>
           <a:p>
             <a:r>
               <a:rPr lang="en-US" altLang="ko-KR" sz="900" dirty="0"/>
-              <a:t>Topic B, Partition 0 / </a:t>
+              <a:t>Topic B, Partition 0 : [</a:t>
             </a:r>
             <a:r>
               <a:rPr lang="en-US" altLang="ko-KR" sz="900" b="1" dirty="0">
@@ -6060,14 +6224,14 @@
                   <a:schemeClr val="tx1"/>
                 </a:solidFill>
               </a:rPr>
-              <a:t>501~493, 492~482, 481~472, 471~458</a:t>
+              <a:t>501~493, 492~482, 481~472, 471~458]</a:t>
             </a:r>
             <a:endParaRPr lang="en-US" altLang="ko-KR" sz="900" dirty="0"/>
           </a:p>
           <a:p>
             <a:r>
               <a:rPr lang="en-US" altLang="ko-KR" sz="900" dirty="0"/>
-              <a:t>Topic B, Partition 3 / </a:t>
+              <a:t>Topic B, Partition 3 : [</a:t>
             </a:r>
             <a:r>
               <a:rPr lang="en-US" altLang="ko-KR" sz="900" b="1" dirty="0">
@@ -6101,7 +6265,345 @@
                   <a:schemeClr val="tx1"/>
                 </a:solidFill>
               </a:rPr>
-              <a:t>471~464, 463~454, 453~442</a:t>
+              <a:t>471~464, 463~454, 453~442]</a:t>
+            </a:r>
+          </a:p>
+        </p:txBody>
+      </p:sp>
+      <p:sp>
+        <p:nvSpPr>
+          <p:cNvPr id="9" name="사각형: 둥근 모서리 56">
+            <a:extLst>
+              <a:ext uri="{FF2B5EF4-FFF2-40B4-BE49-F238E27FC236}">
+                <a16:creationId xmlns:a16="http://schemas.microsoft.com/office/drawing/2014/main" id="{854F3DFC-911C-704B-E2D0-6833FE7B0399}"/>
+              </a:ext>
+            </a:extLst>
+          </p:cNvPr>
+          <p:cNvSpPr/>
+          <p:nvPr/>
+        </p:nvSpPr>
+        <p:spPr>
+          <a:xfrm>
+            <a:off x="118134" y="720086"/>
+            <a:ext cx="1910078" cy="1543857"/>
+          </a:xfrm>
+          <a:prstGeom prst="roundRect">
+            <a:avLst>
+              <a:gd name="adj" fmla="val 6126"/>
+            </a:avLst>
+          </a:prstGeom>
+          <a:ln w="12700">
+            <a:headEnd type="none" w="med" len="med"/>
+            <a:tailEnd type="triangle" w="med" len="med"/>
+          </a:ln>
+        </p:spPr>
+        <p:style>
+          <a:lnRef idx="2">
+            <a:schemeClr val="dk1"/>
+          </a:lnRef>
+          <a:fillRef idx="1">
+            <a:schemeClr val="lt1"/>
+          </a:fillRef>
+          <a:effectRef idx="0">
+            <a:schemeClr val="dk1"/>
+          </a:effectRef>
+          <a:fontRef idx="minor">
+            <a:schemeClr val="dk1"/>
+          </a:fontRef>
+        </p:style>
+        <p:txBody>
+          <a:bodyPr rtlCol="0" anchor="ctr"/>
+          <a:lstStyle/>
+          <a:p>
+            <a:pPr algn="ctr"/>
+            <a:r>
+              <a:rPr lang="en-US" altLang="ko-KR" sz="1000" b="1"/>
+              <a:t>In-flight Requests</a:t>
+            </a:r>
+          </a:p>
+          <a:p>
+            <a:pPr algn="ctr"/>
+            <a:endParaRPr lang="en-US" altLang="ko-KR" sz="1000"/>
+          </a:p>
+          <a:p>
+            <a:r>
+              <a:rPr lang="en-US" altLang="ko-KR" sz="900"/>
+              <a:t>Request A</a:t>
+            </a:r>
+            <a:br>
+              <a:rPr lang="en-US" altLang="ko-KR" sz="900"/>
+            </a:br>
+            <a:r>
+              <a:rPr lang="en-US" altLang="ko-KR" sz="900"/>
+              <a:t>[(Topic A, Partition 0, </a:t>
+            </a:r>
+            <a:r>
+              <a:rPr lang="en-US" altLang="ko-KR" sz="900" b="1">
+                <a:solidFill>
+                  <a:srgbClr val="C00000"/>
+                </a:solidFill>
+              </a:rPr>
+              <a:t>105~100</a:t>
+            </a:r>
+            <a:r>
+              <a:rPr lang="en-US" altLang="ko-KR" sz="900"/>
+              <a:t>), (Topic B, Partition 0, </a:t>
+            </a:r>
+            <a:r>
+              <a:rPr lang="en-US" altLang="ko-KR" sz="900" b="1">
+                <a:solidFill>
+                  <a:srgbClr val="C00000"/>
+                </a:solidFill>
+              </a:rPr>
+              <a:t>207~200</a:t>
+            </a:r>
+            <a:r>
+              <a:rPr lang="en-US" altLang="ko-KR" sz="900"/>
+              <a:t>),</a:t>
+            </a:r>
+          </a:p>
+          <a:p>
+            <a:r>
+              <a:rPr lang="en-US" altLang="ko-KR" sz="900"/>
+              <a:t>(Topic B, Partition 1, </a:t>
+            </a:r>
+            <a:r>
+              <a:rPr lang="en-US" altLang="ko-KR" sz="900" b="1">
+                <a:solidFill>
+                  <a:srgbClr val="C00000"/>
+                </a:solidFill>
+              </a:rPr>
+              <a:t>185~180</a:t>
+            </a:r>
+            <a:r>
+              <a:rPr lang="en-US" altLang="ko-KR" sz="900"/>
+              <a:t>)]</a:t>
+            </a:r>
+          </a:p>
+          <a:p>
+            <a:r>
+              <a:rPr lang="en-US" altLang="ko-KR" sz="900"/>
+              <a:t>Request C</a:t>
+            </a:r>
+          </a:p>
+          <a:p>
+            <a:r>
+              <a:rPr lang="en-US" altLang="ko-KR" sz="900"/>
+              <a:t>[(Topic A, Partition 0, </a:t>
+            </a:r>
+            <a:r>
+              <a:rPr lang="en-US" altLang="ko-KR" sz="900" b="1">
+                <a:solidFill>
+                  <a:schemeClr val="tx2"/>
+                </a:solidFill>
+              </a:rPr>
+              <a:t>113~106</a:t>
+            </a:r>
+            <a:r>
+              <a:rPr lang="en-US" altLang="ko-KR" sz="900"/>
+              <a:t>), (Topic B, Partition 0, </a:t>
+            </a:r>
+            <a:r>
+              <a:rPr lang="en-US" altLang="ko-KR" sz="900" b="1">
+                <a:solidFill>
+                  <a:schemeClr val="tx2"/>
+                </a:solidFill>
+              </a:rPr>
+              <a:t>215~208</a:t>
+            </a:r>
+            <a:r>
+              <a:rPr lang="en-US" altLang="ko-KR" sz="900"/>
+              <a:t>),</a:t>
+            </a:r>
+          </a:p>
+          <a:p>
+            <a:r>
+              <a:rPr lang="en-US" altLang="ko-KR" sz="900"/>
+              <a:t>(Topic B, Partition 1, </a:t>
+            </a:r>
+            <a:r>
+              <a:rPr lang="en-US" altLang="ko-KR" sz="900" b="1">
+                <a:solidFill>
+                  <a:schemeClr val="tx2"/>
+                </a:solidFill>
+              </a:rPr>
+              <a:t>195~186</a:t>
+            </a:r>
+            <a:r>
+              <a:rPr lang="en-US" altLang="ko-KR" sz="900"/>
+              <a:t>)]</a:t>
+            </a:r>
+          </a:p>
+        </p:txBody>
+      </p:sp>
+      <p:sp>
+        <p:nvSpPr>
+          <p:cNvPr id="47" name="사각형: 둥근 모서리 56">
+            <a:extLst>
+              <a:ext uri="{FF2B5EF4-FFF2-40B4-BE49-F238E27FC236}">
+                <a16:creationId xmlns:a16="http://schemas.microsoft.com/office/drawing/2014/main" id="{95C348D6-9F72-0068-DA3E-24FECE24E5CC}"/>
+              </a:ext>
+            </a:extLst>
+          </p:cNvPr>
+          <p:cNvSpPr/>
+          <p:nvPr/>
+        </p:nvSpPr>
+        <p:spPr>
+          <a:xfrm>
+            <a:off x="35497" y="3107769"/>
+            <a:ext cx="2075354" cy="1396940"/>
+          </a:xfrm>
+          <a:prstGeom prst="roundRect">
+            <a:avLst>
+              <a:gd name="adj" fmla="val 3942"/>
+            </a:avLst>
+          </a:prstGeom>
+          <a:ln w="12700">
+            <a:headEnd type="none" w="med" len="med"/>
+            <a:tailEnd type="triangle" w="med" len="med"/>
+          </a:ln>
+        </p:spPr>
+        <p:style>
+          <a:lnRef idx="2">
+            <a:schemeClr val="dk1"/>
+          </a:lnRef>
+          <a:fillRef idx="1">
+            <a:schemeClr val="lt1"/>
+          </a:fillRef>
+          <a:effectRef idx="0">
+            <a:schemeClr val="dk1"/>
+          </a:effectRef>
+          <a:fontRef idx="minor">
+            <a:schemeClr val="dk1"/>
+          </a:fontRef>
+        </p:style>
+        <p:txBody>
+          <a:bodyPr rtlCol="0" anchor="t"/>
+          <a:lstStyle/>
+          <a:p>
+            <a:pPr algn="ctr"/>
+            <a:r>
+              <a:rPr lang="en-US" altLang="ko-KR" sz="1000"/>
+              <a:t>Producer B</a:t>
+            </a:r>
+            <a:endParaRPr lang="ko-KR" altLang="en-US" sz="1000" dirty="0"/>
+          </a:p>
+        </p:txBody>
+      </p:sp>
+      <p:sp>
+        <p:nvSpPr>
+          <p:cNvPr id="48" name="사각형: 둥근 모서리 56">
+            <a:extLst>
+              <a:ext uri="{FF2B5EF4-FFF2-40B4-BE49-F238E27FC236}">
+                <a16:creationId xmlns:a16="http://schemas.microsoft.com/office/drawing/2014/main" id="{9EF14BE3-6FB4-EBE7-4B82-F2C4EC192CB1}"/>
+              </a:ext>
+            </a:extLst>
+          </p:cNvPr>
+          <p:cNvSpPr/>
+          <p:nvPr/>
+        </p:nvSpPr>
+        <p:spPr>
+          <a:xfrm>
+            <a:off x="118134" y="3420785"/>
+            <a:ext cx="1910078" cy="998733"/>
+          </a:xfrm>
+          <a:prstGeom prst="roundRect">
+            <a:avLst>
+              <a:gd name="adj" fmla="val 6126"/>
+            </a:avLst>
+          </a:prstGeom>
+          <a:ln w="12700">
+            <a:headEnd type="none" w="med" len="med"/>
+            <a:tailEnd type="triangle" w="med" len="med"/>
+          </a:ln>
+        </p:spPr>
+        <p:style>
+          <a:lnRef idx="2">
+            <a:schemeClr val="dk1"/>
+          </a:lnRef>
+          <a:fillRef idx="1">
+            <a:schemeClr val="lt1"/>
+          </a:fillRef>
+          <a:effectRef idx="0">
+            <a:schemeClr val="dk1"/>
+          </a:effectRef>
+          <a:fontRef idx="minor">
+            <a:schemeClr val="dk1"/>
+          </a:fontRef>
+        </p:style>
+        <p:txBody>
+          <a:bodyPr rtlCol="0" anchor="ctr"/>
+          <a:lstStyle/>
+          <a:p>
+            <a:pPr algn="ctr"/>
+            <a:r>
+              <a:rPr lang="en-US" altLang="ko-KR" sz="1000" b="1"/>
+              <a:t>In-flight Requests</a:t>
+            </a:r>
+          </a:p>
+          <a:p>
+            <a:pPr algn="ctr"/>
+            <a:endParaRPr lang="en-US" altLang="ko-KR" sz="1000"/>
+          </a:p>
+          <a:p>
+            <a:r>
+              <a:rPr lang="en-US" altLang="ko-KR" sz="900"/>
+              <a:t>Request B</a:t>
+            </a:r>
+            <a:br>
+              <a:rPr lang="en-US" altLang="ko-KR" sz="900"/>
+            </a:br>
+            <a:r>
+              <a:rPr lang="en-US" altLang="ko-KR" sz="900"/>
+              <a:t>[(Topic A, Partition 0, </a:t>
+            </a:r>
+            <a:r>
+              <a:rPr lang="en-US" altLang="ko-KR" sz="900" b="1" dirty="0">
+                <a:solidFill>
+                  <a:schemeClr val="accent3">
+                    <a:lumMod val="75000"/>
+                  </a:schemeClr>
+                </a:solidFill>
+              </a:rPr>
+              <a:t>315~302</a:t>
+            </a:r>
+            <a:r>
+              <a:rPr lang="en-US" altLang="ko-KR" sz="900"/>
+              <a:t>), (Topic B, Partition 0, </a:t>
+            </a:r>
+            <a:r>
+              <a:rPr lang="en-US" altLang="ko-KR" sz="900" b="1" dirty="0">
+                <a:solidFill>
+                  <a:schemeClr val="accent3">
+                    <a:lumMod val="75000"/>
+                  </a:schemeClr>
+                </a:solidFill>
+              </a:rPr>
+              <a:t>524~520</a:t>
+            </a:r>
+            <a:r>
+              <a:rPr lang="en-US" altLang="ko-KR" sz="900"/>
+              <a:t>),</a:t>
+            </a:r>
+          </a:p>
+          <a:p>
+            <a:r>
+              <a:rPr lang="en-US" altLang="ko-KR" sz="900"/>
+              <a:t>(Topic B, Partition 1, </a:t>
+            </a:r>
+            <a:r>
+              <a:rPr lang="en-US" altLang="ko-KR" sz="900" b="1" dirty="0">
+                <a:solidFill>
+                  <a:schemeClr val="accent3">
+                    <a:lumMod val="75000"/>
+                  </a:schemeClr>
+                </a:solidFill>
+              </a:rPr>
+              <a:t>480~474</a:t>
+            </a:r>
+            <a:r>
+              <a:rPr lang="en-US" altLang="ko-KR" sz="900"/>
+              <a:t>)]</a:t>
             </a:r>
           </a:p>
         </p:txBody>
@@ -6124,6 +6626,381 @@
   <p:cSld>
     <p:spTree>
       <p:nvGrpSpPr>
+        <p:cNvPr id="1" name="">
+          <a:extLst>
+            <a:ext uri="{FF2B5EF4-FFF2-40B4-BE49-F238E27FC236}">
+              <a16:creationId xmlns:a16="http://schemas.microsoft.com/office/drawing/2014/main" id="{77FFE357-42B6-59AE-3AA0-D9AAA71E2959}"/>
+            </a:ext>
+          </a:extLst>
+        </p:cNvPr>
+        <p:cNvGrpSpPr/>
+        <p:nvPr/>
+      </p:nvGrpSpPr>
+      <p:grpSpPr>
+        <a:xfrm>
+          <a:off x="0" y="0"/>
+          <a:ext cx="0" cy="0"/>
+          <a:chOff x="0" y="0"/>
+          <a:chExt cx="0" cy="0"/>
+        </a:xfrm>
+      </p:grpSpPr>
+      <p:sp>
+        <p:nvSpPr>
+          <p:cNvPr id="57" name="사각형: 둥근 모서리 56">
+            <a:extLst>
+              <a:ext uri="{FF2B5EF4-FFF2-40B4-BE49-F238E27FC236}">
+                <a16:creationId xmlns:a16="http://schemas.microsoft.com/office/drawing/2014/main" id="{A84AD674-43D4-2FD0-DEEA-2852C300FB97}"/>
+              </a:ext>
+            </a:extLst>
+          </p:cNvPr>
+          <p:cNvSpPr/>
+          <p:nvPr/>
+        </p:nvSpPr>
+        <p:spPr>
+          <a:xfrm>
+            <a:off x="137320" y="123448"/>
+            <a:ext cx="1122025" cy="576124"/>
+          </a:xfrm>
+          <a:prstGeom prst="roundRect">
+            <a:avLst>
+              <a:gd name="adj" fmla="val 14105"/>
+            </a:avLst>
+          </a:prstGeom>
+          <a:ln w="12700">
+            <a:headEnd type="none" w="med" len="med"/>
+            <a:tailEnd type="triangle" w="med" len="med"/>
+          </a:ln>
+        </p:spPr>
+        <p:style>
+          <a:lnRef idx="2">
+            <a:schemeClr val="dk1"/>
+          </a:lnRef>
+          <a:fillRef idx="1">
+            <a:schemeClr val="lt1"/>
+          </a:fillRef>
+          <a:effectRef idx="0">
+            <a:schemeClr val="dk1"/>
+          </a:effectRef>
+          <a:fontRef idx="minor">
+            <a:schemeClr val="dk1"/>
+          </a:fontRef>
+        </p:style>
+        <p:txBody>
+          <a:bodyPr rtlCol="0" anchor="ctr"/>
+          <a:lstStyle/>
+          <a:p>
+            <a:pPr algn="ctr"/>
+            <a:r>
+              <a:rPr lang="en-US" altLang="ko-KR" sz="1000"/>
+              <a:t>Producer A</a:t>
+            </a:r>
+            <a:endParaRPr lang="ko-KR" altLang="en-US" sz="1000" dirty="0"/>
+          </a:p>
+        </p:txBody>
+      </p:sp>
+      <p:sp>
+        <p:nvSpPr>
+          <p:cNvPr id="25" name="사각형: 둥근 모서리 6">
+            <a:extLst>
+              <a:ext uri="{FF2B5EF4-FFF2-40B4-BE49-F238E27FC236}">
+                <a16:creationId xmlns:a16="http://schemas.microsoft.com/office/drawing/2014/main" id="{59F5ABF8-6980-77E0-B86C-15F06E67D491}"/>
+              </a:ext>
+            </a:extLst>
+          </p:cNvPr>
+          <p:cNvSpPr/>
+          <p:nvPr/>
+        </p:nvSpPr>
+        <p:spPr>
+          <a:xfrm>
+            <a:off x="6300192" y="195486"/>
+            <a:ext cx="2728850" cy="746980"/>
+          </a:xfrm>
+          <a:prstGeom prst="roundRect">
+            <a:avLst>
+              <a:gd name="adj" fmla="val 7955"/>
+            </a:avLst>
+          </a:prstGeom>
+          <a:ln w="12700">
+            <a:headEnd type="none" w="med" len="med"/>
+            <a:tailEnd type="triangle" w="med" len="med"/>
+          </a:ln>
+        </p:spPr>
+        <p:style>
+          <a:lnRef idx="2">
+            <a:schemeClr val="dk1"/>
+          </a:lnRef>
+          <a:fillRef idx="1">
+            <a:schemeClr val="lt1"/>
+          </a:fillRef>
+          <a:effectRef idx="0">
+            <a:schemeClr val="dk1"/>
+          </a:effectRef>
+          <a:fontRef idx="minor">
+            <a:schemeClr val="dk1"/>
+          </a:fontRef>
+        </p:style>
+        <p:txBody>
+          <a:bodyPr rtlCol="0" anchor="b"/>
+          <a:lstStyle/>
+          <a:p>
+            <a:pPr algn="ctr"/>
+            <a:r>
+              <a:rPr lang="en-US" altLang="ko-KR" sz="1000" dirty="0"/>
+              <a:t>Kafka Broker</a:t>
+            </a:r>
+            <a:endParaRPr lang="ko-KR" altLang="en-US" sz="1000" dirty="0"/>
+          </a:p>
+        </p:txBody>
+      </p:sp>
+      <p:cxnSp>
+        <p:nvCxnSpPr>
+          <p:cNvPr id="31" name="직선 화살표 연결선 96">
+            <a:extLst>
+              <a:ext uri="{FF2B5EF4-FFF2-40B4-BE49-F238E27FC236}">
+                <a16:creationId xmlns:a16="http://schemas.microsoft.com/office/drawing/2014/main" id="{26F13664-8504-B44D-91E1-71E31B9B09C3}"/>
+              </a:ext>
+            </a:extLst>
+          </p:cNvPr>
+          <p:cNvCxnSpPr>
+            <a:cxnSpLocks/>
+            <a:stCxn id="57" idx="3"/>
+          </p:cNvCxnSpPr>
+          <p:nvPr/>
+        </p:nvCxnSpPr>
+        <p:spPr>
+          <a:xfrm>
+            <a:off x="1259345" y="411510"/>
+            <a:ext cx="4661950" cy="0"/>
+          </a:xfrm>
+          <a:prstGeom prst="straightConnector1">
+            <a:avLst/>
+          </a:prstGeom>
+          <a:ln w="12700">
+            <a:solidFill>
+              <a:schemeClr val="tx2"/>
+            </a:solidFill>
+            <a:prstDash val="solid"/>
+            <a:headEnd type="none" w="med" len="med"/>
+            <a:tailEnd type="triangle" w="med" len="med"/>
+          </a:ln>
+        </p:spPr>
+        <p:style>
+          <a:lnRef idx="1">
+            <a:schemeClr val="accent1"/>
+          </a:lnRef>
+          <a:fillRef idx="0">
+            <a:schemeClr val="accent1"/>
+          </a:fillRef>
+          <a:effectRef idx="0">
+            <a:schemeClr val="accent1"/>
+          </a:effectRef>
+          <a:fontRef idx="minor">
+            <a:schemeClr val="tx1"/>
+          </a:fontRef>
+        </p:style>
+      </p:cxnSp>
+      <p:sp>
+        <p:nvSpPr>
+          <p:cNvPr id="84" name="사각형: 둥근 모서리 6">
+            <a:extLst>
+              <a:ext uri="{FF2B5EF4-FFF2-40B4-BE49-F238E27FC236}">
+                <a16:creationId xmlns:a16="http://schemas.microsoft.com/office/drawing/2014/main" id="{84F687F1-FD23-671C-C3BD-00311C94B461}"/>
+              </a:ext>
+            </a:extLst>
+          </p:cNvPr>
+          <p:cNvSpPr/>
+          <p:nvPr/>
+        </p:nvSpPr>
+        <p:spPr>
+          <a:xfrm>
+            <a:off x="1871507" y="2278747"/>
+            <a:ext cx="1044309" cy="293003"/>
+          </a:xfrm>
+          <a:prstGeom prst="roundRect">
+            <a:avLst>
+              <a:gd name="adj" fmla="val 18811"/>
+            </a:avLst>
+          </a:prstGeom>
+          <a:solidFill>
+            <a:schemeClr val="bg1">
+              <a:lumMod val="95000"/>
+            </a:schemeClr>
+          </a:solidFill>
+          <a:ln w="12700">
+            <a:headEnd type="none" w="med" len="med"/>
+            <a:tailEnd type="triangle" w="med" len="med"/>
+          </a:ln>
+        </p:spPr>
+        <p:style>
+          <a:lnRef idx="2">
+            <a:schemeClr val="dk1"/>
+          </a:lnRef>
+          <a:fillRef idx="1">
+            <a:schemeClr val="lt1"/>
+          </a:fillRef>
+          <a:effectRef idx="0">
+            <a:schemeClr val="dk1"/>
+          </a:effectRef>
+          <a:fontRef idx="minor">
+            <a:schemeClr val="dk1"/>
+          </a:fontRef>
+        </p:style>
+        <p:txBody>
+          <a:bodyPr rtlCol="0" anchor="ctr"/>
+          <a:lstStyle/>
+          <a:p>
+            <a:pPr algn="ctr"/>
+            <a:r>
+              <a:rPr lang="en-US" altLang="ko-KR" sz="900" dirty="0">
+                <a:solidFill>
+                  <a:schemeClr val="tx1"/>
+                </a:solidFill>
+              </a:rPr>
+              <a:t>SEQ=113~106</a:t>
+            </a:r>
+          </a:p>
+        </p:txBody>
+      </p:sp>
+      <p:sp>
+        <p:nvSpPr>
+          <p:cNvPr id="108" name="사각형: 둥근 모서리 6">
+            <a:extLst>
+              <a:ext uri="{FF2B5EF4-FFF2-40B4-BE49-F238E27FC236}">
+                <a16:creationId xmlns:a16="http://schemas.microsoft.com/office/drawing/2014/main" id="{B851613C-9E4F-48E4-9488-444B45AF415D}"/>
+              </a:ext>
+            </a:extLst>
+          </p:cNvPr>
+          <p:cNvSpPr/>
+          <p:nvPr/>
+        </p:nvSpPr>
+        <p:spPr>
+          <a:xfrm>
+            <a:off x="3166486" y="2278747"/>
+            <a:ext cx="1044309" cy="293003"/>
+          </a:xfrm>
+          <a:prstGeom prst="roundRect">
+            <a:avLst>
+              <a:gd name="adj" fmla="val 18811"/>
+            </a:avLst>
+          </a:prstGeom>
+          <a:solidFill>
+            <a:schemeClr val="bg1">
+              <a:lumMod val="95000"/>
+            </a:schemeClr>
+          </a:solidFill>
+          <a:ln w="12700">
+            <a:headEnd type="none" w="med" len="med"/>
+            <a:tailEnd type="triangle" w="med" len="med"/>
+          </a:ln>
+        </p:spPr>
+        <p:style>
+          <a:lnRef idx="2">
+            <a:schemeClr val="dk1"/>
+          </a:lnRef>
+          <a:fillRef idx="1">
+            <a:schemeClr val="lt1"/>
+          </a:fillRef>
+          <a:effectRef idx="0">
+            <a:schemeClr val="dk1"/>
+          </a:effectRef>
+          <a:fontRef idx="minor">
+            <a:schemeClr val="dk1"/>
+          </a:fontRef>
+        </p:style>
+        <p:txBody>
+          <a:bodyPr rtlCol="0" anchor="ctr"/>
+          <a:lstStyle/>
+          <a:p>
+            <a:pPr algn="ctr"/>
+            <a:r>
+              <a:rPr lang="en-US" altLang="ko-KR" sz="900" dirty="0">
+                <a:solidFill>
+                  <a:schemeClr val="tx1"/>
+                </a:solidFill>
+              </a:rPr>
+              <a:t>SEQ=105~100</a:t>
+            </a:r>
+          </a:p>
+        </p:txBody>
+      </p:sp>
+      <p:sp>
+        <p:nvSpPr>
+          <p:cNvPr id="5" name="사각형: 둥근 모서리 56">
+            <a:extLst>
+              <a:ext uri="{FF2B5EF4-FFF2-40B4-BE49-F238E27FC236}">
+                <a16:creationId xmlns:a16="http://schemas.microsoft.com/office/drawing/2014/main" id="{FC6ED50C-1474-E5CD-D548-253E8C00E727}"/>
+              </a:ext>
+            </a:extLst>
+          </p:cNvPr>
+          <p:cNvSpPr/>
+          <p:nvPr/>
+        </p:nvSpPr>
+        <p:spPr>
+          <a:xfrm>
+            <a:off x="6384438" y="288499"/>
+            <a:ext cx="2572596" cy="367829"/>
+          </a:xfrm>
+          <a:prstGeom prst="roundRect">
+            <a:avLst>
+              <a:gd name="adj" fmla="val 8779"/>
+            </a:avLst>
+          </a:prstGeom>
+          <a:ln w="12700">
+            <a:headEnd type="none" w="med" len="med"/>
+            <a:tailEnd type="triangle" w="med" len="med"/>
+          </a:ln>
+        </p:spPr>
+        <p:style>
+          <a:lnRef idx="2">
+            <a:schemeClr val="dk1"/>
+          </a:lnRef>
+          <a:fillRef idx="1">
+            <a:schemeClr val="lt1"/>
+          </a:fillRef>
+          <a:effectRef idx="0">
+            <a:schemeClr val="dk1"/>
+          </a:effectRef>
+          <a:fontRef idx="minor">
+            <a:schemeClr val="dk1"/>
+          </a:fontRef>
+        </p:style>
+        <p:txBody>
+          <a:bodyPr rtlCol="0" anchor="ctr"/>
+          <a:lstStyle/>
+          <a:p>
+            <a:pPr algn="ctr"/>
+            <a:endParaRPr lang="en-US" altLang="ko-KR" sz="1000" b="1"/>
+          </a:p>
+          <a:p>
+            <a:r>
+              <a:rPr lang="en-US" altLang="ko-KR" sz="900" dirty="0">
+                <a:solidFill>
+                  <a:schemeClr val="tx1"/>
+                </a:solidFill>
+              </a:rPr>
+              <a:t>113~106, 105~100, 99~85, 84~78, 77~70</a:t>
+            </a:r>
+          </a:p>
+        </p:txBody>
+      </p:sp>
+    </p:spTree>
+    <p:extLst>
+      <p:ext uri="{BB962C8B-B14F-4D97-AF65-F5344CB8AC3E}">
+        <p14:creationId xmlns:p14="http://schemas.microsoft.com/office/powerpoint/2010/main" val="704085089"/>
+      </p:ext>
+    </p:extLst>
+  </p:cSld>
+  <p:clrMapOvr>
+    <a:masterClrMapping/>
+  </p:clrMapOvr>
+</p:sld>
+</file>
+
+<file path=ppt/slides/slide3.xml><?xml version="1.0" encoding="utf-8"?>
+<p:sld xmlns:a="http://schemas.openxmlformats.org/drawingml/2006/main" xmlns:r="http://schemas.openxmlformats.org/officeDocument/2006/relationships" xmlns:p="http://schemas.openxmlformats.org/presentationml/2006/main">
+  <p:cSld>
+    <p:spTree>
+      <p:nvGrpSpPr>
         <p:cNvPr id="1" name=""/>
         <p:cNvGrpSpPr/>
         <p:nvPr/>
@@ -6199,7 +7076,2222 @@
 </p:sld>
 </file>
 
-<file path=ppt/slides/slide3.xml><?xml version="1.0" encoding="utf-8"?>
+<file path=ppt/slides/slide4.xml><?xml version="1.0" encoding="utf-8"?>
+<p:sld xmlns:a="http://schemas.openxmlformats.org/drawingml/2006/main" xmlns:r="http://schemas.openxmlformats.org/officeDocument/2006/relationships" xmlns:p="http://schemas.openxmlformats.org/presentationml/2006/main">
+  <p:cSld>
+    <p:spTree>
+      <p:nvGrpSpPr>
+        <p:cNvPr id="1" name="">
+          <a:extLst>
+            <a:ext uri="{FF2B5EF4-FFF2-40B4-BE49-F238E27FC236}">
+              <a16:creationId xmlns:a16="http://schemas.microsoft.com/office/drawing/2014/main" id="{B25019D1-EAF7-E19C-5B42-7B7B20BCC8ED}"/>
+            </a:ext>
+          </a:extLst>
+        </p:cNvPr>
+        <p:cNvGrpSpPr/>
+        <p:nvPr/>
+      </p:nvGrpSpPr>
+      <p:grpSpPr>
+        <a:xfrm>
+          <a:off x="0" y="0"/>
+          <a:ext cx="0" cy="0"/>
+          <a:chOff x="0" y="0"/>
+          <a:chExt cx="0" cy="0"/>
+        </a:xfrm>
+      </p:grpSpPr>
+      <p:sp>
+        <p:nvSpPr>
+          <p:cNvPr id="57" name="사각형: 둥근 모서리 56">
+            <a:extLst>
+              <a:ext uri="{FF2B5EF4-FFF2-40B4-BE49-F238E27FC236}">
+                <a16:creationId xmlns:a16="http://schemas.microsoft.com/office/drawing/2014/main" id="{D9EF659E-B0FC-6FB9-4D52-36DBCC619A3E}"/>
+              </a:ext>
+            </a:extLst>
+          </p:cNvPr>
+          <p:cNvSpPr/>
+          <p:nvPr/>
+        </p:nvSpPr>
+        <p:spPr>
+          <a:xfrm>
+            <a:off x="182639" y="945078"/>
+            <a:ext cx="1501154" cy="941418"/>
+          </a:xfrm>
+          <a:prstGeom prst="roundRect">
+            <a:avLst>
+              <a:gd name="adj" fmla="val 10105"/>
+            </a:avLst>
+          </a:prstGeom>
+          <a:ln w="12700">
+            <a:headEnd type="none" w="med" len="med"/>
+            <a:tailEnd type="triangle" w="med" len="med"/>
+          </a:ln>
+        </p:spPr>
+        <p:style>
+          <a:lnRef idx="2">
+            <a:schemeClr val="dk1"/>
+          </a:lnRef>
+          <a:fillRef idx="1">
+            <a:schemeClr val="lt1"/>
+          </a:fillRef>
+          <a:effectRef idx="0">
+            <a:schemeClr val="dk1"/>
+          </a:effectRef>
+          <a:fontRef idx="minor">
+            <a:schemeClr val="dk1"/>
+          </a:fontRef>
+        </p:style>
+        <p:txBody>
+          <a:bodyPr rtlCol="0" anchor="t"/>
+          <a:lstStyle/>
+          <a:p>
+            <a:pPr algn="ctr"/>
+            <a:r>
+              <a:rPr lang="en-US" altLang="ko-KR" sz="1000"/>
+              <a:t>Producer A</a:t>
+            </a:r>
+            <a:endParaRPr lang="ko-KR" altLang="en-US" sz="1000" dirty="0"/>
+          </a:p>
+        </p:txBody>
+      </p:sp>
+      <p:sp>
+        <p:nvSpPr>
+          <p:cNvPr id="25" name="사각형: 둥근 모서리 6">
+            <a:extLst>
+              <a:ext uri="{FF2B5EF4-FFF2-40B4-BE49-F238E27FC236}">
+                <a16:creationId xmlns:a16="http://schemas.microsoft.com/office/drawing/2014/main" id="{687D6FB8-4A86-44E8-FBE4-A05FF5DF6EE6}"/>
+              </a:ext>
+            </a:extLst>
+          </p:cNvPr>
+          <p:cNvSpPr/>
+          <p:nvPr/>
+        </p:nvSpPr>
+        <p:spPr>
+          <a:xfrm>
+            <a:off x="6156176" y="102472"/>
+            <a:ext cx="2888746" cy="4845542"/>
+          </a:xfrm>
+          <a:prstGeom prst="roundRect">
+            <a:avLst>
+              <a:gd name="adj" fmla="val 4353"/>
+            </a:avLst>
+          </a:prstGeom>
+          <a:ln w="12700">
+            <a:headEnd type="none" w="med" len="med"/>
+            <a:tailEnd type="triangle" w="med" len="med"/>
+          </a:ln>
+        </p:spPr>
+        <p:style>
+          <a:lnRef idx="2">
+            <a:schemeClr val="dk1"/>
+          </a:lnRef>
+          <a:fillRef idx="1">
+            <a:schemeClr val="lt1"/>
+          </a:fillRef>
+          <a:effectRef idx="0">
+            <a:schemeClr val="dk1"/>
+          </a:effectRef>
+          <a:fontRef idx="minor">
+            <a:schemeClr val="dk1"/>
+          </a:fontRef>
+        </p:style>
+        <p:txBody>
+          <a:bodyPr rtlCol="0" anchor="b"/>
+          <a:lstStyle/>
+          <a:p>
+            <a:pPr algn="ctr"/>
+            <a:r>
+              <a:rPr lang="en-US" altLang="ko-KR" sz="1000" dirty="0"/>
+              <a:t>Kafka Broker A</a:t>
+            </a:r>
+            <a:endParaRPr lang="ko-KR" altLang="en-US" sz="1000" dirty="0"/>
+          </a:p>
+        </p:txBody>
+      </p:sp>
+      <p:sp>
+        <p:nvSpPr>
+          <p:cNvPr id="26" name="사각형: 둥근 모서리 12">
+            <a:extLst>
+              <a:ext uri="{FF2B5EF4-FFF2-40B4-BE49-F238E27FC236}">
+                <a16:creationId xmlns:a16="http://schemas.microsoft.com/office/drawing/2014/main" id="{8F7DF387-0E33-1A02-BA78-BDC46D03E53A}"/>
+              </a:ext>
+            </a:extLst>
+          </p:cNvPr>
+          <p:cNvSpPr/>
+          <p:nvPr/>
+        </p:nvSpPr>
+        <p:spPr>
+          <a:xfrm>
+            <a:off x="6880469" y="3101751"/>
+            <a:ext cx="1440160" cy="268948"/>
+          </a:xfrm>
+          <a:prstGeom prst="roundRect">
+            <a:avLst>
+              <a:gd name="adj" fmla="val 14105"/>
+            </a:avLst>
+          </a:prstGeom>
+          <a:noFill/>
+          <a:ln w="12700">
+            <a:headEnd type="none" w="med" len="med"/>
+            <a:tailEnd type="triangle" w="med" len="med"/>
+          </a:ln>
+        </p:spPr>
+        <p:style>
+          <a:lnRef idx="2">
+            <a:schemeClr val="dk1"/>
+          </a:lnRef>
+          <a:fillRef idx="1">
+            <a:schemeClr val="lt1"/>
+          </a:fillRef>
+          <a:effectRef idx="0">
+            <a:schemeClr val="dk1"/>
+          </a:effectRef>
+          <a:fontRef idx="minor">
+            <a:schemeClr val="dk1"/>
+          </a:fontRef>
+        </p:style>
+        <p:txBody>
+          <a:bodyPr rtlCol="0" anchor="ctr"/>
+          <a:lstStyle/>
+          <a:p>
+            <a:pPr algn="ctr"/>
+            <a:r>
+              <a:rPr lang="en-US" altLang="ko-KR" sz="900"/>
+              <a:t>Partition </a:t>
+            </a:r>
+            <a:r>
+              <a:rPr lang="en-US" altLang="ko-KR" sz="900" dirty="0"/>
+              <a:t>0</a:t>
+            </a:r>
+            <a:endParaRPr lang="ko-KR" altLang="en-US" sz="900" dirty="0"/>
+          </a:p>
+        </p:txBody>
+      </p:sp>
+      <p:sp>
+        <p:nvSpPr>
+          <p:cNvPr id="27" name="사각형: 둥근 모서리 12">
+            <a:extLst>
+              <a:ext uri="{FF2B5EF4-FFF2-40B4-BE49-F238E27FC236}">
+                <a16:creationId xmlns:a16="http://schemas.microsoft.com/office/drawing/2014/main" id="{D1C5E04C-F14F-4DC2-58B7-930BCA52507F}"/>
+              </a:ext>
+            </a:extLst>
+          </p:cNvPr>
+          <p:cNvSpPr/>
+          <p:nvPr/>
+        </p:nvSpPr>
+        <p:spPr>
+          <a:xfrm>
+            <a:off x="6880469" y="3885810"/>
+            <a:ext cx="1440160" cy="268948"/>
+          </a:xfrm>
+          <a:prstGeom prst="roundRect">
+            <a:avLst>
+              <a:gd name="adj" fmla="val 14105"/>
+            </a:avLst>
+          </a:prstGeom>
+          <a:noFill/>
+          <a:ln w="12700">
+            <a:headEnd type="none" w="med" len="med"/>
+            <a:tailEnd type="triangle" w="med" len="med"/>
+          </a:ln>
+        </p:spPr>
+        <p:style>
+          <a:lnRef idx="2">
+            <a:schemeClr val="dk1"/>
+          </a:lnRef>
+          <a:fillRef idx="1">
+            <a:schemeClr val="lt1"/>
+          </a:fillRef>
+          <a:effectRef idx="0">
+            <a:schemeClr val="dk1"/>
+          </a:effectRef>
+          <a:fontRef idx="minor">
+            <a:schemeClr val="dk1"/>
+          </a:fontRef>
+        </p:style>
+        <p:txBody>
+          <a:bodyPr rtlCol="0" anchor="ctr"/>
+          <a:lstStyle/>
+          <a:p>
+            <a:pPr algn="ctr"/>
+            <a:r>
+              <a:rPr lang="en-US" altLang="ko-KR" sz="900"/>
+              <a:t>Partition </a:t>
+            </a:r>
+            <a:r>
+              <a:rPr lang="en-US" altLang="ko-KR" sz="900" dirty="0"/>
+              <a:t>0</a:t>
+            </a:r>
+            <a:endParaRPr lang="ko-KR" altLang="en-US" sz="900" dirty="0"/>
+          </a:p>
+        </p:txBody>
+      </p:sp>
+      <p:sp>
+        <p:nvSpPr>
+          <p:cNvPr id="28" name="사각형: 둥근 모서리 70">
+            <a:extLst>
+              <a:ext uri="{FF2B5EF4-FFF2-40B4-BE49-F238E27FC236}">
+                <a16:creationId xmlns:a16="http://schemas.microsoft.com/office/drawing/2014/main" id="{CAA633AD-4E94-B295-51D5-1982F6350463}"/>
+              </a:ext>
+            </a:extLst>
+          </p:cNvPr>
+          <p:cNvSpPr/>
+          <p:nvPr/>
+        </p:nvSpPr>
+        <p:spPr>
+          <a:xfrm>
+            <a:off x="6777625" y="2807190"/>
+            <a:ext cx="1645849" cy="631715"/>
+          </a:xfrm>
+          <a:prstGeom prst="roundRect">
+            <a:avLst>
+              <a:gd name="adj" fmla="val 10885"/>
+            </a:avLst>
+          </a:prstGeom>
+          <a:noFill/>
+          <a:ln w="12700">
+            <a:prstDash val="dash"/>
+            <a:headEnd type="none" w="med" len="med"/>
+            <a:tailEnd type="triangle" w="med" len="med"/>
+          </a:ln>
+        </p:spPr>
+        <p:style>
+          <a:lnRef idx="2">
+            <a:schemeClr val="dk1"/>
+          </a:lnRef>
+          <a:fillRef idx="1">
+            <a:schemeClr val="lt1"/>
+          </a:fillRef>
+          <a:effectRef idx="0">
+            <a:schemeClr val="dk1"/>
+          </a:effectRef>
+          <a:fontRef idx="minor">
+            <a:schemeClr val="dk1"/>
+          </a:fontRef>
+        </p:style>
+        <p:txBody>
+          <a:bodyPr rtlCol="0" anchor="t"/>
+          <a:lstStyle/>
+          <a:p>
+            <a:pPr algn="ctr"/>
+            <a:r>
+              <a:rPr lang="en-US" altLang="ko-KR" sz="1000" dirty="0"/>
+              <a:t>Topic A</a:t>
+            </a:r>
+            <a:endParaRPr lang="ko-KR" altLang="en-US" sz="1000" dirty="0"/>
+          </a:p>
+        </p:txBody>
+      </p:sp>
+      <p:sp>
+        <p:nvSpPr>
+          <p:cNvPr id="29" name="사각형: 둥근 모서리 70">
+            <a:extLst>
+              <a:ext uri="{FF2B5EF4-FFF2-40B4-BE49-F238E27FC236}">
+                <a16:creationId xmlns:a16="http://schemas.microsoft.com/office/drawing/2014/main" id="{AB814A52-E1E9-023A-D280-1D2AC9507EA5}"/>
+              </a:ext>
+            </a:extLst>
+          </p:cNvPr>
+          <p:cNvSpPr/>
+          <p:nvPr/>
+        </p:nvSpPr>
+        <p:spPr>
+          <a:xfrm>
+            <a:off x="6777625" y="3531791"/>
+            <a:ext cx="1645849" cy="1104768"/>
+          </a:xfrm>
+          <a:prstGeom prst="roundRect">
+            <a:avLst>
+              <a:gd name="adj" fmla="val 7875"/>
+            </a:avLst>
+          </a:prstGeom>
+          <a:noFill/>
+          <a:ln w="12700">
+            <a:prstDash val="dash"/>
+            <a:headEnd type="none" w="med" len="med"/>
+            <a:tailEnd type="triangle" w="med" len="med"/>
+          </a:ln>
+        </p:spPr>
+        <p:style>
+          <a:lnRef idx="2">
+            <a:schemeClr val="dk1"/>
+          </a:lnRef>
+          <a:fillRef idx="1">
+            <a:schemeClr val="lt1"/>
+          </a:fillRef>
+          <a:effectRef idx="0">
+            <a:schemeClr val="dk1"/>
+          </a:effectRef>
+          <a:fontRef idx="minor">
+            <a:schemeClr val="dk1"/>
+          </a:fontRef>
+        </p:style>
+        <p:txBody>
+          <a:bodyPr rtlCol="0" anchor="t"/>
+          <a:lstStyle/>
+          <a:p>
+            <a:pPr algn="ctr"/>
+            <a:r>
+              <a:rPr lang="en-US" altLang="ko-KR" sz="1000" dirty="0"/>
+              <a:t>Topic B</a:t>
+            </a:r>
+            <a:endParaRPr lang="ko-KR" altLang="en-US" sz="1000" dirty="0"/>
+          </a:p>
+        </p:txBody>
+      </p:sp>
+      <p:sp>
+        <p:nvSpPr>
+          <p:cNvPr id="30" name="사각형: 둥근 모서리 12">
+            <a:extLst>
+              <a:ext uri="{FF2B5EF4-FFF2-40B4-BE49-F238E27FC236}">
+                <a16:creationId xmlns:a16="http://schemas.microsoft.com/office/drawing/2014/main" id="{6FAC6F3D-7C36-064A-0C92-4EEC85D6B550}"/>
+              </a:ext>
+            </a:extLst>
+          </p:cNvPr>
+          <p:cNvSpPr/>
+          <p:nvPr/>
+        </p:nvSpPr>
+        <p:spPr>
+          <a:xfrm>
+            <a:off x="6880469" y="4257106"/>
+            <a:ext cx="1440160" cy="268948"/>
+          </a:xfrm>
+          <a:prstGeom prst="roundRect">
+            <a:avLst>
+              <a:gd name="adj" fmla="val 14105"/>
+            </a:avLst>
+          </a:prstGeom>
+          <a:noFill/>
+          <a:ln w="12700">
+            <a:headEnd type="none" w="med" len="med"/>
+            <a:tailEnd type="triangle" w="med" len="med"/>
+          </a:ln>
+        </p:spPr>
+        <p:style>
+          <a:lnRef idx="2">
+            <a:schemeClr val="dk1"/>
+          </a:lnRef>
+          <a:fillRef idx="1">
+            <a:schemeClr val="lt1"/>
+          </a:fillRef>
+          <a:effectRef idx="0">
+            <a:schemeClr val="dk1"/>
+          </a:effectRef>
+          <a:fontRef idx="minor">
+            <a:schemeClr val="dk1"/>
+          </a:fontRef>
+        </p:style>
+        <p:txBody>
+          <a:bodyPr rtlCol="0" anchor="ctr"/>
+          <a:lstStyle/>
+          <a:p>
+            <a:pPr algn="ctr"/>
+            <a:r>
+              <a:rPr lang="en-US" altLang="ko-KR" sz="900"/>
+              <a:t>Partition </a:t>
+            </a:r>
+            <a:r>
+              <a:rPr lang="en-US" altLang="ko-KR" sz="900" dirty="0"/>
+              <a:t>3</a:t>
+            </a:r>
+            <a:endParaRPr lang="ko-KR" altLang="en-US" sz="900" dirty="0"/>
+          </a:p>
+        </p:txBody>
+      </p:sp>
+      <p:cxnSp>
+        <p:nvCxnSpPr>
+          <p:cNvPr id="31" name="직선 화살표 연결선 96">
+            <a:extLst>
+              <a:ext uri="{FF2B5EF4-FFF2-40B4-BE49-F238E27FC236}">
+                <a16:creationId xmlns:a16="http://schemas.microsoft.com/office/drawing/2014/main" id="{513E29FF-EFD9-CCEA-EEF6-5161C30E2B31}"/>
+              </a:ext>
+            </a:extLst>
+          </p:cNvPr>
+          <p:cNvCxnSpPr>
+            <a:cxnSpLocks/>
+            <a:stCxn id="57" idx="3"/>
+          </p:cNvCxnSpPr>
+          <p:nvPr/>
+        </p:nvCxnSpPr>
+        <p:spPr>
+          <a:xfrm>
+            <a:off x="1683793" y="1415787"/>
+            <a:ext cx="4472385" cy="0"/>
+          </a:xfrm>
+          <a:prstGeom prst="straightConnector1">
+            <a:avLst/>
+          </a:prstGeom>
+          <a:ln w="12700">
+            <a:solidFill>
+              <a:schemeClr val="tx1"/>
+            </a:solidFill>
+            <a:prstDash val="solid"/>
+            <a:headEnd type="none" w="med" len="med"/>
+            <a:tailEnd type="triangle" w="med" len="med"/>
+          </a:ln>
+        </p:spPr>
+        <p:style>
+          <a:lnRef idx="1">
+            <a:schemeClr val="accent1"/>
+          </a:lnRef>
+          <a:fillRef idx="0">
+            <a:schemeClr val="accent1"/>
+          </a:fillRef>
+          <a:effectRef idx="0">
+            <a:schemeClr val="accent1"/>
+          </a:effectRef>
+          <a:fontRef idx="minor">
+            <a:schemeClr val="tx1"/>
+          </a:fontRef>
+        </p:style>
+      </p:cxnSp>
+      <p:cxnSp>
+        <p:nvCxnSpPr>
+          <p:cNvPr id="34" name="직선 화살표 연결선 96">
+            <a:extLst>
+              <a:ext uri="{FF2B5EF4-FFF2-40B4-BE49-F238E27FC236}">
+                <a16:creationId xmlns:a16="http://schemas.microsoft.com/office/drawing/2014/main" id="{AED935F1-071E-34FB-70AB-8CAA5ADFDD93}"/>
+              </a:ext>
+            </a:extLst>
+          </p:cNvPr>
+          <p:cNvCxnSpPr>
+            <a:cxnSpLocks/>
+            <a:stCxn id="20" idx="3"/>
+          </p:cNvCxnSpPr>
+          <p:nvPr/>
+        </p:nvCxnSpPr>
+        <p:spPr>
+          <a:xfrm>
+            <a:off x="1683078" y="3812258"/>
+            <a:ext cx="4473098" cy="0"/>
+          </a:xfrm>
+          <a:prstGeom prst="straightConnector1">
+            <a:avLst/>
+          </a:prstGeom>
+          <a:ln w="12700">
+            <a:solidFill>
+              <a:schemeClr val="tx1"/>
+            </a:solidFill>
+            <a:prstDash val="solid"/>
+            <a:headEnd type="none" w="med" len="med"/>
+            <a:tailEnd type="triangle" w="med" len="med"/>
+          </a:ln>
+        </p:spPr>
+        <p:style>
+          <a:lnRef idx="1">
+            <a:schemeClr val="accent1"/>
+          </a:lnRef>
+          <a:fillRef idx="0">
+            <a:schemeClr val="accent1"/>
+          </a:fillRef>
+          <a:effectRef idx="0">
+            <a:schemeClr val="accent1"/>
+          </a:effectRef>
+          <a:fontRef idx="minor">
+            <a:schemeClr val="tx1"/>
+          </a:fontRef>
+        </p:style>
+      </p:cxnSp>
+      <p:sp>
+        <p:nvSpPr>
+          <p:cNvPr id="82" name="사각형: 둥근 모서리 6">
+            <a:extLst>
+              <a:ext uri="{FF2B5EF4-FFF2-40B4-BE49-F238E27FC236}">
+                <a16:creationId xmlns:a16="http://schemas.microsoft.com/office/drawing/2014/main" id="{5573ED60-CF47-E3C0-50A5-300F63E2396F}"/>
+              </a:ext>
+            </a:extLst>
+          </p:cNvPr>
+          <p:cNvSpPr/>
+          <p:nvPr/>
+        </p:nvSpPr>
+        <p:spPr>
+          <a:xfrm>
+            <a:off x="1913857" y="297006"/>
+            <a:ext cx="1843418" cy="2206638"/>
+          </a:xfrm>
+          <a:prstGeom prst="roundRect">
+            <a:avLst>
+              <a:gd name="adj" fmla="val 6369"/>
+            </a:avLst>
+          </a:prstGeom>
+          <a:ln w="12700">
+            <a:headEnd type="none" w="med" len="med"/>
+            <a:tailEnd type="triangle" w="med" len="med"/>
+          </a:ln>
+        </p:spPr>
+        <p:style>
+          <a:lnRef idx="2">
+            <a:schemeClr val="dk1"/>
+          </a:lnRef>
+          <a:fillRef idx="1">
+            <a:schemeClr val="lt1"/>
+          </a:fillRef>
+          <a:effectRef idx="0">
+            <a:schemeClr val="dk1"/>
+          </a:effectRef>
+          <a:fontRef idx="minor">
+            <a:schemeClr val="dk1"/>
+          </a:fontRef>
+        </p:style>
+        <p:txBody>
+          <a:bodyPr rtlCol="0" anchor="t"/>
+          <a:lstStyle/>
+          <a:p>
+            <a:pPr algn="ctr"/>
+            <a:r>
+              <a:rPr lang="en-US" altLang="ko-KR" sz="1000" dirty="0"/>
+              <a:t>Request C </a:t>
+            </a:r>
+            <a:r>
+              <a:rPr lang="en-US" altLang="ko-KR" sz="1000" b="1" dirty="0"/>
+              <a:t>PID=1 Epoch=1</a:t>
+            </a:r>
+            <a:endParaRPr lang="ko-KR" altLang="en-US" sz="1000" b="1" dirty="0"/>
+          </a:p>
+        </p:txBody>
+      </p:sp>
+      <p:sp>
+        <p:nvSpPr>
+          <p:cNvPr id="83" name="사각형: 둥근 모서리 6">
+            <a:extLst>
+              <a:ext uri="{FF2B5EF4-FFF2-40B4-BE49-F238E27FC236}">
+                <a16:creationId xmlns:a16="http://schemas.microsoft.com/office/drawing/2014/main" id="{3F822CB4-D128-2482-6F4A-3894BEDCD9E7}"/>
+              </a:ext>
+            </a:extLst>
+          </p:cNvPr>
+          <p:cNvSpPr/>
+          <p:nvPr/>
+        </p:nvSpPr>
+        <p:spPr>
+          <a:xfrm>
+            <a:off x="2002958" y="654276"/>
+            <a:ext cx="1665213" cy="661756"/>
+          </a:xfrm>
+          <a:prstGeom prst="roundRect">
+            <a:avLst>
+              <a:gd name="adj" fmla="val 9094"/>
+            </a:avLst>
+          </a:prstGeom>
+          <a:ln w="12700">
+            <a:headEnd type="none" w="med" len="med"/>
+            <a:tailEnd type="triangle" w="med" len="med"/>
+          </a:ln>
+        </p:spPr>
+        <p:style>
+          <a:lnRef idx="2">
+            <a:schemeClr val="dk1"/>
+          </a:lnRef>
+          <a:fillRef idx="1">
+            <a:schemeClr val="lt1"/>
+          </a:fillRef>
+          <a:effectRef idx="0">
+            <a:schemeClr val="dk1"/>
+          </a:effectRef>
+          <a:fontRef idx="minor">
+            <a:schemeClr val="dk1"/>
+          </a:fontRef>
+        </p:style>
+        <p:txBody>
+          <a:bodyPr rtlCol="0" anchor="t"/>
+          <a:lstStyle/>
+          <a:p>
+            <a:pPr algn="ctr"/>
+            <a:r>
+              <a:rPr lang="en-US" altLang="ko-KR" sz="1000" dirty="0"/>
+              <a:t>Topic A</a:t>
+            </a:r>
+          </a:p>
+          <a:p>
+            <a:pPr algn="ctr"/>
+            <a:endParaRPr lang="en-US" altLang="ko-KR" sz="1050" dirty="0"/>
+          </a:p>
+        </p:txBody>
+      </p:sp>
+      <p:sp>
+        <p:nvSpPr>
+          <p:cNvPr id="84" name="사각형: 둥근 모서리 6">
+            <a:extLst>
+              <a:ext uri="{FF2B5EF4-FFF2-40B4-BE49-F238E27FC236}">
+                <a16:creationId xmlns:a16="http://schemas.microsoft.com/office/drawing/2014/main" id="{C3A8BE1E-4EC9-60EC-07C5-9494E1086B6A}"/>
+              </a:ext>
+            </a:extLst>
+          </p:cNvPr>
+          <p:cNvSpPr/>
+          <p:nvPr/>
+        </p:nvSpPr>
+        <p:spPr>
+          <a:xfrm>
+            <a:off x="2102280" y="919693"/>
+            <a:ext cx="1466564" cy="293003"/>
+          </a:xfrm>
+          <a:prstGeom prst="roundRect">
+            <a:avLst>
+              <a:gd name="adj" fmla="val 18811"/>
+            </a:avLst>
+          </a:prstGeom>
+          <a:solidFill>
+            <a:schemeClr val="bg1">
+              <a:lumMod val="95000"/>
+            </a:schemeClr>
+          </a:solidFill>
+          <a:ln w="12700">
+            <a:headEnd type="none" w="med" len="med"/>
+            <a:tailEnd type="triangle" w="med" len="med"/>
+          </a:ln>
+        </p:spPr>
+        <p:style>
+          <a:lnRef idx="2">
+            <a:schemeClr val="dk1"/>
+          </a:lnRef>
+          <a:fillRef idx="1">
+            <a:schemeClr val="lt1"/>
+          </a:fillRef>
+          <a:effectRef idx="0">
+            <a:schemeClr val="dk1"/>
+          </a:effectRef>
+          <a:fontRef idx="minor">
+            <a:schemeClr val="dk1"/>
+          </a:fontRef>
+        </p:style>
+        <p:txBody>
+          <a:bodyPr rtlCol="0" anchor="ctr"/>
+          <a:lstStyle/>
+          <a:p>
+            <a:pPr algn="ctr"/>
+            <a:r>
+              <a:rPr lang="en-US" altLang="ko-KR" sz="900" dirty="0"/>
+              <a:t>Partition 0 Records</a:t>
+            </a:r>
+          </a:p>
+          <a:p>
+            <a:pPr algn="ctr"/>
+            <a:r>
+              <a:rPr lang="en-US" altLang="ko-KR" sz="900" b="1" dirty="0">
+                <a:solidFill>
+                  <a:schemeClr val="tx2"/>
+                </a:solidFill>
+              </a:rPr>
+              <a:t>SEQ=113~106</a:t>
+            </a:r>
+          </a:p>
+        </p:txBody>
+      </p:sp>
+      <p:sp>
+        <p:nvSpPr>
+          <p:cNvPr id="85" name="사각형: 둥근 모서리 6">
+            <a:extLst>
+              <a:ext uri="{FF2B5EF4-FFF2-40B4-BE49-F238E27FC236}">
+                <a16:creationId xmlns:a16="http://schemas.microsoft.com/office/drawing/2014/main" id="{F8D22DFB-8823-1305-C31E-857595DFE5FC}"/>
+              </a:ext>
+            </a:extLst>
+          </p:cNvPr>
+          <p:cNvSpPr/>
+          <p:nvPr/>
+        </p:nvSpPr>
+        <p:spPr>
+          <a:xfrm>
+            <a:off x="2009684" y="1406823"/>
+            <a:ext cx="1665213" cy="1018553"/>
+          </a:xfrm>
+          <a:prstGeom prst="roundRect">
+            <a:avLst>
+              <a:gd name="adj" fmla="val 7267"/>
+            </a:avLst>
+          </a:prstGeom>
+          <a:ln w="12700">
+            <a:headEnd type="none" w="med" len="med"/>
+            <a:tailEnd type="triangle" w="med" len="med"/>
+          </a:ln>
+        </p:spPr>
+        <p:style>
+          <a:lnRef idx="2">
+            <a:schemeClr val="dk1"/>
+          </a:lnRef>
+          <a:fillRef idx="1">
+            <a:schemeClr val="lt1"/>
+          </a:fillRef>
+          <a:effectRef idx="0">
+            <a:schemeClr val="dk1"/>
+          </a:effectRef>
+          <a:fontRef idx="minor">
+            <a:schemeClr val="dk1"/>
+          </a:fontRef>
+        </p:style>
+        <p:txBody>
+          <a:bodyPr rtlCol="0" anchor="t"/>
+          <a:lstStyle/>
+          <a:p>
+            <a:pPr algn="ctr"/>
+            <a:r>
+              <a:rPr lang="en-US" altLang="ko-KR" sz="1000" dirty="0"/>
+              <a:t>Topic B</a:t>
+            </a:r>
+          </a:p>
+          <a:p>
+            <a:pPr algn="ctr"/>
+            <a:endParaRPr lang="en-US" altLang="ko-KR" sz="1050" dirty="0"/>
+          </a:p>
+        </p:txBody>
+      </p:sp>
+      <p:sp>
+        <p:nvSpPr>
+          <p:cNvPr id="86" name="사각형: 둥근 모서리 6">
+            <a:extLst>
+              <a:ext uri="{FF2B5EF4-FFF2-40B4-BE49-F238E27FC236}">
+                <a16:creationId xmlns:a16="http://schemas.microsoft.com/office/drawing/2014/main" id="{8AF0C5FD-877C-885F-9F02-47967590D4F7}"/>
+              </a:ext>
+            </a:extLst>
+          </p:cNvPr>
+          <p:cNvSpPr/>
+          <p:nvPr/>
+        </p:nvSpPr>
+        <p:spPr>
+          <a:xfrm>
+            <a:off x="2109006" y="1672242"/>
+            <a:ext cx="1466564" cy="293003"/>
+          </a:xfrm>
+          <a:prstGeom prst="roundRect">
+            <a:avLst>
+              <a:gd name="adj" fmla="val 18811"/>
+            </a:avLst>
+          </a:prstGeom>
+          <a:solidFill>
+            <a:schemeClr val="bg1">
+              <a:lumMod val="95000"/>
+            </a:schemeClr>
+          </a:solidFill>
+          <a:ln w="12700">
+            <a:headEnd type="none" w="med" len="med"/>
+            <a:tailEnd type="triangle" w="med" len="med"/>
+          </a:ln>
+        </p:spPr>
+        <p:style>
+          <a:lnRef idx="2">
+            <a:schemeClr val="dk1"/>
+          </a:lnRef>
+          <a:fillRef idx="1">
+            <a:schemeClr val="lt1"/>
+          </a:fillRef>
+          <a:effectRef idx="0">
+            <a:schemeClr val="dk1"/>
+          </a:effectRef>
+          <a:fontRef idx="minor">
+            <a:schemeClr val="dk1"/>
+          </a:fontRef>
+        </p:style>
+        <p:txBody>
+          <a:bodyPr rtlCol="0" anchor="ctr"/>
+          <a:lstStyle/>
+          <a:p>
+            <a:pPr algn="ctr"/>
+            <a:r>
+              <a:rPr lang="en-US" altLang="ko-KR" sz="900" dirty="0"/>
+              <a:t>Partition 0 Records</a:t>
+            </a:r>
+          </a:p>
+          <a:p>
+            <a:pPr algn="ctr"/>
+            <a:r>
+              <a:rPr lang="en-US" altLang="ko-KR" sz="900" b="1" dirty="0">
+                <a:solidFill>
+                  <a:schemeClr val="tx2"/>
+                </a:solidFill>
+              </a:rPr>
+              <a:t>SEQ=215~208</a:t>
+            </a:r>
+            <a:endParaRPr lang="ko-KR" altLang="en-US" sz="900" b="1" dirty="0">
+              <a:solidFill>
+                <a:schemeClr val="tx2"/>
+              </a:solidFill>
+            </a:endParaRPr>
+          </a:p>
+        </p:txBody>
+      </p:sp>
+      <p:sp>
+        <p:nvSpPr>
+          <p:cNvPr id="87" name="사각형: 둥근 모서리 6">
+            <a:extLst>
+              <a:ext uri="{FF2B5EF4-FFF2-40B4-BE49-F238E27FC236}">
+                <a16:creationId xmlns:a16="http://schemas.microsoft.com/office/drawing/2014/main" id="{33B8110B-C029-451C-B226-C4D013AC0698}"/>
+              </a:ext>
+            </a:extLst>
+          </p:cNvPr>
+          <p:cNvSpPr/>
+          <p:nvPr/>
+        </p:nvSpPr>
+        <p:spPr>
+          <a:xfrm>
+            <a:off x="2109006" y="2043519"/>
+            <a:ext cx="1466564" cy="293003"/>
+          </a:xfrm>
+          <a:prstGeom prst="roundRect">
+            <a:avLst>
+              <a:gd name="adj" fmla="val 18811"/>
+            </a:avLst>
+          </a:prstGeom>
+          <a:solidFill>
+            <a:schemeClr val="bg1">
+              <a:lumMod val="95000"/>
+            </a:schemeClr>
+          </a:solidFill>
+          <a:ln w="12700">
+            <a:headEnd type="none" w="med" len="med"/>
+            <a:tailEnd type="triangle" w="med" len="med"/>
+          </a:ln>
+        </p:spPr>
+        <p:style>
+          <a:lnRef idx="2">
+            <a:schemeClr val="dk1"/>
+          </a:lnRef>
+          <a:fillRef idx="1">
+            <a:schemeClr val="lt1"/>
+          </a:fillRef>
+          <a:effectRef idx="0">
+            <a:schemeClr val="dk1"/>
+          </a:effectRef>
+          <a:fontRef idx="minor">
+            <a:schemeClr val="dk1"/>
+          </a:fontRef>
+        </p:style>
+        <p:txBody>
+          <a:bodyPr rtlCol="0" anchor="ctr"/>
+          <a:lstStyle/>
+          <a:p>
+            <a:pPr algn="ctr"/>
+            <a:r>
+              <a:rPr lang="en-US" altLang="ko-KR" sz="900" dirty="0"/>
+              <a:t>Partition 3 Records</a:t>
+            </a:r>
+          </a:p>
+          <a:p>
+            <a:pPr algn="ctr"/>
+            <a:r>
+              <a:rPr lang="en-US" altLang="ko-KR" sz="900" b="1" dirty="0">
+                <a:solidFill>
+                  <a:schemeClr val="tx2"/>
+                </a:solidFill>
+              </a:rPr>
+              <a:t>SEQ=195~186</a:t>
+            </a:r>
+            <a:endParaRPr lang="ko-KR" altLang="en-US" sz="900" b="1" dirty="0">
+              <a:solidFill>
+                <a:schemeClr val="tx2"/>
+              </a:solidFill>
+            </a:endParaRPr>
+          </a:p>
+        </p:txBody>
+      </p:sp>
+      <p:sp>
+        <p:nvSpPr>
+          <p:cNvPr id="106" name="사각형: 둥근 모서리 6">
+            <a:extLst>
+              <a:ext uri="{FF2B5EF4-FFF2-40B4-BE49-F238E27FC236}">
+                <a16:creationId xmlns:a16="http://schemas.microsoft.com/office/drawing/2014/main" id="{AF69E912-D683-CCCF-CA9A-1C0BFFC8E23D}"/>
+              </a:ext>
+            </a:extLst>
+          </p:cNvPr>
+          <p:cNvSpPr/>
+          <p:nvPr/>
+        </p:nvSpPr>
+        <p:spPr>
+          <a:xfrm>
+            <a:off x="4082693" y="297006"/>
+            <a:ext cx="1843418" cy="2206638"/>
+          </a:xfrm>
+          <a:prstGeom prst="roundRect">
+            <a:avLst>
+              <a:gd name="adj" fmla="val 6369"/>
+            </a:avLst>
+          </a:prstGeom>
+          <a:ln w="12700">
+            <a:headEnd type="none" w="med" len="med"/>
+            <a:tailEnd type="triangle" w="med" len="med"/>
+          </a:ln>
+        </p:spPr>
+        <p:style>
+          <a:lnRef idx="2">
+            <a:schemeClr val="dk1"/>
+          </a:lnRef>
+          <a:fillRef idx="1">
+            <a:schemeClr val="lt1"/>
+          </a:fillRef>
+          <a:effectRef idx="0">
+            <a:schemeClr val="dk1"/>
+          </a:effectRef>
+          <a:fontRef idx="minor">
+            <a:schemeClr val="dk1"/>
+          </a:fontRef>
+        </p:style>
+        <p:txBody>
+          <a:bodyPr rtlCol="0" anchor="t"/>
+          <a:lstStyle/>
+          <a:p>
+            <a:pPr algn="ctr"/>
+            <a:r>
+              <a:rPr lang="en-US" altLang="ko-KR" sz="1000" dirty="0"/>
+              <a:t>Request A </a:t>
+            </a:r>
+            <a:r>
+              <a:rPr lang="en-US" altLang="ko-KR" sz="1000" b="1" dirty="0"/>
+              <a:t>PID=1 Epoch=1 </a:t>
+            </a:r>
+            <a:endParaRPr lang="ko-KR" altLang="en-US" sz="1000" b="1" dirty="0"/>
+          </a:p>
+        </p:txBody>
+      </p:sp>
+      <p:sp>
+        <p:nvSpPr>
+          <p:cNvPr id="107" name="사각형: 둥근 모서리 6">
+            <a:extLst>
+              <a:ext uri="{FF2B5EF4-FFF2-40B4-BE49-F238E27FC236}">
+                <a16:creationId xmlns:a16="http://schemas.microsoft.com/office/drawing/2014/main" id="{4D53EAB8-D832-99B3-C379-B743D5414AF4}"/>
+              </a:ext>
+            </a:extLst>
+          </p:cNvPr>
+          <p:cNvSpPr/>
+          <p:nvPr/>
+        </p:nvSpPr>
+        <p:spPr>
+          <a:xfrm>
+            <a:off x="4171794" y="654276"/>
+            <a:ext cx="1665213" cy="661756"/>
+          </a:xfrm>
+          <a:prstGeom prst="roundRect">
+            <a:avLst>
+              <a:gd name="adj" fmla="val 9094"/>
+            </a:avLst>
+          </a:prstGeom>
+          <a:ln w="12700">
+            <a:headEnd type="none" w="med" len="med"/>
+            <a:tailEnd type="triangle" w="med" len="med"/>
+          </a:ln>
+        </p:spPr>
+        <p:style>
+          <a:lnRef idx="2">
+            <a:schemeClr val="dk1"/>
+          </a:lnRef>
+          <a:fillRef idx="1">
+            <a:schemeClr val="lt1"/>
+          </a:fillRef>
+          <a:effectRef idx="0">
+            <a:schemeClr val="dk1"/>
+          </a:effectRef>
+          <a:fontRef idx="minor">
+            <a:schemeClr val="dk1"/>
+          </a:fontRef>
+        </p:style>
+        <p:txBody>
+          <a:bodyPr rtlCol="0" anchor="t"/>
+          <a:lstStyle/>
+          <a:p>
+            <a:pPr algn="ctr"/>
+            <a:r>
+              <a:rPr lang="en-US" altLang="ko-KR" sz="1000" dirty="0"/>
+              <a:t>Topic A</a:t>
+            </a:r>
+          </a:p>
+          <a:p>
+            <a:pPr algn="ctr"/>
+            <a:endParaRPr lang="en-US" altLang="ko-KR" sz="1050" dirty="0"/>
+          </a:p>
+        </p:txBody>
+      </p:sp>
+      <p:sp>
+        <p:nvSpPr>
+          <p:cNvPr id="108" name="사각형: 둥근 모서리 6">
+            <a:extLst>
+              <a:ext uri="{FF2B5EF4-FFF2-40B4-BE49-F238E27FC236}">
+                <a16:creationId xmlns:a16="http://schemas.microsoft.com/office/drawing/2014/main" id="{8F6A3457-38B9-D809-EA36-7308E08BC7DC}"/>
+              </a:ext>
+            </a:extLst>
+          </p:cNvPr>
+          <p:cNvSpPr/>
+          <p:nvPr/>
+        </p:nvSpPr>
+        <p:spPr>
+          <a:xfrm>
+            <a:off x="4271116" y="919693"/>
+            <a:ext cx="1466564" cy="293003"/>
+          </a:xfrm>
+          <a:prstGeom prst="roundRect">
+            <a:avLst>
+              <a:gd name="adj" fmla="val 18811"/>
+            </a:avLst>
+          </a:prstGeom>
+          <a:solidFill>
+            <a:schemeClr val="bg1">
+              <a:lumMod val="95000"/>
+            </a:schemeClr>
+          </a:solidFill>
+          <a:ln w="12700">
+            <a:headEnd type="none" w="med" len="med"/>
+            <a:tailEnd type="triangle" w="med" len="med"/>
+          </a:ln>
+        </p:spPr>
+        <p:style>
+          <a:lnRef idx="2">
+            <a:schemeClr val="dk1"/>
+          </a:lnRef>
+          <a:fillRef idx="1">
+            <a:schemeClr val="lt1"/>
+          </a:fillRef>
+          <a:effectRef idx="0">
+            <a:schemeClr val="dk1"/>
+          </a:effectRef>
+          <a:fontRef idx="minor">
+            <a:schemeClr val="dk1"/>
+          </a:fontRef>
+        </p:style>
+        <p:txBody>
+          <a:bodyPr rtlCol="0" anchor="ctr"/>
+          <a:lstStyle/>
+          <a:p>
+            <a:pPr algn="ctr"/>
+            <a:r>
+              <a:rPr lang="en-US" altLang="ko-KR" sz="900" dirty="0"/>
+              <a:t>Partition 0 Records</a:t>
+            </a:r>
+          </a:p>
+          <a:p>
+            <a:pPr algn="ctr"/>
+            <a:r>
+              <a:rPr lang="en-US" altLang="ko-KR" sz="900" b="1" dirty="0">
+                <a:solidFill>
+                  <a:srgbClr val="C00000"/>
+                </a:solidFill>
+              </a:rPr>
+              <a:t>SEQ=105~100</a:t>
+            </a:r>
+          </a:p>
+        </p:txBody>
+      </p:sp>
+      <p:sp>
+        <p:nvSpPr>
+          <p:cNvPr id="109" name="사각형: 둥근 모서리 6">
+            <a:extLst>
+              <a:ext uri="{FF2B5EF4-FFF2-40B4-BE49-F238E27FC236}">
+                <a16:creationId xmlns:a16="http://schemas.microsoft.com/office/drawing/2014/main" id="{AEEB3CC4-98D5-E257-0768-BD8139DCC30A}"/>
+              </a:ext>
+            </a:extLst>
+          </p:cNvPr>
+          <p:cNvSpPr/>
+          <p:nvPr/>
+        </p:nvSpPr>
+        <p:spPr>
+          <a:xfrm>
+            <a:off x="4178519" y="1406823"/>
+            <a:ext cx="1665213" cy="1018553"/>
+          </a:xfrm>
+          <a:prstGeom prst="roundRect">
+            <a:avLst>
+              <a:gd name="adj" fmla="val 7267"/>
+            </a:avLst>
+          </a:prstGeom>
+          <a:ln w="12700">
+            <a:headEnd type="none" w="med" len="med"/>
+            <a:tailEnd type="triangle" w="med" len="med"/>
+          </a:ln>
+        </p:spPr>
+        <p:style>
+          <a:lnRef idx="2">
+            <a:schemeClr val="dk1"/>
+          </a:lnRef>
+          <a:fillRef idx="1">
+            <a:schemeClr val="lt1"/>
+          </a:fillRef>
+          <a:effectRef idx="0">
+            <a:schemeClr val="dk1"/>
+          </a:effectRef>
+          <a:fontRef idx="minor">
+            <a:schemeClr val="dk1"/>
+          </a:fontRef>
+        </p:style>
+        <p:txBody>
+          <a:bodyPr rtlCol="0" anchor="t"/>
+          <a:lstStyle/>
+          <a:p>
+            <a:pPr algn="ctr"/>
+            <a:r>
+              <a:rPr lang="en-US" altLang="ko-KR" sz="1000" dirty="0"/>
+              <a:t>Topic B</a:t>
+            </a:r>
+          </a:p>
+          <a:p>
+            <a:pPr algn="ctr"/>
+            <a:endParaRPr lang="en-US" altLang="ko-KR" sz="1050" dirty="0"/>
+          </a:p>
+        </p:txBody>
+      </p:sp>
+      <p:sp>
+        <p:nvSpPr>
+          <p:cNvPr id="110" name="사각형: 둥근 모서리 6">
+            <a:extLst>
+              <a:ext uri="{FF2B5EF4-FFF2-40B4-BE49-F238E27FC236}">
+                <a16:creationId xmlns:a16="http://schemas.microsoft.com/office/drawing/2014/main" id="{B8FCAA27-C946-C68B-5BB9-3F1C396FE22C}"/>
+              </a:ext>
+            </a:extLst>
+          </p:cNvPr>
+          <p:cNvSpPr/>
+          <p:nvPr/>
+        </p:nvSpPr>
+        <p:spPr>
+          <a:xfrm>
+            <a:off x="4277842" y="1672242"/>
+            <a:ext cx="1466564" cy="293003"/>
+          </a:xfrm>
+          <a:prstGeom prst="roundRect">
+            <a:avLst>
+              <a:gd name="adj" fmla="val 18811"/>
+            </a:avLst>
+          </a:prstGeom>
+          <a:solidFill>
+            <a:schemeClr val="bg1">
+              <a:lumMod val="95000"/>
+            </a:schemeClr>
+          </a:solidFill>
+          <a:ln w="12700">
+            <a:headEnd type="none" w="med" len="med"/>
+            <a:tailEnd type="triangle" w="med" len="med"/>
+          </a:ln>
+        </p:spPr>
+        <p:style>
+          <a:lnRef idx="2">
+            <a:schemeClr val="dk1"/>
+          </a:lnRef>
+          <a:fillRef idx="1">
+            <a:schemeClr val="lt1"/>
+          </a:fillRef>
+          <a:effectRef idx="0">
+            <a:schemeClr val="dk1"/>
+          </a:effectRef>
+          <a:fontRef idx="minor">
+            <a:schemeClr val="dk1"/>
+          </a:fontRef>
+        </p:style>
+        <p:txBody>
+          <a:bodyPr rtlCol="0" anchor="ctr"/>
+          <a:lstStyle/>
+          <a:p>
+            <a:pPr algn="ctr"/>
+            <a:r>
+              <a:rPr lang="en-US" altLang="ko-KR" sz="900" dirty="0"/>
+              <a:t>Partition 0 Records</a:t>
+            </a:r>
+          </a:p>
+          <a:p>
+            <a:pPr algn="ctr"/>
+            <a:r>
+              <a:rPr lang="en-US" altLang="ko-KR" sz="900" b="1" dirty="0">
+                <a:solidFill>
+                  <a:srgbClr val="C00000"/>
+                </a:solidFill>
+              </a:rPr>
+              <a:t>SEQ=207~200</a:t>
+            </a:r>
+            <a:endParaRPr lang="ko-KR" altLang="en-US" sz="900" b="1" dirty="0">
+              <a:solidFill>
+                <a:srgbClr val="C00000"/>
+              </a:solidFill>
+            </a:endParaRPr>
+          </a:p>
+        </p:txBody>
+      </p:sp>
+      <p:sp>
+        <p:nvSpPr>
+          <p:cNvPr id="119" name="사각형: 둥근 모서리 6">
+            <a:extLst>
+              <a:ext uri="{FF2B5EF4-FFF2-40B4-BE49-F238E27FC236}">
+                <a16:creationId xmlns:a16="http://schemas.microsoft.com/office/drawing/2014/main" id="{AA8D49D3-3EE8-D35D-0E14-D9BA3204E30D}"/>
+              </a:ext>
+            </a:extLst>
+          </p:cNvPr>
+          <p:cNvSpPr/>
+          <p:nvPr/>
+        </p:nvSpPr>
+        <p:spPr>
+          <a:xfrm>
+            <a:off x="4277842" y="2043519"/>
+            <a:ext cx="1466564" cy="293003"/>
+          </a:xfrm>
+          <a:prstGeom prst="roundRect">
+            <a:avLst>
+              <a:gd name="adj" fmla="val 18811"/>
+            </a:avLst>
+          </a:prstGeom>
+          <a:solidFill>
+            <a:schemeClr val="bg1">
+              <a:lumMod val="95000"/>
+            </a:schemeClr>
+          </a:solidFill>
+          <a:ln w="12700">
+            <a:headEnd type="none" w="med" len="med"/>
+            <a:tailEnd type="triangle" w="med" len="med"/>
+          </a:ln>
+        </p:spPr>
+        <p:style>
+          <a:lnRef idx="2">
+            <a:schemeClr val="dk1"/>
+          </a:lnRef>
+          <a:fillRef idx="1">
+            <a:schemeClr val="lt1"/>
+          </a:fillRef>
+          <a:effectRef idx="0">
+            <a:schemeClr val="dk1"/>
+          </a:effectRef>
+          <a:fontRef idx="minor">
+            <a:schemeClr val="dk1"/>
+          </a:fontRef>
+        </p:style>
+        <p:txBody>
+          <a:bodyPr rtlCol="0" anchor="ctr"/>
+          <a:lstStyle/>
+          <a:p>
+            <a:pPr algn="ctr"/>
+            <a:r>
+              <a:rPr lang="en-US" altLang="ko-KR" sz="900" dirty="0"/>
+              <a:t>Partition 3 Records</a:t>
+            </a:r>
+          </a:p>
+          <a:p>
+            <a:pPr algn="ctr"/>
+            <a:r>
+              <a:rPr lang="en-US" altLang="ko-KR" sz="900" b="1" dirty="0">
+                <a:solidFill>
+                  <a:srgbClr val="C00000"/>
+                </a:solidFill>
+              </a:rPr>
+              <a:t>SEQ=185~180</a:t>
+            </a:r>
+            <a:endParaRPr lang="ko-KR" altLang="en-US" sz="900" b="1" dirty="0">
+              <a:solidFill>
+                <a:srgbClr val="C00000"/>
+              </a:solidFill>
+            </a:endParaRPr>
+          </a:p>
+        </p:txBody>
+      </p:sp>
+      <p:sp>
+        <p:nvSpPr>
+          <p:cNvPr id="123" name="사각형: 둥근 모서리 6">
+            <a:extLst>
+              <a:ext uri="{FF2B5EF4-FFF2-40B4-BE49-F238E27FC236}">
+                <a16:creationId xmlns:a16="http://schemas.microsoft.com/office/drawing/2014/main" id="{C104D460-108E-8723-7334-C81271AF4B51}"/>
+              </a:ext>
+            </a:extLst>
+          </p:cNvPr>
+          <p:cNvSpPr/>
+          <p:nvPr/>
+        </p:nvSpPr>
+        <p:spPr>
+          <a:xfrm>
+            <a:off x="2992644" y="2708939"/>
+            <a:ext cx="1843418" cy="2206638"/>
+          </a:xfrm>
+          <a:prstGeom prst="roundRect">
+            <a:avLst>
+              <a:gd name="adj" fmla="val 6369"/>
+            </a:avLst>
+          </a:prstGeom>
+          <a:ln w="12700">
+            <a:headEnd type="none" w="med" len="med"/>
+            <a:tailEnd type="triangle" w="med" len="med"/>
+          </a:ln>
+        </p:spPr>
+        <p:style>
+          <a:lnRef idx="2">
+            <a:schemeClr val="dk1"/>
+          </a:lnRef>
+          <a:fillRef idx="1">
+            <a:schemeClr val="lt1"/>
+          </a:fillRef>
+          <a:effectRef idx="0">
+            <a:schemeClr val="dk1"/>
+          </a:effectRef>
+          <a:fontRef idx="minor">
+            <a:schemeClr val="dk1"/>
+          </a:fontRef>
+        </p:style>
+        <p:txBody>
+          <a:bodyPr rtlCol="0" anchor="t"/>
+          <a:lstStyle/>
+          <a:p>
+            <a:pPr algn="ctr"/>
+            <a:r>
+              <a:rPr lang="en-US" altLang="ko-KR" sz="1000" dirty="0"/>
+              <a:t>Request B </a:t>
+            </a:r>
+            <a:r>
+              <a:rPr lang="en-US" altLang="ko-KR" sz="1000" b="1" dirty="0"/>
+              <a:t>PID=2 Epoch=3</a:t>
+            </a:r>
+            <a:endParaRPr lang="ko-KR" altLang="en-US" sz="1000" b="1" dirty="0"/>
+          </a:p>
+        </p:txBody>
+      </p:sp>
+      <p:sp>
+        <p:nvSpPr>
+          <p:cNvPr id="127" name="사각형: 둥근 모서리 6">
+            <a:extLst>
+              <a:ext uri="{FF2B5EF4-FFF2-40B4-BE49-F238E27FC236}">
+                <a16:creationId xmlns:a16="http://schemas.microsoft.com/office/drawing/2014/main" id="{BD187995-DC83-513A-C566-2566CB71DC8E}"/>
+              </a:ext>
+            </a:extLst>
+          </p:cNvPr>
+          <p:cNvSpPr/>
+          <p:nvPr/>
+        </p:nvSpPr>
+        <p:spPr>
+          <a:xfrm>
+            <a:off x="3081745" y="3066209"/>
+            <a:ext cx="1665213" cy="661756"/>
+          </a:xfrm>
+          <a:prstGeom prst="roundRect">
+            <a:avLst>
+              <a:gd name="adj" fmla="val 9094"/>
+            </a:avLst>
+          </a:prstGeom>
+          <a:ln w="12700">
+            <a:headEnd type="none" w="med" len="med"/>
+            <a:tailEnd type="triangle" w="med" len="med"/>
+          </a:ln>
+        </p:spPr>
+        <p:style>
+          <a:lnRef idx="2">
+            <a:schemeClr val="dk1"/>
+          </a:lnRef>
+          <a:fillRef idx="1">
+            <a:schemeClr val="lt1"/>
+          </a:fillRef>
+          <a:effectRef idx="0">
+            <a:schemeClr val="dk1"/>
+          </a:effectRef>
+          <a:fontRef idx="minor">
+            <a:schemeClr val="dk1"/>
+          </a:fontRef>
+        </p:style>
+        <p:txBody>
+          <a:bodyPr rtlCol="0" anchor="t"/>
+          <a:lstStyle/>
+          <a:p>
+            <a:pPr algn="ctr"/>
+            <a:r>
+              <a:rPr lang="en-US" altLang="ko-KR" sz="1000" dirty="0"/>
+              <a:t>Topic A</a:t>
+            </a:r>
+          </a:p>
+          <a:p>
+            <a:pPr algn="ctr"/>
+            <a:endParaRPr lang="en-US" altLang="ko-KR" sz="1000" dirty="0"/>
+          </a:p>
+        </p:txBody>
+      </p:sp>
+      <p:sp>
+        <p:nvSpPr>
+          <p:cNvPr id="128" name="사각형: 둥근 모서리 6">
+            <a:extLst>
+              <a:ext uri="{FF2B5EF4-FFF2-40B4-BE49-F238E27FC236}">
+                <a16:creationId xmlns:a16="http://schemas.microsoft.com/office/drawing/2014/main" id="{6163F28E-1A13-0A65-DD36-A270D11333D0}"/>
+              </a:ext>
+            </a:extLst>
+          </p:cNvPr>
+          <p:cNvSpPr/>
+          <p:nvPr/>
+        </p:nvSpPr>
+        <p:spPr>
+          <a:xfrm>
+            <a:off x="3181067" y="3331626"/>
+            <a:ext cx="1466564" cy="293003"/>
+          </a:xfrm>
+          <a:prstGeom prst="roundRect">
+            <a:avLst>
+              <a:gd name="adj" fmla="val 18811"/>
+            </a:avLst>
+          </a:prstGeom>
+          <a:solidFill>
+            <a:schemeClr val="bg1">
+              <a:lumMod val="95000"/>
+            </a:schemeClr>
+          </a:solidFill>
+          <a:ln w="12700">
+            <a:headEnd type="none" w="med" len="med"/>
+            <a:tailEnd type="triangle" w="med" len="med"/>
+          </a:ln>
+        </p:spPr>
+        <p:style>
+          <a:lnRef idx="2">
+            <a:schemeClr val="dk1"/>
+          </a:lnRef>
+          <a:fillRef idx="1">
+            <a:schemeClr val="lt1"/>
+          </a:fillRef>
+          <a:effectRef idx="0">
+            <a:schemeClr val="dk1"/>
+          </a:effectRef>
+          <a:fontRef idx="minor">
+            <a:schemeClr val="dk1"/>
+          </a:fontRef>
+        </p:style>
+        <p:txBody>
+          <a:bodyPr rtlCol="0" anchor="ctr"/>
+          <a:lstStyle/>
+          <a:p>
+            <a:pPr algn="ctr"/>
+            <a:r>
+              <a:rPr lang="en-US" altLang="ko-KR" sz="900" dirty="0"/>
+              <a:t>Partition 0 Records</a:t>
+            </a:r>
+          </a:p>
+          <a:p>
+            <a:pPr algn="ctr"/>
+            <a:r>
+              <a:rPr lang="en-US" altLang="ko-KR" sz="900" b="1" dirty="0">
+                <a:solidFill>
+                  <a:schemeClr val="accent3">
+                    <a:lumMod val="75000"/>
+                  </a:schemeClr>
+                </a:solidFill>
+              </a:rPr>
+              <a:t>SEQ=315~302</a:t>
+            </a:r>
+            <a:endParaRPr lang="ko-KR" altLang="en-US" sz="900" b="1" dirty="0">
+              <a:solidFill>
+                <a:schemeClr val="accent3">
+                  <a:lumMod val="75000"/>
+                </a:schemeClr>
+              </a:solidFill>
+            </a:endParaRPr>
+          </a:p>
+        </p:txBody>
+      </p:sp>
+      <p:sp>
+        <p:nvSpPr>
+          <p:cNvPr id="129" name="사각형: 둥근 모서리 6">
+            <a:extLst>
+              <a:ext uri="{FF2B5EF4-FFF2-40B4-BE49-F238E27FC236}">
+                <a16:creationId xmlns:a16="http://schemas.microsoft.com/office/drawing/2014/main" id="{E75F20C7-0DD1-BFF7-7AFD-94AFCF36B31C}"/>
+              </a:ext>
+            </a:extLst>
+          </p:cNvPr>
+          <p:cNvSpPr/>
+          <p:nvPr/>
+        </p:nvSpPr>
+        <p:spPr>
+          <a:xfrm>
+            <a:off x="3088470" y="3818756"/>
+            <a:ext cx="1665213" cy="1018553"/>
+          </a:xfrm>
+          <a:prstGeom prst="roundRect">
+            <a:avLst>
+              <a:gd name="adj" fmla="val 7267"/>
+            </a:avLst>
+          </a:prstGeom>
+          <a:ln w="12700">
+            <a:headEnd type="none" w="med" len="med"/>
+            <a:tailEnd type="triangle" w="med" len="med"/>
+          </a:ln>
+        </p:spPr>
+        <p:style>
+          <a:lnRef idx="2">
+            <a:schemeClr val="dk1"/>
+          </a:lnRef>
+          <a:fillRef idx="1">
+            <a:schemeClr val="lt1"/>
+          </a:fillRef>
+          <a:effectRef idx="0">
+            <a:schemeClr val="dk1"/>
+          </a:effectRef>
+          <a:fontRef idx="minor">
+            <a:schemeClr val="dk1"/>
+          </a:fontRef>
+        </p:style>
+        <p:txBody>
+          <a:bodyPr rtlCol="0" anchor="t"/>
+          <a:lstStyle/>
+          <a:p>
+            <a:pPr algn="ctr"/>
+            <a:r>
+              <a:rPr lang="en-US" altLang="ko-KR" sz="1000" dirty="0"/>
+              <a:t>Topic B</a:t>
+            </a:r>
+          </a:p>
+          <a:p>
+            <a:pPr algn="ctr"/>
+            <a:endParaRPr lang="en-US" altLang="ko-KR" sz="1000" dirty="0"/>
+          </a:p>
+        </p:txBody>
+      </p:sp>
+      <p:sp>
+        <p:nvSpPr>
+          <p:cNvPr id="133" name="사각형: 둥근 모서리 6">
+            <a:extLst>
+              <a:ext uri="{FF2B5EF4-FFF2-40B4-BE49-F238E27FC236}">
+                <a16:creationId xmlns:a16="http://schemas.microsoft.com/office/drawing/2014/main" id="{79642867-40A7-B299-E073-77693DD35632}"/>
+              </a:ext>
+            </a:extLst>
+          </p:cNvPr>
+          <p:cNvSpPr/>
+          <p:nvPr/>
+        </p:nvSpPr>
+        <p:spPr>
+          <a:xfrm>
+            <a:off x="3187793" y="4084175"/>
+            <a:ext cx="1466564" cy="293003"/>
+          </a:xfrm>
+          <a:prstGeom prst="roundRect">
+            <a:avLst>
+              <a:gd name="adj" fmla="val 18811"/>
+            </a:avLst>
+          </a:prstGeom>
+          <a:solidFill>
+            <a:schemeClr val="bg1">
+              <a:lumMod val="95000"/>
+            </a:schemeClr>
+          </a:solidFill>
+          <a:ln w="12700">
+            <a:headEnd type="none" w="med" len="med"/>
+            <a:tailEnd type="triangle" w="med" len="med"/>
+          </a:ln>
+        </p:spPr>
+        <p:style>
+          <a:lnRef idx="2">
+            <a:schemeClr val="dk1"/>
+          </a:lnRef>
+          <a:fillRef idx="1">
+            <a:schemeClr val="lt1"/>
+          </a:fillRef>
+          <a:effectRef idx="0">
+            <a:schemeClr val="dk1"/>
+          </a:effectRef>
+          <a:fontRef idx="minor">
+            <a:schemeClr val="dk1"/>
+          </a:fontRef>
+        </p:style>
+        <p:txBody>
+          <a:bodyPr rtlCol="0" anchor="ctr"/>
+          <a:lstStyle/>
+          <a:p>
+            <a:pPr algn="ctr"/>
+            <a:r>
+              <a:rPr lang="en-US" altLang="ko-KR" sz="900" dirty="0"/>
+              <a:t>Partition 0 Records</a:t>
+            </a:r>
+          </a:p>
+          <a:p>
+            <a:pPr algn="ctr"/>
+            <a:r>
+              <a:rPr lang="en-US" altLang="ko-KR" sz="900" b="1" dirty="0">
+                <a:solidFill>
+                  <a:schemeClr val="accent3">
+                    <a:lumMod val="75000"/>
+                  </a:schemeClr>
+                </a:solidFill>
+              </a:rPr>
+              <a:t>SEQ=524~520</a:t>
+            </a:r>
+            <a:endParaRPr lang="ko-KR" altLang="en-US" sz="900" b="1" dirty="0">
+              <a:solidFill>
+                <a:schemeClr val="accent3">
+                  <a:lumMod val="75000"/>
+                </a:schemeClr>
+              </a:solidFill>
+            </a:endParaRPr>
+          </a:p>
+        </p:txBody>
+      </p:sp>
+      <p:sp>
+        <p:nvSpPr>
+          <p:cNvPr id="134" name="사각형: 둥근 모서리 6">
+            <a:extLst>
+              <a:ext uri="{FF2B5EF4-FFF2-40B4-BE49-F238E27FC236}">
+                <a16:creationId xmlns:a16="http://schemas.microsoft.com/office/drawing/2014/main" id="{9F59C30A-EFD6-20E8-721B-1FF2DDCEB572}"/>
+              </a:ext>
+            </a:extLst>
+          </p:cNvPr>
+          <p:cNvSpPr/>
+          <p:nvPr/>
+        </p:nvSpPr>
+        <p:spPr>
+          <a:xfrm>
+            <a:off x="3187793" y="4455452"/>
+            <a:ext cx="1466564" cy="293003"/>
+          </a:xfrm>
+          <a:prstGeom prst="roundRect">
+            <a:avLst>
+              <a:gd name="adj" fmla="val 18811"/>
+            </a:avLst>
+          </a:prstGeom>
+          <a:solidFill>
+            <a:schemeClr val="bg1">
+              <a:lumMod val="95000"/>
+            </a:schemeClr>
+          </a:solidFill>
+          <a:ln w="12700">
+            <a:headEnd type="none" w="med" len="med"/>
+            <a:tailEnd type="triangle" w="med" len="med"/>
+          </a:ln>
+        </p:spPr>
+        <p:style>
+          <a:lnRef idx="2">
+            <a:schemeClr val="dk1"/>
+          </a:lnRef>
+          <a:fillRef idx="1">
+            <a:schemeClr val="lt1"/>
+          </a:fillRef>
+          <a:effectRef idx="0">
+            <a:schemeClr val="dk1"/>
+          </a:effectRef>
+          <a:fontRef idx="minor">
+            <a:schemeClr val="dk1"/>
+          </a:fontRef>
+        </p:style>
+        <p:txBody>
+          <a:bodyPr rtlCol="0" anchor="ctr"/>
+          <a:lstStyle/>
+          <a:p>
+            <a:pPr algn="ctr"/>
+            <a:r>
+              <a:rPr lang="en-US" altLang="ko-KR" sz="900" dirty="0"/>
+              <a:t>Partition 3 Records</a:t>
+            </a:r>
+          </a:p>
+          <a:p>
+            <a:pPr algn="ctr"/>
+            <a:r>
+              <a:rPr lang="en-US" altLang="ko-KR" sz="900" b="1" dirty="0">
+                <a:solidFill>
+                  <a:schemeClr val="accent3">
+                    <a:lumMod val="75000"/>
+                  </a:schemeClr>
+                </a:solidFill>
+              </a:rPr>
+              <a:t>SEQ=480~474</a:t>
+            </a:r>
+            <a:endParaRPr lang="ko-KR" altLang="en-US" sz="900" b="1" dirty="0">
+              <a:solidFill>
+                <a:schemeClr val="accent3">
+                  <a:lumMod val="75000"/>
+                </a:schemeClr>
+              </a:solidFill>
+            </a:endParaRPr>
+          </a:p>
+        </p:txBody>
+      </p:sp>
+      <p:sp>
+        <p:nvSpPr>
+          <p:cNvPr id="5" name="사각형: 둥근 모서리 56">
+            <a:extLst>
+              <a:ext uri="{FF2B5EF4-FFF2-40B4-BE49-F238E27FC236}">
+                <a16:creationId xmlns:a16="http://schemas.microsoft.com/office/drawing/2014/main" id="{11737866-FF56-05B0-B7D5-BC3664E55D79}"/>
+              </a:ext>
+            </a:extLst>
+          </p:cNvPr>
+          <p:cNvSpPr/>
+          <p:nvPr/>
+        </p:nvSpPr>
+        <p:spPr>
+          <a:xfrm>
+            <a:off x="6240422" y="187696"/>
+            <a:ext cx="2720252" cy="1224523"/>
+          </a:xfrm>
+          <a:prstGeom prst="roundRect">
+            <a:avLst>
+              <a:gd name="adj" fmla="val 8779"/>
+            </a:avLst>
+          </a:prstGeom>
+          <a:ln w="12700">
+            <a:headEnd type="none" w="med" len="med"/>
+            <a:tailEnd type="triangle" w="med" len="med"/>
+          </a:ln>
+        </p:spPr>
+        <p:style>
+          <a:lnRef idx="2">
+            <a:schemeClr val="dk1"/>
+          </a:lnRef>
+          <a:fillRef idx="1">
+            <a:schemeClr val="lt1"/>
+          </a:fillRef>
+          <a:effectRef idx="0">
+            <a:schemeClr val="dk1"/>
+          </a:effectRef>
+          <a:fontRef idx="minor">
+            <a:schemeClr val="dk1"/>
+          </a:fontRef>
+        </p:style>
+        <p:txBody>
+          <a:bodyPr rtlCol="0" anchor="ctr"/>
+          <a:lstStyle/>
+          <a:p>
+            <a:pPr algn="ctr"/>
+            <a:r>
+              <a:rPr lang="en-US" altLang="ko-KR" sz="1000" b="1"/>
+              <a:t>Cached SEQ</a:t>
+            </a:r>
+            <a:r>
+              <a:rPr lang="ko-KR" altLang="en-US" sz="1000" b="1"/>
+              <a:t> </a:t>
+            </a:r>
+            <a:r>
+              <a:rPr lang="en-US" altLang="ko-KR" sz="1000" b="1"/>
+              <a:t>PID=1 Epoch=1 </a:t>
+            </a:r>
+          </a:p>
+          <a:p>
+            <a:pPr algn="ctr"/>
+            <a:endParaRPr lang="en-US" altLang="ko-KR" sz="1000" b="1" dirty="0"/>
+          </a:p>
+          <a:p>
+            <a:r>
+              <a:rPr lang="en-US" altLang="ko-KR" sz="900" dirty="0"/>
+              <a:t>Topic A, Partition 0 / </a:t>
+            </a:r>
+            <a:r>
+              <a:rPr lang="en-US" altLang="ko-KR" sz="900" b="1" dirty="0">
+                <a:solidFill>
+                  <a:schemeClr val="tx2"/>
+                </a:solidFill>
+              </a:rPr>
+              <a:t>113~106</a:t>
+            </a:r>
+            <a:r>
+              <a:rPr lang="en-US" altLang="ko-KR" sz="900" dirty="0"/>
+              <a:t>, </a:t>
+            </a:r>
+            <a:r>
+              <a:rPr lang="en-US" altLang="ko-KR" sz="900" b="1" dirty="0">
+                <a:solidFill>
+                  <a:srgbClr val="C00000"/>
+                </a:solidFill>
+              </a:rPr>
+              <a:t>105~100</a:t>
+            </a:r>
+            <a:r>
+              <a:rPr lang="en-US" altLang="ko-KR" sz="900" dirty="0"/>
+              <a:t>, 99~85, 84~78, 77~70</a:t>
+            </a:r>
+          </a:p>
+          <a:p>
+            <a:r>
+              <a:rPr lang="en-US" altLang="ko-KR" sz="900" dirty="0"/>
+              <a:t>Topic B, Partition 0 / </a:t>
+            </a:r>
+            <a:r>
+              <a:rPr lang="en-US" altLang="ko-KR" sz="900" b="1" dirty="0">
+                <a:solidFill>
+                  <a:schemeClr val="tx2"/>
+                </a:solidFill>
+              </a:rPr>
+              <a:t>215~208</a:t>
+            </a:r>
+            <a:r>
+              <a:rPr lang="en-US" altLang="ko-KR" sz="900" dirty="0"/>
+              <a:t>, </a:t>
+            </a:r>
+            <a:r>
+              <a:rPr lang="en-US" altLang="ko-KR" sz="900" b="1" dirty="0">
+                <a:solidFill>
+                  <a:srgbClr val="C00000"/>
+                </a:solidFill>
+              </a:rPr>
+              <a:t>207~200</a:t>
+            </a:r>
+            <a:r>
+              <a:rPr lang="en-US" altLang="ko-KR" sz="900" dirty="0"/>
+              <a:t>, 199~190, 189~179, 178~170</a:t>
+            </a:r>
+          </a:p>
+          <a:p>
+            <a:r>
+              <a:rPr lang="en-US" altLang="ko-KR" sz="900" dirty="0"/>
+              <a:t>Topic B, Partition 3 / </a:t>
+            </a:r>
+            <a:r>
+              <a:rPr lang="en-US" altLang="ko-KR" sz="900" b="1" dirty="0">
+                <a:solidFill>
+                  <a:schemeClr val="tx2"/>
+                </a:solidFill>
+              </a:rPr>
+              <a:t>195~186</a:t>
+            </a:r>
+            <a:r>
+              <a:rPr lang="en-US" altLang="ko-KR" sz="900" dirty="0">
+                <a:solidFill>
+                  <a:schemeClr val="tx1"/>
+                </a:solidFill>
+              </a:rPr>
+              <a:t>,</a:t>
+            </a:r>
+            <a:r>
+              <a:rPr lang="ko-KR" altLang="en-US" sz="900" dirty="0">
+                <a:solidFill>
+                  <a:schemeClr val="tx1"/>
+                </a:solidFill>
+              </a:rPr>
+              <a:t> </a:t>
+            </a:r>
+            <a:r>
+              <a:rPr lang="en-US" altLang="ko-KR" sz="900" b="1" dirty="0">
+                <a:solidFill>
+                  <a:srgbClr val="C00000"/>
+                </a:solidFill>
+              </a:rPr>
+              <a:t>185~180</a:t>
+            </a:r>
+            <a:r>
+              <a:rPr lang="en-US" altLang="ko-KR" sz="900" dirty="0">
+                <a:solidFill>
+                  <a:schemeClr val="tx1"/>
+                </a:solidFill>
+              </a:rPr>
+              <a:t>, 179~169, 168~161, 160~152</a:t>
+            </a:r>
+            <a:endParaRPr lang="en-US" altLang="ko-KR" sz="1000" dirty="0">
+              <a:solidFill>
+                <a:schemeClr val="tx1"/>
+              </a:solidFill>
+            </a:endParaRPr>
+          </a:p>
+        </p:txBody>
+      </p:sp>
+      <p:sp>
+        <p:nvSpPr>
+          <p:cNvPr id="6" name="사각형: 둥근 모서리 56">
+            <a:extLst>
+              <a:ext uri="{FF2B5EF4-FFF2-40B4-BE49-F238E27FC236}">
+                <a16:creationId xmlns:a16="http://schemas.microsoft.com/office/drawing/2014/main" id="{E19E03ED-5046-9E20-758A-35B6467EEC8F}"/>
+              </a:ext>
+            </a:extLst>
+          </p:cNvPr>
+          <p:cNvSpPr/>
+          <p:nvPr/>
+        </p:nvSpPr>
+        <p:spPr>
+          <a:xfrm>
+            <a:off x="6240422" y="1497443"/>
+            <a:ext cx="2720252" cy="1224523"/>
+          </a:xfrm>
+          <a:prstGeom prst="roundRect">
+            <a:avLst>
+              <a:gd name="adj" fmla="val 8779"/>
+            </a:avLst>
+          </a:prstGeom>
+          <a:ln w="12700">
+            <a:headEnd type="none" w="med" len="med"/>
+            <a:tailEnd type="triangle" w="med" len="med"/>
+          </a:ln>
+        </p:spPr>
+        <p:style>
+          <a:lnRef idx="2">
+            <a:schemeClr val="dk1"/>
+          </a:lnRef>
+          <a:fillRef idx="1">
+            <a:schemeClr val="lt1"/>
+          </a:fillRef>
+          <a:effectRef idx="0">
+            <a:schemeClr val="dk1"/>
+          </a:effectRef>
+          <a:fontRef idx="minor">
+            <a:schemeClr val="dk1"/>
+          </a:fontRef>
+        </p:style>
+        <p:txBody>
+          <a:bodyPr rtlCol="0" anchor="ctr"/>
+          <a:lstStyle/>
+          <a:p>
+            <a:pPr algn="ctr"/>
+            <a:r>
+              <a:rPr lang="en-US" altLang="ko-KR" sz="1000" b="1"/>
+              <a:t>Cached SEQ PID=2 Epoch=3 </a:t>
+            </a:r>
+          </a:p>
+          <a:p>
+            <a:pPr algn="ctr"/>
+            <a:endParaRPr lang="en-US" altLang="ko-KR" sz="1000" b="1" dirty="0"/>
+          </a:p>
+          <a:p>
+            <a:r>
+              <a:rPr lang="en-US" altLang="ko-KR" sz="900" dirty="0"/>
+              <a:t>Topic A, Partition 0 / </a:t>
+            </a:r>
+            <a:r>
+              <a:rPr lang="en-US" altLang="ko-KR" sz="900" b="1" dirty="0">
+                <a:solidFill>
+                  <a:schemeClr val="accent3">
+                    <a:lumMod val="75000"/>
+                  </a:schemeClr>
+                </a:solidFill>
+              </a:rPr>
+              <a:t>315~302</a:t>
+            </a:r>
+            <a:r>
+              <a:rPr lang="en-US" altLang="ko-KR" sz="900" dirty="0"/>
+              <a:t>, </a:t>
+            </a:r>
+            <a:r>
+              <a:rPr lang="en-US" altLang="ko-KR" sz="900" dirty="0">
+                <a:solidFill>
+                  <a:schemeClr val="tx1"/>
+                </a:solidFill>
+              </a:rPr>
+              <a:t>301~298, 297~290, 289~275, 274~270</a:t>
+            </a:r>
+          </a:p>
+          <a:p>
+            <a:r>
+              <a:rPr lang="en-US" altLang="ko-KR" sz="900" dirty="0"/>
+              <a:t>Topic B, Partition 0 / </a:t>
+            </a:r>
+            <a:r>
+              <a:rPr lang="en-US" altLang="ko-KR" sz="900" b="1" dirty="0">
+                <a:solidFill>
+                  <a:schemeClr val="accent3">
+                    <a:lumMod val="75000"/>
+                  </a:schemeClr>
+                </a:solidFill>
+              </a:rPr>
+              <a:t>524~502</a:t>
+            </a:r>
+            <a:r>
+              <a:rPr lang="en-US" altLang="ko-KR" sz="900" dirty="0"/>
+              <a:t>, </a:t>
+            </a:r>
+            <a:r>
+              <a:rPr lang="en-US" altLang="ko-KR" sz="900" dirty="0">
+                <a:solidFill>
+                  <a:schemeClr val="tx1"/>
+                </a:solidFill>
+              </a:rPr>
+              <a:t>501~493, 492~482, 481~472, 471~458</a:t>
+            </a:r>
+            <a:endParaRPr lang="en-US" altLang="ko-KR" sz="900" dirty="0"/>
+          </a:p>
+          <a:p>
+            <a:r>
+              <a:rPr lang="en-US" altLang="ko-KR" sz="900" dirty="0"/>
+              <a:t>Topic B, Partition 3 / </a:t>
+            </a:r>
+            <a:r>
+              <a:rPr lang="en-US" altLang="ko-KR" sz="900" b="1" dirty="0">
+                <a:solidFill>
+                  <a:schemeClr val="accent3">
+                    <a:lumMod val="75000"/>
+                  </a:schemeClr>
+                </a:solidFill>
+              </a:rPr>
+              <a:t>480~474</a:t>
+            </a:r>
+            <a:r>
+              <a:rPr lang="en-US" altLang="ko-KR" sz="900" dirty="0">
+                <a:solidFill>
+                  <a:schemeClr val="tx1"/>
+                </a:solidFill>
+              </a:rPr>
+              <a:t>, 473~472,</a:t>
+            </a:r>
+            <a:r>
+              <a:rPr lang="ko-KR" altLang="en-US" sz="900" dirty="0">
+                <a:solidFill>
+                  <a:schemeClr val="tx1"/>
+                </a:solidFill>
+              </a:rPr>
+              <a:t> </a:t>
+            </a:r>
+            <a:r>
+              <a:rPr lang="en-US" altLang="ko-KR" sz="900" dirty="0">
+                <a:solidFill>
+                  <a:schemeClr val="tx1"/>
+                </a:solidFill>
+              </a:rPr>
+              <a:t>471~464, 463~454, 453~442</a:t>
+            </a:r>
+          </a:p>
+        </p:txBody>
+      </p:sp>
+      <p:sp>
+        <p:nvSpPr>
+          <p:cNvPr id="9" name="사각형: 둥근 모서리 56">
+            <a:extLst>
+              <a:ext uri="{FF2B5EF4-FFF2-40B4-BE49-F238E27FC236}">
+                <a16:creationId xmlns:a16="http://schemas.microsoft.com/office/drawing/2014/main" id="{AA43C9DC-0B64-B108-E81A-47001F804AB5}"/>
+              </a:ext>
+            </a:extLst>
+          </p:cNvPr>
+          <p:cNvSpPr/>
+          <p:nvPr/>
+        </p:nvSpPr>
+        <p:spPr>
+          <a:xfrm>
+            <a:off x="254214" y="1272864"/>
+            <a:ext cx="1358006" cy="541855"/>
+          </a:xfrm>
+          <a:prstGeom prst="roundRect">
+            <a:avLst>
+              <a:gd name="adj" fmla="val 14735"/>
+            </a:avLst>
+          </a:prstGeom>
+          <a:ln w="12700">
+            <a:headEnd type="none" w="med" len="med"/>
+            <a:tailEnd type="triangle" w="med" len="med"/>
+          </a:ln>
+        </p:spPr>
+        <p:style>
+          <a:lnRef idx="2">
+            <a:schemeClr val="dk1"/>
+          </a:lnRef>
+          <a:fillRef idx="1">
+            <a:schemeClr val="lt1"/>
+          </a:fillRef>
+          <a:effectRef idx="0">
+            <a:schemeClr val="dk1"/>
+          </a:effectRef>
+          <a:fontRef idx="minor">
+            <a:schemeClr val="dk1"/>
+          </a:fontRef>
+        </p:style>
+        <p:txBody>
+          <a:bodyPr rtlCol="0" anchor="ctr"/>
+          <a:lstStyle/>
+          <a:p>
+            <a:pPr algn="ctr"/>
+            <a:r>
+              <a:rPr lang="en-US" altLang="ko-KR" sz="1000" b="1"/>
+              <a:t>In-flight Requests</a:t>
+            </a:r>
+          </a:p>
+          <a:p>
+            <a:pPr algn="ctr"/>
+            <a:r>
+              <a:rPr lang="en-US" altLang="ko-KR" sz="1000" dirty="0"/>
+              <a:t>A, C</a:t>
+            </a:r>
+          </a:p>
+        </p:txBody>
+      </p:sp>
+      <p:sp>
+        <p:nvSpPr>
+          <p:cNvPr id="20" name="사각형: 둥근 모서리 56">
+            <a:extLst>
+              <a:ext uri="{FF2B5EF4-FFF2-40B4-BE49-F238E27FC236}">
+                <a16:creationId xmlns:a16="http://schemas.microsoft.com/office/drawing/2014/main" id="{B48E9E42-7874-5428-0F2F-26DEF89C53E0}"/>
+              </a:ext>
+            </a:extLst>
+          </p:cNvPr>
+          <p:cNvSpPr/>
+          <p:nvPr/>
+        </p:nvSpPr>
+        <p:spPr>
+          <a:xfrm>
+            <a:off x="181924" y="3341549"/>
+            <a:ext cx="1501154" cy="941418"/>
+          </a:xfrm>
+          <a:prstGeom prst="roundRect">
+            <a:avLst>
+              <a:gd name="adj" fmla="val 10105"/>
+            </a:avLst>
+          </a:prstGeom>
+          <a:ln w="12700">
+            <a:headEnd type="none" w="med" len="med"/>
+            <a:tailEnd type="triangle" w="med" len="med"/>
+          </a:ln>
+        </p:spPr>
+        <p:style>
+          <a:lnRef idx="2">
+            <a:schemeClr val="dk1"/>
+          </a:lnRef>
+          <a:fillRef idx="1">
+            <a:schemeClr val="lt1"/>
+          </a:fillRef>
+          <a:effectRef idx="0">
+            <a:schemeClr val="dk1"/>
+          </a:effectRef>
+          <a:fontRef idx="minor">
+            <a:schemeClr val="dk1"/>
+          </a:fontRef>
+        </p:style>
+        <p:txBody>
+          <a:bodyPr rtlCol="0" anchor="t"/>
+          <a:lstStyle/>
+          <a:p>
+            <a:pPr algn="ctr"/>
+            <a:r>
+              <a:rPr lang="en-US" altLang="ko-KR" sz="1000"/>
+              <a:t>Producer A</a:t>
+            </a:r>
+            <a:endParaRPr lang="ko-KR" altLang="en-US" sz="1000" dirty="0"/>
+          </a:p>
+        </p:txBody>
+      </p:sp>
+      <p:sp>
+        <p:nvSpPr>
+          <p:cNvPr id="21" name="사각형: 둥근 모서리 56">
+            <a:extLst>
+              <a:ext uri="{FF2B5EF4-FFF2-40B4-BE49-F238E27FC236}">
+                <a16:creationId xmlns:a16="http://schemas.microsoft.com/office/drawing/2014/main" id="{7F2915B5-7DAD-7541-4C96-A2B2667B65D9}"/>
+              </a:ext>
+            </a:extLst>
+          </p:cNvPr>
+          <p:cNvSpPr/>
+          <p:nvPr/>
+        </p:nvSpPr>
+        <p:spPr>
+          <a:xfrm>
+            <a:off x="253499" y="3669335"/>
+            <a:ext cx="1358006" cy="541855"/>
+          </a:xfrm>
+          <a:prstGeom prst="roundRect">
+            <a:avLst>
+              <a:gd name="adj" fmla="val 14735"/>
+            </a:avLst>
+          </a:prstGeom>
+          <a:ln w="12700">
+            <a:headEnd type="none" w="med" len="med"/>
+            <a:tailEnd type="triangle" w="med" len="med"/>
+          </a:ln>
+        </p:spPr>
+        <p:style>
+          <a:lnRef idx="2">
+            <a:schemeClr val="dk1"/>
+          </a:lnRef>
+          <a:fillRef idx="1">
+            <a:schemeClr val="lt1"/>
+          </a:fillRef>
+          <a:effectRef idx="0">
+            <a:schemeClr val="dk1"/>
+          </a:effectRef>
+          <a:fontRef idx="minor">
+            <a:schemeClr val="dk1"/>
+          </a:fontRef>
+        </p:style>
+        <p:txBody>
+          <a:bodyPr rtlCol="0" anchor="ctr"/>
+          <a:lstStyle/>
+          <a:p>
+            <a:pPr algn="ctr"/>
+            <a:r>
+              <a:rPr lang="en-US" altLang="ko-KR" sz="1000" b="1"/>
+              <a:t>In-flight Requests</a:t>
+            </a:r>
+          </a:p>
+          <a:p>
+            <a:pPr algn="ctr"/>
+            <a:r>
+              <a:rPr lang="en-US" altLang="ko-KR" sz="1000" dirty="0"/>
+              <a:t>B</a:t>
+            </a:r>
+          </a:p>
+        </p:txBody>
+      </p:sp>
+    </p:spTree>
+    <p:extLst>
+      <p:ext uri="{BB962C8B-B14F-4D97-AF65-F5344CB8AC3E}">
+        <p14:creationId xmlns:p14="http://schemas.microsoft.com/office/powerpoint/2010/main" val="2994996114"/>
+      </p:ext>
+    </p:extLst>
+  </p:cSld>
+  <p:clrMapOvr>
+    <a:masterClrMapping/>
+  </p:clrMapOvr>
+</p:sld>
+</file>
+
+<file path=ppt/slides/slide5.xml><?xml version="1.0" encoding="utf-8"?>
 <p:sld xmlns:a="http://schemas.openxmlformats.org/drawingml/2006/main" xmlns:r="http://schemas.openxmlformats.org/officeDocument/2006/relationships" xmlns:p="http://schemas.openxmlformats.org/presentationml/2006/main">
   <p:cSld>
     <p:spTree>
@@ -8336,7 +11428,7 @@
 </p:sld>
 </file>
 
-<file path=ppt/slides/slide4.xml><?xml version="1.0" encoding="utf-8"?>
+<file path=ppt/slides/slide6.xml><?xml version="1.0" encoding="utf-8"?>
 <p:sld xmlns:a="http://schemas.openxmlformats.org/drawingml/2006/main" xmlns:r="http://schemas.openxmlformats.org/officeDocument/2006/relationships" xmlns:p="http://schemas.openxmlformats.org/presentationml/2006/main">
   <p:cSld>
     <p:spTree>
@@ -10348,7 +13440,7 @@
 </p:sld>
 </file>
 
-<file path=ppt/slides/slide5.xml><?xml version="1.0" encoding="utf-8"?>
+<file path=ppt/slides/slide7.xml><?xml version="1.0" encoding="utf-8"?>
 <p:sld xmlns:a="http://schemas.openxmlformats.org/drawingml/2006/main" xmlns:r="http://schemas.openxmlformats.org/officeDocument/2006/relationships" xmlns:p="http://schemas.openxmlformats.org/presentationml/2006/main">
   <p:cSld>
     <p:spTree>
@@ -12196,7 +15288,7 @@
 </p:sld>
 </file>
 
-<file path=ppt/slides/slide6.xml><?xml version="1.0" encoding="utf-8"?>
+<file path=ppt/slides/slide8.xml><?xml version="1.0" encoding="utf-8"?>
 <p:sld xmlns:a="http://schemas.openxmlformats.org/drawingml/2006/main" xmlns:r="http://schemas.openxmlformats.org/officeDocument/2006/relationships" xmlns:p="http://schemas.openxmlformats.org/presentationml/2006/main">
   <p:cSld>
     <p:spTree>
@@ -13715,7 +16807,7 @@
 </p:sld>
 </file>
 
-<file path=ppt/slides/slide7.xml><?xml version="1.0" encoding="utf-8"?>
+<file path=ppt/slides/slide9.xml><?xml version="1.0" encoding="utf-8"?>
 <p:sld xmlns:a="http://schemas.openxmlformats.org/drawingml/2006/main" xmlns:r="http://schemas.openxmlformats.org/officeDocument/2006/relationships" xmlns:p="http://schemas.openxmlformats.org/presentationml/2006/main">
   <p:cSld>
     <p:spTree>
